--- a/org.mwc.debrief.legacy/test_data/master_template/multi_tracks/multi_tracks_temp.pptx
+++ b/org.mwc.debrief.legacy/test_data/master_template/multi_tracks/multi_tracks_temp.pptx
@@ -16961,7 +16961,7 @@
                 <a:latin typeface="Open Sans" panose="020B0606030504020204" pitchFamily="34" charset="0"/>
                 <a:ea typeface="Open Sans" panose="020B0606030504020204" pitchFamily="34" charset="0"/>
               </a:rPr>
-              <a:t>???</a:t>
+              <a:t/>
             </a:r>
             <a:endParaRPr lang="en-US" sz="2000" dirty="0">
               <a:solidFill>

--- a/org.mwc.debrief.legacy/test_data/master_template/multi_tracks/multi_tracks_temp.pptx
+++ b/org.mwc.debrief.legacy/test_data/master_template/multi_tracks/multi_tracks_temp.pptx
@@ -10963,7 +10963,7 @@
         </p:nvSpPr>
         <p:spPr>
           <a:xfrm>
-            <a:off x="2018437" y="1293390"/>
+            <a:off x="4141271" y="2058770"/>
             <a:ext cx="613385" cy="354359"/>
           </a:xfrm>
           <a:prstGeom prst="wedgeRectCallout">
@@ -11024,7 +11024,7 @@
         </p:nvSpPr>
         <p:spPr>
           <a:xfrm>
-            <a:off x="2018437" y="1293390"/>
+            <a:off x="4781710" y="2304333"/>
             <a:ext cx="613385" cy="354359"/>
           </a:xfrm>
           <a:prstGeom prst="wedgeRectCallout">
@@ -11085,7 +11085,7 @@
         </p:nvSpPr>
         <p:spPr>
           <a:xfrm>
-            <a:off x="2018437" y="1293390"/>
+            <a:off x="4473967" y="2660639"/>
             <a:ext cx="613385" cy="354359"/>
           </a:xfrm>
           <a:prstGeom prst="wedgeRectCallout">
@@ -11146,7 +11146,7 @@
         </p:nvSpPr>
         <p:spPr>
           <a:xfrm>
-            <a:off x="2018437" y="1293390"/>
+            <a:off x="3143183" y="2299518"/>
             <a:ext cx="613385" cy="354359"/>
           </a:xfrm>
           <a:prstGeom prst="wedgeRectCallout">
@@ -17029,7 +17029,7 @@
                                     <p:cond delay="0"/>
                                   </p:stCondLst>
                                   <p:childTnLst>
-                                    <p:animMotion origin="layout" path="M 0.1741 0.1116 L 0.1741 0.1116" pathEditMode="relative" rAng="0" ptsTypes="AAAAAAAA">
+                                    <p:animMotion origin="layout" path="M 0.0000 0.0000 L 0.0000 0.0000" pathEditMode="relative" rAng="0" ptsTypes="AAAAAAAA">
                                       <p:cBhvr>
                                         <p:cTn id="7" dur="100" fill="hold"/>
                                         <p:tgtEl>
@@ -17042,7 +17042,7 @@
                                       </p:cBhvr>
                                       <p:rCtr x="-156" y="8009"/>
                                     </p:animMotion>
-                                    <p:animMotion origin="layout" path="M 0.1741 0.1116 L 0.1741 0.1102" pathEditMode="relative" rAng="0" ptsTypes="AAAAAAAA">
+                                    <p:animMotion origin="layout" path="M 0.0000 0.0000 L 0.0000 -0.0014" pathEditMode="relative" rAng="0" ptsTypes="AAAAAAAA">
                                       <p:cBhvr>
                                         <p:cTn id="8" dur="100" fill="hold"/>
                                         <p:tgtEl>
@@ -17055,7 +17055,7 @@
                                       </p:cBhvr>
                                       <p:rCtr x="-156" y="8009"/>
                                     </p:animMotion>
-                                    <p:animMotion origin="layout" path="M 0.1741 0.1102 L 0.1748 0.1088" pathEditMode="relative" rAng="0" ptsTypes="AAAAAAAA">
+                                    <p:animMotion origin="layout" path="M 0.0000 -0.0014 L 0.0007 -0.0028" pathEditMode="relative" rAng="0" ptsTypes="AAAAAAAA">
                                       <p:cBhvr>
                                         <p:cTn id="9" dur="100" fill="hold"/>
                                         <p:tgtEl>
@@ -17068,7 +17068,7 @@
                                       </p:cBhvr>
                                       <p:rCtr x="-156" y="8009"/>
                                     </p:animMotion>
-                                    <p:animMotion origin="layout" path="M 0.1748 0.1088 L 0.1748 0.1074" pathEditMode="relative" rAng="0" ptsTypes="AAAAAAAA">
+                                    <p:animMotion origin="layout" path="M 0.0007 -0.0028 L 0.0007 -0.0042" pathEditMode="relative" rAng="0" ptsTypes="AAAAAAAA">
                                       <p:cBhvr>
                                         <p:cTn id="10" dur="100" fill="hold"/>
                                         <p:tgtEl>
@@ -17081,7 +17081,7 @@
                                       </p:cBhvr>
                                       <p:rCtr x="-156" y="8009"/>
                                     </p:animMotion>
-                                    <p:animMotion origin="layout" path="M 0.1748 0.1074 L 0.1755 0.1060" pathEditMode="relative" rAng="0" ptsTypes="AAAAAAAA">
+                                    <p:animMotion origin="layout" path="M 0.0007 -0.0042 L 0.0014 -0.0056" pathEditMode="relative" rAng="0" ptsTypes="AAAAAAAA">
                                       <p:cBhvr>
                                         <p:cTn id="11" dur="100" fill="hold"/>
                                         <p:tgtEl>
@@ -17094,7 +17094,7 @@
                                       </p:cBhvr>
                                       <p:rCtr x="-156" y="8009"/>
                                     </p:animMotion>
-                                    <p:animMotion origin="layout" path="M 0.1755 0.1060 L 0.1755 0.1046" pathEditMode="relative" rAng="0" ptsTypes="AAAAAAAA">
+                                    <p:animMotion origin="layout" path="M 0.0014 -0.0056 L 0.0014 -0.0070" pathEditMode="relative" rAng="0" ptsTypes="AAAAAAAA">
                                       <p:cBhvr>
                                         <p:cTn id="12" dur="100" fill="hold"/>
                                         <p:tgtEl>
@@ -17107,7 +17107,7 @@
                                       </p:cBhvr>
                                       <p:rCtr x="-156" y="8009"/>
                                     </p:animMotion>
-                                    <p:animMotion origin="layout" path="M 0.1755 0.1046 L 0.1762 0.1032" pathEditMode="relative" rAng="0" ptsTypes="AAAAAAAA">
+                                    <p:animMotion origin="layout" path="M 0.0014 -0.0070 L 0.0020 -0.0084" pathEditMode="relative" rAng="0" ptsTypes="AAAAAAAA">
                                       <p:cBhvr>
                                         <p:cTn id="13" dur="100" fill="hold"/>
                                         <p:tgtEl>
@@ -17120,7 +17120,7 @@
                                       </p:cBhvr>
                                       <p:rCtr x="-156" y="8009"/>
                                     </p:animMotion>
-                                    <p:animMotion origin="layout" path="M 0.1762 0.1032 L 0.1762 0.1011" pathEditMode="relative" rAng="0" ptsTypes="AAAAAAAA">
+                                    <p:animMotion origin="layout" path="M 0.0020 -0.0084 L 0.0020 -0.0105" pathEditMode="relative" rAng="0" ptsTypes="AAAAAAAA">
                                       <p:cBhvr>
                                         <p:cTn id="14" dur="100" fill="hold"/>
                                         <p:tgtEl>
@@ -17133,7 +17133,7 @@
                                       </p:cBhvr>
                                       <p:rCtr x="-156" y="8009"/>
                                     </p:animMotion>
-                                    <p:animMotion origin="layout" path="M 0.1762 0.1011 L 0.1768 0.0997" pathEditMode="relative" rAng="0" ptsTypes="AAAAAAAA">
+                                    <p:animMotion origin="layout" path="M 0.0020 -0.0105 L 0.0027 -0.0119" pathEditMode="relative" rAng="0" ptsTypes="AAAAAAAA">
                                       <p:cBhvr>
                                         <p:cTn id="15" dur="100" fill="hold"/>
                                         <p:tgtEl>
@@ -17146,7 +17146,7 @@
                                       </p:cBhvr>
                                       <p:rCtr x="-156" y="8009"/>
                                     </p:animMotion>
-                                    <p:animMotion origin="layout" path="M 0.1768 0.0997 L 0.1768 0.0983" pathEditMode="relative" rAng="0" ptsTypes="AAAAAAAA">
+                                    <p:animMotion origin="layout" path="M 0.0027 -0.0119 L 0.0027 -0.0133" pathEditMode="relative" rAng="0" ptsTypes="AAAAAAAA">
                                       <p:cBhvr>
                                         <p:cTn id="16" dur="100" fill="hold"/>
                                         <p:tgtEl>
@@ -17159,7 +17159,7 @@
                                       </p:cBhvr>
                                       <p:rCtr x="-156" y="8009"/>
                                     </p:animMotion>
-                                    <p:animMotion origin="layout" path="M 0.1768 0.0983 L 0.1775 0.0969" pathEditMode="relative" rAng="0" ptsTypes="AAAAAAAA">
+                                    <p:animMotion origin="layout" path="M 0.0027 -0.0133 L 0.0034 -0.0147" pathEditMode="relative" rAng="0" ptsTypes="AAAAAAAA">
                                       <p:cBhvr>
                                         <p:cTn id="17" dur="100" fill="hold"/>
                                         <p:tgtEl>
@@ -17172,7 +17172,7 @@
                                       </p:cBhvr>
                                       <p:rCtr x="-156" y="8009"/>
                                     </p:animMotion>
-                                    <p:animMotion origin="layout" path="M 0.1775 0.0969 L 0.1775 0.0955" pathEditMode="relative" rAng="0" ptsTypes="AAAAAAAA">
+                                    <p:animMotion origin="layout" path="M 0.0034 -0.0147 L 0.0034 -0.0161" pathEditMode="relative" rAng="0" ptsTypes="AAAAAAAA">
                                       <p:cBhvr>
                                         <p:cTn id="18" dur="100" fill="hold"/>
                                         <p:tgtEl>
@@ -17185,7 +17185,7 @@
                                       </p:cBhvr>
                                       <p:rCtr x="-156" y="8009"/>
                                     </p:animMotion>
-                                    <p:animMotion origin="layout" path="M 0.1775 0.0955 L 0.1782 0.0941" pathEditMode="relative" rAng="0" ptsTypes="AAAAAAAA">
+                                    <p:animMotion origin="layout" path="M 0.0034 -0.0161 L 0.0041 -0.0176" pathEditMode="relative" rAng="0" ptsTypes="AAAAAAAA">
                                       <p:cBhvr>
                                         <p:cTn id="19" dur="100" fill="hold"/>
                                         <p:tgtEl>
@@ -17198,7 +17198,7 @@
                                       </p:cBhvr>
                                       <p:rCtr x="-156" y="8009"/>
                                     </p:animMotion>
-                                    <p:animMotion origin="layout" path="M 0.1782 0.0941 L 0.1782 0.0926" pathEditMode="relative" rAng="0" ptsTypes="AAAAAAAA">
+                                    <p:animMotion origin="layout" path="M 0.0041 -0.0176 L 0.0041 -0.0190" pathEditMode="relative" rAng="0" ptsTypes="AAAAAAAA">
                                       <p:cBhvr>
                                         <p:cTn id="20" dur="100" fill="hold"/>
                                         <p:tgtEl>
@@ -17211,7 +17211,7 @@
                                       </p:cBhvr>
                                       <p:rCtr x="-156" y="8009"/>
                                     </p:animMotion>
-                                    <p:animMotion origin="layout" path="M 0.1782 0.0926 L 0.1796 0.0912" pathEditMode="relative" rAng="0" ptsTypes="AAAAAAAA">
+                                    <p:animMotion origin="layout" path="M 0.0041 -0.0190 L 0.0055 -0.0204" pathEditMode="relative" rAng="0" ptsTypes="AAAAAAAA">
                                       <p:cBhvr>
                                         <p:cTn id="21" dur="100" fill="hold"/>
                                         <p:tgtEl>
@@ -17224,7 +17224,7 @@
                                       </p:cBhvr>
                                       <p:rCtr x="-156" y="8009"/>
                                     </p:animMotion>
-                                    <p:animMotion origin="layout" path="M 0.1796 0.0912 L 0.1809 0.0912" pathEditMode="relative" rAng="0" ptsTypes="AAAAAAAA">
+                                    <p:animMotion origin="layout" path="M 0.0055 -0.0204 L 0.0068 -0.0204" pathEditMode="relative" rAng="0" ptsTypes="AAAAAAAA">
                                       <p:cBhvr>
                                         <p:cTn id="22" dur="100" fill="hold"/>
                                         <p:tgtEl>
@@ -17237,7 +17237,7 @@
                                       </p:cBhvr>
                                       <p:rCtr x="-156" y="8009"/>
                                     </p:animMotion>
-                                    <p:animMotion origin="layout" path="M 0.1809 0.0912 L 0.1823 0.0912" pathEditMode="relative" rAng="0" ptsTypes="AAAAAAAA">
+                                    <p:animMotion origin="layout" path="M 0.0068 -0.0204 L 0.0082 -0.0204" pathEditMode="relative" rAng="0" ptsTypes="AAAAAAAA">
                                       <p:cBhvr>
                                         <p:cTn id="23" dur="100" fill="hold"/>
                                         <p:tgtEl>
@@ -17250,7 +17250,7 @@
                                       </p:cBhvr>
                                       <p:rCtr x="-156" y="8009"/>
                                     </p:animMotion>
-                                    <p:animMotion origin="layout" path="M 0.1823 0.0912 L 0.1837 0.0919" pathEditMode="relative" rAng="0" ptsTypes="AAAAAAAA">
+                                    <p:animMotion origin="layout" path="M 0.0082 -0.0204 L 0.0096 -0.0197" pathEditMode="relative" rAng="0" ptsTypes="AAAAAAAA">
                                       <p:cBhvr>
                                         <p:cTn id="24" dur="100" fill="hold"/>
                                         <p:tgtEl>
@@ -17263,7 +17263,7 @@
                                       </p:cBhvr>
                                       <p:rCtr x="-156" y="8009"/>
                                     </p:animMotion>
-                                    <p:animMotion origin="layout" path="M 0.1837 0.0919 L 0.1843 0.0933" pathEditMode="relative" rAng="0" ptsTypes="AAAAAAAA">
+                                    <p:animMotion origin="layout" path="M 0.0096 -0.0197 L 0.0102 -0.0183" pathEditMode="relative" rAng="0" ptsTypes="AAAAAAAA">
                                       <p:cBhvr>
                                         <p:cTn id="25" dur="100" fill="hold"/>
                                         <p:tgtEl>
@@ -17276,7 +17276,7 @@
                                       </p:cBhvr>
                                       <p:rCtr x="-156" y="8009"/>
                                     </p:animMotion>
-                                    <p:animMotion origin="layout" path="M 0.1843 0.0933 L 0.1850 0.0941" pathEditMode="relative" rAng="0" ptsTypes="AAAAAAAA">
+                                    <p:animMotion origin="layout" path="M 0.0102 -0.0183 L 0.0109 -0.0176" pathEditMode="relative" rAng="0" ptsTypes="AAAAAAAA">
                                       <p:cBhvr>
                                         <p:cTn id="26" dur="100" fill="hold"/>
                                         <p:tgtEl>
@@ -17289,7 +17289,7 @@
                                       </p:cBhvr>
                                       <p:rCtr x="-156" y="8009"/>
                                     </p:animMotion>
-                                    <p:animMotion origin="layout" path="M 0.1850 0.0941 L 0.1857 0.0955" pathEditMode="relative" rAng="0" ptsTypes="AAAAAAAA">
+                                    <p:animMotion origin="layout" path="M 0.0109 -0.0176 L 0.0116 -0.0161" pathEditMode="relative" rAng="0" ptsTypes="AAAAAAAA">
                                       <p:cBhvr>
                                         <p:cTn id="27" dur="100" fill="hold"/>
                                         <p:tgtEl>
@@ -17302,7 +17302,7 @@
                                       </p:cBhvr>
                                       <p:rCtr x="-156" y="8009"/>
                                     </p:animMotion>
-                                    <p:animMotion origin="layout" path="M 0.1857 0.0955 L 0.1871 0.0969" pathEditMode="relative" rAng="0" ptsTypes="AAAAAAAA">
+                                    <p:animMotion origin="layout" path="M 0.0116 -0.0161 L 0.0130 -0.0147" pathEditMode="relative" rAng="0" ptsTypes="AAAAAAAA">
                                       <p:cBhvr>
                                         <p:cTn id="28" dur="100" fill="hold"/>
                                         <p:tgtEl>
@@ -17315,7 +17315,7 @@
                                       </p:cBhvr>
                                       <p:rCtr x="-156" y="8009"/>
                                     </p:animMotion>
-                                    <p:animMotion origin="layout" path="M 0.1871 0.0969 L 0.1884 0.0976" pathEditMode="relative" rAng="0" ptsTypes="AAAAAAAA">
+                                    <p:animMotion origin="layout" path="M 0.0130 -0.0147 L 0.0143 -0.0140" pathEditMode="relative" rAng="0" ptsTypes="AAAAAAAA">
                                       <p:cBhvr>
                                         <p:cTn id="29" dur="100" fill="hold"/>
                                         <p:tgtEl>
@@ -17328,7 +17328,7 @@
                                       </p:cBhvr>
                                       <p:rCtr x="-156" y="8009"/>
                                     </p:animMotion>
-                                    <p:animMotion origin="layout" path="M 0.1884 0.0976 L 0.1898 0.0976" pathEditMode="relative" rAng="0" ptsTypes="AAAAAAAA">
+                                    <p:animMotion origin="layout" path="M 0.0143 -0.0140 L 0.0157 -0.0140" pathEditMode="relative" rAng="0" ptsTypes="AAAAAAAA">
                                       <p:cBhvr>
                                         <p:cTn id="30" dur="100" fill="hold"/>
                                         <p:tgtEl>
@@ -17341,7 +17341,7 @@
                                       </p:cBhvr>
                                       <p:rCtr x="-156" y="8009"/>
                                     </p:animMotion>
-                                    <p:animMotion origin="layout" path="M 0.1898 0.0976 L 0.1912 0.0969" pathEditMode="relative" rAng="0" ptsTypes="AAAAAAAA">
+                                    <p:animMotion origin="layout" path="M 0.0157 -0.0140 L 0.0171 -0.0147" pathEditMode="relative" rAng="0" ptsTypes="AAAAAAAA">
                                       <p:cBhvr>
                                         <p:cTn id="31" dur="100" fill="hold"/>
                                         <p:tgtEl>
@@ -17354,7 +17354,7 @@
                                       </p:cBhvr>
                                       <p:rCtr x="-156" y="8009"/>
                                     </p:animMotion>
-                                    <p:animMotion origin="layout" path="M 0.1912 0.0969 L 0.1919 0.0962" pathEditMode="relative" rAng="0" ptsTypes="AAAAAAAA">
+                                    <p:animMotion origin="layout" path="M 0.0171 -0.0147 L 0.0177 -0.0154" pathEditMode="relative" rAng="0" ptsTypes="AAAAAAAA">
                                       <p:cBhvr>
                                         <p:cTn id="32" dur="100" fill="hold"/>
                                         <p:tgtEl>
@@ -17367,7 +17367,7 @@
                                       </p:cBhvr>
                                       <p:rCtr x="-156" y="8009"/>
                                     </p:animMotion>
-                                    <p:animMotion origin="layout" path="M 0.1919 0.0962 L 0.1925 0.0948" pathEditMode="relative" rAng="0" ptsTypes="AAAAAAAA">
+                                    <p:animMotion origin="layout" path="M 0.0177 -0.0154 L 0.0184 -0.0169" pathEditMode="relative" rAng="0" ptsTypes="AAAAAAAA">
                                       <p:cBhvr>
                                         <p:cTn id="33" dur="100" fill="hold"/>
                                         <p:tgtEl>
@@ -17380,7 +17380,7 @@
                                       </p:cBhvr>
                                       <p:rCtr x="-156" y="8009"/>
                                     </p:animMotion>
-                                    <p:animMotion origin="layout" path="M 0.1925 0.0948 L 0.1925 0.0933" pathEditMode="relative" rAng="0" ptsTypes="AAAAAAAA">
+                                    <p:animMotion origin="layout" path="M 0.0184 -0.0169 L 0.0184 -0.0183" pathEditMode="relative" rAng="0" ptsTypes="AAAAAAAA">
                                       <p:cBhvr>
                                         <p:cTn id="34" dur="100" fill="hold"/>
                                         <p:tgtEl>
@@ -17393,7 +17393,7 @@
                                       </p:cBhvr>
                                       <p:rCtr x="-156" y="8009"/>
                                     </p:animMotion>
-                                    <p:animMotion origin="layout" path="M 0.1925 0.0933 L 0.1932 0.0919" pathEditMode="relative" rAng="0" ptsTypes="AAAAAAAA">
+                                    <p:animMotion origin="layout" path="M 0.0184 -0.0183 L 0.0191 -0.0197" pathEditMode="relative" rAng="0" ptsTypes="AAAAAAAA">
                                       <p:cBhvr>
                                         <p:cTn id="35" dur="100" fill="hold"/>
                                         <p:tgtEl>
@@ -17406,7 +17406,7 @@
                                       </p:cBhvr>
                                       <p:rCtr x="-156" y="8009"/>
                                     </p:animMotion>
-                                    <p:animMotion origin="layout" path="M 0.1932 0.0919 L 0.1932 0.0905" pathEditMode="relative" rAng="0" ptsTypes="AAAAAAAA">
+                                    <p:animMotion origin="layout" path="M 0.0191 -0.0197 L 0.0191 -0.0211" pathEditMode="relative" rAng="0" ptsTypes="AAAAAAAA">
                                       <p:cBhvr>
                                         <p:cTn id="36" dur="100" fill="hold"/>
                                         <p:tgtEl>
@@ -17419,7 +17419,7 @@
                                       </p:cBhvr>
                                       <p:rCtr x="-156" y="8009"/>
                                     </p:animMotion>
-                                    <p:animMotion origin="layout" path="M 0.1932 0.0905 L 0.1939 0.0891" pathEditMode="relative" rAng="0" ptsTypes="AAAAAAAA">
+                                    <p:animMotion origin="layout" path="M 0.0191 -0.0211 L 0.0198 -0.0225" pathEditMode="relative" rAng="0" ptsTypes="AAAAAAAA">
                                       <p:cBhvr>
                                         <p:cTn id="37" dur="100" fill="hold"/>
                                         <p:tgtEl>
@@ -17432,7 +17432,7 @@
                                       </p:cBhvr>
                                       <p:rCtr x="-156" y="8009"/>
                                     </p:animMotion>
-                                    <p:animMotion origin="layout" path="M 0.1939 0.0891 L 0.1939 0.0877" pathEditMode="relative" rAng="0" ptsTypes="AAAAAAAA">
+                                    <p:animMotion origin="layout" path="M 0.0198 -0.0225 L 0.0198 -0.0239" pathEditMode="relative" rAng="0" ptsTypes="AAAAAAAA">
                                       <p:cBhvr>
                                         <p:cTn id="38" dur="100" fill="hold"/>
                                         <p:tgtEl>
@@ -17445,7 +17445,7 @@
                                       </p:cBhvr>
                                       <p:rCtr x="-156" y="8009"/>
                                     </p:animMotion>
-                                    <p:animMotion origin="layout" path="M 0.1939 0.0877 L 0.1946 0.0863" pathEditMode="relative" rAng="0" ptsTypes="AAAAAAAA">
+                                    <p:animMotion origin="layout" path="M 0.0198 -0.0239 L 0.0205 -0.0253" pathEditMode="relative" rAng="0" ptsTypes="AAAAAAAA">
                                       <p:cBhvr>
                                         <p:cTn id="39" dur="100" fill="hold"/>
                                         <p:tgtEl>
@@ -17458,7 +17458,7 @@
                                       </p:cBhvr>
                                       <p:rCtr x="-156" y="8009"/>
                                     </p:animMotion>
-                                    <p:animMotion origin="layout" path="M 0.1946 0.0863 L 0.1946 0.0849" pathEditMode="relative" rAng="0" ptsTypes="AAAAAAAA">
+                                    <p:animMotion origin="layout" path="M 0.0205 -0.0253 L 0.0205 -0.0267" pathEditMode="relative" rAng="0" ptsTypes="AAAAAAAA">
                                       <p:cBhvr>
                                         <p:cTn id="40" dur="100" fill="hold"/>
                                         <p:tgtEl>
@@ -17471,7 +17471,7 @@
                                       </p:cBhvr>
                                       <p:rCtr x="-156" y="8009"/>
                                     </p:animMotion>
-                                    <p:animMotion origin="layout" path="M 0.1946 0.0849 L 0.1953 0.0835" pathEditMode="relative" rAng="0" ptsTypes="AAAAAAAA">
+                                    <p:animMotion origin="layout" path="M 0.0205 -0.0267 L 0.0211 -0.0281" pathEditMode="relative" rAng="0" ptsTypes="AAAAAAAA">
                                       <p:cBhvr>
                                         <p:cTn id="41" dur="100" fill="hold"/>
                                         <p:tgtEl>
@@ -17484,7 +17484,7 @@
                                       </p:cBhvr>
                                       <p:rCtr x="-156" y="8009"/>
                                     </p:animMotion>
-                                    <p:animMotion origin="layout" path="M 0.1953 0.0835 L 0.1953 0.0821" pathEditMode="relative" rAng="0" ptsTypes="AAAAAAAA">
+                                    <p:animMotion origin="layout" path="M 0.0211 -0.0281 L 0.0211 -0.0295" pathEditMode="relative" rAng="0" ptsTypes="AAAAAAAA">
                                       <p:cBhvr>
                                         <p:cTn id="42" dur="100" fill="hold"/>
                                         <p:tgtEl>
@@ -17497,7 +17497,7 @@
                                       </p:cBhvr>
                                       <p:rCtr x="-156" y="8009"/>
                                     </p:animMotion>
-                                    <p:animMotion origin="layout" path="M 0.1953 0.0821 L 0.1959 0.0807" pathEditMode="relative" rAng="0" ptsTypes="AAAAAAAA">
+                                    <p:animMotion origin="layout" path="M 0.0211 -0.0295 L 0.0218 -0.0309" pathEditMode="relative" rAng="0" ptsTypes="AAAAAAAA">
                                       <p:cBhvr>
                                         <p:cTn id="43" dur="100" fill="hold"/>
                                         <p:tgtEl>
@@ -17510,7 +17510,7 @@
                                       </p:cBhvr>
                                       <p:rCtr x="-156" y="8009"/>
                                     </p:animMotion>
-                                    <p:animMotion origin="layout" path="M 0.1959 0.0807 L 0.1959 0.0793" pathEditMode="relative" rAng="0" ptsTypes="AAAAAAAA">
+                                    <p:animMotion origin="layout" path="M 0.0218 -0.0309 L 0.0218 -0.0323" pathEditMode="relative" rAng="0" ptsTypes="AAAAAAAA">
                                       <p:cBhvr>
                                         <p:cTn id="44" dur="100" fill="hold"/>
                                         <p:tgtEl>
@@ -17523,7 +17523,7 @@
                                       </p:cBhvr>
                                       <p:rCtr x="-156" y="8009"/>
                                     </p:animMotion>
-                                    <p:animMotion origin="layout" path="M 0.1959 0.0793 L 0.1966 0.0779" pathEditMode="relative" rAng="0" ptsTypes="AAAAAAAA">
+                                    <p:animMotion origin="layout" path="M 0.0218 -0.0323 L 0.0225 -0.0337" pathEditMode="relative" rAng="0" ptsTypes="AAAAAAAA">
                                       <p:cBhvr>
                                         <p:cTn id="45" dur="100" fill="hold"/>
                                         <p:tgtEl>
@@ -17536,7 +17536,7 @@
                                       </p:cBhvr>
                                       <p:rCtr x="-156" y="8009"/>
                                     </p:animMotion>
-                                    <p:animMotion origin="layout" path="M 0.1966 0.0779 L 0.1966 0.0765" pathEditMode="relative" rAng="0" ptsTypes="AAAAAAAA">
+                                    <p:animMotion origin="layout" path="M 0.0225 -0.0337 L 0.0225 -0.0351" pathEditMode="relative" rAng="0" ptsTypes="AAAAAAAA">
                                       <p:cBhvr>
                                         <p:cTn id="46" dur="100" fill="hold"/>
                                         <p:tgtEl>
@@ -17549,7 +17549,7 @@
                                       </p:cBhvr>
                                       <p:rCtr x="-156" y="8009"/>
                                     </p:animMotion>
-                                    <p:animMotion origin="layout" path="M 0.1966 0.0765 L 0.1973 0.0751" pathEditMode="relative" rAng="0" ptsTypes="AAAAAAAA">
+                                    <p:animMotion origin="layout" path="M 0.0225 -0.0351 L 0.0232 -0.0365" pathEditMode="relative" rAng="0" ptsTypes="AAAAAAAA">
                                       <p:cBhvr>
                                         <p:cTn id="47" dur="100" fill="hold"/>
                                         <p:tgtEl>
@@ -17562,7 +17562,7 @@
                                       </p:cBhvr>
                                       <p:rCtr x="-156" y="8009"/>
                                     </p:animMotion>
-                                    <p:animMotion origin="layout" path="M 0.1973 0.0751 L 0.1973 0.0737" pathEditMode="relative" rAng="0" ptsTypes="AAAAAAAA">
+                                    <p:animMotion origin="layout" path="M 0.0232 -0.0365 L 0.0232 -0.0379" pathEditMode="relative" rAng="0" ptsTypes="AAAAAAAA">
                                       <p:cBhvr>
                                         <p:cTn id="48" dur="100" fill="hold"/>
                                         <p:tgtEl>
@@ -17575,7 +17575,7 @@
                                       </p:cBhvr>
                                       <p:rCtr x="-156" y="8009"/>
                                     </p:animMotion>
-                                    <p:animMotion origin="layout" path="M 0.1973 0.0737 L 0.1980 0.0723" pathEditMode="relative" rAng="0" ptsTypes="AAAAAAAA">
+                                    <p:animMotion origin="layout" path="M 0.0232 -0.0379 L 0.0239 -0.0393" pathEditMode="relative" rAng="0" ptsTypes="AAAAAAAA">
                                       <p:cBhvr>
                                         <p:cTn id="49" dur="100" fill="hold"/>
                                         <p:tgtEl>
@@ -17597,7 +17597,7 @@
                                     <p:cond delay="0"/>
                                   </p:stCondLst>
                                   <p:childTnLst>
-                                    <p:animMotion origin="layout" path="M 0.2266 0.1474 L 0.2266 0.1474" pathEditMode="relative" rAng="0" ptsTypes="AAAAAAAA">
+                                    <p:animMotion origin="layout" path="M 0.0000 0.0000 L 0.0000 0.0000" pathEditMode="relative" rAng="0" ptsTypes="AAAAAAAA">
                                       <p:cBhvr>
                                         <p:cTn id="8" dur="100" fill="hold"/>
                                         <p:tgtEl>
@@ -17610,7 +17610,7 @@
                                       </p:cBhvr>
                                       <p:rCtr x="-156" y="8009"/>
                                     </p:animMotion>
-                                    <p:animMotion origin="layout" path="M 0.2266 0.1474 L 0.2294 0.1460" pathEditMode="relative" rAng="0" ptsTypes="AAAAAAAA">
+                                    <p:animMotion origin="layout" path="M 0.0000 0.0000 L 0.0027 -0.0014" pathEditMode="relative" rAng="0" ptsTypes="AAAAAAAA">
                                       <p:cBhvr>
                                         <p:cTn id="9" dur="100" fill="hold"/>
                                         <p:tgtEl>
@@ -17623,7 +17623,7 @@
                                       </p:cBhvr>
                                       <p:rCtr x="-156" y="8009"/>
                                     </p:animMotion>
-                                    <p:animMotion origin="layout" path="M 0.2294 0.1460 L 0.2321 0.1453" pathEditMode="relative" rAng="0" ptsTypes="AAAAAAAA">
+                                    <p:animMotion origin="layout" path="M 0.0027 -0.0014 L 0.0055 -0.0021" pathEditMode="relative" rAng="0" ptsTypes="AAAAAAAA">
                                       <p:cBhvr>
                                         <p:cTn id="10" dur="100" fill="hold"/>
                                         <p:tgtEl>
@@ -17636,7 +17636,7 @@
                                       </p:cBhvr>
                                       <p:rCtr x="-156" y="8009"/>
                                     </p:animMotion>
-                                    <p:animMotion origin="layout" path="M 0.2321 0.1453 L 0.2355 0.1439" pathEditMode="relative" rAng="0" ptsTypes="AAAAAAAA">
+                                    <p:animMotion origin="layout" path="M 0.0055 -0.0021 L 0.0089 -0.0035" pathEditMode="relative" rAng="0" ptsTypes="AAAAAAAA">
                                       <p:cBhvr>
                                         <p:cTn id="11" dur="100" fill="hold"/>
                                         <p:tgtEl>
@@ -17649,7 +17649,7 @@
                                       </p:cBhvr>
                                       <p:rCtr x="-156" y="8009"/>
                                     </p:animMotion>
-                                    <p:animMotion origin="layout" path="M 0.2355 0.1439 L 0.2382 0.1425" pathEditMode="relative" rAng="0" ptsTypes="AAAAAAAA">
+                                    <p:animMotion origin="layout" path="M 0.0089 -0.0035 L 0.0116 -0.0049" pathEditMode="relative" rAng="0" ptsTypes="AAAAAAAA">
                                       <p:cBhvr>
                                         <p:cTn id="12" dur="100" fill="hold"/>
                                         <p:tgtEl>
@@ -17662,7 +17662,7 @@
                                       </p:cBhvr>
                                       <p:rCtr x="-156" y="8009"/>
                                     </p:animMotion>
-                                    <p:animMotion origin="layout" path="M 0.2382 0.1425 L 0.2410 0.1411" pathEditMode="relative" rAng="0" ptsTypes="AAAAAAAA">
+                                    <p:animMotion origin="layout" path="M 0.0116 -0.0049 L 0.0143 -0.0063" pathEditMode="relative" rAng="0" ptsTypes="AAAAAAAA">
                                       <p:cBhvr>
                                         <p:cTn id="13" dur="100" fill="hold"/>
                                         <p:tgtEl>
@@ -17675,7 +17675,7 @@
                                       </p:cBhvr>
                                       <p:rCtr x="-156" y="8009"/>
                                     </p:animMotion>
-                                    <p:animMotion origin="layout" path="M 0.2410 0.1411 L 0.2444 0.1397" pathEditMode="relative" rAng="0" ptsTypes="AAAAAAAA">
+                                    <p:animMotion origin="layout" path="M 0.0143 -0.0063 L 0.0177 -0.0077" pathEditMode="relative" rAng="0" ptsTypes="AAAAAAAA">
                                       <p:cBhvr>
                                         <p:cTn id="14" dur="100" fill="hold"/>
                                         <p:tgtEl>
@@ -17688,7 +17688,7 @@
                                       </p:cBhvr>
                                       <p:rCtr x="-156" y="8009"/>
                                     </p:animMotion>
-                                    <p:animMotion origin="layout" path="M 0.2444 0.1397 L 0.2471 0.1383" pathEditMode="relative" rAng="0" ptsTypes="AAAAAAAA">
+                                    <p:animMotion origin="layout" path="M 0.0177 -0.0077 L 0.0205 -0.0091" pathEditMode="relative" rAng="0" ptsTypes="AAAAAAAA">
                                       <p:cBhvr>
                                         <p:cTn id="15" dur="100" fill="hold"/>
                                         <p:tgtEl>
@@ -17701,7 +17701,7 @@
                                       </p:cBhvr>
                                       <p:rCtr x="-156" y="8009"/>
                                     </p:animMotion>
-                                    <p:animMotion origin="layout" path="M 0.2471 0.1383 L 0.2498 0.1376" pathEditMode="relative" rAng="0" ptsTypes="AAAAAAAA">
+                                    <p:animMotion origin="layout" path="M 0.0205 -0.0091 L 0.0232 -0.0098" pathEditMode="relative" rAng="0" ptsTypes="AAAAAAAA">
                                       <p:cBhvr>
                                         <p:cTn id="16" dur="100" fill="hold"/>
                                         <p:tgtEl>
@@ -17714,7 +17714,7 @@
                                       </p:cBhvr>
                                       <p:rCtr x="-156" y="8009"/>
                                     </p:animMotion>
-                                    <p:animMotion origin="layout" path="M 0.2498 0.1376 L 0.2533 0.1362" pathEditMode="relative" rAng="0" ptsTypes="AAAAAAAA">
+                                    <p:animMotion origin="layout" path="M 0.0232 -0.0098 L 0.0266 -0.0112" pathEditMode="relative" rAng="0" ptsTypes="AAAAAAAA">
                                       <p:cBhvr>
                                         <p:cTn id="17" dur="100" fill="hold"/>
                                         <p:tgtEl>
@@ -17727,7 +17727,7 @@
                                       </p:cBhvr>
                                       <p:rCtr x="-156" y="8009"/>
                                     </p:animMotion>
-                                    <p:animMotion origin="layout" path="M 0.2533 0.1362 L 0.2546 0.1341" pathEditMode="relative" rAng="0" ptsTypes="AAAAAAAA">
+                                    <p:animMotion origin="layout" path="M 0.0266 -0.0112 L 0.0280 -0.0133" pathEditMode="relative" rAng="0" ptsTypes="AAAAAAAA">
                                       <p:cBhvr>
                                         <p:cTn id="18" dur="100" fill="hold"/>
                                         <p:tgtEl>
@@ -17740,7 +17740,7 @@
                                       </p:cBhvr>
                                       <p:rCtr x="-156" y="8009"/>
                                     </p:animMotion>
-                                    <p:animMotion origin="layout" path="M 0.2546 0.1341 L 0.2526 0.1327" pathEditMode="relative" rAng="0" ptsTypes="AAAAAAAA">
+                                    <p:animMotion origin="layout" path="M 0.0280 -0.0133 L 0.0259 -0.0147" pathEditMode="relative" rAng="0" ptsTypes="AAAAAAAA">
                                       <p:cBhvr>
                                         <p:cTn id="19" dur="100" fill="hold"/>
                                         <p:tgtEl>
@@ -17753,7 +17753,7 @@
                                       </p:cBhvr>
                                       <p:rCtr x="-156" y="8009"/>
                                     </p:animMotion>
-                                    <p:animMotion origin="layout" path="M 0.2526 0.1327 L 0.2505 0.1313" pathEditMode="relative" rAng="0" ptsTypes="AAAAAAAA">
+                                    <p:animMotion origin="layout" path="M 0.0259 -0.0147 L 0.0239 -0.0161" pathEditMode="relative" rAng="0" ptsTypes="AAAAAAAA">
                                       <p:cBhvr>
                                         <p:cTn id="20" dur="100" fill="hold"/>
                                         <p:tgtEl>
@@ -17766,7 +17766,7 @@
                                       </p:cBhvr>
                                       <p:rCtr x="-156" y="8009"/>
                                     </p:animMotion>
-                                    <p:animMotion origin="layout" path="M 0.2505 0.1313 L 0.2478 0.1306" pathEditMode="relative" rAng="0" ptsTypes="AAAAAAAA">
+                                    <p:animMotion origin="layout" path="M 0.0239 -0.0161 L 0.0211 -0.0169" pathEditMode="relative" rAng="0" ptsTypes="AAAAAAAA">
                                       <p:cBhvr>
                                         <p:cTn id="21" dur="100" fill="hold"/>
                                         <p:tgtEl>
@@ -17779,7 +17779,7 @@
                                       </p:cBhvr>
                                       <p:rCtr x="-156" y="8009"/>
                                     </p:animMotion>
-                                    <p:animMotion origin="layout" path="M 0.2478 0.1306 L 0.2451 0.1292" pathEditMode="relative" rAng="0" ptsTypes="AAAAAAAA">
+                                    <p:animMotion origin="layout" path="M 0.0211 -0.0169 L 0.0184 -0.0183" pathEditMode="relative" rAng="0" ptsTypes="AAAAAAAA">
                                       <p:cBhvr>
                                         <p:cTn id="22" dur="100" fill="hold"/>
                                         <p:tgtEl>
@@ -17792,7 +17792,7 @@
                                       </p:cBhvr>
                                       <p:rCtr x="-156" y="8009"/>
                                     </p:animMotion>
-                                    <p:animMotion origin="layout" path="M 0.2451 0.1292 L 0.2417 0.1278" pathEditMode="relative" rAng="0" ptsTypes="AAAAAAAA">
+                                    <p:animMotion origin="layout" path="M 0.0184 -0.0183 L 0.0150 -0.0197" pathEditMode="relative" rAng="0" ptsTypes="AAAAAAAA">
                                       <p:cBhvr>
                                         <p:cTn id="23" dur="100" fill="hold"/>
                                         <p:tgtEl>
@@ -17805,7 +17805,7 @@
                                       </p:cBhvr>
                                       <p:rCtr x="-156" y="8009"/>
                                     </p:animMotion>
-                                    <p:animMotion origin="layout" path="M 0.2417 0.1278 L 0.2389 0.1263" pathEditMode="relative" rAng="0" ptsTypes="AAAAAAAA">
+                                    <p:animMotion origin="layout" path="M 0.0150 -0.0197 L 0.0123 -0.0211" pathEditMode="relative" rAng="0" ptsTypes="AAAAAAAA">
                                       <p:cBhvr>
                                         <p:cTn id="24" dur="100" fill="hold"/>
                                         <p:tgtEl>
@@ -17818,7 +17818,7 @@
                                       </p:cBhvr>
                                       <p:rCtr x="-156" y="8009"/>
                                     </p:animMotion>
-                                    <p:animMotion origin="layout" path="M 0.2389 0.1263 L 0.2362 0.1256" pathEditMode="relative" rAng="0" ptsTypes="AAAAAAAA">
+                                    <p:animMotion origin="layout" path="M 0.0123 -0.0211 L 0.0096 -0.0218" pathEditMode="relative" rAng="0" ptsTypes="AAAAAAAA">
                                       <p:cBhvr>
                                         <p:cTn id="25" dur="100" fill="hold"/>
                                         <p:tgtEl>
@@ -17831,7 +17831,7 @@
                                       </p:cBhvr>
                                       <p:rCtr x="-156" y="8009"/>
                                     </p:animMotion>
-                                    <p:animMotion origin="layout" path="M 0.2362 0.1256 L 0.2335 0.1242" pathEditMode="relative" rAng="0" ptsTypes="AAAAAAAA">
+                                    <p:animMotion origin="layout" path="M 0.0096 -0.0218 L 0.0068 -0.0232" pathEditMode="relative" rAng="0" ptsTypes="AAAAAAAA">
                                       <p:cBhvr>
                                         <p:cTn id="26" dur="100" fill="hold"/>
                                         <p:tgtEl>
@@ -17844,7 +17844,7 @@
                                       </p:cBhvr>
                                       <p:rCtr x="-156" y="8009"/>
                                     </p:animMotion>
-                                    <p:animMotion origin="layout" path="M 0.2335 0.1242 L 0.2301 0.1228" pathEditMode="relative" rAng="0" ptsTypes="AAAAAAAA">
+                                    <p:animMotion origin="layout" path="M 0.0068 -0.0232 L 0.0034 -0.0246" pathEditMode="relative" rAng="0" ptsTypes="AAAAAAAA">
                                       <p:cBhvr>
                                         <p:cTn id="27" dur="100" fill="hold"/>
                                         <p:tgtEl>
@@ -17857,7 +17857,7 @@
                                       </p:cBhvr>
                                       <p:rCtr x="-156" y="8009"/>
                                     </p:animMotion>
-                                    <p:animMotion origin="layout" path="M 0.2301 0.1228 L 0.2273 0.1214" pathEditMode="relative" rAng="0" ptsTypes="AAAAAAAA">
+                                    <p:animMotion origin="layout" path="M 0.0034 -0.0246 L 0.0007 -0.0260" pathEditMode="relative" rAng="0" ptsTypes="AAAAAAAA">
                                       <p:cBhvr>
                                         <p:cTn id="28" dur="100" fill="hold"/>
                                         <p:tgtEl>
@@ -17870,7 +17870,7 @@
                                       </p:cBhvr>
                                       <p:rCtr x="-156" y="8009"/>
                                     </p:animMotion>
-                                    <p:animMotion origin="layout" path="M 0.2273 0.1214 L 0.2246 0.1200" pathEditMode="relative" rAng="0" ptsTypes="AAAAAAAA">
+                                    <p:animMotion origin="layout" path="M 0.0007 -0.0260 L -0.0020 -0.0274" pathEditMode="relative" rAng="0" ptsTypes="AAAAAAAA">
                                       <p:cBhvr>
                                         <p:cTn id="29" dur="100" fill="hold"/>
                                         <p:tgtEl>
@@ -17883,7 +17883,7 @@
                                       </p:cBhvr>
                                       <p:rCtr x="-156" y="8009"/>
                                     </p:animMotion>
-                                    <p:animMotion origin="layout" path="M 0.2246 0.1200 L 0.2212 0.1186" pathEditMode="relative" rAng="0" ptsTypes="AAAAAAAA">
+                                    <p:animMotion origin="layout" path="M -0.0020 -0.0274 L -0.0055 -0.0288" pathEditMode="relative" rAng="0" ptsTypes="AAAAAAAA">
                                       <p:cBhvr>
                                         <p:cTn id="30" dur="100" fill="hold"/>
                                         <p:tgtEl>
@@ -17896,7 +17896,7 @@
                                       </p:cBhvr>
                                       <p:rCtr x="-156" y="8009"/>
                                     </p:animMotion>
-                                    <p:animMotion origin="layout" path="M 0.2212 0.1186 L 0.2185 0.1179" pathEditMode="relative" rAng="0" ptsTypes="AAAAAAAA">
+                                    <p:animMotion origin="layout" path="M -0.0055 -0.0288 L -0.0082 -0.0295" pathEditMode="relative" rAng="0" ptsTypes="AAAAAAAA">
                                       <p:cBhvr>
                                         <p:cTn id="31" dur="100" fill="hold"/>
                                         <p:tgtEl>
@@ -17909,7 +17909,7 @@
                                       </p:cBhvr>
                                       <p:rCtr x="-156" y="8009"/>
                                     </p:animMotion>
-                                    <p:animMotion origin="layout" path="M 0.2185 0.1179 L 0.2157 0.1165" pathEditMode="relative" rAng="0" ptsTypes="AAAAAAAA">
+                                    <p:animMotion origin="layout" path="M -0.0082 -0.0295 L -0.0109 -0.0309" pathEditMode="relative" rAng="0" ptsTypes="AAAAAAAA">
                                       <p:cBhvr>
                                         <p:cTn id="32" dur="100" fill="hold"/>
                                         <p:tgtEl>
@@ -17922,7 +17922,7 @@
                                       </p:cBhvr>
                                       <p:rCtr x="-156" y="8009"/>
                                     </p:animMotion>
-                                    <p:animMotion origin="layout" path="M 0.2157 0.1165 L 0.2123 0.1151" pathEditMode="relative" rAng="0" ptsTypes="AAAAAAAA">
+                                    <p:animMotion origin="layout" path="M -0.0109 -0.0309 L -0.0143 -0.0323" pathEditMode="relative" rAng="0" ptsTypes="AAAAAAAA">
                                       <p:cBhvr>
                                         <p:cTn id="33" dur="100" fill="hold"/>
                                         <p:tgtEl>
@@ -17935,7 +17935,7 @@
                                       </p:cBhvr>
                                       <p:rCtr x="-156" y="8009"/>
                                     </p:animMotion>
-                                    <p:animMotion origin="layout" path="M 0.2123 0.1151 L 0.2096 0.1137" pathEditMode="relative" rAng="0" ptsTypes="AAAAAAAA">
+                                    <p:animMotion origin="layout" path="M -0.0143 -0.0323 L -0.0171 -0.0337" pathEditMode="relative" rAng="0" ptsTypes="AAAAAAAA">
                                       <p:cBhvr>
                                         <p:cTn id="34" dur="100" fill="hold"/>
                                         <p:tgtEl>
@@ -17948,7 +17948,7 @@
                                       </p:cBhvr>
                                       <p:rCtr x="-156" y="8009"/>
                                     </p:animMotion>
-                                    <p:animMotion origin="layout" path="M 0.2096 0.1137 L 0.2069 0.1123" pathEditMode="relative" rAng="0" ptsTypes="AAAAAAAA">
+                                    <p:animMotion origin="layout" path="M -0.0171 -0.0337 L -0.0198 -0.0351" pathEditMode="relative" rAng="0" ptsTypes="AAAAAAAA">
                                       <p:cBhvr>
                                         <p:cTn id="35" dur="100" fill="hold"/>
                                         <p:tgtEl>
@@ -17961,7 +17961,7 @@
                                       </p:cBhvr>
                                       <p:rCtr x="-156" y="8009"/>
                                     </p:animMotion>
-                                    <p:animMotion origin="layout" path="M 0.2069 0.1123 L 0.2035 0.1109" pathEditMode="relative" rAng="0" ptsTypes="AAAAAAAA">
+                                    <p:animMotion origin="layout" path="M -0.0198 -0.0351 L -0.0232 -0.0365" pathEditMode="relative" rAng="0" ptsTypes="AAAAAAAA">
                                       <p:cBhvr>
                                         <p:cTn id="36" dur="100" fill="hold"/>
                                         <p:tgtEl>
@@ -17974,7 +17974,7 @@
                                       </p:cBhvr>
                                       <p:rCtr x="-156" y="8009"/>
                                     </p:animMotion>
-                                    <p:animMotion origin="layout" path="M 0.2035 0.1109 L 0.2007 0.1102" pathEditMode="relative" rAng="0" ptsTypes="AAAAAAAA">
+                                    <p:animMotion origin="layout" path="M -0.0232 -0.0365 L -0.0259 -0.0372" pathEditMode="relative" rAng="0" ptsTypes="AAAAAAAA">
                                       <p:cBhvr>
                                         <p:cTn id="37" dur="100" fill="hold"/>
                                         <p:tgtEl>
@@ -17987,7 +17987,7 @@
                                       </p:cBhvr>
                                       <p:rCtr x="-156" y="8009"/>
                                     </p:animMotion>
-                                    <p:animMotion origin="layout" path="M 0.2007 0.1102 L 0.1980 0.1088" pathEditMode="relative" rAng="0" ptsTypes="AAAAAAAA">
+                                    <p:animMotion origin="layout" path="M -0.0259 -0.0372 L -0.0287 -0.0386" pathEditMode="relative" rAng="0" ptsTypes="AAAAAAAA">
                                       <p:cBhvr>
                                         <p:cTn id="38" dur="100" fill="hold"/>
                                         <p:tgtEl>
@@ -18000,7 +18000,7 @@
                                       </p:cBhvr>
                                       <p:rCtr x="-156" y="8009"/>
                                     </p:animMotion>
-                                    <p:animMotion origin="layout" path="M 0.1980 0.1088 L 0.1946 0.1074" pathEditMode="relative" rAng="0" ptsTypes="AAAAAAAA">
+                                    <p:animMotion origin="layout" path="M -0.0287 -0.0386 L -0.0321 -0.0400" pathEditMode="relative" rAng="0" ptsTypes="AAAAAAAA">
                                       <p:cBhvr>
                                         <p:cTn id="39" dur="100" fill="hold"/>
                                         <p:tgtEl>
@@ -18013,7 +18013,7 @@
                                       </p:cBhvr>
                                       <p:rCtr x="-156" y="8009"/>
                                     </p:animMotion>
-                                    <p:animMotion origin="layout" path="M 0.1946 0.1074 L 0.1919 0.1060" pathEditMode="relative" rAng="0" ptsTypes="AAAAAAAA">
+                                    <p:animMotion origin="layout" path="M -0.0321 -0.0400 L -0.0348 -0.0414" pathEditMode="relative" rAng="0" ptsTypes="AAAAAAAA">
                                       <p:cBhvr>
                                         <p:cTn id="40" dur="100" fill="hold"/>
                                         <p:tgtEl>
@@ -18026,7 +18026,7 @@
                                       </p:cBhvr>
                                       <p:rCtr x="-156" y="8009"/>
                                     </p:animMotion>
-                                    <p:animMotion origin="layout" path="M 0.1919 0.1060 L 0.1884 0.1060" pathEditMode="relative" rAng="0" ptsTypes="AAAAAAAA">
+                                    <p:animMotion origin="layout" path="M -0.0348 -0.0414 L -0.0382 -0.0414" pathEditMode="relative" rAng="0" ptsTypes="AAAAAAAA">
                                       <p:cBhvr>
                                         <p:cTn id="41" dur="100" fill="hold"/>
                                         <p:tgtEl>
@@ -18039,7 +18039,7 @@
                                       </p:cBhvr>
                                       <p:rCtr x="-156" y="8009"/>
                                     </p:animMotion>
-                                    <p:animMotion origin="layout" path="M 0.1884 0.1060 L 0.1850 0.1060" pathEditMode="relative" rAng="0" ptsTypes="AAAAAAAA">
+                                    <p:animMotion origin="layout" path="M -0.0382 -0.0414 L -0.0416 -0.0414" pathEditMode="relative" rAng="0" ptsTypes="AAAAAAAA">
                                       <p:cBhvr>
                                         <p:cTn id="42" dur="100" fill="hold"/>
                                         <p:tgtEl>
@@ -18052,7 +18052,7 @@
                                       </p:cBhvr>
                                       <p:rCtr x="-156" y="8009"/>
                                     </p:animMotion>
-                                    <p:animMotion origin="layout" path="M 0.1850 0.1060 L 0.1843 0.1039" pathEditMode="relative" rAng="0" ptsTypes="AAAAAAAA">
+                                    <p:animMotion origin="layout" path="M -0.0416 -0.0414 L -0.0423 -0.0435" pathEditMode="relative" rAng="0" ptsTypes="AAAAAAAA">
                                       <p:cBhvr>
                                         <p:cTn id="43" dur="100" fill="hold"/>
                                         <p:tgtEl>
@@ -18065,7 +18065,7 @@
                                       </p:cBhvr>
                                       <p:rCtr x="-156" y="8009"/>
                                     </p:animMotion>
-                                    <p:animMotion origin="layout" path="M 0.1843 0.1039 L 0.1830 0.1018" pathEditMode="relative" rAng="0" ptsTypes="AAAAAAAA">
+                                    <p:animMotion origin="layout" path="M -0.0423 -0.0435 L -0.0437 -0.0456" pathEditMode="relative" rAng="0" ptsTypes="AAAAAAAA">
                                       <p:cBhvr>
                                         <p:cTn id="44" dur="100" fill="hold"/>
                                         <p:tgtEl>
@@ -18078,7 +18078,7 @@
                                       </p:cBhvr>
                                       <p:rCtr x="-156" y="8009"/>
                                     </p:animMotion>
-                                    <p:animMotion origin="layout" path="M 0.1830 0.1018 L 0.1816 0.0997" pathEditMode="relative" rAng="0" ptsTypes="AAAAAAAA">
+                                    <p:animMotion origin="layout" path="M -0.0437 -0.0456 L -0.0450 -0.0477" pathEditMode="relative" rAng="0" ptsTypes="AAAAAAAA">
                                       <p:cBhvr>
                                         <p:cTn id="45" dur="100" fill="hold"/>
                                         <p:tgtEl>
@@ -18091,7 +18091,7 @@
                                       </p:cBhvr>
                                       <p:rCtr x="-156" y="8009"/>
                                     </p:animMotion>
-                                    <p:animMotion origin="layout" path="M 0.1816 0.0997 L 0.1809 0.0969" pathEditMode="relative" rAng="0" ptsTypes="AAAAAAAA">
+                                    <p:animMotion origin="layout" path="M -0.0450 -0.0477 L -0.0457 -0.0506" pathEditMode="relative" rAng="0" ptsTypes="AAAAAAAA">
                                       <p:cBhvr>
                                         <p:cTn id="46" dur="100" fill="hold"/>
                                         <p:tgtEl>
@@ -18104,7 +18104,7 @@
                                       </p:cBhvr>
                                       <p:rCtr x="-156" y="8009"/>
                                     </p:animMotion>
-                                    <p:animMotion origin="layout" path="M 0.1809 0.0969 L 0.1796 0.0948" pathEditMode="relative" rAng="0" ptsTypes="AAAAAAAA">
+                                    <p:animMotion origin="layout" path="M -0.0457 -0.0506 L -0.0471 -0.0527" pathEditMode="relative" rAng="0" ptsTypes="AAAAAAAA">
                                       <p:cBhvr>
                                         <p:cTn id="47" dur="100" fill="hold"/>
                                         <p:tgtEl>
@@ -18117,7 +18117,7 @@
                                       </p:cBhvr>
                                       <p:rCtr x="-156" y="8009"/>
                                     </p:animMotion>
-                                    <p:animMotion origin="layout" path="M 0.1796 0.0948 L 0.1782 0.0919" pathEditMode="relative" rAng="0" ptsTypes="AAAAAAAA">
+                                    <p:animMotion origin="layout" path="M -0.0471 -0.0527 L -0.0484 -0.0555" pathEditMode="relative" rAng="0" ptsTypes="AAAAAAAA">
                                       <p:cBhvr>
                                         <p:cTn id="48" dur="100" fill="hold"/>
                                         <p:tgtEl>
@@ -18130,7 +18130,7 @@
                                       </p:cBhvr>
                                       <p:rCtr x="-156" y="8009"/>
                                     </p:animMotion>
-                                    <p:animMotion origin="layout" path="M 0.1782 0.0919 L 0.1775 0.0898" pathEditMode="relative" rAng="0" ptsTypes="AAAAAAAA">
+                                    <p:animMotion origin="layout" path="M -0.0484 -0.0555 L -0.0491 -0.0576" pathEditMode="relative" rAng="0" ptsTypes="AAAAAAAA">
                                       <p:cBhvr>
                                         <p:cTn id="49" dur="100" fill="hold"/>
                                         <p:tgtEl>
@@ -18143,7 +18143,7 @@
                                       </p:cBhvr>
                                       <p:rCtr x="-156" y="8009"/>
                                     </p:animMotion>
-                                    <p:animMotion origin="layout" path="M 0.1775 0.0898 L 0.1762 0.0877" pathEditMode="relative" rAng="0" ptsTypes="AAAAAAAA">
+                                    <p:animMotion origin="layout" path="M -0.0491 -0.0576 L -0.0505 -0.0597" pathEditMode="relative" rAng="0" ptsTypes="AAAAAAAA">
                                       <p:cBhvr>
                                         <p:cTn id="50" dur="100" fill="hold"/>
                                         <p:tgtEl>
@@ -18165,7 +18165,7 @@
                                     <p:cond delay="0"/>
                                   </p:stCondLst>
                                   <p:childTnLst>
-                                    <p:animMotion origin="layout" path="M 0.2014 0.1994 L 0.2014 0.1994" pathEditMode="relative" rAng="0" ptsTypes="AAAAAAAA">
+                                    <p:animMotion origin="layout" path="M 0.0000 0.0000 L 0.0000 0.0000" pathEditMode="relative" rAng="0" ptsTypes="AAAAAAAA">
                                       <p:cBhvr>
                                         <p:cTn id="9" dur="100" fill="hold"/>
                                         <p:tgtEl>
@@ -18178,7 +18178,7 @@
                                       </p:cBhvr>
                                       <p:rCtr x="-156" y="8009"/>
                                     </p:animMotion>
-                                    <p:animMotion origin="layout" path="M 0.2014 0.1994 L 0.2041 0.1980" pathEditMode="relative" rAng="0" ptsTypes="AAAAAAAA">
+                                    <p:animMotion origin="layout" path="M 0.0000 0.0000 L 0.0027 -0.0014" pathEditMode="relative" rAng="0" ptsTypes="AAAAAAAA">
                                       <p:cBhvr>
                                         <p:cTn id="10" dur="100" fill="hold"/>
                                         <p:tgtEl>
@@ -18191,7 +18191,7 @@
                                       </p:cBhvr>
                                       <p:rCtr x="-156" y="8009"/>
                                     </p:animMotion>
-                                    <p:animMotion origin="layout" path="M 0.2041 0.1980 L 0.2069 0.1973" pathEditMode="relative" rAng="0" ptsTypes="AAAAAAAA">
+                                    <p:animMotion origin="layout" path="M 0.0027 -0.0014 L 0.0055 -0.0021" pathEditMode="relative" rAng="0" ptsTypes="AAAAAAAA">
                                       <p:cBhvr>
                                         <p:cTn id="11" dur="100" fill="hold"/>
                                         <p:tgtEl>
@@ -18204,7 +18204,7 @@
                                       </p:cBhvr>
                                       <p:rCtr x="-156" y="8009"/>
                                     </p:animMotion>
-                                    <p:animMotion origin="layout" path="M 0.2069 0.1973 L 0.2103 0.1959" pathEditMode="relative" rAng="0" ptsTypes="AAAAAAAA">
+                                    <p:animMotion origin="layout" path="M 0.0055 -0.0021 L 0.0089 -0.0035" pathEditMode="relative" rAng="0" ptsTypes="AAAAAAAA">
                                       <p:cBhvr>
                                         <p:cTn id="12" dur="100" fill="hold"/>
                                         <p:tgtEl>
@@ -18217,7 +18217,7 @@
                                       </p:cBhvr>
                                       <p:rCtr x="-156" y="8009"/>
                                     </p:animMotion>
-                                    <p:animMotion origin="layout" path="M 0.2103 0.1959 L 0.2130 0.1945" pathEditMode="relative" rAng="0" ptsTypes="AAAAAAAA">
+                                    <p:animMotion origin="layout" path="M 0.0089 -0.0035 L 0.0116 -0.0049" pathEditMode="relative" rAng="0" ptsTypes="AAAAAAAA">
                                       <p:cBhvr>
                                         <p:cTn id="13" dur="100" fill="hold"/>
                                         <p:tgtEl>
@@ -18230,7 +18230,7 @@
                                       </p:cBhvr>
                                       <p:rCtr x="-156" y="8009"/>
                                     </p:animMotion>
-                                    <p:animMotion origin="layout" path="M 0.2130 0.1945 L 0.2157 0.1930" pathEditMode="relative" rAng="0" ptsTypes="AAAAAAAA">
+                                    <p:animMotion origin="layout" path="M 0.0116 -0.0049 L 0.0143 -0.0063" pathEditMode="relative" rAng="0" ptsTypes="AAAAAAAA">
                                       <p:cBhvr>
                                         <p:cTn id="14" dur="100" fill="hold"/>
                                         <p:tgtEl>
@@ -18243,7 +18243,7 @@
                                       </p:cBhvr>
                                       <p:rCtr x="-156" y="8009"/>
                                     </p:animMotion>
-                                    <p:animMotion origin="layout" path="M 0.2157 0.1930 L 0.2191 0.1916" pathEditMode="relative" rAng="0" ptsTypes="AAAAAAAA">
+                                    <p:animMotion origin="layout" path="M 0.0143 -0.0063 L 0.0177 -0.0077" pathEditMode="relative" rAng="0" ptsTypes="AAAAAAAA">
                                       <p:cBhvr>
                                         <p:cTn id="15" dur="100" fill="hold"/>
                                         <p:tgtEl>
@@ -18256,7 +18256,7 @@
                                       </p:cBhvr>
                                       <p:rCtr x="-156" y="8009"/>
                                     </p:animMotion>
-                                    <p:animMotion origin="layout" path="M 0.2191 0.1916 L 0.2219 0.1902" pathEditMode="relative" rAng="0" ptsTypes="AAAAAAAA">
+                                    <p:animMotion origin="layout" path="M 0.0177 -0.0077 L 0.0205 -0.0091" pathEditMode="relative" rAng="0" ptsTypes="AAAAAAAA">
                                       <p:cBhvr>
                                         <p:cTn id="16" dur="100" fill="hold"/>
                                         <p:tgtEl>
@@ -18269,7 +18269,7 @@
                                       </p:cBhvr>
                                       <p:rCtr x="-156" y="8009"/>
                                     </p:animMotion>
-                                    <p:animMotion origin="layout" path="M 0.2219 0.1902 L 0.2246 0.1895" pathEditMode="relative" rAng="0" ptsTypes="AAAAAAAA">
+                                    <p:animMotion origin="layout" path="M 0.0205 -0.0091 L 0.0232 -0.0098" pathEditMode="relative" rAng="0" ptsTypes="AAAAAAAA">
                                       <p:cBhvr>
                                         <p:cTn id="17" dur="100" fill="hold"/>
                                         <p:tgtEl>
@@ -18282,7 +18282,7 @@
                                       </p:cBhvr>
                                       <p:rCtr x="-156" y="8009"/>
                                     </p:animMotion>
-                                    <p:animMotion origin="layout" path="M 0.2246 0.1895 L 0.2280 0.1881" pathEditMode="relative" rAng="0" ptsTypes="AAAAAAAA">
+                                    <p:animMotion origin="layout" path="M 0.0232 -0.0098 L 0.0266 -0.0112" pathEditMode="relative" rAng="0" ptsTypes="AAAAAAAA">
                                       <p:cBhvr>
                                         <p:cTn id="18" dur="100" fill="hold"/>
                                         <p:tgtEl>
@@ -18295,7 +18295,7 @@
                                       </p:cBhvr>
                                       <p:rCtr x="-156" y="8009"/>
                                     </p:animMotion>
-                                    <p:animMotion origin="layout" path="M 0.2280 0.1881 L 0.2294 0.1860" pathEditMode="relative" rAng="0" ptsTypes="AAAAAAAA">
+                                    <p:animMotion origin="layout" path="M 0.0266 -0.0112 L 0.0280 -0.0133" pathEditMode="relative" rAng="0" ptsTypes="AAAAAAAA">
                                       <p:cBhvr>
                                         <p:cTn id="19" dur="100" fill="hold"/>
                                         <p:tgtEl>
@@ -18308,7 +18308,7 @@
                                       </p:cBhvr>
                                       <p:rCtr x="-156" y="8009"/>
                                     </p:animMotion>
-                                    <p:animMotion origin="layout" path="M 0.2294 0.1860 L 0.2273 0.1846" pathEditMode="relative" rAng="0" ptsTypes="AAAAAAAA">
+                                    <p:animMotion origin="layout" path="M 0.0280 -0.0133 L 0.0259 -0.0147" pathEditMode="relative" rAng="0" ptsTypes="AAAAAAAA">
                                       <p:cBhvr>
                                         <p:cTn id="20" dur="100" fill="hold"/>
                                         <p:tgtEl>
@@ -18321,7 +18321,7 @@
                                       </p:cBhvr>
                                       <p:rCtr x="-156" y="8009"/>
                                     </p:animMotion>
-                                    <p:animMotion origin="layout" path="M 0.2273 0.1846 L 0.2253 0.1832" pathEditMode="relative" rAng="0" ptsTypes="AAAAAAAA">
+                                    <p:animMotion origin="layout" path="M 0.0259 -0.0147 L 0.0239 -0.0161" pathEditMode="relative" rAng="0" ptsTypes="AAAAAAAA">
                                       <p:cBhvr>
                                         <p:cTn id="21" dur="100" fill="hold"/>
                                         <p:tgtEl>
@@ -18334,7 +18334,7 @@
                                       </p:cBhvr>
                                       <p:rCtr x="-156" y="8009"/>
                                     </p:animMotion>
-                                    <p:animMotion origin="layout" path="M 0.2253 0.1832 L 0.2226 0.1825" pathEditMode="relative" rAng="0" ptsTypes="AAAAAAAA">
+                                    <p:animMotion origin="layout" path="M 0.0239 -0.0161 L 0.0211 -0.0169" pathEditMode="relative" rAng="0" ptsTypes="AAAAAAAA">
                                       <p:cBhvr>
                                         <p:cTn id="22" dur="100" fill="hold"/>
                                         <p:tgtEl>
@@ -18347,7 +18347,7 @@
                                       </p:cBhvr>
                                       <p:rCtr x="-156" y="8009"/>
                                     </p:animMotion>
-                                    <p:animMotion origin="layout" path="M 0.2226 0.1825 L 0.2198 0.1811" pathEditMode="relative" rAng="0" ptsTypes="AAAAAAAA">
+                                    <p:animMotion origin="layout" path="M 0.0211 -0.0169 L 0.0184 -0.0183" pathEditMode="relative" rAng="0" ptsTypes="AAAAAAAA">
                                       <p:cBhvr>
                                         <p:cTn id="23" dur="100" fill="hold"/>
                                         <p:tgtEl>
@@ -18360,7 +18360,7 @@
                                       </p:cBhvr>
                                       <p:rCtr x="-156" y="8009"/>
                                     </p:animMotion>
-                                    <p:animMotion origin="layout" path="M 0.2198 0.1811 L 0.2171 0.1797" pathEditMode="relative" rAng="0" ptsTypes="AAAAAAAA">
+                                    <p:animMotion origin="layout" path="M 0.0184 -0.0183 L 0.0157 -0.0197" pathEditMode="relative" rAng="0" ptsTypes="AAAAAAAA">
                                       <p:cBhvr>
                                         <p:cTn id="24" dur="100" fill="hold"/>
                                         <p:tgtEl>
@@ -18373,7 +18373,7 @@
                                       </p:cBhvr>
                                       <p:rCtr x="-156" y="8009"/>
                                     </p:animMotion>
-                                    <p:animMotion origin="layout" path="M 0.2171 0.1797 L 0.2137 0.1783" pathEditMode="relative" rAng="0" ptsTypes="AAAAAAAA">
+                                    <p:animMotion origin="layout" path="M 0.0157 -0.0197 L 0.0123 -0.0211" pathEditMode="relative" rAng="0" ptsTypes="AAAAAAAA">
                                       <p:cBhvr>
                                         <p:cTn id="25" dur="100" fill="hold"/>
                                         <p:tgtEl>
@@ -18386,7 +18386,7 @@
                                       </p:cBhvr>
                                       <p:rCtr x="-156" y="8009"/>
                                     </p:animMotion>
-                                    <p:animMotion origin="layout" path="M 0.2137 0.1783 L 0.2110 0.1776" pathEditMode="relative" rAng="0" ptsTypes="AAAAAAAA">
+                                    <p:animMotion origin="layout" path="M 0.0123 -0.0211 L 0.0096 -0.0218" pathEditMode="relative" rAng="0" ptsTypes="AAAAAAAA">
                                       <p:cBhvr>
                                         <p:cTn id="26" dur="100" fill="hold"/>
                                         <p:tgtEl>
@@ -18399,7 +18399,7 @@
                                       </p:cBhvr>
                                       <p:rCtr x="-156" y="8009"/>
                                     </p:animMotion>
-                                    <p:animMotion origin="layout" path="M 0.2110 0.1776 L 0.2082 0.1762" pathEditMode="relative" rAng="0" ptsTypes="AAAAAAAA">
+                                    <p:animMotion origin="layout" path="M 0.0096 -0.0218 L 0.0068 -0.0232" pathEditMode="relative" rAng="0" ptsTypes="AAAAAAAA">
                                       <p:cBhvr>
                                         <p:cTn id="27" dur="100" fill="hold"/>
                                         <p:tgtEl>
@@ -18412,7 +18412,7 @@
                                       </p:cBhvr>
                                       <p:rCtr x="-156" y="8009"/>
                                     </p:animMotion>
-                                    <p:animMotion origin="layout" path="M 0.2082 0.1762 L 0.2048 0.1748" pathEditMode="relative" rAng="0" ptsTypes="AAAAAAAA">
+                                    <p:animMotion origin="layout" path="M 0.0068 -0.0232 L 0.0034 -0.0246" pathEditMode="relative" rAng="0" ptsTypes="AAAAAAAA">
                                       <p:cBhvr>
                                         <p:cTn id="28" dur="100" fill="hold"/>
                                         <p:tgtEl>
@@ -18425,7 +18425,7 @@
                                       </p:cBhvr>
                                       <p:rCtr x="-156" y="8009"/>
                                     </p:animMotion>
-                                    <p:animMotion origin="layout" path="M 0.2048 0.1748 L 0.2021 0.1734" pathEditMode="relative" rAng="0" ptsTypes="AAAAAAAA">
+                                    <p:animMotion origin="layout" path="M 0.0034 -0.0246 L 0.0007 -0.0260" pathEditMode="relative" rAng="0" ptsTypes="AAAAAAAA">
                                       <p:cBhvr>
                                         <p:cTn id="29" dur="100" fill="hold"/>
                                         <p:tgtEl>
@@ -18438,7 +18438,7 @@
                                       </p:cBhvr>
                                       <p:rCtr x="-156" y="8009"/>
                                     </p:animMotion>
-                                    <p:animMotion origin="layout" path="M 0.2021 0.1734 L 0.1994 0.1720" pathEditMode="relative" rAng="0" ptsTypes="AAAAAAAA">
+                                    <p:animMotion origin="layout" path="M 0.0007 -0.0260 L -0.0020 -0.0274" pathEditMode="relative" rAng="0" ptsTypes="AAAAAAAA">
                                       <p:cBhvr>
                                         <p:cTn id="30" dur="100" fill="hold"/>
                                         <p:tgtEl>
@@ -18451,7 +18451,7 @@
                                       </p:cBhvr>
                                       <p:rCtr x="-156" y="8009"/>
                                     </p:animMotion>
-                                    <p:animMotion origin="layout" path="M 0.1994 0.1720 L 0.1959 0.1706" pathEditMode="relative" rAng="0" ptsTypes="AAAAAAAA">
+                                    <p:animMotion origin="layout" path="M -0.0020 -0.0274 L -0.0055 -0.0288" pathEditMode="relative" rAng="0" ptsTypes="AAAAAAAA">
                                       <p:cBhvr>
                                         <p:cTn id="31" dur="100" fill="hold"/>
                                         <p:tgtEl>
@@ -18464,7 +18464,7 @@
                                       </p:cBhvr>
                                       <p:rCtr x="-156" y="8009"/>
                                     </p:animMotion>
-                                    <p:animMotion origin="layout" path="M 0.1959 0.1706 L 0.1932 0.1692" pathEditMode="relative" rAng="0" ptsTypes="AAAAAAAA">
+                                    <p:animMotion origin="layout" path="M -0.0055 -0.0288 L -0.0082 -0.0302" pathEditMode="relative" rAng="0" ptsTypes="AAAAAAAA">
                                       <p:cBhvr>
                                         <p:cTn id="32" dur="100" fill="hold"/>
                                         <p:tgtEl>
@@ -18477,7 +18477,7 @@
                                       </p:cBhvr>
                                       <p:rCtr x="-156" y="8009"/>
                                     </p:animMotion>
-                                    <p:animMotion origin="layout" path="M 0.1932 0.1692 L 0.1905 0.1685" pathEditMode="relative" rAng="0" ptsTypes="AAAAAAAA">
+                                    <p:animMotion origin="layout" path="M -0.0082 -0.0302 L -0.0109 -0.0309" pathEditMode="relative" rAng="0" ptsTypes="AAAAAAAA">
                                       <p:cBhvr>
                                         <p:cTn id="33" dur="100" fill="hold"/>
                                         <p:tgtEl>
@@ -18490,7 +18490,7 @@
                                       </p:cBhvr>
                                       <p:rCtr x="-156" y="8009"/>
                                     </p:animMotion>
-                                    <p:animMotion origin="layout" path="M 0.1905 0.1685 L 0.1871 0.1671" pathEditMode="relative" rAng="0" ptsTypes="AAAAAAAA">
+                                    <p:animMotion origin="layout" path="M -0.0109 -0.0309 L -0.0143 -0.0323" pathEditMode="relative" rAng="0" ptsTypes="AAAAAAAA">
                                       <p:cBhvr>
                                         <p:cTn id="34" dur="100" fill="hold"/>
                                         <p:tgtEl>
@@ -18503,7 +18503,7 @@
                                       </p:cBhvr>
                                       <p:rCtr x="-156" y="8009"/>
                                     </p:animMotion>
-                                    <p:animMotion origin="layout" path="M 0.1871 0.1671 L 0.1843 0.1657" pathEditMode="relative" rAng="0" ptsTypes="AAAAAAAA">
+                                    <p:animMotion origin="layout" path="M -0.0143 -0.0323 L -0.0171 -0.0337" pathEditMode="relative" rAng="0" ptsTypes="AAAAAAAA">
                                       <p:cBhvr>
                                         <p:cTn id="35" dur="100" fill="hold"/>
                                         <p:tgtEl>
@@ -18516,7 +18516,7 @@
                                       </p:cBhvr>
                                       <p:rCtr x="-156" y="8009"/>
                                     </p:animMotion>
-                                    <p:animMotion origin="layout" path="M 0.1843 0.1657 L 0.1816 0.1643" pathEditMode="relative" rAng="0" ptsTypes="AAAAAAAA">
+                                    <p:animMotion origin="layout" path="M -0.0171 -0.0337 L -0.0198 -0.0351" pathEditMode="relative" rAng="0" ptsTypes="AAAAAAAA">
                                       <p:cBhvr>
                                         <p:cTn id="36" dur="100" fill="hold"/>
                                         <p:tgtEl>
@@ -18529,7 +18529,7 @@
                                       </p:cBhvr>
                                       <p:rCtr x="-156" y="8009"/>
                                     </p:animMotion>
-                                    <p:animMotion origin="layout" path="M 0.1816 0.1643 L 0.1782 0.1629" pathEditMode="relative" rAng="0" ptsTypes="AAAAAAAA">
+                                    <p:animMotion origin="layout" path="M -0.0198 -0.0351 L -0.0232 -0.0365" pathEditMode="relative" rAng="0" ptsTypes="AAAAAAAA">
                                       <p:cBhvr>
                                         <p:cTn id="37" dur="100" fill="hold"/>
                                         <p:tgtEl>
@@ -18542,7 +18542,7 @@
                                       </p:cBhvr>
                                       <p:rCtr x="-156" y="8009"/>
                                     </p:animMotion>
-                                    <p:animMotion origin="layout" path="M 0.1782 0.1629 L 0.1755 0.1615" pathEditMode="relative" rAng="0" ptsTypes="AAAAAAAA">
+                                    <p:animMotion origin="layout" path="M -0.0232 -0.0365 L -0.0259 -0.0379" pathEditMode="relative" rAng="0" ptsTypes="AAAAAAAA">
                                       <p:cBhvr>
                                         <p:cTn id="38" dur="100" fill="hold"/>
                                         <p:tgtEl>
@@ -18555,7 +18555,7 @@
                                       </p:cBhvr>
                                       <p:rCtr x="-156" y="8009"/>
                                     </p:animMotion>
-                                    <p:animMotion origin="layout" path="M 0.1755 0.1615 L 0.1728 0.1608" pathEditMode="relative" rAng="0" ptsTypes="AAAAAAAA">
+                                    <p:animMotion origin="layout" path="M -0.0259 -0.0379 L -0.0287 -0.0386" pathEditMode="relative" rAng="0" ptsTypes="AAAAAAAA">
                                       <p:cBhvr>
                                         <p:cTn id="39" dur="100" fill="hold"/>
                                         <p:tgtEl>
@@ -18568,7 +18568,7 @@
                                       </p:cBhvr>
                                       <p:rCtr x="-156" y="8009"/>
                                     </p:animMotion>
-                                    <p:animMotion origin="layout" path="M 0.1728 0.1608 L 0.1693 0.1593" pathEditMode="relative" rAng="0" ptsTypes="AAAAAAAA">
+                                    <p:animMotion origin="layout" path="M -0.0287 -0.0386 L -0.0321 -0.0400" pathEditMode="relative" rAng="0" ptsTypes="AAAAAAAA">
                                       <p:cBhvr>
                                         <p:cTn id="40" dur="100" fill="hold"/>
                                         <p:tgtEl>
@@ -18581,7 +18581,7 @@
                                       </p:cBhvr>
                                       <p:rCtr x="-156" y="8009"/>
                                     </p:animMotion>
-                                    <p:animMotion origin="layout" path="M 0.1693 0.1593 L 0.1666 0.1579" pathEditMode="relative" rAng="0" ptsTypes="AAAAAAAA">
+                                    <p:animMotion origin="layout" path="M -0.0321 -0.0400 L -0.0348 -0.0414" pathEditMode="relative" rAng="0" ptsTypes="AAAAAAAA">
                                       <p:cBhvr>
                                         <p:cTn id="41" dur="100" fill="hold"/>
                                         <p:tgtEl>
@@ -18594,7 +18594,7 @@
                                       </p:cBhvr>
                                       <p:rCtr x="-156" y="8009"/>
                                     </p:animMotion>
-                                    <p:animMotion origin="layout" path="M 0.1666 0.1579 L 0.1632 0.1579" pathEditMode="relative" rAng="0" ptsTypes="AAAAAAAA">
+                                    <p:animMotion origin="layout" path="M -0.0348 -0.0414 L -0.0382 -0.0414" pathEditMode="relative" rAng="0" ptsTypes="AAAAAAAA">
                                       <p:cBhvr>
                                         <p:cTn id="42" dur="100" fill="hold"/>
                                         <p:tgtEl>
@@ -18607,7 +18607,7 @@
                                       </p:cBhvr>
                                       <p:rCtr x="-156" y="8009"/>
                                     </p:animMotion>
-                                    <p:animMotion origin="layout" path="M 0.1632 0.1579 L 0.1598 0.1579" pathEditMode="relative" rAng="0" ptsTypes="AAAAAAAA">
+                                    <p:animMotion origin="layout" path="M -0.0382 -0.0414 L -0.0416 -0.0414" pathEditMode="relative" rAng="0" ptsTypes="AAAAAAAA">
                                       <p:cBhvr>
                                         <p:cTn id="43" dur="100" fill="hold"/>
                                         <p:tgtEl>
@@ -18620,7 +18620,7 @@
                                       </p:cBhvr>
                                       <p:rCtr x="-156" y="8009"/>
                                     </p:animMotion>
-                                    <p:animMotion origin="layout" path="M 0.1598 0.1579 L 0.1591 0.1558" pathEditMode="relative" rAng="0" ptsTypes="AAAAAAAA">
+                                    <p:animMotion origin="layout" path="M -0.0416 -0.0414 L -0.0423 -0.0435" pathEditMode="relative" rAng="0" ptsTypes="AAAAAAAA">
                                       <p:cBhvr>
                                         <p:cTn id="44" dur="100" fill="hold"/>
                                         <p:tgtEl>
@@ -18633,7 +18633,7 @@
                                       </p:cBhvr>
                                       <p:rCtr x="-156" y="8009"/>
                                     </p:animMotion>
-                                    <p:animMotion origin="layout" path="M 0.1591 0.1558 L 0.1577 0.1537" pathEditMode="relative" rAng="0" ptsTypes="AAAAAAAA">
+                                    <p:animMotion origin="layout" path="M -0.0423 -0.0435 L -0.0437 -0.0456" pathEditMode="relative" rAng="0" ptsTypes="AAAAAAAA">
                                       <p:cBhvr>
                                         <p:cTn id="45" dur="100" fill="hold"/>
                                         <p:tgtEl>
@@ -18646,7 +18646,7 @@
                                       </p:cBhvr>
                                       <p:rCtr x="-156" y="8009"/>
                                     </p:animMotion>
-                                    <p:animMotion origin="layout" path="M 0.1577 0.1537 L 0.1564 0.1516" pathEditMode="relative" rAng="0" ptsTypes="AAAAAAAA">
+                                    <p:animMotion origin="layout" path="M -0.0437 -0.0456 L -0.0450 -0.0477" pathEditMode="relative" rAng="0" ptsTypes="AAAAAAAA">
                                       <p:cBhvr>
                                         <p:cTn id="46" dur="100" fill="hold"/>
                                         <p:tgtEl>
@@ -18659,7 +18659,7 @@
                                       </p:cBhvr>
                                       <p:rCtr x="-156" y="8009"/>
                                     </p:animMotion>
-                                    <p:animMotion origin="layout" path="M 0.1564 0.1516 L 0.1557 0.1488" pathEditMode="relative" rAng="0" ptsTypes="AAAAAAAA">
+                                    <p:animMotion origin="layout" path="M -0.0450 -0.0477 L -0.0457 -0.0506" pathEditMode="relative" rAng="0" ptsTypes="AAAAAAAA">
                                       <p:cBhvr>
                                         <p:cTn id="47" dur="100" fill="hold"/>
                                         <p:tgtEl>
@@ -18672,7 +18672,7 @@
                                       </p:cBhvr>
                                       <p:rCtr x="-156" y="8009"/>
                                     </p:animMotion>
-                                    <p:animMotion origin="layout" path="M 0.1557 0.1488 L 0.1543 0.1467" pathEditMode="relative" rAng="0" ptsTypes="AAAAAAAA">
+                                    <p:animMotion origin="layout" path="M -0.0457 -0.0506 L -0.0471 -0.0527" pathEditMode="relative" rAng="0" ptsTypes="AAAAAAAA">
                                       <p:cBhvr>
                                         <p:cTn id="48" dur="100" fill="hold"/>
                                         <p:tgtEl>
@@ -18685,7 +18685,7 @@
                                       </p:cBhvr>
                                       <p:rCtr x="-156" y="8009"/>
                                     </p:animMotion>
-                                    <p:animMotion origin="layout" path="M 0.1543 0.1467 L 0.1530 0.1439" pathEditMode="relative" rAng="0" ptsTypes="AAAAAAAA">
+                                    <p:animMotion origin="layout" path="M -0.0471 -0.0527 L -0.0484 -0.0555" pathEditMode="relative" rAng="0" ptsTypes="AAAAAAAA">
                                       <p:cBhvr>
                                         <p:cTn id="49" dur="100" fill="hold"/>
                                         <p:tgtEl>
@@ -18698,7 +18698,7 @@
                                       </p:cBhvr>
                                       <p:rCtr x="-156" y="8009"/>
                                     </p:animMotion>
-                                    <p:animMotion origin="layout" path="M 0.1530 0.1439 L 0.1523 0.1418" pathEditMode="relative" rAng="0" ptsTypes="AAAAAAAA">
+                                    <p:animMotion origin="layout" path="M -0.0484 -0.0555 L -0.0491 -0.0576" pathEditMode="relative" rAng="0" ptsTypes="AAAAAAAA">
                                       <p:cBhvr>
                                         <p:cTn id="50" dur="100" fill="hold"/>
                                         <p:tgtEl>
@@ -18711,7 +18711,7 @@
                                       </p:cBhvr>
                                       <p:rCtr x="-156" y="8009"/>
                                     </p:animMotion>
-                                    <p:animMotion origin="layout" path="M 0.1523 0.1418 L 0.1509 0.1397" pathEditMode="relative" rAng="0" ptsTypes="AAAAAAAA">
+                                    <p:animMotion origin="layout" path="M -0.0491 -0.0576 L -0.0505 -0.0597" pathEditMode="relative" rAng="0" ptsTypes="AAAAAAAA">
                                       <p:cBhvr>
                                         <p:cTn id="51" dur="100" fill="hold"/>
                                         <p:tgtEl>
@@ -18733,7 +18733,7 @@
                                     <p:cond delay="0"/>
                                   </p:stCondLst>
                                   <p:childTnLst>
-                                    <p:animMotion origin="layout" path="M 0.0923 0.1467 L 0.0923 0.1467" pathEditMode="relative" rAng="0" ptsTypes="AAAAAAAA">
+                                    <p:animMotion origin="layout" path="M 0.0000 0.0000 L 0.0000 0.0000" pathEditMode="relative" rAng="0" ptsTypes="AAAAAAAA">
                                       <p:cBhvr>
                                         <p:cTn id="10" dur="100" fill="hold"/>
                                         <p:tgtEl>
@@ -18746,7 +18746,7 @@
                                       </p:cBhvr>
                                       <p:rCtr x="-156" y="8009"/>
                                     </p:animMotion>
-                                    <p:animMotion origin="layout" path="M 0.0923 0.1467 L 0.0923 0.1453" pathEditMode="relative" rAng="0" ptsTypes="AAAAAAAA">
+                                    <p:animMotion origin="layout" path="M 0.0000 0.0000 L 0.0000 -0.0014" pathEditMode="relative" rAng="0" ptsTypes="AAAAAAAA">
                                       <p:cBhvr>
                                         <p:cTn id="11" dur="100" fill="hold"/>
                                         <p:tgtEl>
@@ -18759,7 +18759,7 @@
                                       </p:cBhvr>
                                       <p:rCtr x="-156" y="8009"/>
                                     </p:animMotion>
-                                    <p:animMotion origin="layout" path="M 0.0923 0.1453 L 0.0929 0.1439" pathEditMode="relative" rAng="0" ptsTypes="AAAAAAAA">
+                                    <p:animMotion origin="layout" path="M 0.0000 -0.0014 L 0.0007 -0.0028" pathEditMode="relative" rAng="0" ptsTypes="AAAAAAAA">
                                       <p:cBhvr>
                                         <p:cTn id="12" dur="100" fill="hold"/>
                                         <p:tgtEl>
@@ -18772,7 +18772,7 @@
                                       </p:cBhvr>
                                       <p:rCtr x="-156" y="8009"/>
                                     </p:animMotion>
-                                    <p:animMotion origin="layout" path="M 0.0929 0.1439 L 0.0929 0.1425" pathEditMode="relative" rAng="0" ptsTypes="AAAAAAAA">
+                                    <p:animMotion origin="layout" path="M 0.0007 -0.0028 L 0.0007 -0.0042" pathEditMode="relative" rAng="0" ptsTypes="AAAAAAAA">
                                       <p:cBhvr>
                                         <p:cTn id="13" dur="100" fill="hold"/>
                                         <p:tgtEl>
@@ -18785,7 +18785,7 @@
                                       </p:cBhvr>
                                       <p:rCtr x="-156" y="8009"/>
                                     </p:animMotion>
-                                    <p:animMotion origin="layout" path="M 0.0929 0.1425 L 0.0936 0.1411" pathEditMode="relative" rAng="0" ptsTypes="AAAAAAAA">
+                                    <p:animMotion origin="layout" path="M 0.0007 -0.0042 L 0.0014 -0.0056" pathEditMode="relative" rAng="0" ptsTypes="AAAAAAAA">
                                       <p:cBhvr>
                                         <p:cTn id="14" dur="100" fill="hold"/>
                                         <p:tgtEl>
@@ -18798,7 +18798,7 @@
                                       </p:cBhvr>
                                       <p:rCtr x="-156" y="8009"/>
                                     </p:animMotion>
-                                    <p:animMotion origin="layout" path="M 0.0936 0.1411 L 0.0936 0.1397" pathEditMode="relative" rAng="0" ptsTypes="AAAAAAAA">
+                                    <p:animMotion origin="layout" path="M 0.0014 -0.0056 L 0.0014 -0.0070" pathEditMode="relative" rAng="0" ptsTypes="AAAAAAAA">
                                       <p:cBhvr>
                                         <p:cTn id="15" dur="100" fill="hold"/>
                                         <p:tgtEl>
@@ -18811,7 +18811,7 @@
                                       </p:cBhvr>
                                       <p:rCtr x="-156" y="8009"/>
                                     </p:animMotion>
-                                    <p:animMotion origin="layout" path="M 0.0936 0.1397 L 0.0943 0.1376" pathEditMode="relative" rAng="0" ptsTypes="AAAAAAAA">
+                                    <p:animMotion origin="layout" path="M 0.0014 -0.0070 L 0.0020 -0.0091" pathEditMode="relative" rAng="0" ptsTypes="AAAAAAAA">
                                       <p:cBhvr>
                                         <p:cTn id="16" dur="100" fill="hold"/>
                                         <p:tgtEl>
@@ -18824,7 +18824,7 @@
                                       </p:cBhvr>
                                       <p:rCtr x="-156" y="8009"/>
                                     </p:animMotion>
-                                    <p:animMotion origin="layout" path="M 0.0943 0.1376 L 0.0943 0.1362" pathEditMode="relative" rAng="0" ptsTypes="AAAAAAAA">
+                                    <p:animMotion origin="layout" path="M 0.0020 -0.0091 L 0.0020 -0.0105" pathEditMode="relative" rAng="0" ptsTypes="AAAAAAAA">
                                       <p:cBhvr>
                                         <p:cTn id="17" dur="100" fill="hold"/>
                                         <p:tgtEl>
@@ -18837,7 +18837,7 @@
                                       </p:cBhvr>
                                       <p:rCtr x="-156" y="8009"/>
                                     </p:animMotion>
-                                    <p:animMotion origin="layout" path="M 0.0943 0.1362 L 0.0950 0.1348" pathEditMode="relative" rAng="0" ptsTypes="AAAAAAAA">
+                                    <p:animMotion origin="layout" path="M 0.0020 -0.0105 L 0.0027 -0.0119" pathEditMode="relative" rAng="0" ptsTypes="AAAAAAAA">
                                       <p:cBhvr>
                                         <p:cTn id="18" dur="100" fill="hold"/>
                                         <p:tgtEl>
@@ -18850,7 +18850,7 @@
                                       </p:cBhvr>
                                       <p:rCtr x="-156" y="8009"/>
                                     </p:animMotion>
-                                    <p:animMotion origin="layout" path="M 0.0950 0.1348 L 0.0950 0.1334" pathEditMode="relative" rAng="0" ptsTypes="AAAAAAAA">
+                                    <p:animMotion origin="layout" path="M 0.0027 -0.0119 L 0.0027 -0.0133" pathEditMode="relative" rAng="0" ptsTypes="AAAAAAAA">
                                       <p:cBhvr>
                                         <p:cTn id="19" dur="100" fill="hold"/>
                                         <p:tgtEl>
@@ -18863,7 +18863,7 @@
                                       </p:cBhvr>
                                       <p:rCtr x="-156" y="8009"/>
                                     </p:animMotion>
-                                    <p:animMotion origin="layout" path="M 0.0950 0.1334 L 0.0957 0.1320" pathEditMode="relative" rAng="0" ptsTypes="AAAAAAAA">
+                                    <p:animMotion origin="layout" path="M 0.0027 -0.0133 L 0.0034 -0.0147" pathEditMode="relative" rAng="0" ptsTypes="AAAAAAAA">
                                       <p:cBhvr>
                                         <p:cTn id="20" dur="100" fill="hold"/>
                                         <p:tgtEl>
@@ -18876,7 +18876,7 @@
                                       </p:cBhvr>
                                       <p:rCtr x="-156" y="8009"/>
                                     </p:animMotion>
-                                    <p:animMotion origin="layout" path="M 0.0957 0.1320 L 0.0957 0.1306" pathEditMode="relative" rAng="0" ptsTypes="AAAAAAAA">
+                                    <p:animMotion origin="layout" path="M 0.0034 -0.0147 L 0.0034 -0.0161" pathEditMode="relative" rAng="0" ptsTypes="AAAAAAAA">
                                       <p:cBhvr>
                                         <p:cTn id="21" dur="100" fill="hold"/>
                                         <p:tgtEl>
@@ -18889,7 +18889,7 @@
                                       </p:cBhvr>
                                       <p:rCtr x="-156" y="8009"/>
                                     </p:animMotion>
-                                    <p:animMotion origin="layout" path="M 0.0957 0.1306 L 0.0963 0.1292" pathEditMode="relative" rAng="0" ptsTypes="AAAAAAAA">
+                                    <p:animMotion origin="layout" path="M 0.0034 -0.0161 L 0.0041 -0.0176" pathEditMode="relative" rAng="0" ptsTypes="AAAAAAAA">
                                       <p:cBhvr>
                                         <p:cTn id="22" dur="100" fill="hold"/>
                                         <p:tgtEl>
@@ -18902,7 +18902,7 @@
                                       </p:cBhvr>
                                       <p:rCtr x="-156" y="8009"/>
                                     </p:animMotion>
-                                    <p:animMotion origin="layout" path="M 0.0963 0.1292 L 0.0963 0.1278" pathEditMode="relative" rAng="0" ptsTypes="AAAAAAAA">
+                                    <p:animMotion origin="layout" path="M 0.0041 -0.0176 L 0.0041 -0.0190" pathEditMode="relative" rAng="0" ptsTypes="AAAAAAAA">
                                       <p:cBhvr>
                                         <p:cTn id="23" dur="100" fill="hold"/>
                                         <p:tgtEl>
@@ -18915,7 +18915,7 @@
                                       </p:cBhvr>
                                       <p:rCtr x="-156" y="8009"/>
                                     </p:animMotion>
-                                    <p:animMotion origin="layout" path="M 0.0963 0.1278 L 0.0977 0.1263" pathEditMode="relative" rAng="0" ptsTypes="AAAAAAAA">
+                                    <p:animMotion origin="layout" path="M 0.0041 -0.0190 L 0.0055 -0.0204" pathEditMode="relative" rAng="0" ptsTypes="AAAAAAAA">
                                       <p:cBhvr>
                                         <p:cTn id="24" dur="100" fill="hold"/>
                                         <p:tgtEl>
@@ -18928,7 +18928,7 @@
                                       </p:cBhvr>
                                       <p:rCtr x="-156" y="8009"/>
                                     </p:animMotion>
-                                    <p:animMotion origin="layout" path="M 0.0977 0.1263 L 0.0991 0.1263" pathEditMode="relative" rAng="0" ptsTypes="AAAAAAAA">
+                                    <p:animMotion origin="layout" path="M 0.0055 -0.0204 L 0.0068 -0.0204" pathEditMode="relative" rAng="0" ptsTypes="AAAAAAAA">
                                       <p:cBhvr>
                                         <p:cTn id="25" dur="100" fill="hold"/>
                                         <p:tgtEl>
@@ -18941,7 +18941,7 @@
                                       </p:cBhvr>
                                       <p:rCtr x="-156" y="8009"/>
                                     </p:animMotion>
-                                    <p:animMotion origin="layout" path="M 0.0991 0.1263 L 0.1004 0.1263" pathEditMode="relative" rAng="0" ptsTypes="AAAAAAAA">
+                                    <p:animMotion origin="layout" path="M 0.0068 -0.0204 L 0.0082 -0.0204" pathEditMode="relative" rAng="0" ptsTypes="AAAAAAAA">
                                       <p:cBhvr>
                                         <p:cTn id="26" dur="100" fill="hold"/>
                                         <p:tgtEl>
@@ -18954,7 +18954,7 @@
                                       </p:cBhvr>
                                       <p:rCtr x="-156" y="8009"/>
                                     </p:animMotion>
-                                    <p:animMotion origin="layout" path="M 0.1004 0.1263 L 0.1018 0.1271" pathEditMode="relative" rAng="0" ptsTypes="AAAAAAAA">
+                                    <p:animMotion origin="layout" path="M 0.0082 -0.0204 L 0.0096 -0.0197" pathEditMode="relative" rAng="0" ptsTypes="AAAAAAAA">
                                       <p:cBhvr>
                                         <p:cTn id="27" dur="100" fill="hold"/>
                                         <p:tgtEl>
@@ -18967,7 +18967,7 @@
                                       </p:cBhvr>
                                       <p:rCtr x="-156" y="8009"/>
                                     </p:animMotion>
-                                    <p:animMotion origin="layout" path="M 0.1018 0.1271 L 0.1025 0.1285" pathEditMode="relative" rAng="0" ptsTypes="AAAAAAAA">
+                                    <p:animMotion origin="layout" path="M 0.0096 -0.0197 L 0.0102 -0.0183" pathEditMode="relative" rAng="0" ptsTypes="AAAAAAAA">
                                       <p:cBhvr>
                                         <p:cTn id="28" dur="100" fill="hold"/>
                                         <p:tgtEl>
@@ -18980,7 +18980,7 @@
                                       </p:cBhvr>
                                       <p:rCtr x="-156" y="8009"/>
                                     </p:animMotion>
-                                    <p:animMotion origin="layout" path="M 0.1025 0.1285 L 0.1032 0.1292" pathEditMode="relative" rAng="0" ptsTypes="AAAAAAAA">
+                                    <p:animMotion origin="layout" path="M 0.0102 -0.0183 L 0.0109 -0.0176" pathEditMode="relative" rAng="0" ptsTypes="AAAAAAAA">
                                       <p:cBhvr>
                                         <p:cTn id="29" dur="100" fill="hold"/>
                                         <p:tgtEl>
@@ -18993,7 +18993,7 @@
                                       </p:cBhvr>
                                       <p:rCtr x="-156" y="8009"/>
                                     </p:animMotion>
-                                    <p:animMotion origin="layout" path="M 0.1032 0.1292 L 0.1045 0.1306" pathEditMode="relative" rAng="0" ptsTypes="AAAAAAAA">
+                                    <p:animMotion origin="layout" path="M 0.0109 -0.0176 L 0.0123 -0.0161" pathEditMode="relative" rAng="0" ptsTypes="AAAAAAAA">
                                       <p:cBhvr>
                                         <p:cTn id="30" dur="100" fill="hold"/>
                                         <p:tgtEl>
@@ -19006,7 +19006,7 @@
                                       </p:cBhvr>
                                       <p:rCtr x="-156" y="8009"/>
                                     </p:animMotion>
-                                    <p:animMotion origin="layout" path="M 0.1045 0.1306 L 0.1052 0.1320" pathEditMode="relative" rAng="0" ptsTypes="AAAAAAAA">
+                                    <p:animMotion origin="layout" path="M 0.0123 -0.0161 L 0.0130 -0.0147" pathEditMode="relative" rAng="0" ptsTypes="AAAAAAAA">
                                       <p:cBhvr>
                                         <p:cTn id="31" dur="100" fill="hold"/>
                                         <p:tgtEl>
@@ -19019,7 +19019,7 @@
                                       </p:cBhvr>
                                       <p:rCtr x="-156" y="8009"/>
                                     </p:animMotion>
-                                    <p:animMotion origin="layout" path="M 0.1052 0.1320 L 0.1066 0.1327" pathEditMode="relative" rAng="0" ptsTypes="AAAAAAAA">
+                                    <p:animMotion origin="layout" path="M 0.0130 -0.0147 L 0.0143 -0.0140" pathEditMode="relative" rAng="0" ptsTypes="AAAAAAAA">
                                       <p:cBhvr>
                                         <p:cTn id="32" dur="100" fill="hold"/>
                                         <p:tgtEl>
@@ -19032,7 +19032,7 @@
                                       </p:cBhvr>
                                       <p:rCtr x="-156" y="8009"/>
                                     </p:animMotion>
-                                    <p:animMotion origin="layout" path="M 0.1066 0.1327 L 0.1079 0.1327" pathEditMode="relative" rAng="0" ptsTypes="AAAAAAAA">
+                                    <p:animMotion origin="layout" path="M 0.0143 -0.0140 L 0.0157 -0.0140" pathEditMode="relative" rAng="0" ptsTypes="AAAAAAAA">
                                       <p:cBhvr>
                                         <p:cTn id="33" dur="100" fill="hold"/>
                                         <p:tgtEl>
@@ -19045,7 +19045,7 @@
                                       </p:cBhvr>
                                       <p:rCtr x="-156" y="8009"/>
                                     </p:animMotion>
-                                    <p:animMotion origin="layout" path="M 0.1079 0.1327 L 0.1093 0.1320" pathEditMode="relative" rAng="0" ptsTypes="AAAAAAAA">
+                                    <p:animMotion origin="layout" path="M 0.0157 -0.0140 L 0.0171 -0.0147" pathEditMode="relative" rAng="0" ptsTypes="AAAAAAAA">
                                       <p:cBhvr>
                                         <p:cTn id="34" dur="100" fill="hold"/>
                                         <p:tgtEl>
@@ -19058,7 +19058,7 @@
                                       </p:cBhvr>
                                       <p:rCtr x="-156" y="8009"/>
                                     </p:animMotion>
-                                    <p:animMotion origin="layout" path="M 0.1093 0.1320 L 0.1100 0.1313" pathEditMode="relative" rAng="0" ptsTypes="AAAAAAAA">
+                                    <p:animMotion origin="layout" path="M 0.0171 -0.0147 L 0.0177 -0.0154" pathEditMode="relative" rAng="0" ptsTypes="AAAAAAAA">
                                       <p:cBhvr>
                                         <p:cTn id="35" dur="100" fill="hold"/>
                                         <p:tgtEl>
@@ -19071,7 +19071,7 @@
                                       </p:cBhvr>
                                       <p:rCtr x="-156" y="8009"/>
                                     </p:animMotion>
-                                    <p:animMotion origin="layout" path="M 0.1100 0.1313 L 0.1107 0.1299" pathEditMode="relative" rAng="0" ptsTypes="AAAAAAAA">
+                                    <p:animMotion origin="layout" path="M 0.0177 -0.0154 L 0.0184 -0.0169" pathEditMode="relative" rAng="0" ptsTypes="AAAAAAAA">
                                       <p:cBhvr>
                                         <p:cTn id="36" dur="100" fill="hold"/>
                                         <p:tgtEl>
@@ -19084,7 +19084,7 @@
                                       </p:cBhvr>
                                       <p:rCtr x="-156" y="8009"/>
                                     </p:animMotion>
-                                    <p:animMotion origin="layout" path="M 0.1107 0.1299 L 0.1107 0.1285" pathEditMode="relative" rAng="0" ptsTypes="AAAAAAAA">
+                                    <p:animMotion origin="layout" path="M 0.0184 -0.0169 L 0.0184 -0.0183" pathEditMode="relative" rAng="0" ptsTypes="AAAAAAAA">
                                       <p:cBhvr>
                                         <p:cTn id="37" dur="100" fill="hold"/>
                                         <p:tgtEl>
@@ -19097,7 +19097,7 @@
                                       </p:cBhvr>
                                       <p:rCtr x="-156" y="8009"/>
                                     </p:animMotion>
-                                    <p:animMotion origin="layout" path="M 0.1107 0.1285 L 0.1114 0.1271" pathEditMode="relative" rAng="0" ptsTypes="AAAAAAAA">
+                                    <p:animMotion origin="layout" path="M 0.0184 -0.0183 L 0.0191 -0.0197" pathEditMode="relative" rAng="0" ptsTypes="AAAAAAAA">
                                       <p:cBhvr>
                                         <p:cTn id="38" dur="100" fill="hold"/>
                                         <p:tgtEl>
@@ -19110,7 +19110,7 @@
                                       </p:cBhvr>
                                       <p:rCtr x="-156" y="8009"/>
                                     </p:animMotion>
-                                    <p:animMotion origin="layout" path="M 0.1114 0.1271 L 0.1114 0.1256" pathEditMode="relative" rAng="0" ptsTypes="AAAAAAAA">
+                                    <p:animMotion origin="layout" path="M 0.0191 -0.0197 L 0.0191 -0.0211" pathEditMode="relative" rAng="0" ptsTypes="AAAAAAAA">
                                       <p:cBhvr>
                                         <p:cTn id="39" dur="100" fill="hold"/>
                                         <p:tgtEl>
@@ -19123,7 +19123,7 @@
                                       </p:cBhvr>
                                       <p:rCtr x="-156" y="8009"/>
                                     </p:animMotion>
-                                    <p:animMotion origin="layout" path="M 0.1114 0.1256 L 0.1120 0.1242" pathEditMode="relative" rAng="0" ptsTypes="AAAAAAAA">
+                                    <p:animMotion origin="layout" path="M 0.0191 -0.0211 L 0.0198 -0.0225" pathEditMode="relative" rAng="0" ptsTypes="AAAAAAAA">
                                       <p:cBhvr>
                                         <p:cTn id="40" dur="100" fill="hold"/>
                                         <p:tgtEl>
@@ -19136,7 +19136,7 @@
                                       </p:cBhvr>
                                       <p:rCtr x="-156" y="8009"/>
                                     </p:animMotion>
-                                    <p:animMotion origin="layout" path="M 0.1120 0.1242 L 0.1120 0.1228" pathEditMode="relative" rAng="0" ptsTypes="AAAAAAAA">
+                                    <p:animMotion origin="layout" path="M 0.0198 -0.0225 L 0.0198 -0.0239" pathEditMode="relative" rAng="0" ptsTypes="AAAAAAAA">
                                       <p:cBhvr>
                                         <p:cTn id="41" dur="100" fill="hold"/>
                                         <p:tgtEl>
@@ -19149,7 +19149,7 @@
                                       </p:cBhvr>
                                       <p:rCtr x="-156" y="8009"/>
                                     </p:animMotion>
-                                    <p:animMotion origin="layout" path="M 0.1120 0.1228 L 0.1127 0.1214" pathEditMode="relative" rAng="0" ptsTypes="AAAAAAAA">
+                                    <p:animMotion origin="layout" path="M 0.0198 -0.0239 L 0.0205 -0.0253" pathEditMode="relative" rAng="0" ptsTypes="AAAAAAAA">
                                       <p:cBhvr>
                                         <p:cTn id="42" dur="100" fill="hold"/>
                                         <p:tgtEl>
@@ -19162,7 +19162,7 @@
                                       </p:cBhvr>
                                       <p:rCtr x="-156" y="8009"/>
                                     </p:animMotion>
-                                    <p:animMotion origin="layout" path="M 0.1127 0.1214 L 0.1127 0.1200" pathEditMode="relative" rAng="0" ptsTypes="AAAAAAAA">
+                                    <p:animMotion origin="layout" path="M 0.0205 -0.0253 L 0.0205 -0.0267" pathEditMode="relative" rAng="0" ptsTypes="AAAAAAAA">
                                       <p:cBhvr>
                                         <p:cTn id="43" dur="100" fill="hold"/>
                                         <p:tgtEl>
@@ -19175,7 +19175,7 @@
                                       </p:cBhvr>
                                       <p:rCtr x="-156" y="8009"/>
                                     </p:animMotion>
-                                    <p:animMotion origin="layout" path="M 0.1127 0.1200 L 0.1134 0.1186" pathEditMode="relative" rAng="0" ptsTypes="AAAAAAAA">
+                                    <p:animMotion origin="layout" path="M 0.0205 -0.0267 L 0.0211 -0.0281" pathEditMode="relative" rAng="0" ptsTypes="AAAAAAAA">
                                       <p:cBhvr>
                                         <p:cTn id="44" dur="100" fill="hold"/>
                                         <p:tgtEl>
@@ -19188,7 +19188,7 @@
                                       </p:cBhvr>
                                       <p:rCtr x="-156" y="8009"/>
                                     </p:animMotion>
-                                    <p:animMotion origin="layout" path="M 0.1134 0.1186 L 0.1134 0.1172" pathEditMode="relative" rAng="0" ptsTypes="AAAAAAAA">
+                                    <p:animMotion origin="layout" path="M 0.0211 -0.0281 L 0.0211 -0.0295" pathEditMode="relative" rAng="0" ptsTypes="AAAAAAAA">
                                       <p:cBhvr>
                                         <p:cTn id="45" dur="100" fill="hold"/>
                                         <p:tgtEl>
@@ -19201,7 +19201,7 @@
                                       </p:cBhvr>
                                       <p:rCtr x="-156" y="8009"/>
                                     </p:animMotion>
-                                    <p:animMotion origin="layout" path="M 0.1134 0.1172 L 0.1141 0.1158" pathEditMode="relative" rAng="0" ptsTypes="AAAAAAAA">
+                                    <p:animMotion origin="layout" path="M 0.0211 -0.0295 L 0.0218 -0.0309" pathEditMode="relative" rAng="0" ptsTypes="AAAAAAAA">
                                       <p:cBhvr>
                                         <p:cTn id="46" dur="100" fill="hold"/>
                                         <p:tgtEl>
@@ -19214,7 +19214,7 @@
                                       </p:cBhvr>
                                       <p:rCtr x="-156" y="8009"/>
                                     </p:animMotion>
-                                    <p:animMotion origin="layout" path="M 0.1141 0.1158 L 0.1141 0.1144" pathEditMode="relative" rAng="0" ptsTypes="AAAAAAAA">
+                                    <p:animMotion origin="layout" path="M 0.0218 -0.0309 L 0.0218 -0.0323" pathEditMode="relative" rAng="0" ptsTypes="AAAAAAAA">
                                       <p:cBhvr>
                                         <p:cTn id="47" dur="100" fill="hold"/>
                                         <p:tgtEl>
@@ -19227,7 +19227,7 @@
                                       </p:cBhvr>
                                       <p:rCtr x="-156" y="8009"/>
                                     </p:animMotion>
-                                    <p:animMotion origin="layout" path="M 0.1141 0.1144 L 0.1148 0.1130" pathEditMode="relative" rAng="0" ptsTypes="AAAAAAAA">
+                                    <p:animMotion origin="layout" path="M 0.0218 -0.0323 L 0.0225 -0.0337" pathEditMode="relative" rAng="0" ptsTypes="AAAAAAAA">
                                       <p:cBhvr>
                                         <p:cTn id="48" dur="100" fill="hold"/>
                                         <p:tgtEl>
@@ -19240,7 +19240,7 @@
                                       </p:cBhvr>
                                       <p:rCtr x="-156" y="8009"/>
                                     </p:animMotion>
-                                    <p:animMotion origin="layout" path="M 0.1148 0.1130 L 0.1148 0.1116" pathEditMode="relative" rAng="0" ptsTypes="AAAAAAAA">
+                                    <p:animMotion origin="layout" path="M 0.0225 -0.0337 L 0.0225 -0.0351" pathEditMode="relative" rAng="0" ptsTypes="AAAAAAAA">
                                       <p:cBhvr>
                                         <p:cTn id="49" dur="100" fill="hold"/>
                                         <p:tgtEl>
@@ -19253,7 +19253,7 @@
                                       </p:cBhvr>
                                       <p:rCtr x="-156" y="8009"/>
                                     </p:animMotion>
-                                    <p:animMotion origin="layout" path="M 0.1148 0.1116 L 0.1154 0.1102" pathEditMode="relative" rAng="0" ptsTypes="AAAAAAAA">
+                                    <p:animMotion origin="layout" path="M 0.0225 -0.0351 L 0.0232 -0.0365" pathEditMode="relative" rAng="0" ptsTypes="AAAAAAAA">
                                       <p:cBhvr>
                                         <p:cTn id="50" dur="100" fill="hold"/>
                                         <p:tgtEl>
@@ -19266,7 +19266,7 @@
                                       </p:cBhvr>
                                       <p:rCtr x="-156" y="8009"/>
                                     </p:animMotion>
-                                    <p:animMotion origin="layout" path="M 0.1154 0.1102 L 0.1154 0.1088" pathEditMode="relative" rAng="0" ptsTypes="AAAAAAAA">
+                                    <p:animMotion origin="layout" path="M 0.0232 -0.0365 L 0.0232 -0.0379" pathEditMode="relative" rAng="0" ptsTypes="AAAAAAAA">
                                       <p:cBhvr>
                                         <p:cTn id="51" dur="100" fill="hold"/>
                                         <p:tgtEl>
@@ -19279,7 +19279,7 @@
                                       </p:cBhvr>
                                       <p:rCtr x="-156" y="8009"/>
                                     </p:animMotion>
-                                    <p:animMotion origin="layout" path="M 0.1154 0.1088 L 0.1161 0.1074" pathEditMode="relative" rAng="0" ptsTypes="AAAAAAAA">
+                                    <p:animMotion origin="layout" path="M 0.0232 -0.0379 L 0.0239 -0.0393" pathEditMode="relative" rAng="0" ptsTypes="AAAAAAAA">
                                       <p:cBhvr>
                                         <p:cTn id="52" dur="100" fill="hold"/>
                                         <p:tgtEl>

--- a/org.mwc.debrief.legacy/test_data/master_template/multi_tracks/multi_tracks_temp.pptx
+++ b/org.mwc.debrief.legacy/test_data/master_template/multi_tracks/multi_tracks_temp.pptx
@@ -11327,7 +11327,7 @@
                 <a:ea typeface="Open Sans" panose="020B0606030504020204" pitchFamily="34" charset="0"/>
                 <a:cs typeface="Courier New" panose="02070309020205020404" pitchFamily="49" charset="0"/>
               </a:rPr>
-              <a:t>95 Dec 120915</a:t>
+              <a:t>1995-12-12T09:15:47Z</a:t>
             </a:r>
           </a:p>
         </p:txBody>
@@ -11460,7 +11460,7 @@
                 <a:ea typeface="Open Sans" panose="020B0606030504020204" pitchFamily="34" charset="0"/>
                 <a:cs typeface="Courier New" panose="02070309020205020404" pitchFamily="49" charset="0"/>
               </a:rPr>
-              <a:t>95 Dec 120916</a:t>
+              <a:t>1995-12-12T09:16:47Z</a:t>
             </a:r>
           </a:p>
         </p:txBody>
@@ -11593,7 +11593,7 @@
                 <a:ea typeface="Open Sans" panose="020B0606030504020204" pitchFamily="34" charset="0"/>
                 <a:cs typeface="Courier New" panose="02070309020205020404" pitchFamily="49" charset="0"/>
               </a:rPr>
-              <a:t>95 Dec 120917</a:t>
+              <a:t>1995-12-12T09:17:47Z</a:t>
             </a:r>
           </a:p>
         </p:txBody>
@@ -11726,7 +11726,7 @@
                 <a:ea typeface="Open Sans" panose="020B0606030504020204" pitchFamily="34" charset="0"/>
                 <a:cs typeface="Courier New" panose="02070309020205020404" pitchFamily="49" charset="0"/>
               </a:rPr>
-              <a:t>95 Dec 120918</a:t>
+              <a:t>1995-12-12T09:18:47Z</a:t>
             </a:r>
           </a:p>
         </p:txBody>
@@ -11859,7 +11859,7 @@
                 <a:ea typeface="Open Sans" panose="020B0606030504020204" pitchFamily="34" charset="0"/>
                 <a:cs typeface="Courier New" panose="02070309020205020404" pitchFamily="49" charset="0"/>
               </a:rPr>
-              <a:t>95 Dec 120919</a:t>
+              <a:t>1995-12-12T09:19:47Z</a:t>
             </a:r>
           </a:p>
         </p:txBody>
@@ -11992,7 +11992,7 @@
                 <a:ea typeface="Open Sans" panose="020B0606030504020204" pitchFamily="34" charset="0"/>
                 <a:cs typeface="Courier New" panose="02070309020205020404" pitchFamily="49" charset="0"/>
               </a:rPr>
-              <a:t>95 Dec 120920</a:t>
+              <a:t>1995-12-12T09:20:47Z</a:t>
             </a:r>
           </a:p>
         </p:txBody>
@@ -12125,7 +12125,7 @@
                 <a:ea typeface="Open Sans" panose="020B0606030504020204" pitchFamily="34" charset="0"/>
                 <a:cs typeface="Courier New" panose="02070309020205020404" pitchFamily="49" charset="0"/>
               </a:rPr>
-              <a:t>95 Dec 120921</a:t>
+              <a:t>1995-12-12T09:21:47Z</a:t>
             </a:r>
           </a:p>
         </p:txBody>
@@ -12258,7 +12258,7 @@
                 <a:ea typeface="Open Sans" panose="020B0606030504020204" pitchFamily="34" charset="0"/>
                 <a:cs typeface="Courier New" panose="02070309020205020404" pitchFamily="49" charset="0"/>
               </a:rPr>
-              <a:t>95 Dec 120922</a:t>
+              <a:t>1995-12-12T09:22:47Z</a:t>
             </a:r>
           </a:p>
         </p:txBody>
@@ -12391,7 +12391,7 @@
                 <a:ea typeface="Open Sans" panose="020B0606030504020204" pitchFamily="34" charset="0"/>
                 <a:cs typeface="Courier New" panose="02070309020205020404" pitchFamily="49" charset="0"/>
               </a:rPr>
-              <a:t>95 Dec 120923</a:t>
+              <a:t>1995-12-12T09:23:47Z</a:t>
             </a:r>
           </a:p>
         </p:txBody>
@@ -12524,7 +12524,7 @@
                 <a:ea typeface="Open Sans" panose="020B0606030504020204" pitchFamily="34" charset="0"/>
                 <a:cs typeface="Courier New" panose="02070309020205020404" pitchFamily="49" charset="0"/>
               </a:rPr>
-              <a:t>95 Dec 120924</a:t>
+              <a:t>1995-12-12T09:24:47Z</a:t>
             </a:r>
           </a:p>
         </p:txBody>
@@ -12657,7 +12657,7 @@
                 <a:ea typeface="Open Sans" panose="020B0606030504020204" pitchFamily="34" charset="0"/>
                 <a:cs typeface="Courier New" panose="02070309020205020404" pitchFamily="49" charset="0"/>
               </a:rPr>
-              <a:t>95 Dec 120925</a:t>
+              <a:t>1995-12-12T09:25:47Z</a:t>
             </a:r>
           </a:p>
         </p:txBody>
@@ -12790,7 +12790,7 @@
                 <a:ea typeface="Open Sans" panose="020B0606030504020204" pitchFamily="34" charset="0"/>
                 <a:cs typeface="Courier New" panose="02070309020205020404" pitchFamily="49" charset="0"/>
               </a:rPr>
-              <a:t>95 Dec 120926</a:t>
+              <a:t>1995-12-12T09:26:47Z</a:t>
             </a:r>
           </a:p>
         </p:txBody>
@@ -12923,7 +12923,7 @@
                 <a:ea typeface="Open Sans" panose="020B0606030504020204" pitchFamily="34" charset="0"/>
                 <a:cs typeface="Courier New" panose="02070309020205020404" pitchFamily="49" charset="0"/>
               </a:rPr>
-              <a:t>95 Dec 120927</a:t>
+              <a:t>1995-12-12T09:27:47Z</a:t>
             </a:r>
           </a:p>
         </p:txBody>
@@ -13056,7 +13056,7 @@
                 <a:ea typeface="Open Sans" panose="020B0606030504020204" pitchFamily="34" charset="0"/>
                 <a:cs typeface="Courier New" panose="02070309020205020404" pitchFamily="49" charset="0"/>
               </a:rPr>
-              <a:t>95 Dec 120928</a:t>
+              <a:t>1995-12-12T09:28:47Z</a:t>
             </a:r>
           </a:p>
         </p:txBody>
@@ -13189,7 +13189,7 @@
                 <a:ea typeface="Open Sans" panose="020B0606030504020204" pitchFamily="34" charset="0"/>
                 <a:cs typeface="Courier New" panose="02070309020205020404" pitchFamily="49" charset="0"/>
               </a:rPr>
-              <a:t>95 Dec 120929</a:t>
+              <a:t>1995-12-12T09:29:47Z</a:t>
             </a:r>
           </a:p>
         </p:txBody>
@@ -13322,7 +13322,7 @@
                 <a:ea typeface="Open Sans" panose="020B0606030504020204" pitchFamily="34" charset="0"/>
                 <a:cs typeface="Courier New" panose="02070309020205020404" pitchFamily="49" charset="0"/>
               </a:rPr>
-              <a:t>95 Dec 120930</a:t>
+              <a:t>1995-12-12T09:30:47Z</a:t>
             </a:r>
           </a:p>
         </p:txBody>
@@ -13455,7 +13455,7 @@
                 <a:ea typeface="Open Sans" panose="020B0606030504020204" pitchFamily="34" charset="0"/>
                 <a:cs typeface="Courier New" panose="02070309020205020404" pitchFamily="49" charset="0"/>
               </a:rPr>
-              <a:t>95 Dec 120931</a:t>
+              <a:t>1995-12-12T09:31:47Z</a:t>
             </a:r>
           </a:p>
         </p:txBody>
@@ -13588,7 +13588,7 @@
                 <a:ea typeface="Open Sans" panose="020B0606030504020204" pitchFamily="34" charset="0"/>
                 <a:cs typeface="Courier New" panose="02070309020205020404" pitchFamily="49" charset="0"/>
               </a:rPr>
-              <a:t>95 Dec 120932</a:t>
+              <a:t>1995-12-12T09:32:47Z</a:t>
             </a:r>
           </a:p>
         </p:txBody>
@@ -13721,7 +13721,7 @@
                 <a:ea typeface="Open Sans" panose="020B0606030504020204" pitchFamily="34" charset="0"/>
                 <a:cs typeface="Courier New" panose="02070309020205020404" pitchFamily="49" charset="0"/>
               </a:rPr>
-              <a:t>95 Dec 120933</a:t>
+              <a:t>1995-12-12T09:33:47Z</a:t>
             </a:r>
           </a:p>
         </p:txBody>
@@ -13854,7 +13854,7 @@
                 <a:ea typeface="Open Sans" panose="020B0606030504020204" pitchFamily="34" charset="0"/>
                 <a:cs typeface="Courier New" panose="02070309020205020404" pitchFamily="49" charset="0"/>
               </a:rPr>
-              <a:t>95 Dec 120934</a:t>
+              <a:t>1995-12-12T09:34:47Z</a:t>
             </a:r>
           </a:p>
         </p:txBody>
@@ -13987,7 +13987,7 @@
                 <a:ea typeface="Open Sans" panose="020B0606030504020204" pitchFamily="34" charset="0"/>
                 <a:cs typeface="Courier New" panose="02070309020205020404" pitchFamily="49" charset="0"/>
               </a:rPr>
-              <a:t>95 Dec 120935</a:t>
+              <a:t>1995-12-12T09:35:47Z</a:t>
             </a:r>
           </a:p>
         </p:txBody>
@@ -14120,7 +14120,7 @@
                 <a:ea typeface="Open Sans" panose="020B0606030504020204" pitchFamily="34" charset="0"/>
                 <a:cs typeface="Courier New" panose="02070309020205020404" pitchFamily="49" charset="0"/>
               </a:rPr>
-              <a:t>95 Dec 120936</a:t>
+              <a:t>1995-12-12T09:36:47Z</a:t>
             </a:r>
           </a:p>
         </p:txBody>
@@ -14253,7 +14253,7 @@
                 <a:ea typeface="Open Sans" panose="020B0606030504020204" pitchFamily="34" charset="0"/>
                 <a:cs typeface="Courier New" panose="02070309020205020404" pitchFamily="49" charset="0"/>
               </a:rPr>
-              <a:t>95 Dec 120937</a:t>
+              <a:t>1995-12-12T09:37:47Z</a:t>
             </a:r>
           </a:p>
         </p:txBody>
@@ -14386,7 +14386,7 @@
                 <a:ea typeface="Open Sans" panose="020B0606030504020204" pitchFamily="34" charset="0"/>
                 <a:cs typeface="Courier New" panose="02070309020205020404" pitchFamily="49" charset="0"/>
               </a:rPr>
-              <a:t>95 Dec 120938</a:t>
+              <a:t>1995-12-12T09:38:47Z</a:t>
             </a:r>
           </a:p>
         </p:txBody>
@@ -14519,7 +14519,7 @@
                 <a:ea typeface="Open Sans" panose="020B0606030504020204" pitchFamily="34" charset="0"/>
                 <a:cs typeface="Courier New" panose="02070309020205020404" pitchFamily="49" charset="0"/>
               </a:rPr>
-              <a:t>95 Dec 120939</a:t>
+              <a:t>1995-12-12T09:39:47Z</a:t>
             </a:r>
           </a:p>
         </p:txBody>
@@ -14652,7 +14652,7 @@
                 <a:ea typeface="Open Sans" panose="020B0606030504020204" pitchFamily="34" charset="0"/>
                 <a:cs typeface="Courier New" panose="02070309020205020404" pitchFamily="49" charset="0"/>
               </a:rPr>
-              <a:t>95 Dec 120940</a:t>
+              <a:t>1995-12-12T09:40:47Z</a:t>
             </a:r>
           </a:p>
         </p:txBody>
@@ -14785,7 +14785,7 @@
                 <a:ea typeface="Open Sans" panose="020B0606030504020204" pitchFamily="34" charset="0"/>
                 <a:cs typeface="Courier New" panose="02070309020205020404" pitchFamily="49" charset="0"/>
               </a:rPr>
-              <a:t>95 Dec 120941</a:t>
+              <a:t>1995-12-12T09:41:47Z</a:t>
             </a:r>
           </a:p>
         </p:txBody>
@@ -14918,7 +14918,7 @@
                 <a:ea typeface="Open Sans" panose="020B0606030504020204" pitchFamily="34" charset="0"/>
                 <a:cs typeface="Courier New" panose="02070309020205020404" pitchFamily="49" charset="0"/>
               </a:rPr>
-              <a:t>95 Dec 120942</a:t>
+              <a:t>1995-12-12T09:42:47Z</a:t>
             </a:r>
           </a:p>
         </p:txBody>
@@ -15051,7 +15051,7 @@
                 <a:ea typeface="Open Sans" panose="020B0606030504020204" pitchFamily="34" charset="0"/>
                 <a:cs typeface="Courier New" panose="02070309020205020404" pitchFamily="49" charset="0"/>
               </a:rPr>
-              <a:t>95 Dec 120943</a:t>
+              <a:t>1995-12-12T09:43:47Z</a:t>
             </a:r>
           </a:p>
         </p:txBody>
@@ -15184,7 +15184,7 @@
                 <a:ea typeface="Open Sans" panose="020B0606030504020204" pitchFamily="34" charset="0"/>
                 <a:cs typeface="Courier New" panose="02070309020205020404" pitchFamily="49" charset="0"/>
               </a:rPr>
-              <a:t>95 Dec 120944</a:t>
+              <a:t>1995-12-12T09:44:47Z</a:t>
             </a:r>
           </a:p>
         </p:txBody>
@@ -15317,7 +15317,7 @@
                 <a:ea typeface="Open Sans" panose="020B0606030504020204" pitchFamily="34" charset="0"/>
                 <a:cs typeface="Courier New" panose="02070309020205020404" pitchFamily="49" charset="0"/>
               </a:rPr>
-              <a:t>95 Dec 120945</a:t>
+              <a:t>1995-12-12T09:45:47Z</a:t>
             </a:r>
           </a:p>
         </p:txBody>
@@ -15450,7 +15450,7 @@
                 <a:ea typeface="Open Sans" panose="020B0606030504020204" pitchFamily="34" charset="0"/>
                 <a:cs typeface="Courier New" panose="02070309020205020404" pitchFamily="49" charset="0"/>
               </a:rPr>
-              <a:t>95 Dec 120946</a:t>
+              <a:t>1995-12-12T09:46:47Z</a:t>
             </a:r>
           </a:p>
         </p:txBody>
@@ -15583,7 +15583,7 @@
                 <a:ea typeface="Open Sans" panose="020B0606030504020204" pitchFamily="34" charset="0"/>
                 <a:cs typeface="Courier New" panose="02070309020205020404" pitchFamily="49" charset="0"/>
               </a:rPr>
-              <a:t>95 Dec 120947</a:t>
+              <a:t>1995-12-12T09:47:47Z</a:t>
             </a:r>
           </a:p>
         </p:txBody>
@@ -15716,7 +15716,7 @@
                 <a:ea typeface="Open Sans" panose="020B0606030504020204" pitchFamily="34" charset="0"/>
                 <a:cs typeface="Courier New" panose="02070309020205020404" pitchFamily="49" charset="0"/>
               </a:rPr>
-              <a:t>95 Dec 120948</a:t>
+              <a:t>1995-12-12T09:48:47Z</a:t>
             </a:r>
           </a:p>
         </p:txBody>
@@ -15849,7 +15849,7 @@
                 <a:ea typeface="Open Sans" panose="020B0606030504020204" pitchFamily="34" charset="0"/>
                 <a:cs typeface="Courier New" panose="02070309020205020404" pitchFamily="49" charset="0"/>
               </a:rPr>
-              <a:t>95 Dec 120949</a:t>
+              <a:t>1995-12-12T09:49:47Z</a:t>
             </a:r>
           </a:p>
         </p:txBody>
@@ -15982,7 +15982,7 @@
                 <a:ea typeface="Open Sans" panose="020B0606030504020204" pitchFamily="34" charset="0"/>
                 <a:cs typeface="Courier New" panose="02070309020205020404" pitchFamily="49" charset="0"/>
               </a:rPr>
-              <a:t>95 Dec 120950</a:t>
+              <a:t>1995-12-12T09:50:47Z</a:t>
             </a:r>
           </a:p>
         </p:txBody>
@@ -16115,7 +16115,7 @@
                 <a:ea typeface="Open Sans" panose="020B0606030504020204" pitchFamily="34" charset="0"/>
                 <a:cs typeface="Courier New" panose="02070309020205020404" pitchFamily="49" charset="0"/>
               </a:rPr>
-              <a:t>95 Dec 120951</a:t>
+              <a:t>1995-12-12T09:51:47Z</a:t>
             </a:r>
           </a:p>
         </p:txBody>
@@ -16248,7 +16248,7 @@
                 <a:ea typeface="Open Sans" panose="020B0606030504020204" pitchFamily="34" charset="0"/>
                 <a:cs typeface="Courier New" panose="02070309020205020404" pitchFamily="49" charset="0"/>
               </a:rPr>
-              <a:t>95 Dec 120952</a:t>
+              <a:t>1995-12-12T09:52:47Z</a:t>
             </a:r>
           </a:p>
         </p:txBody>
@@ -16381,7 +16381,7 @@
                 <a:ea typeface="Open Sans" panose="020B0606030504020204" pitchFamily="34" charset="0"/>
                 <a:cs typeface="Courier New" panose="02070309020205020404" pitchFamily="49" charset="0"/>
               </a:rPr>
-              <a:t>95 Dec 120953</a:t>
+              <a:t>1995-12-12T09:53:47Z</a:t>
             </a:r>
           </a:p>
         </p:txBody>
@@ -16514,7 +16514,7 @@
                 <a:ea typeface="Open Sans" panose="020B0606030504020204" pitchFamily="34" charset="0"/>
                 <a:cs typeface="Courier New" panose="02070309020205020404" pitchFamily="49" charset="0"/>
               </a:rPr>
-              <a:t>95 Dec 120954</a:t>
+              <a:t>1995-12-12T09:54:47Z</a:t>
             </a:r>
           </a:p>
         </p:txBody>
@@ -16647,7 +16647,7 @@
                 <a:ea typeface="Open Sans" panose="020B0606030504020204" pitchFamily="34" charset="0"/>
                 <a:cs typeface="Courier New" panose="02070309020205020404" pitchFamily="49" charset="0"/>
               </a:rPr>
-              <a:t>95 Dec 120955</a:t>
+              <a:t>1995-12-12T09:55:47Z</a:t>
             </a:r>
           </a:p>
         </p:txBody>
@@ -16780,7 +16780,7 @@
                 <a:ea typeface="Open Sans" panose="020B0606030504020204" pitchFamily="34" charset="0"/>
                 <a:cs typeface="Courier New" panose="02070309020205020404" pitchFamily="49" charset="0"/>
               </a:rPr>
-              <a:t>95 Dec 120956</a:t>
+              <a:t>1995-12-12T09:56:47Z</a:t>
             </a:r>
           </a:p>
         </p:txBody>
@@ -16913,7 +16913,7 @@
                 <a:ea typeface="Open Sans" panose="020B0606030504020204" pitchFamily="34" charset="0"/>
                 <a:cs typeface="Courier New" panose="02070309020205020404" pitchFamily="49" charset="0"/>
               </a:rPr>
-              <a:t>95 Dec 120957</a:t>
+              <a:t>1995-12-12T09:57:47Z</a:t>
             </a:r>
           </a:p>
         </p:txBody>
@@ -17023,8 +17023,116 @@
                               <p:cond delay="0"/>
                             </p:stCondLst>
                             <p:childTnLst>
+                              <p:par>
+                                <p:cTn id="8" presetID="1" presetClass="entr" presetSubtype="0" fill="hold" grpId="0" nodeType="withEffect">
+                                  <p:stCondLst>
+                                    <p:cond delay="0"/>
+                                  </p:stCondLst>
+                                  <p:childTnLst>
+                                    <p:set>
+                                      <p:cBhvr>
+                                        <p:cTn id="9" dur="1" fill="hold">
+                                          <p:stCondLst>
+                                            <p:cond delay="0"/>
+                                          </p:stCondLst>
+                                        </p:cTn>
+                                        <p:tgtEl>
+                                          <p:spTgt spid="603"/>
+                                        </p:tgtEl>
+                                        <p:attrNameLst>
+                                          <p:attrName>style.visibility</p:attrName>
+                                        </p:attrNameLst>
+                                      </p:cBhvr>
+                                      <p:to>
+                                        <p:strVal val="visible"/>
+                                      </p:to>
+                                    </p:set>
+                                  </p:childTnLst>
+                                </p:cTn>
+                              </p:par>
+                              <p:par>
+                                <p:cTn id="8" presetID="1" presetClass="entr" presetSubtype="0" fill="hold" grpId="0" nodeType="withEffect">
+                                  <p:stCondLst>
+                                    <p:cond delay="0"/>
+                                  </p:stCondLst>
+                                  <p:childTnLst>
+                                    <p:set>
+                                      <p:cBhvr>
+                                        <p:cTn id="9" dur="1" fill="hold">
+                                          <p:stCondLst>
+                                            <p:cond delay="0"/>
+                                          </p:stCondLst>
+                                        </p:cTn>
+                                        <p:tgtEl>
+                                          <p:spTgt spid="602"/>
+                                        </p:tgtEl>
+                                        <p:attrNameLst>
+                                          <p:attrName>style.visibility</p:attrName>
+                                        </p:attrNameLst>
+                                      </p:cBhvr>
+                                      <p:to>
+                                        <p:strVal val="visible"/>
+                                      </p:to>
+                                    </p:set>
+                                  </p:childTnLst>
+                                </p:cTn>
+                              </p:par>
+                              <p:par>
+                                <p:cTn id="8" presetID="1" presetClass="entr" presetSubtype="0" fill="hold" grpId="0" nodeType="withEffect">
+                                  <p:stCondLst>
+                                    <p:cond delay="0"/>
+                                  </p:stCondLst>
+                                  <p:childTnLst>
+                                    <p:set>
+                                      <p:cBhvr>
+                                        <p:cTn id="9" dur="1" fill="hold">
+                                          <p:stCondLst>
+                                            <p:cond delay="0"/>
+                                          </p:stCondLst>
+                                        </p:cTn>
+                                        <p:tgtEl>
+                                          <p:spTgt spid="601"/>
+                                        </p:tgtEl>
+                                        <p:attrNameLst>
+                                          <p:attrName>style.visibility</p:attrName>
+                                        </p:attrNameLst>
+                                      </p:cBhvr>
+                                      <p:to>
+                                        <p:strVal val="visible"/>
+                                      </p:to>
+                                    </p:set>
+                                  </p:childTnLst>
+                                </p:cTn>
+                              </p:par>
+                              <p:par>
+                                <p:cTn id="8" presetID="1" presetClass="entr" presetSubtype="0" fill="hold" grpId="0" nodeType="withEffect">
+                                  <p:stCondLst>
+                                    <p:cond delay="0"/>
+                                  </p:stCondLst>
+                                  <p:childTnLst>
+                                    <p:set>
+                                      <p:cBhvr>
+                                        <p:cTn id="9" dur="1" fill="hold">
+                                          <p:stCondLst>
+                                            <p:cond delay="0"/>
+                                          </p:stCondLst>
+                                        </p:cTn>
+                                        <p:tgtEl>
+                                          <p:spTgt spid="127"/>
+                                        </p:tgtEl>
+                                        <p:attrNameLst>
+                                          <p:attrName>style.visibility</p:attrName>
+                                        </p:attrNameLst>
+                                      </p:cBhvr>
+                                      <p:to>
+                                        <p:strVal val="visible"/>
+                                      </p:to>
+                                    </p:set>
+                                  </p:childTnLst>
+                                </p:cTn>
+                              </p:par>
                               <p:seq>
-                                <p:cTn id="1" presetID="0" presetClass="path" presetSubtype="0" fill="hold" grpId="0" nodeType="clickEffect">
+                                <p:cTn id="1" presetID="0" presetClass="path" presetSubtype="0" fill="hold" grpId="1" nodeType="withEffect">
                                   <p:stCondLst>
                                     <p:cond delay="0"/>
                                   </p:stCondLst>
@@ -17592,7 +17700,7 @@
                                 </p:cTn>
                               </p:seq>
                               <p:seq>
-                                <p:cTn id="2" presetID="0" presetClass="path" presetSubtype="0" fill="hold" grpId="0" nodeType="clickEffect">
+                                <p:cTn id="2" presetID="0" presetClass="path" presetSubtype="0" fill="hold" grpId="1" nodeType="withEffect">
                                   <p:stCondLst>
                                     <p:cond delay="0"/>
                                   </p:stCondLst>
@@ -18160,7 +18268,7 @@
                                 </p:cTn>
                               </p:seq>
                               <p:seq>
-                                <p:cTn id="3" presetID="0" presetClass="path" presetSubtype="0" fill="hold" grpId="0" nodeType="clickEffect">
+                                <p:cTn id="3" presetID="0" presetClass="path" presetSubtype="0" fill="hold" grpId="1" nodeType="withEffect">
                                   <p:stCondLst>
                                     <p:cond delay="0"/>
                                   </p:stCondLst>
@@ -18728,7 +18836,7 @@
                                 </p:cTn>
                               </p:seq>
                               <p:seq>
-                                <p:cTn id="4" presetID="0" presetClass="path" presetSubtype="0" fill="hold" grpId="0" nodeType="clickEffect">
+                                <p:cTn id="4" presetID="0" presetClass="path" presetSubtype="0" fill="hold" grpId="1" nodeType="withEffect">
                                   <p:stCondLst>
                                     <p:cond delay="0"/>
                                   </p:stCondLst>

--- a/org.mwc.debrief.legacy/test_data/master_template/multi_tracks/multi_tracks_temp.pptx
+++ b/org.mwc.debrief.legacy/test_data/master_template/multi_tracks/multi_tracks_temp.pptx
@@ -208,7 +208,7 @@
           <a:p>
             <a:fld id="{5DBDFAF8-9CD3-4716-8CF2-6121A8FDDE9B}" type="datetimeFigureOut">
               <a:rPr lang="en-US" smtClean="0"/>
-              <a:t>9/27/2018</a:t>
+              <a:t>10/14/2018</a:t>
             </a:fld>
             <a:endParaRPr lang="en-US"/>
           </a:p>
@@ -366,7 +366,7 @@
           <a:p>
             <a:fld id="{C901C09C-499D-45C7-B51C-6D106952E995}" type="slidenum">
               <a:rPr lang="en-US" smtClean="0"/>
-              <a:t>‹#›</a:t>
+              <a:t>‹Nº›</a:t>
             </a:fld>
             <a:endParaRPr lang="en-US"/>
           </a:p>
@@ -763,7 +763,7 @@
           <a:p>
             <a:fld id="{07AF7C9C-3FFC-F543-8CD5-56B058077314}" type="datetimeFigureOut">
               <a:rPr lang="en-US" smtClean="0"/>
-              <a:t>9/27/2018</a:t>
+              <a:t>10/14/2018</a:t>
             </a:fld>
             <a:endParaRPr lang="en-US"/>
           </a:p>
@@ -805,7 +805,7 @@
           <a:p>
             <a:fld id="{E0E3E4AF-3478-F94E-9240-CA1945652EFF}" type="slidenum">
               <a:rPr lang="en-US" smtClean="0"/>
-              <a:t>‹#›</a:t>
+              <a:t>‹Nº›</a:t>
             </a:fld>
             <a:endParaRPr lang="en-US"/>
           </a:p>
@@ -933,7 +933,7 @@
           <a:p>
             <a:fld id="{07AF7C9C-3FFC-F543-8CD5-56B058077314}" type="datetimeFigureOut">
               <a:rPr lang="en-US" smtClean="0"/>
-              <a:t>9/27/2018</a:t>
+              <a:t>10/14/2018</a:t>
             </a:fld>
             <a:endParaRPr lang="en-US"/>
           </a:p>
@@ -975,7 +975,7 @@
           <a:p>
             <a:fld id="{E0E3E4AF-3478-F94E-9240-CA1945652EFF}" type="slidenum">
               <a:rPr lang="en-US" smtClean="0"/>
-              <a:t>‹#›</a:t>
+              <a:t>‹Nº›</a:t>
             </a:fld>
             <a:endParaRPr lang="en-US"/>
           </a:p>
@@ -1113,7 +1113,7 @@
           <a:p>
             <a:fld id="{07AF7C9C-3FFC-F543-8CD5-56B058077314}" type="datetimeFigureOut">
               <a:rPr lang="en-US" smtClean="0"/>
-              <a:t>9/27/2018</a:t>
+              <a:t>10/14/2018</a:t>
             </a:fld>
             <a:endParaRPr lang="en-US"/>
           </a:p>
@@ -1155,7 +1155,7 @@
           <a:p>
             <a:fld id="{E0E3E4AF-3478-F94E-9240-CA1945652EFF}" type="slidenum">
               <a:rPr lang="en-US" smtClean="0"/>
-              <a:t>‹#›</a:t>
+              <a:t>‹Nº›</a:t>
             </a:fld>
             <a:endParaRPr lang="en-US"/>
           </a:p>
@@ -1283,7 +1283,7 @@
           <a:p>
             <a:fld id="{07AF7C9C-3FFC-F543-8CD5-56B058077314}" type="datetimeFigureOut">
               <a:rPr lang="en-US" smtClean="0"/>
-              <a:t>9/27/2018</a:t>
+              <a:t>10/14/2018</a:t>
             </a:fld>
             <a:endParaRPr lang="en-US"/>
           </a:p>
@@ -1325,7 +1325,7 @@
           <a:p>
             <a:fld id="{E0E3E4AF-3478-F94E-9240-CA1945652EFF}" type="slidenum">
               <a:rPr lang="en-US" smtClean="0"/>
-              <a:t>‹#›</a:t>
+              <a:t>‹Nº›</a:t>
             </a:fld>
             <a:endParaRPr lang="en-US"/>
           </a:p>
@@ -1529,7 +1529,7 @@
           <a:p>
             <a:fld id="{07AF7C9C-3FFC-F543-8CD5-56B058077314}" type="datetimeFigureOut">
               <a:rPr lang="en-US" smtClean="0"/>
-              <a:t>9/27/2018</a:t>
+              <a:t>10/14/2018</a:t>
             </a:fld>
             <a:endParaRPr lang="en-US"/>
           </a:p>
@@ -1571,7 +1571,7 @@
           <a:p>
             <a:fld id="{E0E3E4AF-3478-F94E-9240-CA1945652EFF}" type="slidenum">
               <a:rPr lang="en-US" smtClean="0"/>
-              <a:t>‹#›</a:t>
+              <a:t>‹Nº›</a:t>
             </a:fld>
             <a:endParaRPr lang="en-US"/>
           </a:p>
@@ -1817,7 +1817,7 @@
           <a:p>
             <a:fld id="{07AF7C9C-3FFC-F543-8CD5-56B058077314}" type="datetimeFigureOut">
               <a:rPr lang="en-US" smtClean="0"/>
-              <a:t>9/27/2018</a:t>
+              <a:t>10/14/2018</a:t>
             </a:fld>
             <a:endParaRPr lang="en-US"/>
           </a:p>
@@ -1859,7 +1859,7 @@
           <a:p>
             <a:fld id="{E0E3E4AF-3478-F94E-9240-CA1945652EFF}" type="slidenum">
               <a:rPr lang="en-US" smtClean="0"/>
-              <a:t>‹#›</a:t>
+              <a:t>‹Nº›</a:t>
             </a:fld>
             <a:endParaRPr lang="en-US"/>
           </a:p>
@@ -2239,7 +2239,7 @@
           <a:p>
             <a:fld id="{07AF7C9C-3FFC-F543-8CD5-56B058077314}" type="datetimeFigureOut">
               <a:rPr lang="en-US" smtClean="0"/>
-              <a:t>9/27/2018</a:t>
+              <a:t>10/14/2018</a:t>
             </a:fld>
             <a:endParaRPr lang="en-US"/>
           </a:p>
@@ -2281,7 +2281,7 @@
           <a:p>
             <a:fld id="{E0E3E4AF-3478-F94E-9240-CA1945652EFF}" type="slidenum">
               <a:rPr lang="en-US" smtClean="0"/>
-              <a:t>‹#›</a:t>
+              <a:t>‹Nº›</a:t>
             </a:fld>
             <a:endParaRPr lang="en-US"/>
           </a:p>
@@ -2357,7 +2357,7 @@
           <a:p>
             <a:fld id="{07AF7C9C-3FFC-F543-8CD5-56B058077314}" type="datetimeFigureOut">
               <a:rPr lang="en-US" smtClean="0"/>
-              <a:t>9/27/2018</a:t>
+              <a:t>10/14/2018</a:t>
             </a:fld>
             <a:endParaRPr lang="en-US"/>
           </a:p>
@@ -2399,7 +2399,7 @@
           <a:p>
             <a:fld id="{E0E3E4AF-3478-F94E-9240-CA1945652EFF}" type="slidenum">
               <a:rPr lang="en-US" smtClean="0"/>
-              <a:t>‹#›</a:t>
+              <a:t>‹Nº›</a:t>
             </a:fld>
             <a:endParaRPr lang="en-US"/>
           </a:p>
@@ -2452,7 +2452,7 @@
           <a:p>
             <a:fld id="{07AF7C9C-3FFC-F543-8CD5-56B058077314}" type="datetimeFigureOut">
               <a:rPr lang="en-US" smtClean="0"/>
-              <a:t>9/27/2018</a:t>
+              <a:t>10/14/2018</a:t>
             </a:fld>
             <a:endParaRPr lang="en-US"/>
           </a:p>
@@ -2494,7 +2494,7 @@
           <a:p>
             <a:fld id="{E0E3E4AF-3478-F94E-9240-CA1945652EFF}" type="slidenum">
               <a:rPr lang="en-US" smtClean="0"/>
-              <a:t>‹#›</a:t>
+              <a:t>‹Nº›</a:t>
             </a:fld>
             <a:endParaRPr lang="en-US"/>
           </a:p>
@@ -2729,7 +2729,7 @@
           <a:p>
             <a:fld id="{07AF7C9C-3FFC-F543-8CD5-56B058077314}" type="datetimeFigureOut">
               <a:rPr lang="en-US" smtClean="0"/>
-              <a:t>9/27/2018</a:t>
+              <a:t>10/14/2018</a:t>
             </a:fld>
             <a:endParaRPr lang="en-US"/>
           </a:p>
@@ -2771,7 +2771,7 @@
           <a:p>
             <a:fld id="{E0E3E4AF-3478-F94E-9240-CA1945652EFF}" type="slidenum">
               <a:rPr lang="en-US" smtClean="0"/>
-              <a:t>‹#›</a:t>
+              <a:t>‹Nº›</a:t>
             </a:fld>
             <a:endParaRPr lang="en-US"/>
           </a:p>
@@ -2982,7 +2982,7 @@
           <a:p>
             <a:fld id="{07AF7C9C-3FFC-F543-8CD5-56B058077314}" type="datetimeFigureOut">
               <a:rPr lang="en-US" smtClean="0"/>
-              <a:t>9/27/2018</a:t>
+              <a:t>10/14/2018</a:t>
             </a:fld>
             <a:endParaRPr lang="en-US"/>
           </a:p>
@@ -3024,7 +3024,7 @@
           <a:p>
             <a:fld id="{E0E3E4AF-3478-F94E-9240-CA1945652EFF}" type="slidenum">
               <a:rPr lang="en-US" smtClean="0"/>
-              <a:t>‹#›</a:t>
+              <a:t>‹Nº›</a:t>
             </a:fld>
             <a:endParaRPr lang="en-US"/>
           </a:p>
@@ -3195,7 +3195,7 @@
           <a:p>
             <a:fld id="{07AF7C9C-3FFC-F543-8CD5-56B058077314}" type="datetimeFigureOut">
               <a:rPr lang="en-US" smtClean="0"/>
-              <a:t>9/27/2018</a:t>
+              <a:t>10/14/2018</a:t>
             </a:fld>
             <a:endParaRPr lang="en-US"/>
           </a:p>
@@ -3273,7 +3273,7 @@
           <a:p>
             <a:fld id="{E0E3E4AF-3478-F94E-9240-CA1945652EFF}" type="slidenum">
               <a:rPr lang="en-US" smtClean="0"/>
-              <a:t>‹#›</a:t>
+              <a:t>‹Nº›</a:t>
             </a:fld>
             <a:endParaRPr lang="en-US"/>
           </a:p>
@@ -3822,7 +3822,7 @@
                 <a:ea typeface="Open Sans" panose="020B0606030504020204" pitchFamily="34" charset="0"/>
                 <a:cs typeface="Open Sans" panose="020B0606030504020204" pitchFamily="34" charset="0"/>
               </a:rPr>
-              <a:t>AMERICAS CUP </a:t>
+              <a:t>EXERCISE TITLE </a:t>
             </a:r>
           </a:p>
           <a:p>
@@ -3835,7 +3835,7 @@
                 <a:ea typeface="Open Sans" panose="020B0606030504020204" pitchFamily="34" charset="0"/>
                 <a:cs typeface="Open Sans" panose="020B0606030504020204" pitchFamily="34" charset="0"/>
               </a:rPr>
-              <a:t>2018. RACE 2A</a:t>
+              <a:t>2018 SERIAL 12D</a:t>
             </a:r>
           </a:p>
         </p:txBody>
@@ -16950,16 +16950,6 @@
                 <a:latin typeface="Open Sans" panose="020B0606030504020204" pitchFamily="34" charset="0"/>
                 <a:ea typeface="Open Sans" panose="020B0606030504020204" pitchFamily="34" charset="0"/>
                 <a:cs typeface="Open Sans" panose="020B0606030504020204" pitchFamily="34" charset="0"/>
-              </a:rPr>
-              <a:t/>
-            </a:r>
-            <a:r>
-              <a:rPr lang="mr-IN" sz="2000" dirty="0">
-                <a:solidFill>
-                  <a:schemeClr val="bg1"/>
-                </a:solidFill>
-                <a:latin typeface="Open Sans" panose="020B0606030504020204" pitchFamily="34" charset="0"/>
-                <a:ea typeface="Open Sans" panose="020B0606030504020204" pitchFamily="34" charset="0"/>
               </a:rPr>
               <a:t/>
             </a:r>

--- a/org.mwc.debrief.legacy/test_data/master_template/multi_tracks/multi_tracks_temp.pptx
+++ b/org.mwc.debrief.legacy/test_data/master_template/multi_tracks/multi_tracks_temp.pptx
@@ -3905,7 +3905,7 @@
       </p:pic>
       <p:sp>
         <p:nvSpPr>
-          <p:cNvPr id="2000" name="footprint"/>
+          <p:cNvPr id="20600" name="footprint"/>
           <p:cNvSpPr/>
           <p:nvPr/>
         </p:nvSpPr>
@@ -3946,7 +3946,7 @@
       </p:sp>
       <p:sp>
         <p:nvSpPr>
-          <p:cNvPr id="2001" name="footprint"/>
+          <p:cNvPr id="20601" name="footprint"/>
           <p:cNvSpPr/>
           <p:nvPr/>
         </p:nvSpPr>
@@ -3987,7 +3987,7 @@
       </p:sp>
       <p:sp>
         <p:nvSpPr>
-          <p:cNvPr id="2002" name="footprint"/>
+          <p:cNvPr id="20602" name="footprint"/>
           <p:cNvSpPr/>
           <p:nvPr/>
         </p:nvSpPr>
@@ -4028,7 +4028,7 @@
       </p:sp>
       <p:sp>
         <p:nvSpPr>
-          <p:cNvPr id="2003" name="footprint"/>
+          <p:cNvPr id="20603" name="footprint"/>
           <p:cNvSpPr/>
           <p:nvPr/>
         </p:nvSpPr>
@@ -4069,7 +4069,7 @@
       </p:sp>
       <p:sp>
         <p:nvSpPr>
-          <p:cNvPr id="2004" name="footprint"/>
+          <p:cNvPr id="20604" name="footprint"/>
           <p:cNvSpPr/>
           <p:nvPr/>
         </p:nvSpPr>
@@ -4110,7 +4110,7 @@
       </p:sp>
       <p:sp>
         <p:nvSpPr>
-          <p:cNvPr id="2005" name="footprint"/>
+          <p:cNvPr id="20605" name="footprint"/>
           <p:cNvSpPr/>
           <p:nvPr/>
         </p:nvSpPr>
@@ -4151,7 +4151,7 @@
       </p:sp>
       <p:sp>
         <p:nvSpPr>
-          <p:cNvPr id="2006" name="footprint"/>
+          <p:cNvPr id="20606" name="footprint"/>
           <p:cNvSpPr/>
           <p:nvPr/>
         </p:nvSpPr>
@@ -4192,7 +4192,7 @@
       </p:sp>
       <p:sp>
         <p:nvSpPr>
-          <p:cNvPr id="2007" name="footprint"/>
+          <p:cNvPr id="20607" name="footprint"/>
           <p:cNvSpPr/>
           <p:nvPr/>
         </p:nvSpPr>
@@ -4233,7 +4233,7 @@
       </p:sp>
       <p:sp>
         <p:nvSpPr>
-          <p:cNvPr id="2008" name="footprint"/>
+          <p:cNvPr id="20608" name="footprint"/>
           <p:cNvSpPr/>
           <p:nvPr/>
         </p:nvSpPr>
@@ -4274,7 +4274,7 @@
       </p:sp>
       <p:sp>
         <p:nvSpPr>
-          <p:cNvPr id="2009" name="footprint"/>
+          <p:cNvPr id="20609" name="footprint"/>
           <p:cNvSpPr/>
           <p:nvPr/>
         </p:nvSpPr>
@@ -4315,7 +4315,7 @@
       </p:sp>
       <p:sp>
         <p:nvSpPr>
-          <p:cNvPr id="2010" name="footprint"/>
+          <p:cNvPr id="20610" name="footprint"/>
           <p:cNvSpPr/>
           <p:nvPr/>
         </p:nvSpPr>
@@ -4356,7 +4356,7 @@
       </p:sp>
       <p:sp>
         <p:nvSpPr>
-          <p:cNvPr id="2011" name="footprint"/>
+          <p:cNvPr id="20611" name="footprint"/>
           <p:cNvSpPr/>
           <p:nvPr/>
         </p:nvSpPr>
@@ -4397,7 +4397,7 @@
       </p:sp>
       <p:sp>
         <p:nvSpPr>
-          <p:cNvPr id="2012" name="footprint"/>
+          <p:cNvPr id="20612" name="footprint"/>
           <p:cNvSpPr/>
           <p:nvPr/>
         </p:nvSpPr>
@@ -4438,7 +4438,7 @@
       </p:sp>
       <p:sp>
         <p:nvSpPr>
-          <p:cNvPr id="2013" name="footprint"/>
+          <p:cNvPr id="20613" name="footprint"/>
           <p:cNvSpPr/>
           <p:nvPr/>
         </p:nvSpPr>
@@ -4479,7 +4479,7 @@
       </p:sp>
       <p:sp>
         <p:nvSpPr>
-          <p:cNvPr id="2014" name="footprint"/>
+          <p:cNvPr id="20614" name="footprint"/>
           <p:cNvSpPr/>
           <p:nvPr/>
         </p:nvSpPr>
@@ -4520,7 +4520,7 @@
       </p:sp>
       <p:sp>
         <p:nvSpPr>
-          <p:cNvPr id="2015" name="footprint"/>
+          <p:cNvPr id="20615" name="footprint"/>
           <p:cNvSpPr/>
           <p:nvPr/>
         </p:nvSpPr>
@@ -4561,7 +4561,7 @@
       </p:sp>
       <p:sp>
         <p:nvSpPr>
-          <p:cNvPr id="2016" name="footprint"/>
+          <p:cNvPr id="20616" name="footprint"/>
           <p:cNvSpPr/>
           <p:nvPr/>
         </p:nvSpPr>
@@ -4602,7 +4602,7 @@
       </p:sp>
       <p:sp>
         <p:nvSpPr>
-          <p:cNvPr id="2017" name="footprint"/>
+          <p:cNvPr id="20617" name="footprint"/>
           <p:cNvSpPr/>
           <p:nvPr/>
         </p:nvSpPr>
@@ -4643,7 +4643,7 @@
       </p:sp>
       <p:sp>
         <p:nvSpPr>
-          <p:cNvPr id="2018" name="footprint"/>
+          <p:cNvPr id="20618" name="footprint"/>
           <p:cNvSpPr/>
           <p:nvPr/>
         </p:nvSpPr>
@@ -4684,7 +4684,7 @@
       </p:sp>
       <p:sp>
         <p:nvSpPr>
-          <p:cNvPr id="2019" name="footprint"/>
+          <p:cNvPr id="20619" name="footprint"/>
           <p:cNvSpPr/>
           <p:nvPr/>
         </p:nvSpPr>
@@ -4725,7 +4725,7 @@
       </p:sp>
       <p:sp>
         <p:nvSpPr>
-          <p:cNvPr id="2020" name="footprint"/>
+          <p:cNvPr id="20620" name="footprint"/>
           <p:cNvSpPr/>
           <p:nvPr/>
         </p:nvSpPr>
@@ -4766,7 +4766,7 @@
       </p:sp>
       <p:sp>
         <p:nvSpPr>
-          <p:cNvPr id="2021" name="footprint"/>
+          <p:cNvPr id="20621" name="footprint"/>
           <p:cNvSpPr/>
           <p:nvPr/>
         </p:nvSpPr>
@@ -4807,7 +4807,7 @@
       </p:sp>
       <p:sp>
         <p:nvSpPr>
-          <p:cNvPr id="2022" name="footprint"/>
+          <p:cNvPr id="20622" name="footprint"/>
           <p:cNvSpPr/>
           <p:nvPr/>
         </p:nvSpPr>
@@ -4848,7 +4848,7 @@
       </p:sp>
       <p:sp>
         <p:nvSpPr>
-          <p:cNvPr id="2023" name="footprint"/>
+          <p:cNvPr id="20623" name="footprint"/>
           <p:cNvSpPr/>
           <p:nvPr/>
         </p:nvSpPr>
@@ -4889,7 +4889,7 @@
       </p:sp>
       <p:sp>
         <p:nvSpPr>
-          <p:cNvPr id="2024" name="footprint"/>
+          <p:cNvPr id="20624" name="footprint"/>
           <p:cNvSpPr/>
           <p:nvPr/>
         </p:nvSpPr>
@@ -4930,7 +4930,7 @@
       </p:sp>
       <p:sp>
         <p:nvSpPr>
-          <p:cNvPr id="2025" name="footprint"/>
+          <p:cNvPr id="20625" name="footprint"/>
           <p:cNvSpPr/>
           <p:nvPr/>
         </p:nvSpPr>
@@ -4971,7 +4971,7 @@
       </p:sp>
       <p:sp>
         <p:nvSpPr>
-          <p:cNvPr id="2026" name="footprint"/>
+          <p:cNvPr id="20626" name="footprint"/>
           <p:cNvSpPr/>
           <p:nvPr/>
         </p:nvSpPr>
@@ -5012,7 +5012,7 @@
       </p:sp>
       <p:sp>
         <p:nvSpPr>
-          <p:cNvPr id="2027" name="footprint"/>
+          <p:cNvPr id="20627" name="footprint"/>
           <p:cNvSpPr/>
           <p:nvPr/>
         </p:nvSpPr>
@@ -5053,7 +5053,7 @@
       </p:sp>
       <p:sp>
         <p:nvSpPr>
-          <p:cNvPr id="2028" name="footprint"/>
+          <p:cNvPr id="20628" name="footprint"/>
           <p:cNvSpPr/>
           <p:nvPr/>
         </p:nvSpPr>
@@ -5094,7 +5094,7 @@
       </p:sp>
       <p:sp>
         <p:nvSpPr>
-          <p:cNvPr id="2029" name="footprint"/>
+          <p:cNvPr id="20629" name="footprint"/>
           <p:cNvSpPr/>
           <p:nvPr/>
         </p:nvSpPr>
@@ -5135,7 +5135,7 @@
       </p:sp>
       <p:sp>
         <p:nvSpPr>
-          <p:cNvPr id="2030" name="footprint"/>
+          <p:cNvPr id="20630" name="footprint"/>
           <p:cNvSpPr/>
           <p:nvPr/>
         </p:nvSpPr>
@@ -5176,7 +5176,7 @@
       </p:sp>
       <p:sp>
         <p:nvSpPr>
-          <p:cNvPr id="2031" name="footprint"/>
+          <p:cNvPr id="20631" name="footprint"/>
           <p:cNvSpPr/>
           <p:nvPr/>
         </p:nvSpPr>
@@ -5217,7 +5217,7 @@
       </p:sp>
       <p:sp>
         <p:nvSpPr>
-          <p:cNvPr id="2032" name="footprint"/>
+          <p:cNvPr id="20632" name="footprint"/>
           <p:cNvSpPr/>
           <p:nvPr/>
         </p:nvSpPr>
@@ -5258,7 +5258,7 @@
       </p:sp>
       <p:sp>
         <p:nvSpPr>
-          <p:cNvPr id="2033" name="footprint"/>
+          <p:cNvPr id="20633" name="footprint"/>
           <p:cNvSpPr/>
           <p:nvPr/>
         </p:nvSpPr>
@@ -5299,7 +5299,7 @@
       </p:sp>
       <p:sp>
         <p:nvSpPr>
-          <p:cNvPr id="2034" name="footprint"/>
+          <p:cNvPr id="20634" name="footprint"/>
           <p:cNvSpPr/>
           <p:nvPr/>
         </p:nvSpPr>
@@ -5340,7 +5340,7 @@
       </p:sp>
       <p:sp>
         <p:nvSpPr>
-          <p:cNvPr id="2035" name="footprint"/>
+          <p:cNvPr id="20635" name="footprint"/>
           <p:cNvSpPr/>
           <p:nvPr/>
         </p:nvSpPr>
@@ -5381,7 +5381,7 @@
       </p:sp>
       <p:sp>
         <p:nvSpPr>
-          <p:cNvPr id="2036" name="footprint"/>
+          <p:cNvPr id="20636" name="footprint"/>
           <p:cNvSpPr/>
           <p:nvPr/>
         </p:nvSpPr>
@@ -5422,7 +5422,7 @@
       </p:sp>
       <p:sp>
         <p:nvSpPr>
-          <p:cNvPr id="2037" name="footprint"/>
+          <p:cNvPr id="20637" name="footprint"/>
           <p:cNvSpPr/>
           <p:nvPr/>
         </p:nvSpPr>
@@ -5463,7 +5463,7 @@
       </p:sp>
       <p:sp>
         <p:nvSpPr>
-          <p:cNvPr id="2038" name="footprint"/>
+          <p:cNvPr id="20638" name="footprint"/>
           <p:cNvSpPr/>
           <p:nvPr/>
         </p:nvSpPr>
@@ -5504,7 +5504,7 @@
       </p:sp>
       <p:sp>
         <p:nvSpPr>
-          <p:cNvPr id="2039" name="footprint"/>
+          <p:cNvPr id="20639" name="footprint"/>
           <p:cNvSpPr/>
           <p:nvPr/>
         </p:nvSpPr>
@@ -5545,7 +5545,7 @@
       </p:sp>
       <p:sp>
         <p:nvSpPr>
-          <p:cNvPr id="2040" name="footprint"/>
+          <p:cNvPr id="20640" name="footprint"/>
           <p:cNvSpPr/>
           <p:nvPr/>
         </p:nvSpPr>
@@ -5586,7 +5586,7 @@
       </p:sp>
       <p:sp>
         <p:nvSpPr>
-          <p:cNvPr id="2041" name="footprint"/>
+          <p:cNvPr id="20641" name="footprint"/>
           <p:cNvSpPr/>
           <p:nvPr/>
         </p:nvSpPr>
@@ -5627,7 +5627,7 @@
       </p:sp>
       <p:sp>
         <p:nvSpPr>
-          <p:cNvPr id="2042" name="footprint"/>
+          <p:cNvPr id="20642" name="footprint"/>
           <p:cNvSpPr/>
           <p:nvPr/>
         </p:nvSpPr>
@@ -5668,7 +5668,7 @@
       </p:sp>
       <p:sp>
         <p:nvSpPr>
-          <p:cNvPr id="2043" name="footprint"/>
+          <p:cNvPr id="20643" name="footprint"/>
           <p:cNvSpPr/>
           <p:nvPr/>
         </p:nvSpPr>
@@ -5709,7 +5709,7 @@
       </p:sp>
       <p:sp>
         <p:nvSpPr>
-          <p:cNvPr id="2044" name="footprint"/>
+          <p:cNvPr id="20644" name="footprint"/>
           <p:cNvSpPr/>
           <p:nvPr/>
         </p:nvSpPr>
@@ -5750,7 +5750,7 @@
       </p:sp>
       <p:sp>
         <p:nvSpPr>
-          <p:cNvPr id="2045" name="footprint"/>
+          <p:cNvPr id="20645" name="footprint"/>
           <p:cNvSpPr/>
           <p:nvPr/>
         </p:nvSpPr>
@@ -5791,7 +5791,7 @@
       </p:sp>
       <p:sp>
         <p:nvSpPr>
-          <p:cNvPr id="2046" name="footprint"/>
+          <p:cNvPr id="20646" name="footprint"/>
           <p:cNvSpPr/>
           <p:nvPr/>
         </p:nvSpPr>
@@ -5832,7 +5832,7 @@
       </p:sp>
       <p:sp>
         <p:nvSpPr>
-          <p:cNvPr id="2047" name="footprint"/>
+          <p:cNvPr id="20647" name="footprint"/>
           <p:cNvSpPr/>
           <p:nvPr/>
         </p:nvSpPr>
@@ -5873,7 +5873,7 @@
       </p:sp>
       <p:sp>
         <p:nvSpPr>
-          <p:cNvPr id="2048" name="footprint"/>
+          <p:cNvPr id="20648" name="footprint"/>
           <p:cNvSpPr/>
           <p:nvPr/>
         </p:nvSpPr>
@@ -5914,7 +5914,7 @@
       </p:sp>
       <p:sp>
         <p:nvSpPr>
-          <p:cNvPr id="2049" name="footprint"/>
+          <p:cNvPr id="20649" name="footprint"/>
           <p:cNvSpPr/>
           <p:nvPr/>
         </p:nvSpPr>
@@ -5955,7 +5955,7 @@
       </p:sp>
       <p:sp>
         <p:nvSpPr>
-          <p:cNvPr id="2050" name="footprint"/>
+          <p:cNvPr id="20650" name="footprint"/>
           <p:cNvSpPr/>
           <p:nvPr/>
         </p:nvSpPr>
@@ -5996,7 +5996,7 @@
       </p:sp>
       <p:sp>
         <p:nvSpPr>
-          <p:cNvPr id="2051" name="footprint"/>
+          <p:cNvPr id="20651" name="footprint"/>
           <p:cNvSpPr/>
           <p:nvPr/>
         </p:nvSpPr>
@@ -6037,7 +6037,7 @@
       </p:sp>
       <p:sp>
         <p:nvSpPr>
-          <p:cNvPr id="2052" name="footprint"/>
+          <p:cNvPr id="20652" name="footprint"/>
           <p:cNvSpPr/>
           <p:nvPr/>
         </p:nvSpPr>
@@ -6078,7 +6078,7 @@
       </p:sp>
       <p:sp>
         <p:nvSpPr>
-          <p:cNvPr id="2053" name="footprint"/>
+          <p:cNvPr id="20653" name="footprint"/>
           <p:cNvSpPr/>
           <p:nvPr/>
         </p:nvSpPr>
@@ -6119,7 +6119,7 @@
       </p:sp>
       <p:sp>
         <p:nvSpPr>
-          <p:cNvPr id="2054" name="footprint"/>
+          <p:cNvPr id="20654" name="footprint"/>
           <p:cNvSpPr/>
           <p:nvPr/>
         </p:nvSpPr>
@@ -6160,7 +6160,7 @@
       </p:sp>
       <p:sp>
         <p:nvSpPr>
-          <p:cNvPr id="2055" name="footprint"/>
+          <p:cNvPr id="20655" name="footprint"/>
           <p:cNvSpPr/>
           <p:nvPr/>
         </p:nvSpPr>
@@ -6201,7 +6201,7 @@
       </p:sp>
       <p:sp>
         <p:nvSpPr>
-          <p:cNvPr id="2056" name="footprint"/>
+          <p:cNvPr id="20656" name="footprint"/>
           <p:cNvSpPr/>
           <p:nvPr/>
         </p:nvSpPr>
@@ -6242,7 +6242,7 @@
       </p:sp>
       <p:sp>
         <p:nvSpPr>
-          <p:cNvPr id="2057" name="footprint"/>
+          <p:cNvPr id="20657" name="footprint"/>
           <p:cNvSpPr/>
           <p:nvPr/>
         </p:nvSpPr>
@@ -6283,7 +6283,7 @@
       </p:sp>
       <p:sp>
         <p:nvSpPr>
-          <p:cNvPr id="2058" name="footprint"/>
+          <p:cNvPr id="20658" name="footprint"/>
           <p:cNvSpPr/>
           <p:nvPr/>
         </p:nvSpPr>
@@ -6324,7 +6324,7 @@
       </p:sp>
       <p:sp>
         <p:nvSpPr>
-          <p:cNvPr id="2059" name="footprint"/>
+          <p:cNvPr id="20659" name="footprint"/>
           <p:cNvSpPr/>
           <p:nvPr/>
         </p:nvSpPr>
@@ -6365,7 +6365,7 @@
       </p:sp>
       <p:sp>
         <p:nvSpPr>
-          <p:cNvPr id="2060" name="footprint"/>
+          <p:cNvPr id="20660" name="footprint"/>
           <p:cNvSpPr/>
           <p:nvPr/>
         </p:nvSpPr>
@@ -6406,7 +6406,7 @@
       </p:sp>
       <p:sp>
         <p:nvSpPr>
-          <p:cNvPr id="2061" name="footprint"/>
+          <p:cNvPr id="20661" name="footprint"/>
           <p:cNvSpPr/>
           <p:nvPr/>
         </p:nvSpPr>
@@ -6447,7 +6447,7 @@
       </p:sp>
       <p:sp>
         <p:nvSpPr>
-          <p:cNvPr id="2062" name="footprint"/>
+          <p:cNvPr id="20662" name="footprint"/>
           <p:cNvSpPr/>
           <p:nvPr/>
         </p:nvSpPr>
@@ -6488,7 +6488,7 @@
       </p:sp>
       <p:sp>
         <p:nvSpPr>
-          <p:cNvPr id="2063" name="footprint"/>
+          <p:cNvPr id="20663" name="footprint"/>
           <p:cNvSpPr/>
           <p:nvPr/>
         </p:nvSpPr>
@@ -6529,7 +6529,7 @@
       </p:sp>
       <p:sp>
         <p:nvSpPr>
-          <p:cNvPr id="2064" name="footprint"/>
+          <p:cNvPr id="20664" name="footprint"/>
           <p:cNvSpPr/>
           <p:nvPr/>
         </p:nvSpPr>
@@ -6570,7 +6570,7 @@
       </p:sp>
       <p:sp>
         <p:nvSpPr>
-          <p:cNvPr id="2065" name="footprint"/>
+          <p:cNvPr id="20665" name="footprint"/>
           <p:cNvSpPr/>
           <p:nvPr/>
         </p:nvSpPr>
@@ -6611,7 +6611,7 @@
       </p:sp>
       <p:sp>
         <p:nvSpPr>
-          <p:cNvPr id="2066" name="footprint"/>
+          <p:cNvPr id="20666" name="footprint"/>
           <p:cNvSpPr/>
           <p:nvPr/>
         </p:nvSpPr>
@@ -6652,7 +6652,7 @@
       </p:sp>
       <p:sp>
         <p:nvSpPr>
-          <p:cNvPr id="2067" name="footprint"/>
+          <p:cNvPr id="20667" name="footprint"/>
           <p:cNvSpPr/>
           <p:nvPr/>
         </p:nvSpPr>
@@ -6693,7 +6693,7 @@
       </p:sp>
       <p:sp>
         <p:nvSpPr>
-          <p:cNvPr id="2068" name="footprint"/>
+          <p:cNvPr id="20668" name="footprint"/>
           <p:cNvSpPr/>
           <p:nvPr/>
         </p:nvSpPr>
@@ -6734,7 +6734,7 @@
       </p:sp>
       <p:sp>
         <p:nvSpPr>
-          <p:cNvPr id="2069" name="footprint"/>
+          <p:cNvPr id="20669" name="footprint"/>
           <p:cNvSpPr/>
           <p:nvPr/>
         </p:nvSpPr>
@@ -6775,7 +6775,7 @@
       </p:sp>
       <p:sp>
         <p:nvSpPr>
-          <p:cNvPr id="2070" name="footprint"/>
+          <p:cNvPr id="20670" name="footprint"/>
           <p:cNvSpPr/>
           <p:nvPr/>
         </p:nvSpPr>
@@ -6816,7 +6816,7 @@
       </p:sp>
       <p:sp>
         <p:nvSpPr>
-          <p:cNvPr id="2071" name="footprint"/>
+          <p:cNvPr id="20671" name="footprint"/>
           <p:cNvSpPr/>
           <p:nvPr/>
         </p:nvSpPr>
@@ -6857,7 +6857,7 @@
       </p:sp>
       <p:sp>
         <p:nvSpPr>
-          <p:cNvPr id="2072" name="footprint"/>
+          <p:cNvPr id="20672" name="footprint"/>
           <p:cNvSpPr/>
           <p:nvPr/>
         </p:nvSpPr>
@@ -6898,7 +6898,7 @@
       </p:sp>
       <p:sp>
         <p:nvSpPr>
-          <p:cNvPr id="2073" name="footprint"/>
+          <p:cNvPr id="20673" name="footprint"/>
           <p:cNvSpPr/>
           <p:nvPr/>
         </p:nvSpPr>
@@ -6939,7 +6939,7 @@
       </p:sp>
       <p:sp>
         <p:nvSpPr>
-          <p:cNvPr id="2074" name="footprint"/>
+          <p:cNvPr id="20674" name="footprint"/>
           <p:cNvSpPr/>
           <p:nvPr/>
         </p:nvSpPr>
@@ -6980,7 +6980,7 @@
       </p:sp>
       <p:sp>
         <p:nvSpPr>
-          <p:cNvPr id="2075" name="footprint"/>
+          <p:cNvPr id="20675" name="footprint"/>
           <p:cNvSpPr/>
           <p:nvPr/>
         </p:nvSpPr>
@@ -7021,7 +7021,7 @@
       </p:sp>
       <p:sp>
         <p:nvSpPr>
-          <p:cNvPr id="2076" name="footprint"/>
+          <p:cNvPr id="20676" name="footprint"/>
           <p:cNvSpPr/>
           <p:nvPr/>
         </p:nvSpPr>
@@ -7062,7 +7062,7 @@
       </p:sp>
       <p:sp>
         <p:nvSpPr>
-          <p:cNvPr id="2077" name="footprint"/>
+          <p:cNvPr id="20677" name="footprint"/>
           <p:cNvSpPr/>
           <p:nvPr/>
         </p:nvSpPr>
@@ -7103,7 +7103,7 @@
       </p:sp>
       <p:sp>
         <p:nvSpPr>
-          <p:cNvPr id="2078" name="footprint"/>
+          <p:cNvPr id="20678" name="footprint"/>
           <p:cNvSpPr/>
           <p:nvPr/>
         </p:nvSpPr>
@@ -7144,7 +7144,7 @@
       </p:sp>
       <p:sp>
         <p:nvSpPr>
-          <p:cNvPr id="2079" name="footprint"/>
+          <p:cNvPr id="20679" name="footprint"/>
           <p:cNvSpPr/>
           <p:nvPr/>
         </p:nvSpPr>
@@ -7185,7 +7185,7 @@
       </p:sp>
       <p:sp>
         <p:nvSpPr>
-          <p:cNvPr id="2080" name="footprint"/>
+          <p:cNvPr id="20680" name="footprint"/>
           <p:cNvSpPr/>
           <p:nvPr/>
         </p:nvSpPr>
@@ -7226,7 +7226,7 @@
       </p:sp>
       <p:sp>
         <p:nvSpPr>
-          <p:cNvPr id="2081" name="footprint"/>
+          <p:cNvPr id="20681" name="footprint"/>
           <p:cNvSpPr/>
           <p:nvPr/>
         </p:nvSpPr>
@@ -7267,7 +7267,7 @@
       </p:sp>
       <p:sp>
         <p:nvSpPr>
-          <p:cNvPr id="2082" name="footprint"/>
+          <p:cNvPr id="20682" name="footprint"/>
           <p:cNvSpPr/>
           <p:nvPr/>
         </p:nvSpPr>
@@ -7308,7 +7308,7 @@
       </p:sp>
       <p:sp>
         <p:nvSpPr>
-          <p:cNvPr id="2083" name="footprint"/>
+          <p:cNvPr id="20683" name="footprint"/>
           <p:cNvSpPr/>
           <p:nvPr/>
         </p:nvSpPr>
@@ -7349,7 +7349,7 @@
       </p:sp>
       <p:sp>
         <p:nvSpPr>
-          <p:cNvPr id="2084" name="footprint"/>
+          <p:cNvPr id="20684" name="footprint"/>
           <p:cNvSpPr/>
           <p:nvPr/>
         </p:nvSpPr>
@@ -7390,7 +7390,7 @@
       </p:sp>
       <p:sp>
         <p:nvSpPr>
-          <p:cNvPr id="2085" name="footprint"/>
+          <p:cNvPr id="20685" name="footprint"/>
           <p:cNvSpPr/>
           <p:nvPr/>
         </p:nvSpPr>
@@ -7431,7 +7431,7 @@
       </p:sp>
       <p:sp>
         <p:nvSpPr>
-          <p:cNvPr id="2086" name="footprint"/>
+          <p:cNvPr id="20686" name="footprint"/>
           <p:cNvSpPr/>
           <p:nvPr/>
         </p:nvSpPr>
@@ -7472,7 +7472,7 @@
       </p:sp>
       <p:sp>
         <p:nvSpPr>
-          <p:cNvPr id="2087" name="footprint"/>
+          <p:cNvPr id="20687" name="footprint"/>
           <p:cNvSpPr/>
           <p:nvPr/>
         </p:nvSpPr>
@@ -7513,7 +7513,7 @@
       </p:sp>
       <p:sp>
         <p:nvSpPr>
-          <p:cNvPr id="2088" name="footprint"/>
+          <p:cNvPr id="20688" name="footprint"/>
           <p:cNvSpPr/>
           <p:nvPr/>
         </p:nvSpPr>
@@ -7554,7 +7554,7 @@
       </p:sp>
       <p:sp>
         <p:nvSpPr>
-          <p:cNvPr id="2089" name="footprint"/>
+          <p:cNvPr id="20689" name="footprint"/>
           <p:cNvSpPr/>
           <p:nvPr/>
         </p:nvSpPr>
@@ -7595,7 +7595,7 @@
       </p:sp>
       <p:sp>
         <p:nvSpPr>
-          <p:cNvPr id="2090" name="footprint"/>
+          <p:cNvPr id="20690" name="footprint"/>
           <p:cNvSpPr/>
           <p:nvPr/>
         </p:nvSpPr>
@@ -7636,7 +7636,7 @@
       </p:sp>
       <p:sp>
         <p:nvSpPr>
-          <p:cNvPr id="2091" name="footprint"/>
+          <p:cNvPr id="20691" name="footprint"/>
           <p:cNvSpPr/>
           <p:nvPr/>
         </p:nvSpPr>
@@ -7677,7 +7677,7 @@
       </p:sp>
       <p:sp>
         <p:nvSpPr>
-          <p:cNvPr id="2092" name="footprint"/>
+          <p:cNvPr id="20692" name="footprint"/>
           <p:cNvSpPr/>
           <p:nvPr/>
         </p:nvSpPr>
@@ -7718,7 +7718,7 @@
       </p:sp>
       <p:sp>
         <p:nvSpPr>
-          <p:cNvPr id="2093" name="footprint"/>
+          <p:cNvPr id="20693" name="footprint"/>
           <p:cNvSpPr/>
           <p:nvPr/>
         </p:nvSpPr>
@@ -7759,7 +7759,7 @@
       </p:sp>
       <p:sp>
         <p:nvSpPr>
-          <p:cNvPr id="2094" name="footprint"/>
+          <p:cNvPr id="20694" name="footprint"/>
           <p:cNvSpPr/>
           <p:nvPr/>
         </p:nvSpPr>
@@ -7800,7 +7800,7 @@
       </p:sp>
       <p:sp>
         <p:nvSpPr>
-          <p:cNvPr id="2095" name="footprint"/>
+          <p:cNvPr id="20695" name="footprint"/>
           <p:cNvSpPr/>
           <p:nvPr/>
         </p:nvSpPr>
@@ -7841,7 +7841,7 @@
       </p:sp>
       <p:sp>
         <p:nvSpPr>
-          <p:cNvPr id="2096" name="footprint"/>
+          <p:cNvPr id="20696" name="footprint"/>
           <p:cNvSpPr/>
           <p:nvPr/>
         </p:nvSpPr>
@@ -7882,7 +7882,7 @@
       </p:sp>
       <p:sp>
         <p:nvSpPr>
-          <p:cNvPr id="2097" name="footprint"/>
+          <p:cNvPr id="20697" name="footprint"/>
           <p:cNvSpPr/>
           <p:nvPr/>
         </p:nvSpPr>
@@ -7923,7 +7923,7 @@
       </p:sp>
       <p:sp>
         <p:nvSpPr>
-          <p:cNvPr id="2098" name="footprint"/>
+          <p:cNvPr id="20698" name="footprint"/>
           <p:cNvSpPr/>
           <p:nvPr/>
         </p:nvSpPr>
@@ -7964,7 +7964,7 @@
       </p:sp>
       <p:sp>
         <p:nvSpPr>
-          <p:cNvPr id="2099" name="footprint"/>
+          <p:cNvPr id="20699" name="footprint"/>
           <p:cNvSpPr/>
           <p:nvPr/>
         </p:nvSpPr>
@@ -8005,7 +8005,7 @@
       </p:sp>
       <p:sp>
         <p:nvSpPr>
-          <p:cNvPr id="2100" name="footprint"/>
+          <p:cNvPr id="20700" name="footprint"/>
           <p:cNvSpPr/>
           <p:nvPr/>
         </p:nvSpPr>
@@ -8046,7 +8046,7 @@
       </p:sp>
       <p:sp>
         <p:nvSpPr>
-          <p:cNvPr id="2101" name="footprint"/>
+          <p:cNvPr id="20701" name="footprint"/>
           <p:cNvSpPr/>
           <p:nvPr/>
         </p:nvSpPr>
@@ -8087,7 +8087,7 @@
       </p:sp>
       <p:sp>
         <p:nvSpPr>
-          <p:cNvPr id="2102" name="footprint"/>
+          <p:cNvPr id="20702" name="footprint"/>
           <p:cNvSpPr/>
           <p:nvPr/>
         </p:nvSpPr>
@@ -8128,7 +8128,7 @@
       </p:sp>
       <p:sp>
         <p:nvSpPr>
-          <p:cNvPr id="2103" name="footprint"/>
+          <p:cNvPr id="20703" name="footprint"/>
           <p:cNvSpPr/>
           <p:nvPr/>
         </p:nvSpPr>
@@ -8169,7 +8169,7 @@
       </p:sp>
       <p:sp>
         <p:nvSpPr>
-          <p:cNvPr id="2104" name="footprint"/>
+          <p:cNvPr id="20704" name="footprint"/>
           <p:cNvSpPr/>
           <p:nvPr/>
         </p:nvSpPr>
@@ -8210,7 +8210,7 @@
       </p:sp>
       <p:sp>
         <p:nvSpPr>
-          <p:cNvPr id="2105" name="footprint"/>
+          <p:cNvPr id="20705" name="footprint"/>
           <p:cNvSpPr/>
           <p:nvPr/>
         </p:nvSpPr>
@@ -8251,7 +8251,7 @@
       </p:sp>
       <p:sp>
         <p:nvSpPr>
-          <p:cNvPr id="2106" name="footprint"/>
+          <p:cNvPr id="20706" name="footprint"/>
           <p:cNvSpPr/>
           <p:nvPr/>
         </p:nvSpPr>
@@ -8292,7 +8292,7 @@
       </p:sp>
       <p:sp>
         <p:nvSpPr>
-          <p:cNvPr id="2107" name="footprint"/>
+          <p:cNvPr id="20707" name="footprint"/>
           <p:cNvSpPr/>
           <p:nvPr/>
         </p:nvSpPr>
@@ -8333,7 +8333,7 @@
       </p:sp>
       <p:sp>
         <p:nvSpPr>
-          <p:cNvPr id="2108" name="footprint"/>
+          <p:cNvPr id="20708" name="footprint"/>
           <p:cNvSpPr/>
           <p:nvPr/>
         </p:nvSpPr>
@@ -8374,7 +8374,7 @@
       </p:sp>
       <p:sp>
         <p:nvSpPr>
-          <p:cNvPr id="2109" name="footprint"/>
+          <p:cNvPr id="20709" name="footprint"/>
           <p:cNvSpPr/>
           <p:nvPr/>
         </p:nvSpPr>
@@ -8415,7 +8415,7 @@
       </p:sp>
       <p:sp>
         <p:nvSpPr>
-          <p:cNvPr id="2110" name="footprint"/>
+          <p:cNvPr id="20710" name="footprint"/>
           <p:cNvSpPr/>
           <p:nvPr/>
         </p:nvSpPr>
@@ -8456,7 +8456,7 @@
       </p:sp>
       <p:sp>
         <p:nvSpPr>
-          <p:cNvPr id="2111" name="footprint"/>
+          <p:cNvPr id="20711" name="footprint"/>
           <p:cNvSpPr/>
           <p:nvPr/>
         </p:nvSpPr>
@@ -8497,7 +8497,7 @@
       </p:sp>
       <p:sp>
         <p:nvSpPr>
-          <p:cNvPr id="2112" name="footprint"/>
+          <p:cNvPr id="20712" name="footprint"/>
           <p:cNvSpPr/>
           <p:nvPr/>
         </p:nvSpPr>
@@ -8538,7 +8538,7 @@
       </p:sp>
       <p:sp>
         <p:nvSpPr>
-          <p:cNvPr id="2113" name="footprint"/>
+          <p:cNvPr id="20713" name="footprint"/>
           <p:cNvSpPr/>
           <p:nvPr/>
         </p:nvSpPr>
@@ -8579,7 +8579,7 @@
       </p:sp>
       <p:sp>
         <p:nvSpPr>
-          <p:cNvPr id="2114" name="footprint"/>
+          <p:cNvPr id="20714" name="footprint"/>
           <p:cNvSpPr/>
           <p:nvPr/>
         </p:nvSpPr>
@@ -8620,7 +8620,7 @@
       </p:sp>
       <p:sp>
         <p:nvSpPr>
-          <p:cNvPr id="2115" name="footprint"/>
+          <p:cNvPr id="20715" name="footprint"/>
           <p:cNvSpPr/>
           <p:nvPr/>
         </p:nvSpPr>
@@ -8661,7 +8661,7 @@
       </p:sp>
       <p:sp>
         <p:nvSpPr>
-          <p:cNvPr id="2116" name="footprint"/>
+          <p:cNvPr id="20716" name="footprint"/>
           <p:cNvSpPr/>
           <p:nvPr/>
         </p:nvSpPr>
@@ -8702,7 +8702,7 @@
       </p:sp>
       <p:sp>
         <p:nvSpPr>
-          <p:cNvPr id="2117" name="footprint"/>
+          <p:cNvPr id="20717" name="footprint"/>
           <p:cNvSpPr/>
           <p:nvPr/>
         </p:nvSpPr>
@@ -8743,7 +8743,7 @@
       </p:sp>
       <p:sp>
         <p:nvSpPr>
-          <p:cNvPr id="2118" name="footprint"/>
+          <p:cNvPr id="20718" name="footprint"/>
           <p:cNvSpPr/>
           <p:nvPr/>
         </p:nvSpPr>
@@ -8784,7 +8784,7 @@
       </p:sp>
       <p:sp>
         <p:nvSpPr>
-          <p:cNvPr id="2119" name="footprint"/>
+          <p:cNvPr id="20719" name="footprint"/>
           <p:cNvSpPr/>
           <p:nvPr/>
         </p:nvSpPr>
@@ -8825,7 +8825,7 @@
       </p:sp>
       <p:sp>
         <p:nvSpPr>
-          <p:cNvPr id="2120" name="footprint"/>
+          <p:cNvPr id="20720" name="footprint"/>
           <p:cNvSpPr/>
           <p:nvPr/>
         </p:nvSpPr>
@@ -8866,7 +8866,7 @@
       </p:sp>
       <p:sp>
         <p:nvSpPr>
-          <p:cNvPr id="2121" name="footprint"/>
+          <p:cNvPr id="20721" name="footprint"/>
           <p:cNvSpPr/>
           <p:nvPr/>
         </p:nvSpPr>
@@ -8907,7 +8907,7 @@
       </p:sp>
       <p:sp>
         <p:nvSpPr>
-          <p:cNvPr id="2122" name="footprint"/>
+          <p:cNvPr id="20722" name="footprint"/>
           <p:cNvSpPr/>
           <p:nvPr/>
         </p:nvSpPr>
@@ -8948,7 +8948,7 @@
       </p:sp>
       <p:sp>
         <p:nvSpPr>
-          <p:cNvPr id="2123" name="footprint"/>
+          <p:cNvPr id="20723" name="footprint"/>
           <p:cNvSpPr/>
           <p:nvPr/>
         </p:nvSpPr>
@@ -8989,7 +8989,7 @@
       </p:sp>
       <p:sp>
         <p:nvSpPr>
-          <p:cNvPr id="2124" name="footprint"/>
+          <p:cNvPr id="20724" name="footprint"/>
           <p:cNvSpPr/>
           <p:nvPr/>
         </p:nvSpPr>
@@ -9030,7 +9030,7 @@
       </p:sp>
       <p:sp>
         <p:nvSpPr>
-          <p:cNvPr id="2125" name="footprint"/>
+          <p:cNvPr id="20725" name="footprint"/>
           <p:cNvSpPr/>
           <p:nvPr/>
         </p:nvSpPr>
@@ -9071,7 +9071,7 @@
       </p:sp>
       <p:sp>
         <p:nvSpPr>
-          <p:cNvPr id="2126" name="footprint"/>
+          <p:cNvPr id="20726" name="footprint"/>
           <p:cNvSpPr/>
           <p:nvPr/>
         </p:nvSpPr>
@@ -9112,7 +9112,7 @@
       </p:sp>
       <p:sp>
         <p:nvSpPr>
-          <p:cNvPr id="2127" name="footprint"/>
+          <p:cNvPr id="20727" name="footprint"/>
           <p:cNvSpPr/>
           <p:nvPr/>
         </p:nvSpPr>
@@ -9153,7 +9153,7 @@
       </p:sp>
       <p:sp>
         <p:nvSpPr>
-          <p:cNvPr id="2128" name="footprint"/>
+          <p:cNvPr id="20728" name="footprint"/>
           <p:cNvSpPr/>
           <p:nvPr/>
         </p:nvSpPr>
@@ -9194,7 +9194,7 @@
       </p:sp>
       <p:sp>
         <p:nvSpPr>
-          <p:cNvPr id="2129" name="footprint"/>
+          <p:cNvPr id="20729" name="footprint"/>
           <p:cNvSpPr/>
           <p:nvPr/>
         </p:nvSpPr>
@@ -9235,7 +9235,7 @@
       </p:sp>
       <p:sp>
         <p:nvSpPr>
-          <p:cNvPr id="2130" name="footprint"/>
+          <p:cNvPr id="20730" name="footprint"/>
           <p:cNvSpPr/>
           <p:nvPr/>
         </p:nvSpPr>
@@ -9276,7 +9276,7 @@
       </p:sp>
       <p:sp>
         <p:nvSpPr>
-          <p:cNvPr id="2131" name="footprint"/>
+          <p:cNvPr id="20731" name="footprint"/>
           <p:cNvSpPr/>
           <p:nvPr/>
         </p:nvSpPr>
@@ -9317,7 +9317,7 @@
       </p:sp>
       <p:sp>
         <p:nvSpPr>
-          <p:cNvPr id="2132" name="footprint"/>
+          <p:cNvPr id="20732" name="footprint"/>
           <p:cNvSpPr/>
           <p:nvPr/>
         </p:nvSpPr>
@@ -9358,7 +9358,7 @@
       </p:sp>
       <p:sp>
         <p:nvSpPr>
-          <p:cNvPr id="2133" name="footprint"/>
+          <p:cNvPr id="20733" name="footprint"/>
           <p:cNvSpPr/>
           <p:nvPr/>
         </p:nvSpPr>
@@ -9399,7 +9399,7 @@
       </p:sp>
       <p:sp>
         <p:nvSpPr>
-          <p:cNvPr id="2134" name="footprint"/>
+          <p:cNvPr id="20734" name="footprint"/>
           <p:cNvSpPr/>
           <p:nvPr/>
         </p:nvSpPr>
@@ -9440,7 +9440,7 @@
       </p:sp>
       <p:sp>
         <p:nvSpPr>
-          <p:cNvPr id="2135" name="footprint"/>
+          <p:cNvPr id="20735" name="footprint"/>
           <p:cNvSpPr/>
           <p:nvPr/>
         </p:nvSpPr>
@@ -9481,7 +9481,7 @@
       </p:sp>
       <p:sp>
         <p:nvSpPr>
-          <p:cNvPr id="2136" name="footprint"/>
+          <p:cNvPr id="20736" name="footprint"/>
           <p:cNvSpPr/>
           <p:nvPr/>
         </p:nvSpPr>
@@ -9522,7 +9522,7 @@
       </p:sp>
       <p:sp>
         <p:nvSpPr>
-          <p:cNvPr id="2137" name="footprint"/>
+          <p:cNvPr id="20737" name="footprint"/>
           <p:cNvSpPr/>
           <p:nvPr/>
         </p:nvSpPr>
@@ -9563,7 +9563,7 @@
       </p:sp>
       <p:sp>
         <p:nvSpPr>
-          <p:cNvPr id="2138" name="footprint"/>
+          <p:cNvPr id="20738" name="footprint"/>
           <p:cNvSpPr/>
           <p:nvPr/>
         </p:nvSpPr>
@@ -9604,7 +9604,7 @@
       </p:sp>
       <p:sp>
         <p:nvSpPr>
-          <p:cNvPr id="2139" name="footprint"/>
+          <p:cNvPr id="20739" name="footprint"/>
           <p:cNvSpPr/>
           <p:nvPr/>
         </p:nvSpPr>
@@ -9645,7 +9645,7 @@
       </p:sp>
       <p:sp>
         <p:nvSpPr>
-          <p:cNvPr id="2140" name="footprint"/>
+          <p:cNvPr id="20740" name="footprint"/>
           <p:cNvSpPr/>
           <p:nvPr/>
         </p:nvSpPr>
@@ -9686,7 +9686,7 @@
       </p:sp>
       <p:sp>
         <p:nvSpPr>
-          <p:cNvPr id="2141" name="footprint"/>
+          <p:cNvPr id="20741" name="footprint"/>
           <p:cNvSpPr/>
           <p:nvPr/>
         </p:nvSpPr>
@@ -9727,7 +9727,7 @@
       </p:sp>
       <p:sp>
         <p:nvSpPr>
-          <p:cNvPr id="2142" name="footprint"/>
+          <p:cNvPr id="20742" name="footprint"/>
           <p:cNvSpPr/>
           <p:nvPr/>
         </p:nvSpPr>
@@ -9768,7 +9768,7 @@
       </p:sp>
       <p:sp>
         <p:nvSpPr>
-          <p:cNvPr id="2143" name="footprint"/>
+          <p:cNvPr id="20743" name="footprint"/>
           <p:cNvSpPr/>
           <p:nvPr/>
         </p:nvSpPr>
@@ -9809,7 +9809,7 @@
       </p:sp>
       <p:sp>
         <p:nvSpPr>
-          <p:cNvPr id="2144" name="footprint"/>
+          <p:cNvPr id="20744" name="footprint"/>
           <p:cNvSpPr/>
           <p:nvPr/>
         </p:nvSpPr>
@@ -9850,7 +9850,7 @@
       </p:sp>
       <p:sp>
         <p:nvSpPr>
-          <p:cNvPr id="2145" name="footprint"/>
+          <p:cNvPr id="20745" name="footprint"/>
           <p:cNvSpPr/>
           <p:nvPr/>
         </p:nvSpPr>
@@ -9891,7 +9891,7 @@
       </p:sp>
       <p:sp>
         <p:nvSpPr>
-          <p:cNvPr id="2146" name="footprint"/>
+          <p:cNvPr id="20746" name="footprint"/>
           <p:cNvSpPr/>
           <p:nvPr/>
         </p:nvSpPr>
@@ -9932,7 +9932,7 @@
       </p:sp>
       <p:sp>
         <p:nvSpPr>
-          <p:cNvPr id="2147" name="footprint"/>
+          <p:cNvPr id="20747" name="footprint"/>
           <p:cNvSpPr/>
           <p:nvPr/>
         </p:nvSpPr>
@@ -9973,7 +9973,7 @@
       </p:sp>
       <p:sp>
         <p:nvSpPr>
-          <p:cNvPr id="2148" name="footprint"/>
+          <p:cNvPr id="20748" name="footprint"/>
           <p:cNvSpPr/>
           <p:nvPr/>
         </p:nvSpPr>
@@ -10014,7 +10014,7 @@
       </p:sp>
       <p:sp>
         <p:nvSpPr>
-          <p:cNvPr id="2149" name="footprint"/>
+          <p:cNvPr id="20749" name="footprint"/>
           <p:cNvSpPr/>
           <p:nvPr/>
         </p:nvSpPr>
@@ -10055,7 +10055,7 @@
       </p:sp>
       <p:sp>
         <p:nvSpPr>
-          <p:cNvPr id="2150" name="footprint"/>
+          <p:cNvPr id="20750" name="footprint"/>
           <p:cNvSpPr/>
           <p:nvPr/>
         </p:nvSpPr>
@@ -10096,7 +10096,7 @@
       </p:sp>
       <p:sp>
         <p:nvSpPr>
-          <p:cNvPr id="2151" name="footprint"/>
+          <p:cNvPr id="20751" name="footprint"/>
           <p:cNvSpPr/>
           <p:nvPr/>
         </p:nvSpPr>
@@ -10137,7 +10137,7 @@
       </p:sp>
       <p:sp>
         <p:nvSpPr>
-          <p:cNvPr id="2152" name="footprint"/>
+          <p:cNvPr id="20752" name="footprint"/>
           <p:cNvSpPr/>
           <p:nvPr/>
         </p:nvSpPr>
@@ -10178,7 +10178,7 @@
       </p:sp>
       <p:sp>
         <p:nvSpPr>
-          <p:cNvPr id="2153" name="footprint"/>
+          <p:cNvPr id="20753" name="footprint"/>
           <p:cNvSpPr/>
           <p:nvPr/>
         </p:nvSpPr>
@@ -10219,7 +10219,7 @@
       </p:sp>
       <p:sp>
         <p:nvSpPr>
-          <p:cNvPr id="2154" name="footprint"/>
+          <p:cNvPr id="20754" name="footprint"/>
           <p:cNvSpPr/>
           <p:nvPr/>
         </p:nvSpPr>
@@ -10260,7 +10260,7 @@
       </p:sp>
       <p:sp>
         <p:nvSpPr>
-          <p:cNvPr id="2155" name="footprint"/>
+          <p:cNvPr id="20755" name="footprint"/>
           <p:cNvSpPr/>
           <p:nvPr/>
         </p:nvSpPr>
@@ -10301,7 +10301,7 @@
       </p:sp>
       <p:sp>
         <p:nvSpPr>
-          <p:cNvPr id="2156" name="footprint"/>
+          <p:cNvPr id="20756" name="footprint"/>
           <p:cNvSpPr/>
           <p:nvPr/>
         </p:nvSpPr>
@@ -10342,7 +10342,7 @@
       </p:sp>
       <p:sp>
         <p:nvSpPr>
-          <p:cNvPr id="2157" name="footprint"/>
+          <p:cNvPr id="20757" name="footprint"/>
           <p:cNvSpPr/>
           <p:nvPr/>
         </p:nvSpPr>
@@ -10383,7 +10383,7 @@
       </p:sp>
       <p:sp>
         <p:nvSpPr>
-          <p:cNvPr id="2158" name="footprint"/>
+          <p:cNvPr id="20758" name="footprint"/>
           <p:cNvSpPr/>
           <p:nvPr/>
         </p:nvSpPr>
@@ -10424,7 +10424,7 @@
       </p:sp>
       <p:sp>
         <p:nvSpPr>
-          <p:cNvPr id="2159" name="footprint"/>
+          <p:cNvPr id="20759" name="footprint"/>
           <p:cNvSpPr/>
           <p:nvPr/>
         </p:nvSpPr>
@@ -10465,7 +10465,7 @@
       </p:sp>
       <p:sp>
         <p:nvSpPr>
-          <p:cNvPr id="2160" name="footprint"/>
+          <p:cNvPr id="20760" name="footprint"/>
           <p:cNvSpPr/>
           <p:nvPr/>
         </p:nvSpPr>
@@ -10506,7 +10506,7 @@
       </p:sp>
       <p:sp>
         <p:nvSpPr>
-          <p:cNvPr id="2161" name="footprint"/>
+          <p:cNvPr id="20761" name="footprint"/>
           <p:cNvSpPr/>
           <p:nvPr/>
         </p:nvSpPr>
@@ -10547,7 +10547,7 @@
       </p:sp>
       <p:sp>
         <p:nvSpPr>
-          <p:cNvPr id="2162" name="footprint"/>
+          <p:cNvPr id="20762" name="footprint"/>
           <p:cNvSpPr/>
           <p:nvPr/>
         </p:nvSpPr>
@@ -10588,7 +10588,7 @@
       </p:sp>
       <p:sp>
         <p:nvSpPr>
-          <p:cNvPr id="2163" name="footprint"/>
+          <p:cNvPr id="20763" name="footprint"/>
           <p:cNvSpPr/>
           <p:nvPr/>
         </p:nvSpPr>
@@ -10629,7 +10629,7 @@
       </p:sp>
       <p:sp>
         <p:nvSpPr>
-          <p:cNvPr id="2164" name="footprint"/>
+          <p:cNvPr id="20764" name="footprint"/>
           <p:cNvSpPr/>
           <p:nvPr/>
         </p:nvSpPr>
@@ -10670,7 +10670,7 @@
       </p:sp>
       <p:sp>
         <p:nvSpPr>
-          <p:cNvPr id="2165" name="footprint"/>
+          <p:cNvPr id="20765" name="footprint"/>
           <p:cNvSpPr/>
           <p:nvPr/>
         </p:nvSpPr>
@@ -10711,7 +10711,7 @@
       </p:sp>
       <p:sp>
         <p:nvSpPr>
-          <p:cNvPr id="2166" name="footprint"/>
+          <p:cNvPr id="20766" name="footprint"/>
           <p:cNvSpPr/>
           <p:nvPr/>
         </p:nvSpPr>
@@ -10752,7 +10752,7 @@
       </p:sp>
       <p:sp>
         <p:nvSpPr>
-          <p:cNvPr id="2167" name="footprint"/>
+          <p:cNvPr id="20767" name="footprint"/>
           <p:cNvSpPr/>
           <p:nvPr/>
         </p:nvSpPr>
@@ -10793,7 +10793,7 @@
       </p:sp>
       <p:sp>
         <p:nvSpPr>
-          <p:cNvPr id="2168" name="footprint"/>
+          <p:cNvPr id="20768" name="footprint"/>
           <p:cNvSpPr/>
           <p:nvPr/>
         </p:nvSpPr>
@@ -10834,7 +10834,7 @@
       </p:sp>
       <p:sp>
         <p:nvSpPr>
-          <p:cNvPr id="2169" name="footprint"/>
+          <p:cNvPr id="20769" name="footprint"/>
           <p:cNvSpPr/>
           <p:nvPr/>
         </p:nvSpPr>
@@ -10875,7 +10875,7 @@
       </p:sp>
       <p:sp>
         <p:nvSpPr>
-          <p:cNvPr id="2170" name="footprint"/>
+          <p:cNvPr id="20770" name="footprint"/>
           <p:cNvSpPr/>
           <p:nvPr/>
         </p:nvSpPr>
@@ -10916,7 +10916,7 @@
       </p:sp>
       <p:sp>
         <p:nvSpPr>
-          <p:cNvPr id="2171" name="footprint"/>
+          <p:cNvPr id="20771" name="footprint"/>
           <p:cNvSpPr/>
           <p:nvPr/>
         </p:nvSpPr>
@@ -19417,7 +19417,7 @@
                                           </p:stCondLst>
                                         </p:cTn>
                                         <p:tgtEl>
-                                          <p:spTgt spid="2000"/>
+                                          <p:spTgt spid="20600"/>
                                         </p:tgtEl>
                                         <p:attrNameLst>
                                           <p:attrName>style.visibility</p:attrName>
@@ -19444,7 +19444,7 @@
                                           </p:stCondLst>
                                         </p:cTn>
                                         <p:tgtEl>
-                                          <p:spTgt spid="2001"/>
+                                          <p:spTgt spid="20601"/>
                                         </p:tgtEl>
                                         <p:attrNameLst>
                                           <p:attrName>style.visibility</p:attrName>
@@ -19471,7 +19471,7 @@
                                           </p:stCondLst>
                                         </p:cTn>
                                         <p:tgtEl>
-                                          <p:spTgt spid="2002"/>
+                                          <p:spTgt spid="20602"/>
                                         </p:tgtEl>
                                         <p:attrNameLst>
                                           <p:attrName>style.visibility</p:attrName>
@@ -19498,7 +19498,7 @@
                                           </p:stCondLst>
                                         </p:cTn>
                                         <p:tgtEl>
-                                          <p:spTgt spid="2003"/>
+                                          <p:spTgt spid="20603"/>
                                         </p:tgtEl>
                                         <p:attrNameLst>
                                           <p:attrName>style.visibility</p:attrName>
@@ -19525,7 +19525,7 @@
                                           </p:stCondLst>
                                         </p:cTn>
                                         <p:tgtEl>
-                                          <p:spTgt spid="2004"/>
+                                          <p:spTgt spid="20604"/>
                                         </p:tgtEl>
                                         <p:attrNameLst>
                                           <p:attrName>style.visibility</p:attrName>
@@ -19552,7 +19552,7 @@
                                           </p:stCondLst>
                                         </p:cTn>
                                         <p:tgtEl>
-                                          <p:spTgt spid="2005"/>
+                                          <p:spTgt spid="20605"/>
                                         </p:tgtEl>
                                         <p:attrNameLst>
                                           <p:attrName>style.visibility</p:attrName>
@@ -19579,7 +19579,7 @@
                                           </p:stCondLst>
                                         </p:cTn>
                                         <p:tgtEl>
-                                          <p:spTgt spid="2006"/>
+                                          <p:spTgt spid="20606"/>
                                         </p:tgtEl>
                                         <p:attrNameLst>
                                           <p:attrName>style.visibility</p:attrName>
@@ -19606,7 +19606,7 @@
                                           </p:stCondLst>
                                         </p:cTn>
                                         <p:tgtEl>
-                                          <p:spTgt spid="2007"/>
+                                          <p:spTgt spid="20607"/>
                                         </p:tgtEl>
                                         <p:attrNameLst>
                                           <p:attrName>style.visibility</p:attrName>
@@ -19633,7 +19633,7 @@
                                           </p:stCondLst>
                                         </p:cTn>
                                         <p:tgtEl>
-                                          <p:spTgt spid="2008"/>
+                                          <p:spTgt spid="20608"/>
                                         </p:tgtEl>
                                         <p:attrNameLst>
                                           <p:attrName>style.visibility</p:attrName>
@@ -19660,7 +19660,7 @@
                                           </p:stCondLst>
                                         </p:cTn>
                                         <p:tgtEl>
-                                          <p:spTgt spid="2009"/>
+                                          <p:spTgt spid="20609"/>
                                         </p:tgtEl>
                                         <p:attrNameLst>
                                           <p:attrName>style.visibility</p:attrName>
@@ -19687,7 +19687,7 @@
                                           </p:stCondLst>
                                         </p:cTn>
                                         <p:tgtEl>
-                                          <p:spTgt spid="2010"/>
+                                          <p:spTgt spid="20610"/>
                                         </p:tgtEl>
                                         <p:attrNameLst>
                                           <p:attrName>style.visibility</p:attrName>
@@ -19714,7 +19714,7 @@
                                           </p:stCondLst>
                                         </p:cTn>
                                         <p:tgtEl>
-                                          <p:spTgt spid="2011"/>
+                                          <p:spTgt spid="20611"/>
                                         </p:tgtEl>
                                         <p:attrNameLst>
                                           <p:attrName>style.visibility</p:attrName>
@@ -19741,7 +19741,7 @@
                                           </p:stCondLst>
                                         </p:cTn>
                                         <p:tgtEl>
-                                          <p:spTgt spid="2012"/>
+                                          <p:spTgt spid="20612"/>
                                         </p:tgtEl>
                                         <p:attrNameLst>
                                           <p:attrName>style.visibility</p:attrName>
@@ -19768,7 +19768,7 @@
                                           </p:stCondLst>
                                         </p:cTn>
                                         <p:tgtEl>
-                                          <p:spTgt spid="2013"/>
+                                          <p:spTgt spid="20613"/>
                                         </p:tgtEl>
                                         <p:attrNameLst>
                                           <p:attrName>style.visibility</p:attrName>
@@ -19795,7 +19795,7 @@
                                           </p:stCondLst>
                                         </p:cTn>
                                         <p:tgtEl>
-                                          <p:spTgt spid="2014"/>
+                                          <p:spTgt spid="20614"/>
                                         </p:tgtEl>
                                         <p:attrNameLst>
                                           <p:attrName>style.visibility</p:attrName>
@@ -19822,7 +19822,7 @@
                                           </p:stCondLst>
                                         </p:cTn>
                                         <p:tgtEl>
-                                          <p:spTgt spid="2015"/>
+                                          <p:spTgt spid="20615"/>
                                         </p:tgtEl>
                                         <p:attrNameLst>
                                           <p:attrName>style.visibility</p:attrName>
@@ -19849,7 +19849,7 @@
                                           </p:stCondLst>
                                         </p:cTn>
                                         <p:tgtEl>
-                                          <p:spTgt spid="2016"/>
+                                          <p:spTgt spid="20616"/>
                                         </p:tgtEl>
                                         <p:attrNameLst>
                                           <p:attrName>style.visibility</p:attrName>
@@ -19876,7 +19876,7 @@
                                           </p:stCondLst>
                                         </p:cTn>
                                         <p:tgtEl>
-                                          <p:spTgt spid="2017"/>
+                                          <p:spTgt spid="20617"/>
                                         </p:tgtEl>
                                         <p:attrNameLst>
                                           <p:attrName>style.visibility</p:attrName>
@@ -19903,7 +19903,7 @@
                                           </p:stCondLst>
                                         </p:cTn>
                                         <p:tgtEl>
-                                          <p:spTgt spid="2018"/>
+                                          <p:spTgt spid="20618"/>
                                         </p:tgtEl>
                                         <p:attrNameLst>
                                           <p:attrName>style.visibility</p:attrName>
@@ -19930,7 +19930,7 @@
                                           </p:stCondLst>
                                         </p:cTn>
                                         <p:tgtEl>
-                                          <p:spTgt spid="2019"/>
+                                          <p:spTgt spid="20619"/>
                                         </p:tgtEl>
                                         <p:attrNameLst>
                                           <p:attrName>style.visibility</p:attrName>
@@ -19957,7 +19957,7 @@
                                           </p:stCondLst>
                                         </p:cTn>
                                         <p:tgtEl>
-                                          <p:spTgt spid="2020"/>
+                                          <p:spTgt spid="20620"/>
                                         </p:tgtEl>
                                         <p:attrNameLst>
                                           <p:attrName>style.visibility</p:attrName>
@@ -19984,7 +19984,7 @@
                                           </p:stCondLst>
                                         </p:cTn>
                                         <p:tgtEl>
-                                          <p:spTgt spid="2021"/>
+                                          <p:spTgt spid="20621"/>
                                         </p:tgtEl>
                                         <p:attrNameLst>
                                           <p:attrName>style.visibility</p:attrName>
@@ -20011,7 +20011,7 @@
                                           </p:stCondLst>
                                         </p:cTn>
                                         <p:tgtEl>
-                                          <p:spTgt spid="2022"/>
+                                          <p:spTgt spid="20622"/>
                                         </p:tgtEl>
                                         <p:attrNameLst>
                                           <p:attrName>style.visibility</p:attrName>
@@ -20038,7 +20038,7 @@
                                           </p:stCondLst>
                                         </p:cTn>
                                         <p:tgtEl>
-                                          <p:spTgt spid="2023"/>
+                                          <p:spTgt spid="20623"/>
                                         </p:tgtEl>
                                         <p:attrNameLst>
                                           <p:attrName>style.visibility</p:attrName>
@@ -20065,7 +20065,7 @@
                                           </p:stCondLst>
                                         </p:cTn>
                                         <p:tgtEl>
-                                          <p:spTgt spid="2024"/>
+                                          <p:spTgt spid="20624"/>
                                         </p:tgtEl>
                                         <p:attrNameLst>
                                           <p:attrName>style.visibility</p:attrName>
@@ -20092,7 +20092,7 @@
                                           </p:stCondLst>
                                         </p:cTn>
                                         <p:tgtEl>
-                                          <p:spTgt spid="2025"/>
+                                          <p:spTgt spid="20625"/>
                                         </p:tgtEl>
                                         <p:attrNameLst>
                                           <p:attrName>style.visibility</p:attrName>
@@ -20119,7 +20119,7 @@
                                           </p:stCondLst>
                                         </p:cTn>
                                         <p:tgtEl>
-                                          <p:spTgt spid="2026"/>
+                                          <p:spTgt spid="20626"/>
                                         </p:tgtEl>
                                         <p:attrNameLst>
                                           <p:attrName>style.visibility</p:attrName>
@@ -20146,7 +20146,7 @@
                                           </p:stCondLst>
                                         </p:cTn>
                                         <p:tgtEl>
-                                          <p:spTgt spid="2027"/>
+                                          <p:spTgt spid="20627"/>
                                         </p:tgtEl>
                                         <p:attrNameLst>
                                           <p:attrName>style.visibility</p:attrName>
@@ -20173,7 +20173,7 @@
                                           </p:stCondLst>
                                         </p:cTn>
                                         <p:tgtEl>
-                                          <p:spTgt spid="2028"/>
+                                          <p:spTgt spid="20628"/>
                                         </p:tgtEl>
                                         <p:attrNameLst>
                                           <p:attrName>style.visibility</p:attrName>
@@ -20200,7 +20200,7 @@
                                           </p:stCondLst>
                                         </p:cTn>
                                         <p:tgtEl>
-                                          <p:spTgt spid="2029"/>
+                                          <p:spTgt spid="20629"/>
                                         </p:tgtEl>
                                         <p:attrNameLst>
                                           <p:attrName>style.visibility</p:attrName>
@@ -20227,7 +20227,7 @@
                                           </p:stCondLst>
                                         </p:cTn>
                                         <p:tgtEl>
-                                          <p:spTgt spid="2030"/>
+                                          <p:spTgt spid="20630"/>
                                         </p:tgtEl>
                                         <p:attrNameLst>
                                           <p:attrName>style.visibility</p:attrName>
@@ -20254,7 +20254,7 @@
                                           </p:stCondLst>
                                         </p:cTn>
                                         <p:tgtEl>
-                                          <p:spTgt spid="2031"/>
+                                          <p:spTgt spid="20631"/>
                                         </p:tgtEl>
                                         <p:attrNameLst>
                                           <p:attrName>style.visibility</p:attrName>
@@ -20281,7 +20281,7 @@
                                           </p:stCondLst>
                                         </p:cTn>
                                         <p:tgtEl>
-                                          <p:spTgt spid="2032"/>
+                                          <p:spTgt spid="20632"/>
                                         </p:tgtEl>
                                         <p:attrNameLst>
                                           <p:attrName>style.visibility</p:attrName>
@@ -20308,7 +20308,7 @@
                                           </p:stCondLst>
                                         </p:cTn>
                                         <p:tgtEl>
-                                          <p:spTgt spid="2033"/>
+                                          <p:spTgt spid="20633"/>
                                         </p:tgtEl>
                                         <p:attrNameLst>
                                           <p:attrName>style.visibility</p:attrName>
@@ -20335,7 +20335,7 @@
                                           </p:stCondLst>
                                         </p:cTn>
                                         <p:tgtEl>
-                                          <p:spTgt spid="2034"/>
+                                          <p:spTgt spid="20634"/>
                                         </p:tgtEl>
                                         <p:attrNameLst>
                                           <p:attrName>style.visibility</p:attrName>
@@ -20362,7 +20362,7 @@
                                           </p:stCondLst>
                                         </p:cTn>
                                         <p:tgtEl>
-                                          <p:spTgt spid="2035"/>
+                                          <p:spTgt spid="20635"/>
                                         </p:tgtEl>
                                         <p:attrNameLst>
                                           <p:attrName>style.visibility</p:attrName>
@@ -20389,7 +20389,7 @@
                                           </p:stCondLst>
                                         </p:cTn>
                                         <p:tgtEl>
-                                          <p:spTgt spid="2036"/>
+                                          <p:spTgt spid="20636"/>
                                         </p:tgtEl>
                                         <p:attrNameLst>
                                           <p:attrName>style.visibility</p:attrName>
@@ -20416,7 +20416,7 @@
                                           </p:stCondLst>
                                         </p:cTn>
                                         <p:tgtEl>
-                                          <p:spTgt spid="2037"/>
+                                          <p:spTgt spid="20637"/>
                                         </p:tgtEl>
                                         <p:attrNameLst>
                                           <p:attrName>style.visibility</p:attrName>
@@ -20443,7 +20443,7 @@
                                           </p:stCondLst>
                                         </p:cTn>
                                         <p:tgtEl>
-                                          <p:spTgt spid="2038"/>
+                                          <p:spTgt spid="20638"/>
                                         </p:tgtEl>
                                         <p:attrNameLst>
                                           <p:attrName>style.visibility</p:attrName>
@@ -20470,7 +20470,7 @@
                                           </p:stCondLst>
                                         </p:cTn>
                                         <p:tgtEl>
-                                          <p:spTgt spid="2039"/>
+                                          <p:spTgt spid="20639"/>
                                         </p:tgtEl>
                                         <p:attrNameLst>
                                           <p:attrName>style.visibility</p:attrName>
@@ -20497,7 +20497,7 @@
                                           </p:stCondLst>
                                         </p:cTn>
                                         <p:tgtEl>
-                                          <p:spTgt spid="2040"/>
+                                          <p:spTgt spid="20640"/>
                                         </p:tgtEl>
                                         <p:attrNameLst>
                                           <p:attrName>style.visibility</p:attrName>
@@ -20524,7 +20524,7 @@
                                           </p:stCondLst>
                                         </p:cTn>
                                         <p:tgtEl>
-                                          <p:spTgt spid="2041"/>
+                                          <p:spTgt spid="20641"/>
                                         </p:tgtEl>
                                         <p:attrNameLst>
                                           <p:attrName>style.visibility</p:attrName>
@@ -20551,7 +20551,7 @@
                                           </p:stCondLst>
                                         </p:cTn>
                                         <p:tgtEl>
-                                          <p:spTgt spid="2042"/>
+                                          <p:spTgt spid="20642"/>
                                         </p:tgtEl>
                                         <p:attrNameLst>
                                           <p:attrName>style.visibility</p:attrName>
@@ -20578,7 +20578,7 @@
                                           </p:stCondLst>
                                         </p:cTn>
                                         <p:tgtEl>
-                                          <p:spTgt spid="2043"/>
+                                          <p:spTgt spid="20643"/>
                                         </p:tgtEl>
                                         <p:attrNameLst>
                                           <p:attrName>style.visibility</p:attrName>
@@ -20605,7 +20605,7 @@
                                           </p:stCondLst>
                                         </p:cTn>
                                         <p:tgtEl>
-                                          <p:spTgt spid="2044"/>
+                                          <p:spTgt spid="20644"/>
                                         </p:tgtEl>
                                         <p:attrNameLst>
                                           <p:attrName>style.visibility</p:attrName>
@@ -20632,7 +20632,7 @@
                                           </p:stCondLst>
                                         </p:cTn>
                                         <p:tgtEl>
-                                          <p:spTgt spid="2045"/>
+                                          <p:spTgt spid="20645"/>
                                         </p:tgtEl>
                                         <p:attrNameLst>
                                           <p:attrName>style.visibility</p:attrName>
@@ -20659,7 +20659,7 @@
                                           </p:stCondLst>
                                         </p:cTn>
                                         <p:tgtEl>
-                                          <p:spTgt spid="2046"/>
+                                          <p:spTgt spid="20646"/>
                                         </p:tgtEl>
                                         <p:attrNameLst>
                                           <p:attrName>style.visibility</p:attrName>
@@ -20686,7 +20686,7 @@
                                           </p:stCondLst>
                                         </p:cTn>
                                         <p:tgtEl>
-                                          <p:spTgt spid="2047"/>
+                                          <p:spTgt spid="20647"/>
                                         </p:tgtEl>
                                         <p:attrNameLst>
                                           <p:attrName>style.visibility</p:attrName>
@@ -20713,7 +20713,7 @@
                                           </p:stCondLst>
                                         </p:cTn>
                                         <p:tgtEl>
-                                          <p:spTgt spid="2048"/>
+                                          <p:spTgt spid="20648"/>
                                         </p:tgtEl>
                                         <p:attrNameLst>
                                           <p:attrName>style.visibility</p:attrName>
@@ -20740,7 +20740,7 @@
                                           </p:stCondLst>
                                         </p:cTn>
                                         <p:tgtEl>
-                                          <p:spTgt spid="2049"/>
+                                          <p:spTgt spid="20649"/>
                                         </p:tgtEl>
                                         <p:attrNameLst>
                                           <p:attrName>style.visibility</p:attrName>
@@ -20767,7 +20767,7 @@
                                           </p:stCondLst>
                                         </p:cTn>
                                         <p:tgtEl>
-                                          <p:spTgt spid="2050"/>
+                                          <p:spTgt spid="20650"/>
                                         </p:tgtEl>
                                         <p:attrNameLst>
                                           <p:attrName>style.visibility</p:attrName>
@@ -20794,7 +20794,7 @@
                                           </p:stCondLst>
                                         </p:cTn>
                                         <p:tgtEl>
-                                          <p:spTgt spid="2051"/>
+                                          <p:spTgt spid="20651"/>
                                         </p:tgtEl>
                                         <p:attrNameLst>
                                           <p:attrName>style.visibility</p:attrName>
@@ -20821,7 +20821,7 @@
                                           </p:stCondLst>
                                         </p:cTn>
                                         <p:tgtEl>
-                                          <p:spTgt spid="2052"/>
+                                          <p:spTgt spid="20652"/>
                                         </p:tgtEl>
                                         <p:attrNameLst>
                                           <p:attrName>style.visibility</p:attrName>
@@ -20848,7 +20848,7 @@
                                           </p:stCondLst>
                                         </p:cTn>
                                         <p:tgtEl>
-                                          <p:spTgt spid="2053"/>
+                                          <p:spTgt spid="20653"/>
                                         </p:tgtEl>
                                         <p:attrNameLst>
                                           <p:attrName>style.visibility</p:attrName>
@@ -20875,7 +20875,7 @@
                                           </p:stCondLst>
                                         </p:cTn>
                                         <p:tgtEl>
-                                          <p:spTgt spid="2054"/>
+                                          <p:spTgt spid="20654"/>
                                         </p:tgtEl>
                                         <p:attrNameLst>
                                           <p:attrName>style.visibility</p:attrName>
@@ -20902,7 +20902,7 @@
                                           </p:stCondLst>
                                         </p:cTn>
                                         <p:tgtEl>
-                                          <p:spTgt spid="2055"/>
+                                          <p:spTgt spid="20655"/>
                                         </p:tgtEl>
                                         <p:attrNameLst>
                                           <p:attrName>style.visibility</p:attrName>
@@ -20929,7 +20929,7 @@
                                           </p:stCondLst>
                                         </p:cTn>
                                         <p:tgtEl>
-                                          <p:spTgt spid="2056"/>
+                                          <p:spTgt spid="20656"/>
                                         </p:tgtEl>
                                         <p:attrNameLst>
                                           <p:attrName>style.visibility</p:attrName>
@@ -20956,7 +20956,7 @@
                                           </p:stCondLst>
                                         </p:cTn>
                                         <p:tgtEl>
-                                          <p:spTgt spid="2057"/>
+                                          <p:spTgt spid="20657"/>
                                         </p:tgtEl>
                                         <p:attrNameLst>
                                           <p:attrName>style.visibility</p:attrName>
@@ -20983,7 +20983,7 @@
                                           </p:stCondLst>
                                         </p:cTn>
                                         <p:tgtEl>
-                                          <p:spTgt spid="2058"/>
+                                          <p:spTgt spid="20658"/>
                                         </p:tgtEl>
                                         <p:attrNameLst>
                                           <p:attrName>style.visibility</p:attrName>
@@ -21010,7 +21010,7 @@
                                           </p:stCondLst>
                                         </p:cTn>
                                         <p:tgtEl>
-                                          <p:spTgt spid="2059"/>
+                                          <p:spTgt spid="20659"/>
                                         </p:tgtEl>
                                         <p:attrNameLst>
                                           <p:attrName>style.visibility</p:attrName>
@@ -21037,7 +21037,7 @@
                                           </p:stCondLst>
                                         </p:cTn>
                                         <p:tgtEl>
-                                          <p:spTgt spid="2060"/>
+                                          <p:spTgt spid="20660"/>
                                         </p:tgtEl>
                                         <p:attrNameLst>
                                           <p:attrName>style.visibility</p:attrName>
@@ -21064,7 +21064,7 @@
                                           </p:stCondLst>
                                         </p:cTn>
                                         <p:tgtEl>
-                                          <p:spTgt spid="2061"/>
+                                          <p:spTgt spid="20661"/>
                                         </p:tgtEl>
                                         <p:attrNameLst>
                                           <p:attrName>style.visibility</p:attrName>
@@ -21091,7 +21091,7 @@
                                           </p:stCondLst>
                                         </p:cTn>
                                         <p:tgtEl>
-                                          <p:spTgt spid="2062"/>
+                                          <p:spTgt spid="20662"/>
                                         </p:tgtEl>
                                         <p:attrNameLst>
                                           <p:attrName>style.visibility</p:attrName>
@@ -21118,7 +21118,7 @@
                                           </p:stCondLst>
                                         </p:cTn>
                                         <p:tgtEl>
-                                          <p:spTgt spid="2063"/>
+                                          <p:spTgt spid="20663"/>
                                         </p:tgtEl>
                                         <p:attrNameLst>
                                           <p:attrName>style.visibility</p:attrName>
@@ -21145,7 +21145,7 @@
                                           </p:stCondLst>
                                         </p:cTn>
                                         <p:tgtEl>
-                                          <p:spTgt spid="2064"/>
+                                          <p:spTgt spid="20664"/>
                                         </p:tgtEl>
                                         <p:attrNameLst>
                                           <p:attrName>style.visibility</p:attrName>
@@ -21172,7 +21172,7 @@
                                           </p:stCondLst>
                                         </p:cTn>
                                         <p:tgtEl>
-                                          <p:spTgt spid="2065"/>
+                                          <p:spTgt spid="20665"/>
                                         </p:tgtEl>
                                         <p:attrNameLst>
                                           <p:attrName>style.visibility</p:attrName>
@@ -21199,7 +21199,7 @@
                                           </p:stCondLst>
                                         </p:cTn>
                                         <p:tgtEl>
-                                          <p:spTgt spid="2066"/>
+                                          <p:spTgt spid="20666"/>
                                         </p:tgtEl>
                                         <p:attrNameLst>
                                           <p:attrName>style.visibility</p:attrName>
@@ -21226,7 +21226,7 @@
                                           </p:stCondLst>
                                         </p:cTn>
                                         <p:tgtEl>
-                                          <p:spTgt spid="2067"/>
+                                          <p:spTgt spid="20667"/>
                                         </p:tgtEl>
                                         <p:attrNameLst>
                                           <p:attrName>style.visibility</p:attrName>
@@ -21253,7 +21253,7 @@
                                           </p:stCondLst>
                                         </p:cTn>
                                         <p:tgtEl>
-                                          <p:spTgt spid="2068"/>
+                                          <p:spTgt spid="20668"/>
                                         </p:tgtEl>
                                         <p:attrNameLst>
                                           <p:attrName>style.visibility</p:attrName>
@@ -21280,7 +21280,7 @@
                                           </p:stCondLst>
                                         </p:cTn>
                                         <p:tgtEl>
-                                          <p:spTgt spid="2069"/>
+                                          <p:spTgt spid="20669"/>
                                         </p:tgtEl>
                                         <p:attrNameLst>
                                           <p:attrName>style.visibility</p:attrName>
@@ -21307,7 +21307,7 @@
                                           </p:stCondLst>
                                         </p:cTn>
                                         <p:tgtEl>
-                                          <p:spTgt spid="2070"/>
+                                          <p:spTgt spid="20670"/>
                                         </p:tgtEl>
                                         <p:attrNameLst>
                                           <p:attrName>style.visibility</p:attrName>
@@ -21334,7 +21334,7 @@
                                           </p:stCondLst>
                                         </p:cTn>
                                         <p:tgtEl>
-                                          <p:spTgt spid="2071"/>
+                                          <p:spTgt spid="20671"/>
                                         </p:tgtEl>
                                         <p:attrNameLst>
                                           <p:attrName>style.visibility</p:attrName>
@@ -21361,7 +21361,7 @@
                                           </p:stCondLst>
                                         </p:cTn>
                                         <p:tgtEl>
-                                          <p:spTgt spid="2072"/>
+                                          <p:spTgt spid="20672"/>
                                         </p:tgtEl>
                                         <p:attrNameLst>
                                           <p:attrName>style.visibility</p:attrName>
@@ -21388,7 +21388,7 @@
                                           </p:stCondLst>
                                         </p:cTn>
                                         <p:tgtEl>
-                                          <p:spTgt spid="2073"/>
+                                          <p:spTgt spid="20673"/>
                                         </p:tgtEl>
                                         <p:attrNameLst>
                                           <p:attrName>style.visibility</p:attrName>
@@ -21415,7 +21415,7 @@
                                           </p:stCondLst>
                                         </p:cTn>
                                         <p:tgtEl>
-                                          <p:spTgt spid="2074"/>
+                                          <p:spTgt spid="20674"/>
                                         </p:tgtEl>
                                         <p:attrNameLst>
                                           <p:attrName>style.visibility</p:attrName>
@@ -21442,7 +21442,7 @@
                                           </p:stCondLst>
                                         </p:cTn>
                                         <p:tgtEl>
-                                          <p:spTgt spid="2075"/>
+                                          <p:spTgt spid="20675"/>
                                         </p:tgtEl>
                                         <p:attrNameLst>
                                           <p:attrName>style.visibility</p:attrName>
@@ -21469,7 +21469,7 @@
                                           </p:stCondLst>
                                         </p:cTn>
                                         <p:tgtEl>
-                                          <p:spTgt spid="2076"/>
+                                          <p:spTgt spid="20676"/>
                                         </p:tgtEl>
                                         <p:attrNameLst>
                                           <p:attrName>style.visibility</p:attrName>
@@ -21496,7 +21496,7 @@
                                           </p:stCondLst>
                                         </p:cTn>
                                         <p:tgtEl>
-                                          <p:spTgt spid="2077"/>
+                                          <p:spTgt spid="20677"/>
                                         </p:tgtEl>
                                         <p:attrNameLst>
                                           <p:attrName>style.visibility</p:attrName>
@@ -21523,7 +21523,7 @@
                                           </p:stCondLst>
                                         </p:cTn>
                                         <p:tgtEl>
-                                          <p:spTgt spid="2078"/>
+                                          <p:spTgt spid="20678"/>
                                         </p:tgtEl>
                                         <p:attrNameLst>
                                           <p:attrName>style.visibility</p:attrName>
@@ -21550,7 +21550,7 @@
                                           </p:stCondLst>
                                         </p:cTn>
                                         <p:tgtEl>
-                                          <p:spTgt spid="2079"/>
+                                          <p:spTgt spid="20679"/>
                                         </p:tgtEl>
                                         <p:attrNameLst>
                                           <p:attrName>style.visibility</p:attrName>
@@ -21577,7 +21577,7 @@
                                           </p:stCondLst>
                                         </p:cTn>
                                         <p:tgtEl>
-                                          <p:spTgt spid="2080"/>
+                                          <p:spTgt spid="20680"/>
                                         </p:tgtEl>
                                         <p:attrNameLst>
                                           <p:attrName>style.visibility</p:attrName>
@@ -21604,7 +21604,7 @@
                                           </p:stCondLst>
                                         </p:cTn>
                                         <p:tgtEl>
-                                          <p:spTgt spid="2081"/>
+                                          <p:spTgt spid="20681"/>
                                         </p:tgtEl>
                                         <p:attrNameLst>
                                           <p:attrName>style.visibility</p:attrName>
@@ -21631,7 +21631,7 @@
                                           </p:stCondLst>
                                         </p:cTn>
                                         <p:tgtEl>
-                                          <p:spTgt spid="2082"/>
+                                          <p:spTgt spid="20682"/>
                                         </p:tgtEl>
                                         <p:attrNameLst>
                                           <p:attrName>style.visibility</p:attrName>
@@ -21658,7 +21658,7 @@
                                           </p:stCondLst>
                                         </p:cTn>
                                         <p:tgtEl>
-                                          <p:spTgt spid="2083"/>
+                                          <p:spTgt spid="20683"/>
                                         </p:tgtEl>
                                         <p:attrNameLst>
                                           <p:attrName>style.visibility</p:attrName>
@@ -21685,7 +21685,7 @@
                                           </p:stCondLst>
                                         </p:cTn>
                                         <p:tgtEl>
-                                          <p:spTgt spid="2084"/>
+                                          <p:spTgt spid="20684"/>
                                         </p:tgtEl>
                                         <p:attrNameLst>
                                           <p:attrName>style.visibility</p:attrName>
@@ -21712,7 +21712,7 @@
                                           </p:stCondLst>
                                         </p:cTn>
                                         <p:tgtEl>
-                                          <p:spTgt spid="2085"/>
+                                          <p:spTgt spid="20685"/>
                                         </p:tgtEl>
                                         <p:attrNameLst>
                                           <p:attrName>style.visibility</p:attrName>
@@ -21739,7 +21739,7 @@
                                           </p:stCondLst>
                                         </p:cTn>
                                         <p:tgtEl>
-                                          <p:spTgt spid="2086"/>
+                                          <p:spTgt spid="20686"/>
                                         </p:tgtEl>
                                         <p:attrNameLst>
                                           <p:attrName>style.visibility</p:attrName>
@@ -21766,7 +21766,7 @@
                                           </p:stCondLst>
                                         </p:cTn>
                                         <p:tgtEl>
-                                          <p:spTgt spid="2087"/>
+                                          <p:spTgt spid="20687"/>
                                         </p:tgtEl>
                                         <p:attrNameLst>
                                           <p:attrName>style.visibility</p:attrName>
@@ -21793,7 +21793,7 @@
                                           </p:stCondLst>
                                         </p:cTn>
                                         <p:tgtEl>
-                                          <p:spTgt spid="2088"/>
+                                          <p:spTgt spid="20688"/>
                                         </p:tgtEl>
                                         <p:attrNameLst>
                                           <p:attrName>style.visibility</p:attrName>
@@ -21820,7 +21820,7 @@
                                           </p:stCondLst>
                                         </p:cTn>
                                         <p:tgtEl>
-                                          <p:spTgt spid="2089"/>
+                                          <p:spTgt spid="20689"/>
                                         </p:tgtEl>
                                         <p:attrNameLst>
                                           <p:attrName>style.visibility</p:attrName>
@@ -21847,7 +21847,7 @@
                                           </p:stCondLst>
                                         </p:cTn>
                                         <p:tgtEl>
-                                          <p:spTgt spid="2090"/>
+                                          <p:spTgt spid="20690"/>
                                         </p:tgtEl>
                                         <p:attrNameLst>
                                           <p:attrName>style.visibility</p:attrName>
@@ -21874,7 +21874,7 @@
                                           </p:stCondLst>
                                         </p:cTn>
                                         <p:tgtEl>
-                                          <p:spTgt spid="2091"/>
+                                          <p:spTgt spid="20691"/>
                                         </p:tgtEl>
                                         <p:attrNameLst>
                                           <p:attrName>style.visibility</p:attrName>
@@ -21901,7 +21901,7 @@
                                           </p:stCondLst>
                                         </p:cTn>
                                         <p:tgtEl>
-                                          <p:spTgt spid="2092"/>
+                                          <p:spTgt spid="20692"/>
                                         </p:tgtEl>
                                         <p:attrNameLst>
                                           <p:attrName>style.visibility</p:attrName>
@@ -21928,7 +21928,7 @@
                                           </p:stCondLst>
                                         </p:cTn>
                                         <p:tgtEl>
-                                          <p:spTgt spid="2093"/>
+                                          <p:spTgt spid="20693"/>
                                         </p:tgtEl>
                                         <p:attrNameLst>
                                           <p:attrName>style.visibility</p:attrName>
@@ -21955,7 +21955,7 @@
                                           </p:stCondLst>
                                         </p:cTn>
                                         <p:tgtEl>
-                                          <p:spTgt spid="2094"/>
+                                          <p:spTgt spid="20694"/>
                                         </p:tgtEl>
                                         <p:attrNameLst>
                                           <p:attrName>style.visibility</p:attrName>
@@ -21982,7 +21982,7 @@
                                           </p:stCondLst>
                                         </p:cTn>
                                         <p:tgtEl>
-                                          <p:spTgt spid="2095"/>
+                                          <p:spTgt spid="20695"/>
                                         </p:tgtEl>
                                         <p:attrNameLst>
                                           <p:attrName>style.visibility</p:attrName>
@@ -22009,7 +22009,7 @@
                                           </p:stCondLst>
                                         </p:cTn>
                                         <p:tgtEl>
-                                          <p:spTgt spid="2096"/>
+                                          <p:spTgt spid="20696"/>
                                         </p:tgtEl>
                                         <p:attrNameLst>
                                           <p:attrName>style.visibility</p:attrName>
@@ -22036,7 +22036,7 @@
                                           </p:stCondLst>
                                         </p:cTn>
                                         <p:tgtEl>
-                                          <p:spTgt spid="2097"/>
+                                          <p:spTgt spid="20697"/>
                                         </p:tgtEl>
                                         <p:attrNameLst>
                                           <p:attrName>style.visibility</p:attrName>
@@ -22063,7 +22063,7 @@
                                           </p:stCondLst>
                                         </p:cTn>
                                         <p:tgtEl>
-                                          <p:spTgt spid="2098"/>
+                                          <p:spTgt spid="20698"/>
                                         </p:tgtEl>
                                         <p:attrNameLst>
                                           <p:attrName>style.visibility</p:attrName>
@@ -22090,7 +22090,7 @@
                                           </p:stCondLst>
                                         </p:cTn>
                                         <p:tgtEl>
-                                          <p:spTgt spid="2099"/>
+                                          <p:spTgt spid="20699"/>
                                         </p:tgtEl>
                                         <p:attrNameLst>
                                           <p:attrName>style.visibility</p:attrName>
@@ -22117,7 +22117,7 @@
                                           </p:stCondLst>
                                         </p:cTn>
                                         <p:tgtEl>
-                                          <p:spTgt spid="2100"/>
+                                          <p:spTgt spid="20700"/>
                                         </p:tgtEl>
                                         <p:attrNameLst>
                                           <p:attrName>style.visibility</p:attrName>
@@ -22144,7 +22144,7 @@
                                           </p:stCondLst>
                                         </p:cTn>
                                         <p:tgtEl>
-                                          <p:spTgt spid="2101"/>
+                                          <p:spTgt spid="20701"/>
                                         </p:tgtEl>
                                         <p:attrNameLst>
                                           <p:attrName>style.visibility</p:attrName>
@@ -22171,7 +22171,7 @@
                                           </p:stCondLst>
                                         </p:cTn>
                                         <p:tgtEl>
-                                          <p:spTgt spid="2102"/>
+                                          <p:spTgt spid="20702"/>
                                         </p:tgtEl>
                                         <p:attrNameLst>
                                           <p:attrName>style.visibility</p:attrName>
@@ -22198,7 +22198,7 @@
                                           </p:stCondLst>
                                         </p:cTn>
                                         <p:tgtEl>
-                                          <p:spTgt spid="2103"/>
+                                          <p:spTgt spid="20703"/>
                                         </p:tgtEl>
                                         <p:attrNameLst>
                                           <p:attrName>style.visibility</p:attrName>
@@ -22225,7 +22225,7 @@
                                           </p:stCondLst>
                                         </p:cTn>
                                         <p:tgtEl>
-                                          <p:spTgt spid="2104"/>
+                                          <p:spTgt spid="20704"/>
                                         </p:tgtEl>
                                         <p:attrNameLst>
                                           <p:attrName>style.visibility</p:attrName>
@@ -22252,7 +22252,7 @@
                                           </p:stCondLst>
                                         </p:cTn>
                                         <p:tgtEl>
-                                          <p:spTgt spid="2105"/>
+                                          <p:spTgt spid="20705"/>
                                         </p:tgtEl>
                                         <p:attrNameLst>
                                           <p:attrName>style.visibility</p:attrName>
@@ -22279,7 +22279,7 @@
                                           </p:stCondLst>
                                         </p:cTn>
                                         <p:tgtEl>
-                                          <p:spTgt spid="2106"/>
+                                          <p:spTgt spid="20706"/>
                                         </p:tgtEl>
                                         <p:attrNameLst>
                                           <p:attrName>style.visibility</p:attrName>
@@ -22306,7 +22306,7 @@
                                           </p:stCondLst>
                                         </p:cTn>
                                         <p:tgtEl>
-                                          <p:spTgt spid="2107"/>
+                                          <p:spTgt spid="20707"/>
                                         </p:tgtEl>
                                         <p:attrNameLst>
                                           <p:attrName>style.visibility</p:attrName>
@@ -22333,7 +22333,7 @@
                                           </p:stCondLst>
                                         </p:cTn>
                                         <p:tgtEl>
-                                          <p:spTgt spid="2108"/>
+                                          <p:spTgt spid="20708"/>
                                         </p:tgtEl>
                                         <p:attrNameLst>
                                           <p:attrName>style.visibility</p:attrName>
@@ -22360,7 +22360,7 @@
                                           </p:stCondLst>
                                         </p:cTn>
                                         <p:tgtEl>
-                                          <p:spTgt spid="2109"/>
+                                          <p:spTgt spid="20709"/>
                                         </p:tgtEl>
                                         <p:attrNameLst>
                                           <p:attrName>style.visibility</p:attrName>
@@ -22387,7 +22387,7 @@
                                           </p:stCondLst>
                                         </p:cTn>
                                         <p:tgtEl>
-                                          <p:spTgt spid="2110"/>
+                                          <p:spTgt spid="20710"/>
                                         </p:tgtEl>
                                         <p:attrNameLst>
                                           <p:attrName>style.visibility</p:attrName>
@@ -22414,7 +22414,7 @@
                                           </p:stCondLst>
                                         </p:cTn>
                                         <p:tgtEl>
-                                          <p:spTgt spid="2111"/>
+                                          <p:spTgt spid="20711"/>
                                         </p:tgtEl>
                                         <p:attrNameLst>
                                           <p:attrName>style.visibility</p:attrName>
@@ -22441,7 +22441,7 @@
                                           </p:stCondLst>
                                         </p:cTn>
                                         <p:tgtEl>
-                                          <p:spTgt spid="2112"/>
+                                          <p:spTgt spid="20712"/>
                                         </p:tgtEl>
                                         <p:attrNameLst>
                                           <p:attrName>style.visibility</p:attrName>
@@ -22468,7 +22468,7 @@
                                           </p:stCondLst>
                                         </p:cTn>
                                         <p:tgtEl>
-                                          <p:spTgt spid="2113"/>
+                                          <p:spTgt spid="20713"/>
                                         </p:tgtEl>
                                         <p:attrNameLst>
                                           <p:attrName>style.visibility</p:attrName>
@@ -22495,7 +22495,7 @@
                                           </p:stCondLst>
                                         </p:cTn>
                                         <p:tgtEl>
-                                          <p:spTgt spid="2114"/>
+                                          <p:spTgt spid="20714"/>
                                         </p:tgtEl>
                                         <p:attrNameLst>
                                           <p:attrName>style.visibility</p:attrName>
@@ -22522,7 +22522,7 @@
                                           </p:stCondLst>
                                         </p:cTn>
                                         <p:tgtEl>
-                                          <p:spTgt spid="2115"/>
+                                          <p:spTgt spid="20715"/>
                                         </p:tgtEl>
                                         <p:attrNameLst>
                                           <p:attrName>style.visibility</p:attrName>
@@ -22549,7 +22549,7 @@
                                           </p:stCondLst>
                                         </p:cTn>
                                         <p:tgtEl>
-                                          <p:spTgt spid="2116"/>
+                                          <p:spTgt spid="20716"/>
                                         </p:tgtEl>
                                         <p:attrNameLst>
                                           <p:attrName>style.visibility</p:attrName>
@@ -22576,7 +22576,7 @@
                                           </p:stCondLst>
                                         </p:cTn>
                                         <p:tgtEl>
-                                          <p:spTgt spid="2117"/>
+                                          <p:spTgt spid="20717"/>
                                         </p:tgtEl>
                                         <p:attrNameLst>
                                           <p:attrName>style.visibility</p:attrName>
@@ -22603,7 +22603,7 @@
                                           </p:stCondLst>
                                         </p:cTn>
                                         <p:tgtEl>
-                                          <p:spTgt spid="2118"/>
+                                          <p:spTgt spid="20718"/>
                                         </p:tgtEl>
                                         <p:attrNameLst>
                                           <p:attrName>style.visibility</p:attrName>
@@ -22630,7 +22630,7 @@
                                           </p:stCondLst>
                                         </p:cTn>
                                         <p:tgtEl>
-                                          <p:spTgt spid="2119"/>
+                                          <p:spTgt spid="20719"/>
                                         </p:tgtEl>
                                         <p:attrNameLst>
                                           <p:attrName>style.visibility</p:attrName>
@@ -22657,7 +22657,7 @@
                                           </p:stCondLst>
                                         </p:cTn>
                                         <p:tgtEl>
-                                          <p:spTgt spid="2120"/>
+                                          <p:spTgt spid="20720"/>
                                         </p:tgtEl>
                                         <p:attrNameLst>
                                           <p:attrName>style.visibility</p:attrName>
@@ -22684,7 +22684,7 @@
                                           </p:stCondLst>
                                         </p:cTn>
                                         <p:tgtEl>
-                                          <p:spTgt spid="2121"/>
+                                          <p:spTgt spid="20721"/>
                                         </p:tgtEl>
                                         <p:attrNameLst>
                                           <p:attrName>style.visibility</p:attrName>
@@ -22711,7 +22711,7 @@
                                           </p:stCondLst>
                                         </p:cTn>
                                         <p:tgtEl>
-                                          <p:spTgt spid="2122"/>
+                                          <p:spTgt spid="20722"/>
                                         </p:tgtEl>
                                         <p:attrNameLst>
                                           <p:attrName>style.visibility</p:attrName>
@@ -22738,7 +22738,7 @@
                                           </p:stCondLst>
                                         </p:cTn>
                                         <p:tgtEl>
-                                          <p:spTgt spid="2123"/>
+                                          <p:spTgt spid="20723"/>
                                         </p:tgtEl>
                                         <p:attrNameLst>
                                           <p:attrName>style.visibility</p:attrName>
@@ -22765,7 +22765,7 @@
                                           </p:stCondLst>
                                         </p:cTn>
                                         <p:tgtEl>
-                                          <p:spTgt spid="2124"/>
+                                          <p:spTgt spid="20724"/>
                                         </p:tgtEl>
                                         <p:attrNameLst>
                                           <p:attrName>style.visibility</p:attrName>
@@ -22792,7 +22792,7 @@
                                           </p:stCondLst>
                                         </p:cTn>
                                         <p:tgtEl>
-                                          <p:spTgt spid="2125"/>
+                                          <p:spTgt spid="20725"/>
                                         </p:tgtEl>
                                         <p:attrNameLst>
                                           <p:attrName>style.visibility</p:attrName>
@@ -22819,7 +22819,7 @@
                                           </p:stCondLst>
                                         </p:cTn>
                                         <p:tgtEl>
-                                          <p:spTgt spid="2126"/>
+                                          <p:spTgt spid="20726"/>
                                         </p:tgtEl>
                                         <p:attrNameLst>
                                           <p:attrName>style.visibility</p:attrName>
@@ -22846,7 +22846,7 @@
                                           </p:stCondLst>
                                         </p:cTn>
                                         <p:tgtEl>
-                                          <p:spTgt spid="2127"/>
+                                          <p:spTgt spid="20727"/>
                                         </p:tgtEl>
                                         <p:attrNameLst>
                                           <p:attrName>style.visibility</p:attrName>
@@ -22873,7 +22873,7 @@
                                           </p:stCondLst>
                                         </p:cTn>
                                         <p:tgtEl>
-                                          <p:spTgt spid="2128"/>
+                                          <p:spTgt spid="20728"/>
                                         </p:tgtEl>
                                         <p:attrNameLst>
                                           <p:attrName>style.visibility</p:attrName>
@@ -22900,7 +22900,7 @@
                                           </p:stCondLst>
                                         </p:cTn>
                                         <p:tgtEl>
-                                          <p:spTgt spid="2129"/>
+                                          <p:spTgt spid="20729"/>
                                         </p:tgtEl>
                                         <p:attrNameLst>
                                           <p:attrName>style.visibility</p:attrName>
@@ -22927,7 +22927,7 @@
                                           </p:stCondLst>
                                         </p:cTn>
                                         <p:tgtEl>
-                                          <p:spTgt spid="2130"/>
+                                          <p:spTgt spid="20730"/>
                                         </p:tgtEl>
                                         <p:attrNameLst>
                                           <p:attrName>style.visibility</p:attrName>
@@ -22954,7 +22954,7 @@
                                           </p:stCondLst>
                                         </p:cTn>
                                         <p:tgtEl>
-                                          <p:spTgt spid="2131"/>
+                                          <p:spTgt spid="20731"/>
                                         </p:tgtEl>
                                         <p:attrNameLst>
                                           <p:attrName>style.visibility</p:attrName>
@@ -22981,7 +22981,7 @@
                                           </p:stCondLst>
                                         </p:cTn>
                                         <p:tgtEl>
-                                          <p:spTgt spid="2132"/>
+                                          <p:spTgt spid="20732"/>
                                         </p:tgtEl>
                                         <p:attrNameLst>
                                           <p:attrName>style.visibility</p:attrName>
@@ -23008,7 +23008,7 @@
                                           </p:stCondLst>
                                         </p:cTn>
                                         <p:tgtEl>
-                                          <p:spTgt spid="2133"/>
+                                          <p:spTgt spid="20733"/>
                                         </p:tgtEl>
                                         <p:attrNameLst>
                                           <p:attrName>style.visibility</p:attrName>
@@ -23035,7 +23035,7 @@
                                           </p:stCondLst>
                                         </p:cTn>
                                         <p:tgtEl>
-                                          <p:spTgt spid="2134"/>
+                                          <p:spTgt spid="20734"/>
                                         </p:tgtEl>
                                         <p:attrNameLst>
                                           <p:attrName>style.visibility</p:attrName>
@@ -23062,7 +23062,7 @@
                                           </p:stCondLst>
                                         </p:cTn>
                                         <p:tgtEl>
-                                          <p:spTgt spid="2135"/>
+                                          <p:spTgt spid="20735"/>
                                         </p:tgtEl>
                                         <p:attrNameLst>
                                           <p:attrName>style.visibility</p:attrName>
@@ -23089,7 +23089,7 @@
                                           </p:stCondLst>
                                         </p:cTn>
                                         <p:tgtEl>
-                                          <p:spTgt spid="2136"/>
+                                          <p:spTgt spid="20736"/>
                                         </p:tgtEl>
                                         <p:attrNameLst>
                                           <p:attrName>style.visibility</p:attrName>
@@ -23116,7 +23116,7 @@
                                           </p:stCondLst>
                                         </p:cTn>
                                         <p:tgtEl>
-                                          <p:spTgt spid="2137"/>
+                                          <p:spTgt spid="20737"/>
                                         </p:tgtEl>
                                         <p:attrNameLst>
                                           <p:attrName>style.visibility</p:attrName>
@@ -23143,7 +23143,7 @@
                                           </p:stCondLst>
                                         </p:cTn>
                                         <p:tgtEl>
-                                          <p:spTgt spid="2138"/>
+                                          <p:spTgt spid="20738"/>
                                         </p:tgtEl>
                                         <p:attrNameLst>
                                           <p:attrName>style.visibility</p:attrName>
@@ -23170,7 +23170,7 @@
                                           </p:stCondLst>
                                         </p:cTn>
                                         <p:tgtEl>
-                                          <p:spTgt spid="2139"/>
+                                          <p:spTgt spid="20739"/>
                                         </p:tgtEl>
                                         <p:attrNameLst>
                                           <p:attrName>style.visibility</p:attrName>
@@ -23197,7 +23197,7 @@
                                           </p:stCondLst>
                                         </p:cTn>
                                         <p:tgtEl>
-                                          <p:spTgt spid="2140"/>
+                                          <p:spTgt spid="20740"/>
                                         </p:tgtEl>
                                         <p:attrNameLst>
                                           <p:attrName>style.visibility</p:attrName>
@@ -23224,7 +23224,7 @@
                                           </p:stCondLst>
                                         </p:cTn>
                                         <p:tgtEl>
-                                          <p:spTgt spid="2141"/>
+                                          <p:spTgt spid="20741"/>
                                         </p:tgtEl>
                                         <p:attrNameLst>
                                           <p:attrName>style.visibility</p:attrName>
@@ -23251,7 +23251,7 @@
                                           </p:stCondLst>
                                         </p:cTn>
                                         <p:tgtEl>
-                                          <p:spTgt spid="2142"/>
+                                          <p:spTgt spid="20742"/>
                                         </p:tgtEl>
                                         <p:attrNameLst>
                                           <p:attrName>style.visibility</p:attrName>
@@ -23278,7 +23278,7 @@
                                           </p:stCondLst>
                                         </p:cTn>
                                         <p:tgtEl>
-                                          <p:spTgt spid="2143"/>
+                                          <p:spTgt spid="20743"/>
                                         </p:tgtEl>
                                         <p:attrNameLst>
                                           <p:attrName>style.visibility</p:attrName>
@@ -23305,7 +23305,7 @@
                                           </p:stCondLst>
                                         </p:cTn>
                                         <p:tgtEl>
-                                          <p:spTgt spid="2144"/>
+                                          <p:spTgt spid="20744"/>
                                         </p:tgtEl>
                                         <p:attrNameLst>
                                           <p:attrName>style.visibility</p:attrName>
@@ -23332,7 +23332,7 @@
                                           </p:stCondLst>
                                         </p:cTn>
                                         <p:tgtEl>
-                                          <p:spTgt spid="2145"/>
+                                          <p:spTgt spid="20745"/>
                                         </p:tgtEl>
                                         <p:attrNameLst>
                                           <p:attrName>style.visibility</p:attrName>
@@ -23359,7 +23359,7 @@
                                           </p:stCondLst>
                                         </p:cTn>
                                         <p:tgtEl>
-                                          <p:spTgt spid="2146"/>
+                                          <p:spTgt spid="20746"/>
                                         </p:tgtEl>
                                         <p:attrNameLst>
                                           <p:attrName>style.visibility</p:attrName>
@@ -23386,7 +23386,7 @@
                                           </p:stCondLst>
                                         </p:cTn>
                                         <p:tgtEl>
-                                          <p:spTgt spid="2147"/>
+                                          <p:spTgt spid="20747"/>
                                         </p:tgtEl>
                                         <p:attrNameLst>
                                           <p:attrName>style.visibility</p:attrName>
@@ -23413,7 +23413,7 @@
                                           </p:stCondLst>
                                         </p:cTn>
                                         <p:tgtEl>
-                                          <p:spTgt spid="2148"/>
+                                          <p:spTgt spid="20748"/>
                                         </p:tgtEl>
                                         <p:attrNameLst>
                                           <p:attrName>style.visibility</p:attrName>
@@ -23440,7 +23440,7 @@
                                           </p:stCondLst>
                                         </p:cTn>
                                         <p:tgtEl>
-                                          <p:spTgt spid="2149"/>
+                                          <p:spTgt spid="20749"/>
                                         </p:tgtEl>
                                         <p:attrNameLst>
                                           <p:attrName>style.visibility</p:attrName>
@@ -23467,7 +23467,7 @@
                                           </p:stCondLst>
                                         </p:cTn>
                                         <p:tgtEl>
-                                          <p:spTgt spid="2150"/>
+                                          <p:spTgt spid="20750"/>
                                         </p:tgtEl>
                                         <p:attrNameLst>
                                           <p:attrName>style.visibility</p:attrName>
@@ -23494,7 +23494,7 @@
                                           </p:stCondLst>
                                         </p:cTn>
                                         <p:tgtEl>
-                                          <p:spTgt spid="2151"/>
+                                          <p:spTgt spid="20751"/>
                                         </p:tgtEl>
                                         <p:attrNameLst>
                                           <p:attrName>style.visibility</p:attrName>
@@ -23521,7 +23521,7 @@
                                           </p:stCondLst>
                                         </p:cTn>
                                         <p:tgtEl>
-                                          <p:spTgt spid="2152"/>
+                                          <p:spTgt spid="20752"/>
                                         </p:tgtEl>
                                         <p:attrNameLst>
                                           <p:attrName>style.visibility</p:attrName>
@@ -23548,7 +23548,7 @@
                                           </p:stCondLst>
                                         </p:cTn>
                                         <p:tgtEl>
-                                          <p:spTgt spid="2153"/>
+                                          <p:spTgt spid="20753"/>
                                         </p:tgtEl>
                                         <p:attrNameLst>
                                           <p:attrName>style.visibility</p:attrName>
@@ -23575,7 +23575,7 @@
                                           </p:stCondLst>
                                         </p:cTn>
                                         <p:tgtEl>
-                                          <p:spTgt spid="2154"/>
+                                          <p:spTgt spid="20754"/>
                                         </p:tgtEl>
                                         <p:attrNameLst>
                                           <p:attrName>style.visibility</p:attrName>
@@ -23602,7 +23602,7 @@
                                           </p:stCondLst>
                                         </p:cTn>
                                         <p:tgtEl>
-                                          <p:spTgt spid="2155"/>
+                                          <p:spTgt spid="20755"/>
                                         </p:tgtEl>
                                         <p:attrNameLst>
                                           <p:attrName>style.visibility</p:attrName>
@@ -23629,7 +23629,7 @@
                                           </p:stCondLst>
                                         </p:cTn>
                                         <p:tgtEl>
-                                          <p:spTgt spid="2156"/>
+                                          <p:spTgt spid="20756"/>
                                         </p:tgtEl>
                                         <p:attrNameLst>
                                           <p:attrName>style.visibility</p:attrName>
@@ -23656,7 +23656,7 @@
                                           </p:stCondLst>
                                         </p:cTn>
                                         <p:tgtEl>
-                                          <p:spTgt spid="2157"/>
+                                          <p:spTgt spid="20757"/>
                                         </p:tgtEl>
                                         <p:attrNameLst>
                                           <p:attrName>style.visibility</p:attrName>
@@ -23683,7 +23683,7 @@
                                           </p:stCondLst>
                                         </p:cTn>
                                         <p:tgtEl>
-                                          <p:spTgt spid="2158"/>
+                                          <p:spTgt spid="20758"/>
                                         </p:tgtEl>
                                         <p:attrNameLst>
                                           <p:attrName>style.visibility</p:attrName>
@@ -23710,7 +23710,7 @@
                                           </p:stCondLst>
                                         </p:cTn>
                                         <p:tgtEl>
-                                          <p:spTgt spid="2159"/>
+                                          <p:spTgt spid="20759"/>
                                         </p:tgtEl>
                                         <p:attrNameLst>
                                           <p:attrName>style.visibility</p:attrName>
@@ -23737,7 +23737,7 @@
                                           </p:stCondLst>
                                         </p:cTn>
                                         <p:tgtEl>
-                                          <p:spTgt spid="2160"/>
+                                          <p:spTgt spid="20760"/>
                                         </p:tgtEl>
                                         <p:attrNameLst>
                                           <p:attrName>style.visibility</p:attrName>
@@ -23764,7 +23764,7 @@
                                           </p:stCondLst>
                                         </p:cTn>
                                         <p:tgtEl>
-                                          <p:spTgt spid="2161"/>
+                                          <p:spTgt spid="20761"/>
                                         </p:tgtEl>
                                         <p:attrNameLst>
                                           <p:attrName>style.visibility</p:attrName>
@@ -23791,7 +23791,7 @@
                                           </p:stCondLst>
                                         </p:cTn>
                                         <p:tgtEl>
-                                          <p:spTgt spid="2162"/>
+                                          <p:spTgt spid="20762"/>
                                         </p:tgtEl>
                                         <p:attrNameLst>
                                           <p:attrName>style.visibility</p:attrName>
@@ -23818,7 +23818,7 @@
                                           </p:stCondLst>
                                         </p:cTn>
                                         <p:tgtEl>
-                                          <p:spTgt spid="2163"/>
+                                          <p:spTgt spid="20763"/>
                                         </p:tgtEl>
                                         <p:attrNameLst>
                                           <p:attrName>style.visibility</p:attrName>
@@ -23845,7 +23845,7 @@
                                           </p:stCondLst>
                                         </p:cTn>
                                         <p:tgtEl>
-                                          <p:spTgt spid="2164"/>
+                                          <p:spTgt spid="20764"/>
                                         </p:tgtEl>
                                         <p:attrNameLst>
                                           <p:attrName>style.visibility</p:attrName>
@@ -23872,7 +23872,7 @@
                                           </p:stCondLst>
                                         </p:cTn>
                                         <p:tgtEl>
-                                          <p:spTgt spid="2165"/>
+                                          <p:spTgt spid="20765"/>
                                         </p:tgtEl>
                                         <p:attrNameLst>
                                           <p:attrName>style.visibility</p:attrName>
@@ -23899,7 +23899,7 @@
                                           </p:stCondLst>
                                         </p:cTn>
                                         <p:tgtEl>
-                                          <p:spTgt spid="2166"/>
+                                          <p:spTgt spid="20766"/>
                                         </p:tgtEl>
                                         <p:attrNameLst>
                                           <p:attrName>style.visibility</p:attrName>
@@ -23926,7 +23926,7 @@
                                           </p:stCondLst>
                                         </p:cTn>
                                         <p:tgtEl>
-                                          <p:spTgt spid="2167"/>
+                                          <p:spTgt spid="20767"/>
                                         </p:tgtEl>
                                         <p:attrNameLst>
                                           <p:attrName>style.visibility</p:attrName>
@@ -23953,7 +23953,7 @@
                                           </p:stCondLst>
                                         </p:cTn>
                                         <p:tgtEl>
-                                          <p:spTgt spid="2168"/>
+                                          <p:spTgt spid="20768"/>
                                         </p:tgtEl>
                                         <p:attrNameLst>
                                           <p:attrName>style.visibility</p:attrName>
@@ -23980,7 +23980,7 @@
                                           </p:stCondLst>
                                         </p:cTn>
                                         <p:tgtEl>
-                                          <p:spTgt spid="2169"/>
+                                          <p:spTgt spid="20769"/>
                                         </p:tgtEl>
                                         <p:attrNameLst>
                                           <p:attrName>style.visibility</p:attrName>
@@ -24007,7 +24007,7 @@
                                           </p:stCondLst>
                                         </p:cTn>
                                         <p:tgtEl>
-                                          <p:spTgt spid="2170"/>
+                                          <p:spTgt spid="20770"/>
                                         </p:tgtEl>
                                         <p:attrNameLst>
                                           <p:attrName>style.visibility</p:attrName>
@@ -24034,7 +24034,7 @@
                                           </p:stCondLst>
                                         </p:cTn>
                                         <p:tgtEl>
-                                          <p:spTgt spid="2171"/>
+                                          <p:spTgt spid="20771"/>
                                         </p:tgtEl>
                                         <p:attrNameLst>
                                           <p:attrName>style.visibility</p:attrName>

--- a/org.mwc.debrief.legacy/test_data/master_template/multi_tracks/multi_tracks_temp.pptx
+++ b/org.mwc.debrief.legacy/test_data/master_template/multi_tracks/multi_tracks_temp.pptx
@@ -3905,7 +3905,7 @@
       </p:pic>
       <p:sp>
         <p:nvSpPr>
-          <p:cNvPr id="20600" name="footprint"/>
+          <p:cNvPr id="30000" name="footprint"/>
           <p:cNvSpPr/>
           <p:nvPr/>
         </p:nvSpPr>
@@ -3946,7 +3946,7 @@
       </p:sp>
       <p:sp>
         <p:nvSpPr>
-          <p:cNvPr id="20601" name="footprint"/>
+          <p:cNvPr id="30001" name="footprint"/>
           <p:cNvSpPr/>
           <p:nvPr/>
         </p:nvSpPr>
@@ -3987,7 +3987,7 @@
       </p:sp>
       <p:sp>
         <p:nvSpPr>
-          <p:cNvPr id="20602" name="footprint"/>
+          <p:cNvPr id="30002" name="footprint"/>
           <p:cNvSpPr/>
           <p:nvPr/>
         </p:nvSpPr>
@@ -4028,7 +4028,7 @@
       </p:sp>
       <p:sp>
         <p:nvSpPr>
-          <p:cNvPr id="20603" name="footprint"/>
+          <p:cNvPr id="30003" name="footprint"/>
           <p:cNvSpPr/>
           <p:nvPr/>
         </p:nvSpPr>
@@ -4069,7 +4069,7 @@
       </p:sp>
       <p:sp>
         <p:nvSpPr>
-          <p:cNvPr id="20604" name="footprint"/>
+          <p:cNvPr id="30004" name="footprint"/>
           <p:cNvSpPr/>
           <p:nvPr/>
         </p:nvSpPr>
@@ -4110,7 +4110,7 @@
       </p:sp>
       <p:sp>
         <p:nvSpPr>
-          <p:cNvPr id="20605" name="footprint"/>
+          <p:cNvPr id="30005" name="footprint"/>
           <p:cNvSpPr/>
           <p:nvPr/>
         </p:nvSpPr>
@@ -4151,7 +4151,7 @@
       </p:sp>
       <p:sp>
         <p:nvSpPr>
-          <p:cNvPr id="20606" name="footprint"/>
+          <p:cNvPr id="30006" name="footprint"/>
           <p:cNvSpPr/>
           <p:nvPr/>
         </p:nvSpPr>
@@ -4192,7 +4192,7 @@
       </p:sp>
       <p:sp>
         <p:nvSpPr>
-          <p:cNvPr id="20607" name="footprint"/>
+          <p:cNvPr id="30007" name="footprint"/>
           <p:cNvSpPr/>
           <p:nvPr/>
         </p:nvSpPr>
@@ -4233,7 +4233,7 @@
       </p:sp>
       <p:sp>
         <p:nvSpPr>
-          <p:cNvPr id="20608" name="footprint"/>
+          <p:cNvPr id="30008" name="footprint"/>
           <p:cNvSpPr/>
           <p:nvPr/>
         </p:nvSpPr>
@@ -4274,7 +4274,7 @@
       </p:sp>
       <p:sp>
         <p:nvSpPr>
-          <p:cNvPr id="20609" name="footprint"/>
+          <p:cNvPr id="30009" name="footprint"/>
           <p:cNvSpPr/>
           <p:nvPr/>
         </p:nvSpPr>
@@ -4315,7 +4315,7 @@
       </p:sp>
       <p:sp>
         <p:nvSpPr>
-          <p:cNvPr id="20610" name="footprint"/>
+          <p:cNvPr id="30010" name="footprint"/>
           <p:cNvSpPr/>
           <p:nvPr/>
         </p:nvSpPr>
@@ -4356,7 +4356,7 @@
       </p:sp>
       <p:sp>
         <p:nvSpPr>
-          <p:cNvPr id="20611" name="footprint"/>
+          <p:cNvPr id="30011" name="footprint"/>
           <p:cNvSpPr/>
           <p:nvPr/>
         </p:nvSpPr>
@@ -4397,7 +4397,7 @@
       </p:sp>
       <p:sp>
         <p:nvSpPr>
-          <p:cNvPr id="20612" name="footprint"/>
+          <p:cNvPr id="30012" name="footprint"/>
           <p:cNvSpPr/>
           <p:nvPr/>
         </p:nvSpPr>
@@ -4438,7 +4438,7 @@
       </p:sp>
       <p:sp>
         <p:nvSpPr>
-          <p:cNvPr id="20613" name="footprint"/>
+          <p:cNvPr id="30013" name="footprint"/>
           <p:cNvSpPr/>
           <p:nvPr/>
         </p:nvSpPr>
@@ -4479,7 +4479,7 @@
       </p:sp>
       <p:sp>
         <p:nvSpPr>
-          <p:cNvPr id="20614" name="footprint"/>
+          <p:cNvPr id="30014" name="footprint"/>
           <p:cNvSpPr/>
           <p:nvPr/>
         </p:nvSpPr>
@@ -4520,7 +4520,7 @@
       </p:sp>
       <p:sp>
         <p:nvSpPr>
-          <p:cNvPr id="20615" name="footprint"/>
+          <p:cNvPr id="30015" name="footprint"/>
           <p:cNvSpPr/>
           <p:nvPr/>
         </p:nvSpPr>
@@ -4561,7 +4561,7 @@
       </p:sp>
       <p:sp>
         <p:nvSpPr>
-          <p:cNvPr id="20616" name="footprint"/>
+          <p:cNvPr id="30016" name="footprint"/>
           <p:cNvSpPr/>
           <p:nvPr/>
         </p:nvSpPr>
@@ -4602,7 +4602,7 @@
       </p:sp>
       <p:sp>
         <p:nvSpPr>
-          <p:cNvPr id="20617" name="footprint"/>
+          <p:cNvPr id="30017" name="footprint"/>
           <p:cNvSpPr/>
           <p:nvPr/>
         </p:nvSpPr>
@@ -4643,7 +4643,7 @@
       </p:sp>
       <p:sp>
         <p:nvSpPr>
-          <p:cNvPr id="20618" name="footprint"/>
+          <p:cNvPr id="30018" name="footprint"/>
           <p:cNvSpPr/>
           <p:nvPr/>
         </p:nvSpPr>
@@ -4684,7 +4684,7 @@
       </p:sp>
       <p:sp>
         <p:nvSpPr>
-          <p:cNvPr id="20619" name="footprint"/>
+          <p:cNvPr id="30019" name="footprint"/>
           <p:cNvSpPr/>
           <p:nvPr/>
         </p:nvSpPr>
@@ -4725,7 +4725,7 @@
       </p:sp>
       <p:sp>
         <p:nvSpPr>
-          <p:cNvPr id="20620" name="footprint"/>
+          <p:cNvPr id="30020" name="footprint"/>
           <p:cNvSpPr/>
           <p:nvPr/>
         </p:nvSpPr>
@@ -4766,7 +4766,7 @@
       </p:sp>
       <p:sp>
         <p:nvSpPr>
-          <p:cNvPr id="20621" name="footprint"/>
+          <p:cNvPr id="30021" name="footprint"/>
           <p:cNvSpPr/>
           <p:nvPr/>
         </p:nvSpPr>
@@ -4807,7 +4807,7 @@
       </p:sp>
       <p:sp>
         <p:nvSpPr>
-          <p:cNvPr id="20622" name="footprint"/>
+          <p:cNvPr id="30022" name="footprint"/>
           <p:cNvSpPr/>
           <p:nvPr/>
         </p:nvSpPr>
@@ -4848,7 +4848,7 @@
       </p:sp>
       <p:sp>
         <p:nvSpPr>
-          <p:cNvPr id="20623" name="footprint"/>
+          <p:cNvPr id="30023" name="footprint"/>
           <p:cNvSpPr/>
           <p:nvPr/>
         </p:nvSpPr>
@@ -4889,7 +4889,7 @@
       </p:sp>
       <p:sp>
         <p:nvSpPr>
-          <p:cNvPr id="20624" name="footprint"/>
+          <p:cNvPr id="30024" name="footprint"/>
           <p:cNvSpPr/>
           <p:nvPr/>
         </p:nvSpPr>
@@ -4930,7 +4930,7 @@
       </p:sp>
       <p:sp>
         <p:nvSpPr>
-          <p:cNvPr id="20625" name="footprint"/>
+          <p:cNvPr id="30025" name="footprint"/>
           <p:cNvSpPr/>
           <p:nvPr/>
         </p:nvSpPr>
@@ -4971,7 +4971,7 @@
       </p:sp>
       <p:sp>
         <p:nvSpPr>
-          <p:cNvPr id="20626" name="footprint"/>
+          <p:cNvPr id="30026" name="footprint"/>
           <p:cNvSpPr/>
           <p:nvPr/>
         </p:nvSpPr>
@@ -5012,7 +5012,7 @@
       </p:sp>
       <p:sp>
         <p:nvSpPr>
-          <p:cNvPr id="20627" name="footprint"/>
+          <p:cNvPr id="30027" name="footprint"/>
           <p:cNvSpPr/>
           <p:nvPr/>
         </p:nvSpPr>
@@ -5053,7 +5053,7 @@
       </p:sp>
       <p:sp>
         <p:nvSpPr>
-          <p:cNvPr id="20628" name="footprint"/>
+          <p:cNvPr id="30028" name="footprint"/>
           <p:cNvSpPr/>
           <p:nvPr/>
         </p:nvSpPr>
@@ -5094,7 +5094,7 @@
       </p:sp>
       <p:sp>
         <p:nvSpPr>
-          <p:cNvPr id="20629" name="footprint"/>
+          <p:cNvPr id="30029" name="footprint"/>
           <p:cNvSpPr/>
           <p:nvPr/>
         </p:nvSpPr>
@@ -5135,7 +5135,7 @@
       </p:sp>
       <p:sp>
         <p:nvSpPr>
-          <p:cNvPr id="20630" name="footprint"/>
+          <p:cNvPr id="30030" name="footprint"/>
           <p:cNvSpPr/>
           <p:nvPr/>
         </p:nvSpPr>
@@ -5176,7 +5176,7 @@
       </p:sp>
       <p:sp>
         <p:nvSpPr>
-          <p:cNvPr id="20631" name="footprint"/>
+          <p:cNvPr id="30031" name="footprint"/>
           <p:cNvSpPr/>
           <p:nvPr/>
         </p:nvSpPr>
@@ -5217,7 +5217,7 @@
       </p:sp>
       <p:sp>
         <p:nvSpPr>
-          <p:cNvPr id="20632" name="footprint"/>
+          <p:cNvPr id="30032" name="footprint"/>
           <p:cNvSpPr/>
           <p:nvPr/>
         </p:nvSpPr>
@@ -5258,7 +5258,7 @@
       </p:sp>
       <p:sp>
         <p:nvSpPr>
-          <p:cNvPr id="20633" name="footprint"/>
+          <p:cNvPr id="30033" name="footprint"/>
           <p:cNvSpPr/>
           <p:nvPr/>
         </p:nvSpPr>
@@ -5299,7 +5299,7 @@
       </p:sp>
       <p:sp>
         <p:nvSpPr>
-          <p:cNvPr id="20634" name="footprint"/>
+          <p:cNvPr id="30034" name="footprint"/>
           <p:cNvSpPr/>
           <p:nvPr/>
         </p:nvSpPr>
@@ -5340,7 +5340,7 @@
       </p:sp>
       <p:sp>
         <p:nvSpPr>
-          <p:cNvPr id="20635" name="footprint"/>
+          <p:cNvPr id="30035" name="footprint"/>
           <p:cNvSpPr/>
           <p:nvPr/>
         </p:nvSpPr>
@@ -5381,7 +5381,7 @@
       </p:sp>
       <p:sp>
         <p:nvSpPr>
-          <p:cNvPr id="20636" name="footprint"/>
+          <p:cNvPr id="30036" name="footprint"/>
           <p:cNvSpPr/>
           <p:nvPr/>
         </p:nvSpPr>
@@ -5422,7 +5422,7 @@
       </p:sp>
       <p:sp>
         <p:nvSpPr>
-          <p:cNvPr id="20637" name="footprint"/>
+          <p:cNvPr id="30037" name="footprint"/>
           <p:cNvSpPr/>
           <p:nvPr/>
         </p:nvSpPr>
@@ -5463,7 +5463,7 @@
       </p:sp>
       <p:sp>
         <p:nvSpPr>
-          <p:cNvPr id="20638" name="footprint"/>
+          <p:cNvPr id="30038" name="footprint"/>
           <p:cNvSpPr/>
           <p:nvPr/>
         </p:nvSpPr>
@@ -5504,7 +5504,7 @@
       </p:sp>
       <p:sp>
         <p:nvSpPr>
-          <p:cNvPr id="20639" name="footprint"/>
+          <p:cNvPr id="30039" name="footprint"/>
           <p:cNvSpPr/>
           <p:nvPr/>
         </p:nvSpPr>
@@ -5545,7 +5545,7 @@
       </p:sp>
       <p:sp>
         <p:nvSpPr>
-          <p:cNvPr id="20640" name="footprint"/>
+          <p:cNvPr id="30040" name="footprint"/>
           <p:cNvSpPr/>
           <p:nvPr/>
         </p:nvSpPr>
@@ -5586,7 +5586,7 @@
       </p:sp>
       <p:sp>
         <p:nvSpPr>
-          <p:cNvPr id="20641" name="footprint"/>
+          <p:cNvPr id="30041" name="footprint"/>
           <p:cNvSpPr/>
           <p:nvPr/>
         </p:nvSpPr>
@@ -5627,7 +5627,7 @@
       </p:sp>
       <p:sp>
         <p:nvSpPr>
-          <p:cNvPr id="20642" name="footprint"/>
+          <p:cNvPr id="30042" name="footprint"/>
           <p:cNvSpPr/>
           <p:nvPr/>
         </p:nvSpPr>
@@ -5668,7 +5668,7 @@
       </p:sp>
       <p:sp>
         <p:nvSpPr>
-          <p:cNvPr id="20643" name="footprint"/>
+          <p:cNvPr id="30043" name="footprint"/>
           <p:cNvSpPr/>
           <p:nvPr/>
         </p:nvSpPr>
@@ -5709,7 +5709,7 @@
       </p:sp>
       <p:sp>
         <p:nvSpPr>
-          <p:cNvPr id="20644" name="footprint"/>
+          <p:cNvPr id="30044" name="footprint"/>
           <p:cNvSpPr/>
           <p:nvPr/>
         </p:nvSpPr>
@@ -5750,7 +5750,7 @@
       </p:sp>
       <p:sp>
         <p:nvSpPr>
-          <p:cNvPr id="20645" name="footprint"/>
+          <p:cNvPr id="30045" name="footprint"/>
           <p:cNvSpPr/>
           <p:nvPr/>
         </p:nvSpPr>
@@ -5791,7 +5791,7 @@
       </p:sp>
       <p:sp>
         <p:nvSpPr>
-          <p:cNvPr id="20646" name="footprint"/>
+          <p:cNvPr id="30046" name="footprint"/>
           <p:cNvSpPr/>
           <p:nvPr/>
         </p:nvSpPr>
@@ -5832,7 +5832,7 @@
       </p:sp>
       <p:sp>
         <p:nvSpPr>
-          <p:cNvPr id="20647" name="footprint"/>
+          <p:cNvPr id="30047" name="footprint"/>
           <p:cNvSpPr/>
           <p:nvPr/>
         </p:nvSpPr>
@@ -5873,7 +5873,7 @@
       </p:sp>
       <p:sp>
         <p:nvSpPr>
-          <p:cNvPr id="20648" name="footprint"/>
+          <p:cNvPr id="30048" name="footprint"/>
           <p:cNvSpPr/>
           <p:nvPr/>
         </p:nvSpPr>
@@ -5914,7 +5914,7 @@
       </p:sp>
       <p:sp>
         <p:nvSpPr>
-          <p:cNvPr id="20649" name="footprint"/>
+          <p:cNvPr id="30049" name="footprint"/>
           <p:cNvSpPr/>
           <p:nvPr/>
         </p:nvSpPr>
@@ -5955,7 +5955,7 @@
       </p:sp>
       <p:sp>
         <p:nvSpPr>
-          <p:cNvPr id="20650" name="footprint"/>
+          <p:cNvPr id="30050" name="footprint"/>
           <p:cNvSpPr/>
           <p:nvPr/>
         </p:nvSpPr>
@@ -5996,7 +5996,7 @@
       </p:sp>
       <p:sp>
         <p:nvSpPr>
-          <p:cNvPr id="20651" name="footprint"/>
+          <p:cNvPr id="30051" name="footprint"/>
           <p:cNvSpPr/>
           <p:nvPr/>
         </p:nvSpPr>
@@ -6037,7 +6037,7 @@
       </p:sp>
       <p:sp>
         <p:nvSpPr>
-          <p:cNvPr id="20652" name="footprint"/>
+          <p:cNvPr id="30052" name="footprint"/>
           <p:cNvSpPr/>
           <p:nvPr/>
         </p:nvSpPr>
@@ -6078,7 +6078,7 @@
       </p:sp>
       <p:sp>
         <p:nvSpPr>
-          <p:cNvPr id="20653" name="footprint"/>
+          <p:cNvPr id="30053" name="footprint"/>
           <p:cNvSpPr/>
           <p:nvPr/>
         </p:nvSpPr>
@@ -6119,7 +6119,7 @@
       </p:sp>
       <p:sp>
         <p:nvSpPr>
-          <p:cNvPr id="20654" name="footprint"/>
+          <p:cNvPr id="30054" name="footprint"/>
           <p:cNvSpPr/>
           <p:nvPr/>
         </p:nvSpPr>
@@ -6160,7 +6160,7 @@
       </p:sp>
       <p:sp>
         <p:nvSpPr>
-          <p:cNvPr id="20655" name="footprint"/>
+          <p:cNvPr id="30055" name="footprint"/>
           <p:cNvSpPr/>
           <p:nvPr/>
         </p:nvSpPr>
@@ -6201,7 +6201,7 @@
       </p:sp>
       <p:sp>
         <p:nvSpPr>
-          <p:cNvPr id="20656" name="footprint"/>
+          <p:cNvPr id="30056" name="footprint"/>
           <p:cNvSpPr/>
           <p:nvPr/>
         </p:nvSpPr>
@@ -6242,7 +6242,7 @@
       </p:sp>
       <p:sp>
         <p:nvSpPr>
-          <p:cNvPr id="20657" name="footprint"/>
+          <p:cNvPr id="30057" name="footprint"/>
           <p:cNvSpPr/>
           <p:nvPr/>
         </p:nvSpPr>
@@ -6283,7 +6283,7 @@
       </p:sp>
       <p:sp>
         <p:nvSpPr>
-          <p:cNvPr id="20658" name="footprint"/>
+          <p:cNvPr id="30058" name="footprint"/>
           <p:cNvSpPr/>
           <p:nvPr/>
         </p:nvSpPr>
@@ -6324,7 +6324,7 @@
       </p:sp>
       <p:sp>
         <p:nvSpPr>
-          <p:cNvPr id="20659" name="footprint"/>
+          <p:cNvPr id="30059" name="footprint"/>
           <p:cNvSpPr/>
           <p:nvPr/>
         </p:nvSpPr>
@@ -6365,7 +6365,7 @@
       </p:sp>
       <p:sp>
         <p:nvSpPr>
-          <p:cNvPr id="20660" name="footprint"/>
+          <p:cNvPr id="30060" name="footprint"/>
           <p:cNvSpPr/>
           <p:nvPr/>
         </p:nvSpPr>
@@ -6406,7 +6406,7 @@
       </p:sp>
       <p:sp>
         <p:nvSpPr>
-          <p:cNvPr id="20661" name="footprint"/>
+          <p:cNvPr id="30061" name="footprint"/>
           <p:cNvSpPr/>
           <p:nvPr/>
         </p:nvSpPr>
@@ -6447,7 +6447,7 @@
       </p:sp>
       <p:sp>
         <p:nvSpPr>
-          <p:cNvPr id="20662" name="footprint"/>
+          <p:cNvPr id="30062" name="footprint"/>
           <p:cNvSpPr/>
           <p:nvPr/>
         </p:nvSpPr>
@@ -6488,7 +6488,7 @@
       </p:sp>
       <p:sp>
         <p:nvSpPr>
-          <p:cNvPr id="20663" name="footprint"/>
+          <p:cNvPr id="30063" name="footprint"/>
           <p:cNvSpPr/>
           <p:nvPr/>
         </p:nvSpPr>
@@ -6529,7 +6529,7 @@
       </p:sp>
       <p:sp>
         <p:nvSpPr>
-          <p:cNvPr id="20664" name="footprint"/>
+          <p:cNvPr id="30064" name="footprint"/>
           <p:cNvSpPr/>
           <p:nvPr/>
         </p:nvSpPr>
@@ -6570,7 +6570,7 @@
       </p:sp>
       <p:sp>
         <p:nvSpPr>
-          <p:cNvPr id="20665" name="footprint"/>
+          <p:cNvPr id="30065" name="footprint"/>
           <p:cNvSpPr/>
           <p:nvPr/>
         </p:nvSpPr>
@@ -6611,7 +6611,7 @@
       </p:sp>
       <p:sp>
         <p:nvSpPr>
-          <p:cNvPr id="20666" name="footprint"/>
+          <p:cNvPr id="30066" name="footprint"/>
           <p:cNvSpPr/>
           <p:nvPr/>
         </p:nvSpPr>
@@ -6652,7 +6652,7 @@
       </p:sp>
       <p:sp>
         <p:nvSpPr>
-          <p:cNvPr id="20667" name="footprint"/>
+          <p:cNvPr id="30067" name="footprint"/>
           <p:cNvSpPr/>
           <p:nvPr/>
         </p:nvSpPr>
@@ -6693,7 +6693,7 @@
       </p:sp>
       <p:sp>
         <p:nvSpPr>
-          <p:cNvPr id="20668" name="footprint"/>
+          <p:cNvPr id="30068" name="footprint"/>
           <p:cNvSpPr/>
           <p:nvPr/>
         </p:nvSpPr>
@@ -6734,7 +6734,7 @@
       </p:sp>
       <p:sp>
         <p:nvSpPr>
-          <p:cNvPr id="20669" name="footprint"/>
+          <p:cNvPr id="30069" name="footprint"/>
           <p:cNvSpPr/>
           <p:nvPr/>
         </p:nvSpPr>
@@ -6775,7 +6775,7 @@
       </p:sp>
       <p:sp>
         <p:nvSpPr>
-          <p:cNvPr id="20670" name="footprint"/>
+          <p:cNvPr id="30070" name="footprint"/>
           <p:cNvSpPr/>
           <p:nvPr/>
         </p:nvSpPr>
@@ -6816,7 +6816,7 @@
       </p:sp>
       <p:sp>
         <p:nvSpPr>
-          <p:cNvPr id="20671" name="footprint"/>
+          <p:cNvPr id="30071" name="footprint"/>
           <p:cNvSpPr/>
           <p:nvPr/>
         </p:nvSpPr>
@@ -6857,7 +6857,7 @@
       </p:sp>
       <p:sp>
         <p:nvSpPr>
-          <p:cNvPr id="20672" name="footprint"/>
+          <p:cNvPr id="30072" name="footprint"/>
           <p:cNvSpPr/>
           <p:nvPr/>
         </p:nvSpPr>
@@ -6898,7 +6898,7 @@
       </p:sp>
       <p:sp>
         <p:nvSpPr>
-          <p:cNvPr id="20673" name="footprint"/>
+          <p:cNvPr id="30073" name="footprint"/>
           <p:cNvSpPr/>
           <p:nvPr/>
         </p:nvSpPr>
@@ -6939,7 +6939,7 @@
       </p:sp>
       <p:sp>
         <p:nvSpPr>
-          <p:cNvPr id="20674" name="footprint"/>
+          <p:cNvPr id="30074" name="footprint"/>
           <p:cNvSpPr/>
           <p:nvPr/>
         </p:nvSpPr>
@@ -6980,7 +6980,7 @@
       </p:sp>
       <p:sp>
         <p:nvSpPr>
-          <p:cNvPr id="20675" name="footprint"/>
+          <p:cNvPr id="30075" name="footprint"/>
           <p:cNvSpPr/>
           <p:nvPr/>
         </p:nvSpPr>
@@ -7021,7 +7021,7 @@
       </p:sp>
       <p:sp>
         <p:nvSpPr>
-          <p:cNvPr id="20676" name="footprint"/>
+          <p:cNvPr id="30076" name="footprint"/>
           <p:cNvSpPr/>
           <p:nvPr/>
         </p:nvSpPr>
@@ -7062,7 +7062,7 @@
       </p:sp>
       <p:sp>
         <p:nvSpPr>
-          <p:cNvPr id="20677" name="footprint"/>
+          <p:cNvPr id="30077" name="footprint"/>
           <p:cNvSpPr/>
           <p:nvPr/>
         </p:nvSpPr>
@@ -7103,7 +7103,7 @@
       </p:sp>
       <p:sp>
         <p:nvSpPr>
-          <p:cNvPr id="20678" name="footprint"/>
+          <p:cNvPr id="30078" name="footprint"/>
           <p:cNvSpPr/>
           <p:nvPr/>
         </p:nvSpPr>
@@ -7144,7 +7144,7 @@
       </p:sp>
       <p:sp>
         <p:nvSpPr>
-          <p:cNvPr id="20679" name="footprint"/>
+          <p:cNvPr id="30079" name="footprint"/>
           <p:cNvSpPr/>
           <p:nvPr/>
         </p:nvSpPr>
@@ -7185,7 +7185,7 @@
       </p:sp>
       <p:sp>
         <p:nvSpPr>
-          <p:cNvPr id="20680" name="footprint"/>
+          <p:cNvPr id="30080" name="footprint"/>
           <p:cNvSpPr/>
           <p:nvPr/>
         </p:nvSpPr>
@@ -7226,7 +7226,7 @@
       </p:sp>
       <p:sp>
         <p:nvSpPr>
-          <p:cNvPr id="20681" name="footprint"/>
+          <p:cNvPr id="30081" name="footprint"/>
           <p:cNvSpPr/>
           <p:nvPr/>
         </p:nvSpPr>
@@ -7267,7 +7267,7 @@
       </p:sp>
       <p:sp>
         <p:nvSpPr>
-          <p:cNvPr id="20682" name="footprint"/>
+          <p:cNvPr id="30082" name="footprint"/>
           <p:cNvSpPr/>
           <p:nvPr/>
         </p:nvSpPr>
@@ -7308,7 +7308,7 @@
       </p:sp>
       <p:sp>
         <p:nvSpPr>
-          <p:cNvPr id="20683" name="footprint"/>
+          <p:cNvPr id="30083" name="footprint"/>
           <p:cNvSpPr/>
           <p:nvPr/>
         </p:nvSpPr>
@@ -7349,7 +7349,7 @@
       </p:sp>
       <p:sp>
         <p:nvSpPr>
-          <p:cNvPr id="20684" name="footprint"/>
+          <p:cNvPr id="30084" name="footprint"/>
           <p:cNvSpPr/>
           <p:nvPr/>
         </p:nvSpPr>
@@ -7390,7 +7390,7 @@
       </p:sp>
       <p:sp>
         <p:nvSpPr>
-          <p:cNvPr id="20685" name="footprint"/>
+          <p:cNvPr id="30085" name="footprint"/>
           <p:cNvSpPr/>
           <p:nvPr/>
         </p:nvSpPr>
@@ -7431,7 +7431,7 @@
       </p:sp>
       <p:sp>
         <p:nvSpPr>
-          <p:cNvPr id="20686" name="footprint"/>
+          <p:cNvPr id="30086" name="footprint"/>
           <p:cNvSpPr/>
           <p:nvPr/>
         </p:nvSpPr>
@@ -7472,7 +7472,7 @@
       </p:sp>
       <p:sp>
         <p:nvSpPr>
-          <p:cNvPr id="20687" name="footprint"/>
+          <p:cNvPr id="30087" name="footprint"/>
           <p:cNvSpPr/>
           <p:nvPr/>
         </p:nvSpPr>
@@ -7513,7 +7513,7 @@
       </p:sp>
       <p:sp>
         <p:nvSpPr>
-          <p:cNvPr id="20688" name="footprint"/>
+          <p:cNvPr id="30088" name="footprint"/>
           <p:cNvSpPr/>
           <p:nvPr/>
         </p:nvSpPr>
@@ -7554,7 +7554,7 @@
       </p:sp>
       <p:sp>
         <p:nvSpPr>
-          <p:cNvPr id="20689" name="footprint"/>
+          <p:cNvPr id="30089" name="footprint"/>
           <p:cNvSpPr/>
           <p:nvPr/>
         </p:nvSpPr>
@@ -7595,7 +7595,7 @@
       </p:sp>
       <p:sp>
         <p:nvSpPr>
-          <p:cNvPr id="20690" name="footprint"/>
+          <p:cNvPr id="30090" name="footprint"/>
           <p:cNvSpPr/>
           <p:nvPr/>
         </p:nvSpPr>
@@ -7636,7 +7636,7 @@
       </p:sp>
       <p:sp>
         <p:nvSpPr>
-          <p:cNvPr id="20691" name="footprint"/>
+          <p:cNvPr id="30091" name="footprint"/>
           <p:cNvSpPr/>
           <p:nvPr/>
         </p:nvSpPr>
@@ -7677,7 +7677,7 @@
       </p:sp>
       <p:sp>
         <p:nvSpPr>
-          <p:cNvPr id="20692" name="footprint"/>
+          <p:cNvPr id="30092" name="footprint"/>
           <p:cNvSpPr/>
           <p:nvPr/>
         </p:nvSpPr>
@@ -7718,7 +7718,7 @@
       </p:sp>
       <p:sp>
         <p:nvSpPr>
-          <p:cNvPr id="20693" name="footprint"/>
+          <p:cNvPr id="30093" name="footprint"/>
           <p:cNvSpPr/>
           <p:nvPr/>
         </p:nvSpPr>
@@ -7759,7 +7759,7 @@
       </p:sp>
       <p:sp>
         <p:nvSpPr>
-          <p:cNvPr id="20694" name="footprint"/>
+          <p:cNvPr id="30094" name="footprint"/>
           <p:cNvSpPr/>
           <p:nvPr/>
         </p:nvSpPr>
@@ -7800,7 +7800,7 @@
       </p:sp>
       <p:sp>
         <p:nvSpPr>
-          <p:cNvPr id="20695" name="footprint"/>
+          <p:cNvPr id="30095" name="footprint"/>
           <p:cNvSpPr/>
           <p:nvPr/>
         </p:nvSpPr>
@@ -7841,7 +7841,7 @@
       </p:sp>
       <p:sp>
         <p:nvSpPr>
-          <p:cNvPr id="20696" name="footprint"/>
+          <p:cNvPr id="30096" name="footprint"/>
           <p:cNvSpPr/>
           <p:nvPr/>
         </p:nvSpPr>
@@ -7882,7 +7882,7 @@
       </p:sp>
       <p:sp>
         <p:nvSpPr>
-          <p:cNvPr id="20697" name="footprint"/>
+          <p:cNvPr id="30097" name="footprint"/>
           <p:cNvSpPr/>
           <p:nvPr/>
         </p:nvSpPr>
@@ -7923,7 +7923,7 @@
       </p:sp>
       <p:sp>
         <p:nvSpPr>
-          <p:cNvPr id="20698" name="footprint"/>
+          <p:cNvPr id="30098" name="footprint"/>
           <p:cNvSpPr/>
           <p:nvPr/>
         </p:nvSpPr>
@@ -7964,7 +7964,7 @@
       </p:sp>
       <p:sp>
         <p:nvSpPr>
-          <p:cNvPr id="20699" name="footprint"/>
+          <p:cNvPr id="30099" name="footprint"/>
           <p:cNvSpPr/>
           <p:nvPr/>
         </p:nvSpPr>
@@ -8005,7 +8005,7 @@
       </p:sp>
       <p:sp>
         <p:nvSpPr>
-          <p:cNvPr id="20700" name="footprint"/>
+          <p:cNvPr id="30100" name="footprint"/>
           <p:cNvSpPr/>
           <p:nvPr/>
         </p:nvSpPr>
@@ -8046,7 +8046,7 @@
       </p:sp>
       <p:sp>
         <p:nvSpPr>
-          <p:cNvPr id="20701" name="footprint"/>
+          <p:cNvPr id="30101" name="footprint"/>
           <p:cNvSpPr/>
           <p:nvPr/>
         </p:nvSpPr>
@@ -8087,7 +8087,7 @@
       </p:sp>
       <p:sp>
         <p:nvSpPr>
-          <p:cNvPr id="20702" name="footprint"/>
+          <p:cNvPr id="30102" name="footprint"/>
           <p:cNvSpPr/>
           <p:nvPr/>
         </p:nvSpPr>
@@ -8128,7 +8128,7 @@
       </p:sp>
       <p:sp>
         <p:nvSpPr>
-          <p:cNvPr id="20703" name="footprint"/>
+          <p:cNvPr id="30103" name="footprint"/>
           <p:cNvSpPr/>
           <p:nvPr/>
         </p:nvSpPr>
@@ -8169,7 +8169,7 @@
       </p:sp>
       <p:sp>
         <p:nvSpPr>
-          <p:cNvPr id="20704" name="footprint"/>
+          <p:cNvPr id="30104" name="footprint"/>
           <p:cNvSpPr/>
           <p:nvPr/>
         </p:nvSpPr>
@@ -8210,7 +8210,7 @@
       </p:sp>
       <p:sp>
         <p:nvSpPr>
-          <p:cNvPr id="20705" name="footprint"/>
+          <p:cNvPr id="30105" name="footprint"/>
           <p:cNvSpPr/>
           <p:nvPr/>
         </p:nvSpPr>
@@ -8251,7 +8251,7 @@
       </p:sp>
       <p:sp>
         <p:nvSpPr>
-          <p:cNvPr id="20706" name="footprint"/>
+          <p:cNvPr id="30106" name="footprint"/>
           <p:cNvSpPr/>
           <p:nvPr/>
         </p:nvSpPr>
@@ -8292,7 +8292,7 @@
       </p:sp>
       <p:sp>
         <p:nvSpPr>
-          <p:cNvPr id="20707" name="footprint"/>
+          <p:cNvPr id="30107" name="footprint"/>
           <p:cNvSpPr/>
           <p:nvPr/>
         </p:nvSpPr>
@@ -8333,7 +8333,7 @@
       </p:sp>
       <p:sp>
         <p:nvSpPr>
-          <p:cNvPr id="20708" name="footprint"/>
+          <p:cNvPr id="30108" name="footprint"/>
           <p:cNvSpPr/>
           <p:nvPr/>
         </p:nvSpPr>
@@ -8374,7 +8374,7 @@
       </p:sp>
       <p:sp>
         <p:nvSpPr>
-          <p:cNvPr id="20709" name="footprint"/>
+          <p:cNvPr id="30109" name="footprint"/>
           <p:cNvSpPr/>
           <p:nvPr/>
         </p:nvSpPr>
@@ -8415,7 +8415,7 @@
       </p:sp>
       <p:sp>
         <p:nvSpPr>
-          <p:cNvPr id="20710" name="footprint"/>
+          <p:cNvPr id="30110" name="footprint"/>
           <p:cNvSpPr/>
           <p:nvPr/>
         </p:nvSpPr>
@@ -8456,7 +8456,7 @@
       </p:sp>
       <p:sp>
         <p:nvSpPr>
-          <p:cNvPr id="20711" name="footprint"/>
+          <p:cNvPr id="30111" name="footprint"/>
           <p:cNvSpPr/>
           <p:nvPr/>
         </p:nvSpPr>
@@ -8497,7 +8497,7 @@
       </p:sp>
       <p:sp>
         <p:nvSpPr>
-          <p:cNvPr id="20712" name="footprint"/>
+          <p:cNvPr id="30112" name="footprint"/>
           <p:cNvSpPr/>
           <p:nvPr/>
         </p:nvSpPr>
@@ -8538,7 +8538,7 @@
       </p:sp>
       <p:sp>
         <p:nvSpPr>
-          <p:cNvPr id="20713" name="footprint"/>
+          <p:cNvPr id="30113" name="footprint"/>
           <p:cNvSpPr/>
           <p:nvPr/>
         </p:nvSpPr>
@@ -8579,7 +8579,7 @@
       </p:sp>
       <p:sp>
         <p:nvSpPr>
-          <p:cNvPr id="20714" name="footprint"/>
+          <p:cNvPr id="30114" name="footprint"/>
           <p:cNvSpPr/>
           <p:nvPr/>
         </p:nvSpPr>
@@ -8620,7 +8620,7 @@
       </p:sp>
       <p:sp>
         <p:nvSpPr>
-          <p:cNvPr id="20715" name="footprint"/>
+          <p:cNvPr id="30115" name="footprint"/>
           <p:cNvSpPr/>
           <p:nvPr/>
         </p:nvSpPr>
@@ -8661,7 +8661,7 @@
       </p:sp>
       <p:sp>
         <p:nvSpPr>
-          <p:cNvPr id="20716" name="footprint"/>
+          <p:cNvPr id="30116" name="footprint"/>
           <p:cNvSpPr/>
           <p:nvPr/>
         </p:nvSpPr>
@@ -8702,7 +8702,7 @@
       </p:sp>
       <p:sp>
         <p:nvSpPr>
-          <p:cNvPr id="20717" name="footprint"/>
+          <p:cNvPr id="30117" name="footprint"/>
           <p:cNvSpPr/>
           <p:nvPr/>
         </p:nvSpPr>
@@ -8743,7 +8743,7 @@
       </p:sp>
       <p:sp>
         <p:nvSpPr>
-          <p:cNvPr id="20718" name="footprint"/>
+          <p:cNvPr id="30118" name="footprint"/>
           <p:cNvSpPr/>
           <p:nvPr/>
         </p:nvSpPr>
@@ -8784,7 +8784,7 @@
       </p:sp>
       <p:sp>
         <p:nvSpPr>
-          <p:cNvPr id="20719" name="footprint"/>
+          <p:cNvPr id="30119" name="footprint"/>
           <p:cNvSpPr/>
           <p:nvPr/>
         </p:nvSpPr>
@@ -8825,7 +8825,7 @@
       </p:sp>
       <p:sp>
         <p:nvSpPr>
-          <p:cNvPr id="20720" name="footprint"/>
+          <p:cNvPr id="30120" name="footprint"/>
           <p:cNvSpPr/>
           <p:nvPr/>
         </p:nvSpPr>
@@ -8866,7 +8866,7 @@
       </p:sp>
       <p:sp>
         <p:nvSpPr>
-          <p:cNvPr id="20721" name="footprint"/>
+          <p:cNvPr id="30121" name="footprint"/>
           <p:cNvSpPr/>
           <p:nvPr/>
         </p:nvSpPr>
@@ -8907,7 +8907,7 @@
       </p:sp>
       <p:sp>
         <p:nvSpPr>
-          <p:cNvPr id="20722" name="footprint"/>
+          <p:cNvPr id="30122" name="footprint"/>
           <p:cNvSpPr/>
           <p:nvPr/>
         </p:nvSpPr>
@@ -8948,7 +8948,7 @@
       </p:sp>
       <p:sp>
         <p:nvSpPr>
-          <p:cNvPr id="20723" name="footprint"/>
+          <p:cNvPr id="30123" name="footprint"/>
           <p:cNvSpPr/>
           <p:nvPr/>
         </p:nvSpPr>
@@ -8989,7 +8989,7 @@
       </p:sp>
       <p:sp>
         <p:nvSpPr>
-          <p:cNvPr id="20724" name="footprint"/>
+          <p:cNvPr id="30124" name="footprint"/>
           <p:cNvSpPr/>
           <p:nvPr/>
         </p:nvSpPr>
@@ -9030,7 +9030,7 @@
       </p:sp>
       <p:sp>
         <p:nvSpPr>
-          <p:cNvPr id="20725" name="footprint"/>
+          <p:cNvPr id="30125" name="footprint"/>
           <p:cNvSpPr/>
           <p:nvPr/>
         </p:nvSpPr>
@@ -9071,7 +9071,7 @@
       </p:sp>
       <p:sp>
         <p:nvSpPr>
-          <p:cNvPr id="20726" name="footprint"/>
+          <p:cNvPr id="30126" name="footprint"/>
           <p:cNvSpPr/>
           <p:nvPr/>
         </p:nvSpPr>
@@ -9112,7 +9112,7 @@
       </p:sp>
       <p:sp>
         <p:nvSpPr>
-          <p:cNvPr id="20727" name="footprint"/>
+          <p:cNvPr id="30127" name="footprint"/>
           <p:cNvSpPr/>
           <p:nvPr/>
         </p:nvSpPr>
@@ -9153,7 +9153,7 @@
       </p:sp>
       <p:sp>
         <p:nvSpPr>
-          <p:cNvPr id="20728" name="footprint"/>
+          <p:cNvPr id="30128" name="footprint"/>
           <p:cNvSpPr/>
           <p:nvPr/>
         </p:nvSpPr>
@@ -9194,7 +9194,7 @@
       </p:sp>
       <p:sp>
         <p:nvSpPr>
-          <p:cNvPr id="20729" name="footprint"/>
+          <p:cNvPr id="30129" name="footprint"/>
           <p:cNvSpPr/>
           <p:nvPr/>
         </p:nvSpPr>
@@ -9235,7 +9235,7 @@
       </p:sp>
       <p:sp>
         <p:nvSpPr>
-          <p:cNvPr id="20730" name="footprint"/>
+          <p:cNvPr id="30130" name="footprint"/>
           <p:cNvSpPr/>
           <p:nvPr/>
         </p:nvSpPr>
@@ -9276,7 +9276,7 @@
       </p:sp>
       <p:sp>
         <p:nvSpPr>
-          <p:cNvPr id="20731" name="footprint"/>
+          <p:cNvPr id="30131" name="footprint"/>
           <p:cNvSpPr/>
           <p:nvPr/>
         </p:nvSpPr>
@@ -9317,7 +9317,7 @@
       </p:sp>
       <p:sp>
         <p:nvSpPr>
-          <p:cNvPr id="20732" name="footprint"/>
+          <p:cNvPr id="30132" name="footprint"/>
           <p:cNvSpPr/>
           <p:nvPr/>
         </p:nvSpPr>
@@ -9358,7 +9358,7 @@
       </p:sp>
       <p:sp>
         <p:nvSpPr>
-          <p:cNvPr id="20733" name="footprint"/>
+          <p:cNvPr id="30133" name="footprint"/>
           <p:cNvSpPr/>
           <p:nvPr/>
         </p:nvSpPr>
@@ -9399,7 +9399,7 @@
       </p:sp>
       <p:sp>
         <p:nvSpPr>
-          <p:cNvPr id="20734" name="footprint"/>
+          <p:cNvPr id="30134" name="footprint"/>
           <p:cNvSpPr/>
           <p:nvPr/>
         </p:nvSpPr>
@@ -9440,7 +9440,7 @@
       </p:sp>
       <p:sp>
         <p:nvSpPr>
-          <p:cNvPr id="20735" name="footprint"/>
+          <p:cNvPr id="30135" name="footprint"/>
           <p:cNvSpPr/>
           <p:nvPr/>
         </p:nvSpPr>
@@ -9481,7 +9481,7 @@
       </p:sp>
       <p:sp>
         <p:nvSpPr>
-          <p:cNvPr id="20736" name="footprint"/>
+          <p:cNvPr id="30136" name="footprint"/>
           <p:cNvSpPr/>
           <p:nvPr/>
         </p:nvSpPr>
@@ -9522,7 +9522,7 @@
       </p:sp>
       <p:sp>
         <p:nvSpPr>
-          <p:cNvPr id="20737" name="footprint"/>
+          <p:cNvPr id="30137" name="footprint"/>
           <p:cNvSpPr/>
           <p:nvPr/>
         </p:nvSpPr>
@@ -9563,7 +9563,7 @@
       </p:sp>
       <p:sp>
         <p:nvSpPr>
-          <p:cNvPr id="20738" name="footprint"/>
+          <p:cNvPr id="30138" name="footprint"/>
           <p:cNvSpPr/>
           <p:nvPr/>
         </p:nvSpPr>
@@ -9604,7 +9604,7 @@
       </p:sp>
       <p:sp>
         <p:nvSpPr>
-          <p:cNvPr id="20739" name="footprint"/>
+          <p:cNvPr id="30139" name="footprint"/>
           <p:cNvSpPr/>
           <p:nvPr/>
         </p:nvSpPr>
@@ -9645,7 +9645,7 @@
       </p:sp>
       <p:sp>
         <p:nvSpPr>
-          <p:cNvPr id="20740" name="footprint"/>
+          <p:cNvPr id="30140" name="footprint"/>
           <p:cNvSpPr/>
           <p:nvPr/>
         </p:nvSpPr>
@@ -9686,7 +9686,7 @@
       </p:sp>
       <p:sp>
         <p:nvSpPr>
-          <p:cNvPr id="20741" name="footprint"/>
+          <p:cNvPr id="30141" name="footprint"/>
           <p:cNvSpPr/>
           <p:nvPr/>
         </p:nvSpPr>
@@ -9727,7 +9727,7 @@
       </p:sp>
       <p:sp>
         <p:nvSpPr>
-          <p:cNvPr id="20742" name="footprint"/>
+          <p:cNvPr id="30142" name="footprint"/>
           <p:cNvSpPr/>
           <p:nvPr/>
         </p:nvSpPr>
@@ -9768,7 +9768,7 @@
       </p:sp>
       <p:sp>
         <p:nvSpPr>
-          <p:cNvPr id="20743" name="footprint"/>
+          <p:cNvPr id="30143" name="footprint"/>
           <p:cNvSpPr/>
           <p:nvPr/>
         </p:nvSpPr>
@@ -9809,7 +9809,7 @@
       </p:sp>
       <p:sp>
         <p:nvSpPr>
-          <p:cNvPr id="20744" name="footprint"/>
+          <p:cNvPr id="30144" name="footprint"/>
           <p:cNvSpPr/>
           <p:nvPr/>
         </p:nvSpPr>
@@ -9850,7 +9850,7 @@
       </p:sp>
       <p:sp>
         <p:nvSpPr>
-          <p:cNvPr id="20745" name="footprint"/>
+          <p:cNvPr id="30145" name="footprint"/>
           <p:cNvSpPr/>
           <p:nvPr/>
         </p:nvSpPr>
@@ -9891,7 +9891,7 @@
       </p:sp>
       <p:sp>
         <p:nvSpPr>
-          <p:cNvPr id="20746" name="footprint"/>
+          <p:cNvPr id="30146" name="footprint"/>
           <p:cNvSpPr/>
           <p:nvPr/>
         </p:nvSpPr>
@@ -9932,7 +9932,7 @@
       </p:sp>
       <p:sp>
         <p:nvSpPr>
-          <p:cNvPr id="20747" name="footprint"/>
+          <p:cNvPr id="30147" name="footprint"/>
           <p:cNvSpPr/>
           <p:nvPr/>
         </p:nvSpPr>
@@ -9973,7 +9973,7 @@
       </p:sp>
       <p:sp>
         <p:nvSpPr>
-          <p:cNvPr id="20748" name="footprint"/>
+          <p:cNvPr id="30148" name="footprint"/>
           <p:cNvSpPr/>
           <p:nvPr/>
         </p:nvSpPr>
@@ -10014,7 +10014,7 @@
       </p:sp>
       <p:sp>
         <p:nvSpPr>
-          <p:cNvPr id="20749" name="footprint"/>
+          <p:cNvPr id="30149" name="footprint"/>
           <p:cNvSpPr/>
           <p:nvPr/>
         </p:nvSpPr>
@@ -10055,7 +10055,7 @@
       </p:sp>
       <p:sp>
         <p:nvSpPr>
-          <p:cNvPr id="20750" name="footprint"/>
+          <p:cNvPr id="30150" name="footprint"/>
           <p:cNvSpPr/>
           <p:nvPr/>
         </p:nvSpPr>
@@ -10096,7 +10096,7 @@
       </p:sp>
       <p:sp>
         <p:nvSpPr>
-          <p:cNvPr id="20751" name="footprint"/>
+          <p:cNvPr id="30151" name="footprint"/>
           <p:cNvSpPr/>
           <p:nvPr/>
         </p:nvSpPr>
@@ -10137,7 +10137,7 @@
       </p:sp>
       <p:sp>
         <p:nvSpPr>
-          <p:cNvPr id="20752" name="footprint"/>
+          <p:cNvPr id="30152" name="footprint"/>
           <p:cNvSpPr/>
           <p:nvPr/>
         </p:nvSpPr>
@@ -10178,7 +10178,7 @@
       </p:sp>
       <p:sp>
         <p:nvSpPr>
-          <p:cNvPr id="20753" name="footprint"/>
+          <p:cNvPr id="30153" name="footprint"/>
           <p:cNvSpPr/>
           <p:nvPr/>
         </p:nvSpPr>
@@ -10219,7 +10219,7 @@
       </p:sp>
       <p:sp>
         <p:nvSpPr>
-          <p:cNvPr id="20754" name="footprint"/>
+          <p:cNvPr id="30154" name="footprint"/>
           <p:cNvSpPr/>
           <p:nvPr/>
         </p:nvSpPr>
@@ -10260,7 +10260,7 @@
       </p:sp>
       <p:sp>
         <p:nvSpPr>
-          <p:cNvPr id="20755" name="footprint"/>
+          <p:cNvPr id="30155" name="footprint"/>
           <p:cNvSpPr/>
           <p:nvPr/>
         </p:nvSpPr>
@@ -10301,7 +10301,7 @@
       </p:sp>
       <p:sp>
         <p:nvSpPr>
-          <p:cNvPr id="20756" name="footprint"/>
+          <p:cNvPr id="30156" name="footprint"/>
           <p:cNvSpPr/>
           <p:nvPr/>
         </p:nvSpPr>
@@ -10342,7 +10342,7 @@
       </p:sp>
       <p:sp>
         <p:nvSpPr>
-          <p:cNvPr id="20757" name="footprint"/>
+          <p:cNvPr id="30157" name="footprint"/>
           <p:cNvSpPr/>
           <p:nvPr/>
         </p:nvSpPr>
@@ -10383,7 +10383,7 @@
       </p:sp>
       <p:sp>
         <p:nvSpPr>
-          <p:cNvPr id="20758" name="footprint"/>
+          <p:cNvPr id="30158" name="footprint"/>
           <p:cNvSpPr/>
           <p:nvPr/>
         </p:nvSpPr>
@@ -10424,7 +10424,7 @@
       </p:sp>
       <p:sp>
         <p:nvSpPr>
-          <p:cNvPr id="20759" name="footprint"/>
+          <p:cNvPr id="30159" name="footprint"/>
           <p:cNvSpPr/>
           <p:nvPr/>
         </p:nvSpPr>
@@ -10465,7 +10465,7 @@
       </p:sp>
       <p:sp>
         <p:nvSpPr>
-          <p:cNvPr id="20760" name="footprint"/>
+          <p:cNvPr id="30160" name="footprint"/>
           <p:cNvSpPr/>
           <p:nvPr/>
         </p:nvSpPr>
@@ -10506,7 +10506,7 @@
       </p:sp>
       <p:sp>
         <p:nvSpPr>
-          <p:cNvPr id="20761" name="footprint"/>
+          <p:cNvPr id="30161" name="footprint"/>
           <p:cNvSpPr/>
           <p:nvPr/>
         </p:nvSpPr>
@@ -10547,7 +10547,7 @@
       </p:sp>
       <p:sp>
         <p:nvSpPr>
-          <p:cNvPr id="20762" name="footprint"/>
+          <p:cNvPr id="30162" name="footprint"/>
           <p:cNvSpPr/>
           <p:nvPr/>
         </p:nvSpPr>
@@ -10588,7 +10588,7 @@
       </p:sp>
       <p:sp>
         <p:nvSpPr>
-          <p:cNvPr id="20763" name="footprint"/>
+          <p:cNvPr id="30163" name="footprint"/>
           <p:cNvSpPr/>
           <p:nvPr/>
         </p:nvSpPr>
@@ -10629,7 +10629,7 @@
       </p:sp>
       <p:sp>
         <p:nvSpPr>
-          <p:cNvPr id="20764" name="footprint"/>
+          <p:cNvPr id="30164" name="footprint"/>
           <p:cNvSpPr/>
           <p:nvPr/>
         </p:nvSpPr>
@@ -10670,7 +10670,7 @@
       </p:sp>
       <p:sp>
         <p:nvSpPr>
-          <p:cNvPr id="20765" name="footprint"/>
+          <p:cNvPr id="30165" name="footprint"/>
           <p:cNvSpPr/>
           <p:nvPr/>
         </p:nvSpPr>
@@ -10711,7 +10711,7 @@
       </p:sp>
       <p:sp>
         <p:nvSpPr>
-          <p:cNvPr id="20766" name="footprint"/>
+          <p:cNvPr id="30166" name="footprint"/>
           <p:cNvSpPr/>
           <p:nvPr/>
         </p:nvSpPr>
@@ -10752,7 +10752,7 @@
       </p:sp>
       <p:sp>
         <p:nvSpPr>
-          <p:cNvPr id="20767" name="footprint"/>
+          <p:cNvPr id="30167" name="footprint"/>
           <p:cNvSpPr/>
           <p:nvPr/>
         </p:nvSpPr>
@@ -10793,7 +10793,7 @@
       </p:sp>
       <p:sp>
         <p:nvSpPr>
-          <p:cNvPr id="20768" name="footprint"/>
+          <p:cNvPr id="30168" name="footprint"/>
           <p:cNvSpPr/>
           <p:nvPr/>
         </p:nvSpPr>
@@ -10834,7 +10834,7 @@
       </p:sp>
       <p:sp>
         <p:nvSpPr>
-          <p:cNvPr id="20769" name="footprint"/>
+          <p:cNvPr id="30169" name="footprint"/>
           <p:cNvSpPr/>
           <p:nvPr/>
         </p:nvSpPr>
@@ -10875,7 +10875,7 @@
       </p:sp>
       <p:sp>
         <p:nvSpPr>
-          <p:cNvPr id="20770" name="footprint"/>
+          <p:cNvPr id="30170" name="footprint"/>
           <p:cNvSpPr/>
           <p:nvPr/>
         </p:nvSpPr>
@@ -10916,7 +10916,7 @@
       </p:sp>
       <p:sp>
         <p:nvSpPr>
-          <p:cNvPr id="20771" name="footprint"/>
+          <p:cNvPr id="30171" name="footprint"/>
           <p:cNvSpPr/>
           <p:nvPr/>
         </p:nvSpPr>
@@ -11018,7 +11018,7 @@
       </p:sp>
       <p:sp>
         <p:nvSpPr>
-          <p:cNvPr id="601" name="marker"/>
+          <p:cNvPr id="10001" name="marker"/>
           <p:cNvSpPr/>
           <p:nvPr/>
         </p:nvSpPr>
@@ -11079,7 +11079,7 @@
       </p:sp>
       <p:sp>
         <p:nvSpPr>
-          <p:cNvPr id="602" name="marker"/>
+          <p:cNvPr id="10002" name="marker"/>
           <p:cNvSpPr/>
           <p:nvPr/>
         </p:nvSpPr>
@@ -11140,7 +11140,7 @@
       </p:sp>
       <p:sp>
         <p:nvSpPr>
-          <p:cNvPr id="603" name="marker"/>
+          <p:cNvPr id="10003" name="marker"/>
           <p:cNvSpPr/>
           <p:nvPr/>
         </p:nvSpPr>
@@ -17027,7 +17027,7 @@
                                           </p:stCondLst>
                                         </p:cTn>
                                         <p:tgtEl>
-                                          <p:spTgt spid="603"/>
+                                          <p:spTgt spid="10003"/>
                                         </p:tgtEl>
                                         <p:attrNameLst>
                                           <p:attrName>style.visibility</p:attrName>
@@ -17054,7 +17054,7 @@
                                           </p:stCondLst>
                                         </p:cTn>
                                         <p:tgtEl>
-                                          <p:spTgt spid="602"/>
+                                          <p:spTgt spid="10002"/>
                                         </p:tgtEl>
                                         <p:attrNameLst>
                                           <p:attrName>style.visibility</p:attrName>
@@ -17081,7 +17081,7 @@
                                           </p:stCondLst>
                                         </p:cTn>
                                         <p:tgtEl>
-                                          <p:spTgt spid="601"/>
+                                          <p:spTgt spid="10001"/>
                                         </p:tgtEl>
                                         <p:attrNameLst>
                                           <p:attrName>style.visibility</p:attrName>
@@ -17699,7 +17699,7 @@
                                       <p:cBhvr>
                                         <p:cTn id="8" dur="100" fill="hold"/>
                                         <p:tgtEl>
-                                          <p:spTgt spid="601"/>
+                                          <p:spTgt spid="10001"/>
                                         </p:tgtEl>
                                         <p:attrNameLst>
                                           <p:attrName>ppt_x</p:attrName>
@@ -17712,7 +17712,7 @@
                                       <p:cBhvr>
                                         <p:cTn id="9" dur="100" fill="hold"/>
                                         <p:tgtEl>
-                                          <p:spTgt spid="601"/>
+                                          <p:spTgt spid="10001"/>
                                         </p:tgtEl>
                                         <p:attrNameLst>
                                           <p:attrName>ppt_x</p:attrName>
@@ -17725,7 +17725,7 @@
                                       <p:cBhvr>
                                         <p:cTn id="10" dur="100" fill="hold"/>
                                         <p:tgtEl>
-                                          <p:spTgt spid="601"/>
+                                          <p:spTgt spid="10001"/>
                                         </p:tgtEl>
                                         <p:attrNameLst>
                                           <p:attrName>ppt_x</p:attrName>
@@ -17738,7 +17738,7 @@
                                       <p:cBhvr>
                                         <p:cTn id="11" dur="100" fill="hold"/>
                                         <p:tgtEl>
-                                          <p:spTgt spid="601"/>
+                                          <p:spTgt spid="10001"/>
                                         </p:tgtEl>
                                         <p:attrNameLst>
                                           <p:attrName>ppt_x</p:attrName>
@@ -17751,7 +17751,7 @@
                                       <p:cBhvr>
                                         <p:cTn id="12" dur="100" fill="hold"/>
                                         <p:tgtEl>
-                                          <p:spTgt spid="601"/>
+                                          <p:spTgt spid="10001"/>
                                         </p:tgtEl>
                                         <p:attrNameLst>
                                           <p:attrName>ppt_x</p:attrName>
@@ -17764,7 +17764,7 @@
                                       <p:cBhvr>
                                         <p:cTn id="13" dur="100" fill="hold"/>
                                         <p:tgtEl>
-                                          <p:spTgt spid="601"/>
+                                          <p:spTgt spid="10001"/>
                                         </p:tgtEl>
                                         <p:attrNameLst>
                                           <p:attrName>ppt_x</p:attrName>
@@ -17777,7 +17777,7 @@
                                       <p:cBhvr>
                                         <p:cTn id="14" dur="100" fill="hold"/>
                                         <p:tgtEl>
-                                          <p:spTgt spid="601"/>
+                                          <p:spTgt spid="10001"/>
                                         </p:tgtEl>
                                         <p:attrNameLst>
                                           <p:attrName>ppt_x</p:attrName>
@@ -17790,7 +17790,7 @@
                                       <p:cBhvr>
                                         <p:cTn id="15" dur="100" fill="hold"/>
                                         <p:tgtEl>
-                                          <p:spTgt spid="601"/>
+                                          <p:spTgt spid="10001"/>
                                         </p:tgtEl>
                                         <p:attrNameLst>
                                           <p:attrName>ppt_x</p:attrName>
@@ -17803,7 +17803,7 @@
                                       <p:cBhvr>
                                         <p:cTn id="16" dur="100" fill="hold"/>
                                         <p:tgtEl>
-                                          <p:spTgt spid="601"/>
+                                          <p:spTgt spid="10001"/>
                                         </p:tgtEl>
                                         <p:attrNameLst>
                                           <p:attrName>ppt_x</p:attrName>
@@ -17816,7 +17816,7 @@
                                       <p:cBhvr>
                                         <p:cTn id="17" dur="100" fill="hold"/>
                                         <p:tgtEl>
-                                          <p:spTgt spid="601"/>
+                                          <p:spTgt spid="10001"/>
                                         </p:tgtEl>
                                         <p:attrNameLst>
                                           <p:attrName>ppt_x</p:attrName>
@@ -17829,7 +17829,7 @@
                                       <p:cBhvr>
                                         <p:cTn id="18" dur="100" fill="hold"/>
                                         <p:tgtEl>
-                                          <p:spTgt spid="601"/>
+                                          <p:spTgt spid="10001"/>
                                         </p:tgtEl>
                                         <p:attrNameLst>
                                           <p:attrName>ppt_x</p:attrName>
@@ -17842,7 +17842,7 @@
                                       <p:cBhvr>
                                         <p:cTn id="19" dur="100" fill="hold"/>
                                         <p:tgtEl>
-                                          <p:spTgt spid="601"/>
+                                          <p:spTgt spid="10001"/>
                                         </p:tgtEl>
                                         <p:attrNameLst>
                                           <p:attrName>ppt_x</p:attrName>
@@ -17855,7 +17855,7 @@
                                       <p:cBhvr>
                                         <p:cTn id="20" dur="100" fill="hold"/>
                                         <p:tgtEl>
-                                          <p:spTgt spid="601"/>
+                                          <p:spTgt spid="10001"/>
                                         </p:tgtEl>
                                         <p:attrNameLst>
                                           <p:attrName>ppt_x</p:attrName>
@@ -17868,7 +17868,7 @@
                                       <p:cBhvr>
                                         <p:cTn id="21" dur="100" fill="hold"/>
                                         <p:tgtEl>
-                                          <p:spTgt spid="601"/>
+                                          <p:spTgt spid="10001"/>
                                         </p:tgtEl>
                                         <p:attrNameLst>
                                           <p:attrName>ppt_x</p:attrName>
@@ -17881,7 +17881,7 @@
                                       <p:cBhvr>
                                         <p:cTn id="22" dur="100" fill="hold"/>
                                         <p:tgtEl>
-                                          <p:spTgt spid="601"/>
+                                          <p:spTgt spid="10001"/>
                                         </p:tgtEl>
                                         <p:attrNameLst>
                                           <p:attrName>ppt_x</p:attrName>
@@ -17894,7 +17894,7 @@
                                       <p:cBhvr>
                                         <p:cTn id="23" dur="100" fill="hold"/>
                                         <p:tgtEl>
-                                          <p:spTgt spid="601"/>
+                                          <p:spTgt spid="10001"/>
                                         </p:tgtEl>
                                         <p:attrNameLst>
                                           <p:attrName>ppt_x</p:attrName>
@@ -17907,7 +17907,7 @@
                                       <p:cBhvr>
                                         <p:cTn id="24" dur="100" fill="hold"/>
                                         <p:tgtEl>
-                                          <p:spTgt spid="601"/>
+                                          <p:spTgt spid="10001"/>
                                         </p:tgtEl>
                                         <p:attrNameLst>
                                           <p:attrName>ppt_x</p:attrName>
@@ -17920,7 +17920,7 @@
                                       <p:cBhvr>
                                         <p:cTn id="25" dur="100" fill="hold"/>
                                         <p:tgtEl>
-                                          <p:spTgt spid="601"/>
+                                          <p:spTgt spid="10001"/>
                                         </p:tgtEl>
                                         <p:attrNameLst>
                                           <p:attrName>ppt_x</p:attrName>
@@ -17933,7 +17933,7 @@
                                       <p:cBhvr>
                                         <p:cTn id="26" dur="100" fill="hold"/>
                                         <p:tgtEl>
-                                          <p:spTgt spid="601"/>
+                                          <p:spTgt spid="10001"/>
                                         </p:tgtEl>
                                         <p:attrNameLst>
                                           <p:attrName>ppt_x</p:attrName>
@@ -17946,7 +17946,7 @@
                                       <p:cBhvr>
                                         <p:cTn id="27" dur="100" fill="hold"/>
                                         <p:tgtEl>
-                                          <p:spTgt spid="601"/>
+                                          <p:spTgt spid="10001"/>
                                         </p:tgtEl>
                                         <p:attrNameLst>
                                           <p:attrName>ppt_x</p:attrName>
@@ -17959,7 +17959,7 @@
                                       <p:cBhvr>
                                         <p:cTn id="28" dur="100" fill="hold"/>
                                         <p:tgtEl>
-                                          <p:spTgt spid="601"/>
+                                          <p:spTgt spid="10001"/>
                                         </p:tgtEl>
                                         <p:attrNameLst>
                                           <p:attrName>ppt_x</p:attrName>
@@ -17972,7 +17972,7 @@
                                       <p:cBhvr>
                                         <p:cTn id="29" dur="100" fill="hold"/>
                                         <p:tgtEl>
-                                          <p:spTgt spid="601"/>
+                                          <p:spTgt spid="10001"/>
                                         </p:tgtEl>
                                         <p:attrNameLst>
                                           <p:attrName>ppt_x</p:attrName>
@@ -17985,7 +17985,7 @@
                                       <p:cBhvr>
                                         <p:cTn id="30" dur="100" fill="hold"/>
                                         <p:tgtEl>
-                                          <p:spTgt spid="601"/>
+                                          <p:spTgt spid="10001"/>
                                         </p:tgtEl>
                                         <p:attrNameLst>
                                           <p:attrName>ppt_x</p:attrName>
@@ -17998,7 +17998,7 @@
                                       <p:cBhvr>
                                         <p:cTn id="31" dur="100" fill="hold"/>
                                         <p:tgtEl>
-                                          <p:spTgt spid="601"/>
+                                          <p:spTgt spid="10001"/>
                                         </p:tgtEl>
                                         <p:attrNameLst>
                                           <p:attrName>ppt_x</p:attrName>
@@ -18011,7 +18011,7 @@
                                       <p:cBhvr>
                                         <p:cTn id="32" dur="100" fill="hold"/>
                                         <p:tgtEl>
-                                          <p:spTgt spid="601"/>
+                                          <p:spTgt spid="10001"/>
                                         </p:tgtEl>
                                         <p:attrNameLst>
                                           <p:attrName>ppt_x</p:attrName>
@@ -18024,7 +18024,7 @@
                                       <p:cBhvr>
                                         <p:cTn id="33" dur="100" fill="hold"/>
                                         <p:tgtEl>
-                                          <p:spTgt spid="601"/>
+                                          <p:spTgt spid="10001"/>
                                         </p:tgtEl>
                                         <p:attrNameLst>
                                           <p:attrName>ppt_x</p:attrName>
@@ -18037,7 +18037,7 @@
                                       <p:cBhvr>
                                         <p:cTn id="34" dur="100" fill="hold"/>
                                         <p:tgtEl>
-                                          <p:spTgt spid="601"/>
+                                          <p:spTgt spid="10001"/>
                                         </p:tgtEl>
                                         <p:attrNameLst>
                                           <p:attrName>ppt_x</p:attrName>
@@ -18050,7 +18050,7 @@
                                       <p:cBhvr>
                                         <p:cTn id="35" dur="100" fill="hold"/>
                                         <p:tgtEl>
-                                          <p:spTgt spid="601"/>
+                                          <p:spTgt spid="10001"/>
                                         </p:tgtEl>
                                         <p:attrNameLst>
                                           <p:attrName>ppt_x</p:attrName>
@@ -18063,7 +18063,7 @@
                                       <p:cBhvr>
                                         <p:cTn id="36" dur="100" fill="hold"/>
                                         <p:tgtEl>
-                                          <p:spTgt spid="601"/>
+                                          <p:spTgt spid="10001"/>
                                         </p:tgtEl>
                                         <p:attrNameLst>
                                           <p:attrName>ppt_x</p:attrName>
@@ -18076,7 +18076,7 @@
                                       <p:cBhvr>
                                         <p:cTn id="37" dur="100" fill="hold"/>
                                         <p:tgtEl>
-                                          <p:spTgt spid="601"/>
+                                          <p:spTgt spid="10001"/>
                                         </p:tgtEl>
                                         <p:attrNameLst>
                                           <p:attrName>ppt_x</p:attrName>
@@ -18089,7 +18089,7 @@
                                       <p:cBhvr>
                                         <p:cTn id="38" dur="100" fill="hold"/>
                                         <p:tgtEl>
-                                          <p:spTgt spid="601"/>
+                                          <p:spTgt spid="10001"/>
                                         </p:tgtEl>
                                         <p:attrNameLst>
                                           <p:attrName>ppt_x</p:attrName>
@@ -18102,7 +18102,7 @@
                                       <p:cBhvr>
                                         <p:cTn id="39" dur="100" fill="hold"/>
                                         <p:tgtEl>
-                                          <p:spTgt spid="601"/>
+                                          <p:spTgt spid="10001"/>
                                         </p:tgtEl>
                                         <p:attrNameLst>
                                           <p:attrName>ppt_x</p:attrName>
@@ -18115,7 +18115,7 @@
                                       <p:cBhvr>
                                         <p:cTn id="40" dur="100" fill="hold"/>
                                         <p:tgtEl>
-                                          <p:spTgt spid="601"/>
+                                          <p:spTgt spid="10001"/>
                                         </p:tgtEl>
                                         <p:attrNameLst>
                                           <p:attrName>ppt_x</p:attrName>
@@ -18128,7 +18128,7 @@
                                       <p:cBhvr>
                                         <p:cTn id="41" dur="100" fill="hold"/>
                                         <p:tgtEl>
-                                          <p:spTgt spid="601"/>
+                                          <p:spTgt spid="10001"/>
                                         </p:tgtEl>
                                         <p:attrNameLst>
                                           <p:attrName>ppt_x</p:attrName>
@@ -18141,7 +18141,7 @@
                                       <p:cBhvr>
                                         <p:cTn id="42" dur="100" fill="hold"/>
                                         <p:tgtEl>
-                                          <p:spTgt spid="601"/>
+                                          <p:spTgt spid="10001"/>
                                         </p:tgtEl>
                                         <p:attrNameLst>
                                           <p:attrName>ppt_x</p:attrName>
@@ -18154,7 +18154,7 @@
                                       <p:cBhvr>
                                         <p:cTn id="43" dur="100" fill="hold"/>
                                         <p:tgtEl>
-                                          <p:spTgt spid="601"/>
+                                          <p:spTgt spid="10001"/>
                                         </p:tgtEl>
                                         <p:attrNameLst>
                                           <p:attrName>ppt_x</p:attrName>
@@ -18167,7 +18167,7 @@
                                       <p:cBhvr>
                                         <p:cTn id="44" dur="100" fill="hold"/>
                                         <p:tgtEl>
-                                          <p:spTgt spid="601"/>
+                                          <p:spTgt spid="10001"/>
                                         </p:tgtEl>
                                         <p:attrNameLst>
                                           <p:attrName>ppt_x</p:attrName>
@@ -18180,7 +18180,7 @@
                                       <p:cBhvr>
                                         <p:cTn id="45" dur="100" fill="hold"/>
                                         <p:tgtEl>
-                                          <p:spTgt spid="601"/>
+                                          <p:spTgt spid="10001"/>
                                         </p:tgtEl>
                                         <p:attrNameLst>
                                           <p:attrName>ppt_x</p:attrName>
@@ -18193,7 +18193,7 @@
                                       <p:cBhvr>
                                         <p:cTn id="46" dur="100" fill="hold"/>
                                         <p:tgtEl>
-                                          <p:spTgt spid="601"/>
+                                          <p:spTgt spid="10001"/>
                                         </p:tgtEl>
                                         <p:attrNameLst>
                                           <p:attrName>ppt_x</p:attrName>
@@ -18206,7 +18206,7 @@
                                       <p:cBhvr>
                                         <p:cTn id="47" dur="100" fill="hold"/>
                                         <p:tgtEl>
-                                          <p:spTgt spid="601"/>
+                                          <p:spTgt spid="10001"/>
                                         </p:tgtEl>
                                         <p:attrNameLst>
                                           <p:attrName>ppt_x</p:attrName>
@@ -18219,7 +18219,7 @@
                                       <p:cBhvr>
                                         <p:cTn id="48" dur="100" fill="hold"/>
                                         <p:tgtEl>
-                                          <p:spTgt spid="601"/>
+                                          <p:spTgt spid="10001"/>
                                         </p:tgtEl>
                                         <p:attrNameLst>
                                           <p:attrName>ppt_x</p:attrName>
@@ -18232,7 +18232,7 @@
                                       <p:cBhvr>
                                         <p:cTn id="49" dur="100" fill="hold"/>
                                         <p:tgtEl>
-                                          <p:spTgt spid="601"/>
+                                          <p:spTgt spid="10001"/>
                                         </p:tgtEl>
                                         <p:attrNameLst>
                                           <p:attrName>ppt_x</p:attrName>
@@ -18245,7 +18245,7 @@
                                       <p:cBhvr>
                                         <p:cTn id="50" dur="100" fill="hold"/>
                                         <p:tgtEl>
-                                          <p:spTgt spid="601"/>
+                                          <p:spTgt spid="10001"/>
                                         </p:tgtEl>
                                         <p:attrNameLst>
                                           <p:attrName>ppt_x</p:attrName>
@@ -18267,7 +18267,7 @@
                                       <p:cBhvr>
                                         <p:cTn id="9" dur="100" fill="hold"/>
                                         <p:tgtEl>
-                                          <p:spTgt spid="602"/>
+                                          <p:spTgt spid="10002"/>
                                         </p:tgtEl>
                                         <p:attrNameLst>
                                           <p:attrName>ppt_x</p:attrName>
@@ -18280,7 +18280,7 @@
                                       <p:cBhvr>
                                         <p:cTn id="10" dur="100" fill="hold"/>
                                         <p:tgtEl>
-                                          <p:spTgt spid="602"/>
+                                          <p:spTgt spid="10002"/>
                                         </p:tgtEl>
                                         <p:attrNameLst>
                                           <p:attrName>ppt_x</p:attrName>
@@ -18293,7 +18293,7 @@
                                       <p:cBhvr>
                                         <p:cTn id="11" dur="100" fill="hold"/>
                                         <p:tgtEl>
-                                          <p:spTgt spid="602"/>
+                                          <p:spTgt spid="10002"/>
                                         </p:tgtEl>
                                         <p:attrNameLst>
                                           <p:attrName>ppt_x</p:attrName>
@@ -18306,7 +18306,7 @@
                                       <p:cBhvr>
                                         <p:cTn id="12" dur="100" fill="hold"/>
                                         <p:tgtEl>
-                                          <p:spTgt spid="602"/>
+                                          <p:spTgt spid="10002"/>
                                         </p:tgtEl>
                                         <p:attrNameLst>
                                           <p:attrName>ppt_x</p:attrName>
@@ -18319,7 +18319,7 @@
                                       <p:cBhvr>
                                         <p:cTn id="13" dur="100" fill="hold"/>
                                         <p:tgtEl>
-                                          <p:spTgt spid="602"/>
+                                          <p:spTgt spid="10002"/>
                                         </p:tgtEl>
                                         <p:attrNameLst>
                                           <p:attrName>ppt_x</p:attrName>
@@ -18332,7 +18332,7 @@
                                       <p:cBhvr>
                                         <p:cTn id="14" dur="100" fill="hold"/>
                                         <p:tgtEl>
-                                          <p:spTgt spid="602"/>
+                                          <p:spTgt spid="10002"/>
                                         </p:tgtEl>
                                         <p:attrNameLst>
                                           <p:attrName>ppt_x</p:attrName>
@@ -18345,7 +18345,7 @@
                                       <p:cBhvr>
                                         <p:cTn id="15" dur="100" fill="hold"/>
                                         <p:tgtEl>
-                                          <p:spTgt spid="602"/>
+                                          <p:spTgt spid="10002"/>
                                         </p:tgtEl>
                                         <p:attrNameLst>
                                           <p:attrName>ppt_x</p:attrName>
@@ -18358,7 +18358,7 @@
                                       <p:cBhvr>
                                         <p:cTn id="16" dur="100" fill="hold"/>
                                         <p:tgtEl>
-                                          <p:spTgt spid="602"/>
+                                          <p:spTgt spid="10002"/>
                                         </p:tgtEl>
                                         <p:attrNameLst>
                                           <p:attrName>ppt_x</p:attrName>
@@ -18371,7 +18371,7 @@
                                       <p:cBhvr>
                                         <p:cTn id="17" dur="100" fill="hold"/>
                                         <p:tgtEl>
-                                          <p:spTgt spid="602"/>
+                                          <p:spTgt spid="10002"/>
                                         </p:tgtEl>
                                         <p:attrNameLst>
                                           <p:attrName>ppt_x</p:attrName>
@@ -18384,7 +18384,7 @@
                                       <p:cBhvr>
                                         <p:cTn id="18" dur="100" fill="hold"/>
                                         <p:tgtEl>
-                                          <p:spTgt spid="602"/>
+                                          <p:spTgt spid="10002"/>
                                         </p:tgtEl>
                                         <p:attrNameLst>
                                           <p:attrName>ppt_x</p:attrName>
@@ -18397,7 +18397,7 @@
                                       <p:cBhvr>
                                         <p:cTn id="19" dur="100" fill="hold"/>
                                         <p:tgtEl>
-                                          <p:spTgt spid="602"/>
+                                          <p:spTgt spid="10002"/>
                                         </p:tgtEl>
                                         <p:attrNameLst>
                                           <p:attrName>ppt_x</p:attrName>
@@ -18410,7 +18410,7 @@
                                       <p:cBhvr>
                                         <p:cTn id="20" dur="100" fill="hold"/>
                                         <p:tgtEl>
-                                          <p:spTgt spid="602"/>
+                                          <p:spTgt spid="10002"/>
                                         </p:tgtEl>
                                         <p:attrNameLst>
                                           <p:attrName>ppt_x</p:attrName>
@@ -18423,7 +18423,7 @@
                                       <p:cBhvr>
                                         <p:cTn id="21" dur="100" fill="hold"/>
                                         <p:tgtEl>
-                                          <p:spTgt spid="602"/>
+                                          <p:spTgt spid="10002"/>
                                         </p:tgtEl>
                                         <p:attrNameLst>
                                           <p:attrName>ppt_x</p:attrName>
@@ -18436,7 +18436,7 @@
                                       <p:cBhvr>
                                         <p:cTn id="22" dur="100" fill="hold"/>
                                         <p:tgtEl>
-                                          <p:spTgt spid="602"/>
+                                          <p:spTgt spid="10002"/>
                                         </p:tgtEl>
                                         <p:attrNameLst>
                                           <p:attrName>ppt_x</p:attrName>
@@ -18449,7 +18449,7 @@
                                       <p:cBhvr>
                                         <p:cTn id="23" dur="100" fill="hold"/>
                                         <p:tgtEl>
-                                          <p:spTgt spid="602"/>
+                                          <p:spTgt spid="10002"/>
                                         </p:tgtEl>
                                         <p:attrNameLst>
                                           <p:attrName>ppt_x</p:attrName>
@@ -18462,7 +18462,7 @@
                                       <p:cBhvr>
                                         <p:cTn id="24" dur="100" fill="hold"/>
                                         <p:tgtEl>
-                                          <p:spTgt spid="602"/>
+                                          <p:spTgt spid="10002"/>
                                         </p:tgtEl>
                                         <p:attrNameLst>
                                           <p:attrName>ppt_x</p:attrName>
@@ -18475,7 +18475,7 @@
                                       <p:cBhvr>
                                         <p:cTn id="25" dur="100" fill="hold"/>
                                         <p:tgtEl>
-                                          <p:spTgt spid="602"/>
+                                          <p:spTgt spid="10002"/>
                                         </p:tgtEl>
                                         <p:attrNameLst>
                                           <p:attrName>ppt_x</p:attrName>
@@ -18488,7 +18488,7 @@
                                       <p:cBhvr>
                                         <p:cTn id="26" dur="100" fill="hold"/>
                                         <p:tgtEl>
-                                          <p:spTgt spid="602"/>
+                                          <p:spTgt spid="10002"/>
                                         </p:tgtEl>
                                         <p:attrNameLst>
                                           <p:attrName>ppt_x</p:attrName>
@@ -18501,7 +18501,7 @@
                                       <p:cBhvr>
                                         <p:cTn id="27" dur="100" fill="hold"/>
                                         <p:tgtEl>
-                                          <p:spTgt spid="602"/>
+                                          <p:spTgt spid="10002"/>
                                         </p:tgtEl>
                                         <p:attrNameLst>
                                           <p:attrName>ppt_x</p:attrName>
@@ -18514,7 +18514,7 @@
                                       <p:cBhvr>
                                         <p:cTn id="28" dur="100" fill="hold"/>
                                         <p:tgtEl>
-                                          <p:spTgt spid="602"/>
+                                          <p:spTgt spid="10002"/>
                                         </p:tgtEl>
                                         <p:attrNameLst>
                                           <p:attrName>ppt_x</p:attrName>
@@ -18527,7 +18527,7 @@
                                       <p:cBhvr>
                                         <p:cTn id="29" dur="100" fill="hold"/>
                                         <p:tgtEl>
-                                          <p:spTgt spid="602"/>
+                                          <p:spTgt spid="10002"/>
                                         </p:tgtEl>
                                         <p:attrNameLst>
                                           <p:attrName>ppt_x</p:attrName>
@@ -18540,7 +18540,7 @@
                                       <p:cBhvr>
                                         <p:cTn id="30" dur="100" fill="hold"/>
                                         <p:tgtEl>
-                                          <p:spTgt spid="602"/>
+                                          <p:spTgt spid="10002"/>
                                         </p:tgtEl>
                                         <p:attrNameLst>
                                           <p:attrName>ppt_x</p:attrName>
@@ -18553,7 +18553,7 @@
                                       <p:cBhvr>
                                         <p:cTn id="31" dur="100" fill="hold"/>
                                         <p:tgtEl>
-                                          <p:spTgt spid="602"/>
+                                          <p:spTgt spid="10002"/>
                                         </p:tgtEl>
                                         <p:attrNameLst>
                                           <p:attrName>ppt_x</p:attrName>
@@ -18566,7 +18566,7 @@
                                       <p:cBhvr>
                                         <p:cTn id="32" dur="100" fill="hold"/>
                                         <p:tgtEl>
-                                          <p:spTgt spid="602"/>
+                                          <p:spTgt spid="10002"/>
                                         </p:tgtEl>
                                         <p:attrNameLst>
                                           <p:attrName>ppt_x</p:attrName>
@@ -18579,7 +18579,7 @@
                                       <p:cBhvr>
                                         <p:cTn id="33" dur="100" fill="hold"/>
                                         <p:tgtEl>
-                                          <p:spTgt spid="602"/>
+                                          <p:spTgt spid="10002"/>
                                         </p:tgtEl>
                                         <p:attrNameLst>
                                           <p:attrName>ppt_x</p:attrName>
@@ -18592,7 +18592,7 @@
                                       <p:cBhvr>
                                         <p:cTn id="34" dur="100" fill="hold"/>
                                         <p:tgtEl>
-                                          <p:spTgt spid="602"/>
+                                          <p:spTgt spid="10002"/>
                                         </p:tgtEl>
                                         <p:attrNameLst>
                                           <p:attrName>ppt_x</p:attrName>
@@ -18605,7 +18605,7 @@
                                       <p:cBhvr>
                                         <p:cTn id="35" dur="100" fill="hold"/>
                                         <p:tgtEl>
-                                          <p:spTgt spid="602"/>
+                                          <p:spTgt spid="10002"/>
                                         </p:tgtEl>
                                         <p:attrNameLst>
                                           <p:attrName>ppt_x</p:attrName>
@@ -18618,7 +18618,7 @@
                                       <p:cBhvr>
                                         <p:cTn id="36" dur="100" fill="hold"/>
                                         <p:tgtEl>
-                                          <p:spTgt spid="602"/>
+                                          <p:spTgt spid="10002"/>
                                         </p:tgtEl>
                                         <p:attrNameLst>
                                           <p:attrName>ppt_x</p:attrName>
@@ -18631,7 +18631,7 @@
                                       <p:cBhvr>
                                         <p:cTn id="37" dur="100" fill="hold"/>
                                         <p:tgtEl>
-                                          <p:spTgt spid="602"/>
+                                          <p:spTgt spid="10002"/>
                                         </p:tgtEl>
                                         <p:attrNameLst>
                                           <p:attrName>ppt_x</p:attrName>
@@ -18644,7 +18644,7 @@
                                       <p:cBhvr>
                                         <p:cTn id="38" dur="100" fill="hold"/>
                                         <p:tgtEl>
-                                          <p:spTgt spid="602"/>
+                                          <p:spTgt spid="10002"/>
                                         </p:tgtEl>
                                         <p:attrNameLst>
                                           <p:attrName>ppt_x</p:attrName>
@@ -18657,7 +18657,7 @@
                                       <p:cBhvr>
                                         <p:cTn id="39" dur="100" fill="hold"/>
                                         <p:tgtEl>
-                                          <p:spTgt spid="602"/>
+                                          <p:spTgt spid="10002"/>
                                         </p:tgtEl>
                                         <p:attrNameLst>
                                           <p:attrName>ppt_x</p:attrName>
@@ -18670,7 +18670,7 @@
                                       <p:cBhvr>
                                         <p:cTn id="40" dur="100" fill="hold"/>
                                         <p:tgtEl>
-                                          <p:spTgt spid="602"/>
+                                          <p:spTgt spid="10002"/>
                                         </p:tgtEl>
                                         <p:attrNameLst>
                                           <p:attrName>ppt_x</p:attrName>
@@ -18683,7 +18683,7 @@
                                       <p:cBhvr>
                                         <p:cTn id="41" dur="100" fill="hold"/>
                                         <p:tgtEl>
-                                          <p:spTgt spid="602"/>
+                                          <p:spTgt spid="10002"/>
                                         </p:tgtEl>
                                         <p:attrNameLst>
                                           <p:attrName>ppt_x</p:attrName>
@@ -18696,7 +18696,7 @@
                                       <p:cBhvr>
                                         <p:cTn id="42" dur="100" fill="hold"/>
                                         <p:tgtEl>
-                                          <p:spTgt spid="602"/>
+                                          <p:spTgt spid="10002"/>
                                         </p:tgtEl>
                                         <p:attrNameLst>
                                           <p:attrName>ppt_x</p:attrName>
@@ -18709,7 +18709,7 @@
                                       <p:cBhvr>
                                         <p:cTn id="43" dur="100" fill="hold"/>
                                         <p:tgtEl>
-                                          <p:spTgt spid="602"/>
+                                          <p:spTgt spid="10002"/>
                                         </p:tgtEl>
                                         <p:attrNameLst>
                                           <p:attrName>ppt_x</p:attrName>
@@ -18722,7 +18722,7 @@
                                       <p:cBhvr>
                                         <p:cTn id="44" dur="100" fill="hold"/>
                                         <p:tgtEl>
-                                          <p:spTgt spid="602"/>
+                                          <p:spTgt spid="10002"/>
                                         </p:tgtEl>
                                         <p:attrNameLst>
                                           <p:attrName>ppt_x</p:attrName>
@@ -18735,7 +18735,7 @@
                                       <p:cBhvr>
                                         <p:cTn id="45" dur="100" fill="hold"/>
                                         <p:tgtEl>
-                                          <p:spTgt spid="602"/>
+                                          <p:spTgt spid="10002"/>
                                         </p:tgtEl>
                                         <p:attrNameLst>
                                           <p:attrName>ppt_x</p:attrName>
@@ -18748,7 +18748,7 @@
                                       <p:cBhvr>
                                         <p:cTn id="46" dur="100" fill="hold"/>
                                         <p:tgtEl>
-                                          <p:spTgt spid="602"/>
+                                          <p:spTgt spid="10002"/>
                                         </p:tgtEl>
                                         <p:attrNameLst>
                                           <p:attrName>ppt_x</p:attrName>
@@ -18761,7 +18761,7 @@
                                       <p:cBhvr>
                                         <p:cTn id="47" dur="100" fill="hold"/>
                                         <p:tgtEl>
-                                          <p:spTgt spid="602"/>
+                                          <p:spTgt spid="10002"/>
                                         </p:tgtEl>
                                         <p:attrNameLst>
                                           <p:attrName>ppt_x</p:attrName>
@@ -18774,7 +18774,7 @@
                                       <p:cBhvr>
                                         <p:cTn id="48" dur="100" fill="hold"/>
                                         <p:tgtEl>
-                                          <p:spTgt spid="602"/>
+                                          <p:spTgt spid="10002"/>
                                         </p:tgtEl>
                                         <p:attrNameLst>
                                           <p:attrName>ppt_x</p:attrName>
@@ -18787,7 +18787,7 @@
                                       <p:cBhvr>
                                         <p:cTn id="49" dur="100" fill="hold"/>
                                         <p:tgtEl>
-                                          <p:spTgt spid="602"/>
+                                          <p:spTgt spid="10002"/>
                                         </p:tgtEl>
                                         <p:attrNameLst>
                                           <p:attrName>ppt_x</p:attrName>
@@ -18800,7 +18800,7 @@
                                       <p:cBhvr>
                                         <p:cTn id="50" dur="100" fill="hold"/>
                                         <p:tgtEl>
-                                          <p:spTgt spid="602"/>
+                                          <p:spTgt spid="10002"/>
                                         </p:tgtEl>
                                         <p:attrNameLst>
                                           <p:attrName>ppt_x</p:attrName>
@@ -18813,7 +18813,7 @@
                                       <p:cBhvr>
                                         <p:cTn id="51" dur="100" fill="hold"/>
                                         <p:tgtEl>
-                                          <p:spTgt spid="602"/>
+                                          <p:spTgt spid="10002"/>
                                         </p:tgtEl>
                                         <p:attrNameLst>
                                           <p:attrName>ppt_x</p:attrName>
@@ -18835,7 +18835,7 @@
                                       <p:cBhvr>
                                         <p:cTn id="10" dur="100" fill="hold"/>
                                         <p:tgtEl>
-                                          <p:spTgt spid="603"/>
+                                          <p:spTgt spid="10003"/>
                                         </p:tgtEl>
                                         <p:attrNameLst>
                                           <p:attrName>ppt_x</p:attrName>
@@ -18848,7 +18848,7 @@
                                       <p:cBhvr>
                                         <p:cTn id="11" dur="100" fill="hold"/>
                                         <p:tgtEl>
-                                          <p:spTgt spid="603"/>
+                                          <p:spTgt spid="10003"/>
                                         </p:tgtEl>
                                         <p:attrNameLst>
                                           <p:attrName>ppt_x</p:attrName>
@@ -18861,7 +18861,7 @@
                                       <p:cBhvr>
                                         <p:cTn id="12" dur="100" fill="hold"/>
                                         <p:tgtEl>
-                                          <p:spTgt spid="603"/>
+                                          <p:spTgt spid="10003"/>
                                         </p:tgtEl>
                                         <p:attrNameLst>
                                           <p:attrName>ppt_x</p:attrName>
@@ -18874,7 +18874,7 @@
                                       <p:cBhvr>
                                         <p:cTn id="13" dur="100" fill="hold"/>
                                         <p:tgtEl>
-                                          <p:spTgt spid="603"/>
+                                          <p:spTgt spid="10003"/>
                                         </p:tgtEl>
                                         <p:attrNameLst>
                                           <p:attrName>ppt_x</p:attrName>
@@ -18887,7 +18887,7 @@
                                       <p:cBhvr>
                                         <p:cTn id="14" dur="100" fill="hold"/>
                                         <p:tgtEl>
-                                          <p:spTgt spid="603"/>
+                                          <p:spTgt spid="10003"/>
                                         </p:tgtEl>
                                         <p:attrNameLst>
                                           <p:attrName>ppt_x</p:attrName>
@@ -18900,7 +18900,7 @@
                                       <p:cBhvr>
                                         <p:cTn id="15" dur="100" fill="hold"/>
                                         <p:tgtEl>
-                                          <p:spTgt spid="603"/>
+                                          <p:spTgt spid="10003"/>
                                         </p:tgtEl>
                                         <p:attrNameLst>
                                           <p:attrName>ppt_x</p:attrName>
@@ -18913,7 +18913,7 @@
                                       <p:cBhvr>
                                         <p:cTn id="16" dur="100" fill="hold"/>
                                         <p:tgtEl>
-                                          <p:spTgt spid="603"/>
+                                          <p:spTgt spid="10003"/>
                                         </p:tgtEl>
                                         <p:attrNameLst>
                                           <p:attrName>ppt_x</p:attrName>
@@ -18926,7 +18926,7 @@
                                       <p:cBhvr>
                                         <p:cTn id="17" dur="100" fill="hold"/>
                                         <p:tgtEl>
-                                          <p:spTgt spid="603"/>
+                                          <p:spTgt spid="10003"/>
                                         </p:tgtEl>
                                         <p:attrNameLst>
                                           <p:attrName>ppt_x</p:attrName>
@@ -18939,7 +18939,7 @@
                                       <p:cBhvr>
                                         <p:cTn id="18" dur="100" fill="hold"/>
                                         <p:tgtEl>
-                                          <p:spTgt spid="603"/>
+                                          <p:spTgt spid="10003"/>
                                         </p:tgtEl>
                                         <p:attrNameLst>
                                           <p:attrName>ppt_x</p:attrName>
@@ -18952,7 +18952,7 @@
                                       <p:cBhvr>
                                         <p:cTn id="19" dur="100" fill="hold"/>
                                         <p:tgtEl>
-                                          <p:spTgt spid="603"/>
+                                          <p:spTgt spid="10003"/>
                                         </p:tgtEl>
                                         <p:attrNameLst>
                                           <p:attrName>ppt_x</p:attrName>
@@ -18965,7 +18965,7 @@
                                       <p:cBhvr>
                                         <p:cTn id="20" dur="100" fill="hold"/>
                                         <p:tgtEl>
-                                          <p:spTgt spid="603"/>
+                                          <p:spTgt spid="10003"/>
                                         </p:tgtEl>
                                         <p:attrNameLst>
                                           <p:attrName>ppt_x</p:attrName>
@@ -18978,7 +18978,7 @@
                                       <p:cBhvr>
                                         <p:cTn id="21" dur="100" fill="hold"/>
                                         <p:tgtEl>
-                                          <p:spTgt spid="603"/>
+                                          <p:spTgt spid="10003"/>
                                         </p:tgtEl>
                                         <p:attrNameLst>
                                           <p:attrName>ppt_x</p:attrName>
@@ -18991,7 +18991,7 @@
                                       <p:cBhvr>
                                         <p:cTn id="22" dur="100" fill="hold"/>
                                         <p:tgtEl>
-                                          <p:spTgt spid="603"/>
+                                          <p:spTgt spid="10003"/>
                                         </p:tgtEl>
                                         <p:attrNameLst>
                                           <p:attrName>ppt_x</p:attrName>
@@ -19004,7 +19004,7 @@
                                       <p:cBhvr>
                                         <p:cTn id="23" dur="100" fill="hold"/>
                                         <p:tgtEl>
-                                          <p:spTgt spid="603"/>
+                                          <p:spTgt spid="10003"/>
                                         </p:tgtEl>
                                         <p:attrNameLst>
                                           <p:attrName>ppt_x</p:attrName>
@@ -19017,7 +19017,7 @@
                                       <p:cBhvr>
                                         <p:cTn id="24" dur="100" fill="hold"/>
                                         <p:tgtEl>
-                                          <p:spTgt spid="603"/>
+                                          <p:spTgt spid="10003"/>
                                         </p:tgtEl>
                                         <p:attrNameLst>
                                           <p:attrName>ppt_x</p:attrName>
@@ -19030,7 +19030,7 @@
                                       <p:cBhvr>
                                         <p:cTn id="25" dur="100" fill="hold"/>
                                         <p:tgtEl>
-                                          <p:spTgt spid="603"/>
+                                          <p:spTgt spid="10003"/>
                                         </p:tgtEl>
                                         <p:attrNameLst>
                                           <p:attrName>ppt_x</p:attrName>
@@ -19043,7 +19043,7 @@
                                       <p:cBhvr>
                                         <p:cTn id="26" dur="100" fill="hold"/>
                                         <p:tgtEl>
-                                          <p:spTgt spid="603"/>
+                                          <p:spTgt spid="10003"/>
                                         </p:tgtEl>
                                         <p:attrNameLst>
                                           <p:attrName>ppt_x</p:attrName>
@@ -19056,7 +19056,7 @@
                                       <p:cBhvr>
                                         <p:cTn id="27" dur="100" fill="hold"/>
                                         <p:tgtEl>
-                                          <p:spTgt spid="603"/>
+                                          <p:spTgt spid="10003"/>
                                         </p:tgtEl>
                                         <p:attrNameLst>
                                           <p:attrName>ppt_x</p:attrName>
@@ -19069,7 +19069,7 @@
                                       <p:cBhvr>
                                         <p:cTn id="28" dur="100" fill="hold"/>
                                         <p:tgtEl>
-                                          <p:spTgt spid="603"/>
+                                          <p:spTgt spid="10003"/>
                                         </p:tgtEl>
                                         <p:attrNameLst>
                                           <p:attrName>ppt_x</p:attrName>
@@ -19082,7 +19082,7 @@
                                       <p:cBhvr>
                                         <p:cTn id="29" dur="100" fill="hold"/>
                                         <p:tgtEl>
-                                          <p:spTgt spid="603"/>
+                                          <p:spTgt spid="10003"/>
                                         </p:tgtEl>
                                         <p:attrNameLst>
                                           <p:attrName>ppt_x</p:attrName>
@@ -19095,7 +19095,7 @@
                                       <p:cBhvr>
                                         <p:cTn id="30" dur="100" fill="hold"/>
                                         <p:tgtEl>
-                                          <p:spTgt spid="603"/>
+                                          <p:spTgt spid="10003"/>
                                         </p:tgtEl>
                                         <p:attrNameLst>
                                           <p:attrName>ppt_x</p:attrName>
@@ -19108,7 +19108,7 @@
                                       <p:cBhvr>
                                         <p:cTn id="31" dur="100" fill="hold"/>
                                         <p:tgtEl>
-                                          <p:spTgt spid="603"/>
+                                          <p:spTgt spid="10003"/>
                                         </p:tgtEl>
                                         <p:attrNameLst>
                                           <p:attrName>ppt_x</p:attrName>
@@ -19121,7 +19121,7 @@
                                       <p:cBhvr>
                                         <p:cTn id="32" dur="100" fill="hold"/>
                                         <p:tgtEl>
-                                          <p:spTgt spid="603"/>
+                                          <p:spTgt spid="10003"/>
                                         </p:tgtEl>
                                         <p:attrNameLst>
                                           <p:attrName>ppt_x</p:attrName>
@@ -19134,7 +19134,7 @@
                                       <p:cBhvr>
                                         <p:cTn id="33" dur="100" fill="hold"/>
                                         <p:tgtEl>
-                                          <p:spTgt spid="603"/>
+                                          <p:spTgt spid="10003"/>
                                         </p:tgtEl>
                                         <p:attrNameLst>
                                           <p:attrName>ppt_x</p:attrName>
@@ -19147,7 +19147,7 @@
                                       <p:cBhvr>
                                         <p:cTn id="34" dur="100" fill="hold"/>
                                         <p:tgtEl>
-                                          <p:spTgt spid="603"/>
+                                          <p:spTgt spid="10003"/>
                                         </p:tgtEl>
                                         <p:attrNameLst>
                                           <p:attrName>ppt_x</p:attrName>
@@ -19160,7 +19160,7 @@
                                       <p:cBhvr>
                                         <p:cTn id="35" dur="100" fill="hold"/>
                                         <p:tgtEl>
-                                          <p:spTgt spid="603"/>
+                                          <p:spTgt spid="10003"/>
                                         </p:tgtEl>
                                         <p:attrNameLst>
                                           <p:attrName>ppt_x</p:attrName>
@@ -19173,7 +19173,7 @@
                                       <p:cBhvr>
                                         <p:cTn id="36" dur="100" fill="hold"/>
                                         <p:tgtEl>
-                                          <p:spTgt spid="603"/>
+                                          <p:spTgt spid="10003"/>
                                         </p:tgtEl>
                                         <p:attrNameLst>
                                           <p:attrName>ppt_x</p:attrName>
@@ -19186,7 +19186,7 @@
                                       <p:cBhvr>
                                         <p:cTn id="37" dur="100" fill="hold"/>
                                         <p:tgtEl>
-                                          <p:spTgt spid="603"/>
+                                          <p:spTgt spid="10003"/>
                                         </p:tgtEl>
                                         <p:attrNameLst>
                                           <p:attrName>ppt_x</p:attrName>
@@ -19199,7 +19199,7 @@
                                       <p:cBhvr>
                                         <p:cTn id="38" dur="100" fill="hold"/>
                                         <p:tgtEl>
-                                          <p:spTgt spid="603"/>
+                                          <p:spTgt spid="10003"/>
                                         </p:tgtEl>
                                         <p:attrNameLst>
                                           <p:attrName>ppt_x</p:attrName>
@@ -19212,7 +19212,7 @@
                                       <p:cBhvr>
                                         <p:cTn id="39" dur="100" fill="hold"/>
                                         <p:tgtEl>
-                                          <p:spTgt spid="603"/>
+                                          <p:spTgt spid="10003"/>
                                         </p:tgtEl>
                                         <p:attrNameLst>
                                           <p:attrName>ppt_x</p:attrName>
@@ -19225,7 +19225,7 @@
                                       <p:cBhvr>
                                         <p:cTn id="40" dur="100" fill="hold"/>
                                         <p:tgtEl>
-                                          <p:spTgt spid="603"/>
+                                          <p:spTgt spid="10003"/>
                                         </p:tgtEl>
                                         <p:attrNameLst>
                                           <p:attrName>ppt_x</p:attrName>
@@ -19238,7 +19238,7 @@
                                       <p:cBhvr>
                                         <p:cTn id="41" dur="100" fill="hold"/>
                                         <p:tgtEl>
-                                          <p:spTgt spid="603"/>
+                                          <p:spTgt spid="10003"/>
                                         </p:tgtEl>
                                         <p:attrNameLst>
                                           <p:attrName>ppt_x</p:attrName>
@@ -19251,7 +19251,7 @@
                                       <p:cBhvr>
                                         <p:cTn id="42" dur="100" fill="hold"/>
                                         <p:tgtEl>
-                                          <p:spTgt spid="603"/>
+                                          <p:spTgt spid="10003"/>
                                         </p:tgtEl>
                                         <p:attrNameLst>
                                           <p:attrName>ppt_x</p:attrName>
@@ -19264,7 +19264,7 @@
                                       <p:cBhvr>
                                         <p:cTn id="43" dur="100" fill="hold"/>
                                         <p:tgtEl>
-                                          <p:spTgt spid="603"/>
+                                          <p:spTgt spid="10003"/>
                                         </p:tgtEl>
                                         <p:attrNameLst>
                                           <p:attrName>ppt_x</p:attrName>
@@ -19277,7 +19277,7 @@
                                       <p:cBhvr>
                                         <p:cTn id="44" dur="100" fill="hold"/>
                                         <p:tgtEl>
-                                          <p:spTgt spid="603"/>
+                                          <p:spTgt spid="10003"/>
                                         </p:tgtEl>
                                         <p:attrNameLst>
                                           <p:attrName>ppt_x</p:attrName>
@@ -19290,7 +19290,7 @@
                                       <p:cBhvr>
                                         <p:cTn id="45" dur="100" fill="hold"/>
                                         <p:tgtEl>
-                                          <p:spTgt spid="603"/>
+                                          <p:spTgt spid="10003"/>
                                         </p:tgtEl>
                                         <p:attrNameLst>
                                           <p:attrName>ppt_x</p:attrName>
@@ -19303,7 +19303,7 @@
                                       <p:cBhvr>
                                         <p:cTn id="46" dur="100" fill="hold"/>
                                         <p:tgtEl>
-                                          <p:spTgt spid="603"/>
+                                          <p:spTgt spid="10003"/>
                                         </p:tgtEl>
                                         <p:attrNameLst>
                                           <p:attrName>ppt_x</p:attrName>
@@ -19316,7 +19316,7 @@
                                       <p:cBhvr>
                                         <p:cTn id="47" dur="100" fill="hold"/>
                                         <p:tgtEl>
-                                          <p:spTgt spid="603"/>
+                                          <p:spTgt spid="10003"/>
                                         </p:tgtEl>
                                         <p:attrNameLst>
                                           <p:attrName>ppt_x</p:attrName>
@@ -19329,7 +19329,7 @@
                                       <p:cBhvr>
                                         <p:cTn id="48" dur="100" fill="hold"/>
                                         <p:tgtEl>
-                                          <p:spTgt spid="603"/>
+                                          <p:spTgt spid="10003"/>
                                         </p:tgtEl>
                                         <p:attrNameLst>
                                           <p:attrName>ppt_x</p:attrName>
@@ -19342,7 +19342,7 @@
                                       <p:cBhvr>
                                         <p:cTn id="49" dur="100" fill="hold"/>
                                         <p:tgtEl>
-                                          <p:spTgt spid="603"/>
+                                          <p:spTgt spid="10003"/>
                                         </p:tgtEl>
                                         <p:attrNameLst>
                                           <p:attrName>ppt_x</p:attrName>
@@ -19355,7 +19355,7 @@
                                       <p:cBhvr>
                                         <p:cTn id="50" dur="100" fill="hold"/>
                                         <p:tgtEl>
-                                          <p:spTgt spid="603"/>
+                                          <p:spTgt spid="10003"/>
                                         </p:tgtEl>
                                         <p:attrNameLst>
                                           <p:attrName>ppt_x</p:attrName>
@@ -19368,7 +19368,7 @@
                                       <p:cBhvr>
                                         <p:cTn id="51" dur="100" fill="hold"/>
                                         <p:tgtEl>
-                                          <p:spTgt spid="603"/>
+                                          <p:spTgt spid="10003"/>
                                         </p:tgtEl>
                                         <p:attrNameLst>
                                           <p:attrName>ppt_x</p:attrName>
@@ -19381,7 +19381,7 @@
                                       <p:cBhvr>
                                         <p:cTn id="52" dur="100" fill="hold"/>
                                         <p:tgtEl>
-                                          <p:spTgt spid="603"/>
+                                          <p:spTgt spid="10003"/>
                                         </p:tgtEl>
                                         <p:attrNameLst>
                                           <p:attrName>ppt_x</p:attrName>
@@ -19407,7 +19407,7 @@
                                           </p:stCondLst>
                                         </p:cTn>
                                         <p:tgtEl>
-                                          <p:spTgt spid="20600"/>
+                                          <p:spTgt spid="30000"/>
                                         </p:tgtEl>
                                         <p:attrNameLst>
                                           <p:attrName>style.visibility</p:attrName>
@@ -19434,7 +19434,7 @@
                                           </p:stCondLst>
                                         </p:cTn>
                                         <p:tgtEl>
-                                          <p:spTgt spid="20601"/>
+                                          <p:spTgt spid="30001"/>
                                         </p:tgtEl>
                                         <p:attrNameLst>
                                           <p:attrName>style.visibility</p:attrName>
@@ -19461,7 +19461,7 @@
                                           </p:stCondLst>
                                         </p:cTn>
                                         <p:tgtEl>
-                                          <p:spTgt spid="20602"/>
+                                          <p:spTgt spid="30002"/>
                                         </p:tgtEl>
                                         <p:attrNameLst>
                                           <p:attrName>style.visibility</p:attrName>
@@ -19488,7 +19488,7 @@
                                           </p:stCondLst>
                                         </p:cTn>
                                         <p:tgtEl>
-                                          <p:spTgt spid="20603"/>
+                                          <p:spTgt spid="30003"/>
                                         </p:tgtEl>
                                         <p:attrNameLst>
                                           <p:attrName>style.visibility</p:attrName>
@@ -19515,7 +19515,7 @@
                                           </p:stCondLst>
                                         </p:cTn>
                                         <p:tgtEl>
-                                          <p:spTgt spid="20604"/>
+                                          <p:spTgt spid="30004"/>
                                         </p:tgtEl>
                                         <p:attrNameLst>
                                           <p:attrName>style.visibility</p:attrName>
@@ -19542,7 +19542,7 @@
                                           </p:stCondLst>
                                         </p:cTn>
                                         <p:tgtEl>
-                                          <p:spTgt spid="20605"/>
+                                          <p:spTgt spid="30005"/>
                                         </p:tgtEl>
                                         <p:attrNameLst>
                                           <p:attrName>style.visibility</p:attrName>
@@ -19569,7 +19569,7 @@
                                           </p:stCondLst>
                                         </p:cTn>
                                         <p:tgtEl>
-                                          <p:spTgt spid="20606"/>
+                                          <p:spTgt spid="30006"/>
                                         </p:tgtEl>
                                         <p:attrNameLst>
                                           <p:attrName>style.visibility</p:attrName>
@@ -19596,7 +19596,7 @@
                                           </p:stCondLst>
                                         </p:cTn>
                                         <p:tgtEl>
-                                          <p:spTgt spid="20607"/>
+                                          <p:spTgt spid="30007"/>
                                         </p:tgtEl>
                                         <p:attrNameLst>
                                           <p:attrName>style.visibility</p:attrName>
@@ -19623,7 +19623,7 @@
                                           </p:stCondLst>
                                         </p:cTn>
                                         <p:tgtEl>
-                                          <p:spTgt spid="20608"/>
+                                          <p:spTgt spid="30008"/>
                                         </p:tgtEl>
                                         <p:attrNameLst>
                                           <p:attrName>style.visibility</p:attrName>
@@ -19650,7 +19650,7 @@
                                           </p:stCondLst>
                                         </p:cTn>
                                         <p:tgtEl>
-                                          <p:spTgt spid="20609"/>
+                                          <p:spTgt spid="30009"/>
                                         </p:tgtEl>
                                         <p:attrNameLst>
                                           <p:attrName>style.visibility</p:attrName>
@@ -19677,7 +19677,7 @@
                                           </p:stCondLst>
                                         </p:cTn>
                                         <p:tgtEl>
-                                          <p:spTgt spid="20610"/>
+                                          <p:spTgt spid="30010"/>
                                         </p:tgtEl>
                                         <p:attrNameLst>
                                           <p:attrName>style.visibility</p:attrName>
@@ -19704,7 +19704,7 @@
                                           </p:stCondLst>
                                         </p:cTn>
                                         <p:tgtEl>
-                                          <p:spTgt spid="20611"/>
+                                          <p:spTgt spid="30011"/>
                                         </p:tgtEl>
                                         <p:attrNameLst>
                                           <p:attrName>style.visibility</p:attrName>
@@ -19731,7 +19731,7 @@
                                           </p:stCondLst>
                                         </p:cTn>
                                         <p:tgtEl>
-                                          <p:spTgt spid="20612"/>
+                                          <p:spTgt spid="30012"/>
                                         </p:tgtEl>
                                         <p:attrNameLst>
                                           <p:attrName>style.visibility</p:attrName>
@@ -19758,7 +19758,7 @@
                                           </p:stCondLst>
                                         </p:cTn>
                                         <p:tgtEl>
-                                          <p:spTgt spid="20613"/>
+                                          <p:spTgt spid="30013"/>
                                         </p:tgtEl>
                                         <p:attrNameLst>
                                           <p:attrName>style.visibility</p:attrName>
@@ -19785,7 +19785,7 @@
                                           </p:stCondLst>
                                         </p:cTn>
                                         <p:tgtEl>
-                                          <p:spTgt spid="20614"/>
+                                          <p:spTgt spid="30014"/>
                                         </p:tgtEl>
                                         <p:attrNameLst>
                                           <p:attrName>style.visibility</p:attrName>
@@ -19812,7 +19812,7 @@
                                           </p:stCondLst>
                                         </p:cTn>
                                         <p:tgtEl>
-                                          <p:spTgt spid="20615"/>
+                                          <p:spTgt spid="30015"/>
                                         </p:tgtEl>
                                         <p:attrNameLst>
                                           <p:attrName>style.visibility</p:attrName>
@@ -19839,7 +19839,7 @@
                                           </p:stCondLst>
                                         </p:cTn>
                                         <p:tgtEl>
-                                          <p:spTgt spid="20616"/>
+                                          <p:spTgt spid="30016"/>
                                         </p:tgtEl>
                                         <p:attrNameLst>
                                           <p:attrName>style.visibility</p:attrName>
@@ -19866,7 +19866,7 @@
                                           </p:stCondLst>
                                         </p:cTn>
                                         <p:tgtEl>
-                                          <p:spTgt spid="20617"/>
+                                          <p:spTgt spid="30017"/>
                                         </p:tgtEl>
                                         <p:attrNameLst>
                                           <p:attrName>style.visibility</p:attrName>
@@ -19893,7 +19893,7 @@
                                           </p:stCondLst>
                                         </p:cTn>
                                         <p:tgtEl>
-                                          <p:spTgt spid="20618"/>
+                                          <p:spTgt spid="30018"/>
                                         </p:tgtEl>
                                         <p:attrNameLst>
                                           <p:attrName>style.visibility</p:attrName>
@@ -19920,7 +19920,7 @@
                                           </p:stCondLst>
                                         </p:cTn>
                                         <p:tgtEl>
-                                          <p:spTgt spid="20619"/>
+                                          <p:spTgt spid="30019"/>
                                         </p:tgtEl>
                                         <p:attrNameLst>
                                           <p:attrName>style.visibility</p:attrName>
@@ -19947,7 +19947,7 @@
                                           </p:stCondLst>
                                         </p:cTn>
                                         <p:tgtEl>
-                                          <p:spTgt spid="20620"/>
+                                          <p:spTgt spid="30020"/>
                                         </p:tgtEl>
                                         <p:attrNameLst>
                                           <p:attrName>style.visibility</p:attrName>
@@ -19974,7 +19974,7 @@
                                           </p:stCondLst>
                                         </p:cTn>
                                         <p:tgtEl>
-                                          <p:spTgt spid="20621"/>
+                                          <p:spTgt spid="30021"/>
                                         </p:tgtEl>
                                         <p:attrNameLst>
                                           <p:attrName>style.visibility</p:attrName>
@@ -20001,7 +20001,7 @@
                                           </p:stCondLst>
                                         </p:cTn>
                                         <p:tgtEl>
-                                          <p:spTgt spid="20622"/>
+                                          <p:spTgt spid="30022"/>
                                         </p:tgtEl>
                                         <p:attrNameLst>
                                           <p:attrName>style.visibility</p:attrName>
@@ -20028,7 +20028,7 @@
                                           </p:stCondLst>
                                         </p:cTn>
                                         <p:tgtEl>
-                                          <p:spTgt spid="20623"/>
+                                          <p:spTgt spid="30023"/>
                                         </p:tgtEl>
                                         <p:attrNameLst>
                                           <p:attrName>style.visibility</p:attrName>
@@ -20055,7 +20055,7 @@
                                           </p:stCondLst>
                                         </p:cTn>
                                         <p:tgtEl>
-                                          <p:spTgt spid="20624"/>
+                                          <p:spTgt spid="30024"/>
                                         </p:tgtEl>
                                         <p:attrNameLst>
                                           <p:attrName>style.visibility</p:attrName>
@@ -20082,7 +20082,7 @@
                                           </p:stCondLst>
                                         </p:cTn>
                                         <p:tgtEl>
-                                          <p:spTgt spid="20625"/>
+                                          <p:spTgt spid="30025"/>
                                         </p:tgtEl>
                                         <p:attrNameLst>
                                           <p:attrName>style.visibility</p:attrName>
@@ -20109,7 +20109,7 @@
                                           </p:stCondLst>
                                         </p:cTn>
                                         <p:tgtEl>
-                                          <p:spTgt spid="20626"/>
+                                          <p:spTgt spid="30026"/>
                                         </p:tgtEl>
                                         <p:attrNameLst>
                                           <p:attrName>style.visibility</p:attrName>
@@ -20136,7 +20136,7 @@
                                           </p:stCondLst>
                                         </p:cTn>
                                         <p:tgtEl>
-                                          <p:spTgt spid="20627"/>
+                                          <p:spTgt spid="30027"/>
                                         </p:tgtEl>
                                         <p:attrNameLst>
                                           <p:attrName>style.visibility</p:attrName>
@@ -20163,7 +20163,7 @@
                                           </p:stCondLst>
                                         </p:cTn>
                                         <p:tgtEl>
-                                          <p:spTgt spid="20628"/>
+                                          <p:spTgt spid="30028"/>
                                         </p:tgtEl>
                                         <p:attrNameLst>
                                           <p:attrName>style.visibility</p:attrName>
@@ -20190,7 +20190,7 @@
                                           </p:stCondLst>
                                         </p:cTn>
                                         <p:tgtEl>
-                                          <p:spTgt spid="20629"/>
+                                          <p:spTgt spid="30029"/>
                                         </p:tgtEl>
                                         <p:attrNameLst>
                                           <p:attrName>style.visibility</p:attrName>
@@ -20217,7 +20217,7 @@
                                           </p:stCondLst>
                                         </p:cTn>
                                         <p:tgtEl>
-                                          <p:spTgt spid="20630"/>
+                                          <p:spTgt spid="30030"/>
                                         </p:tgtEl>
                                         <p:attrNameLst>
                                           <p:attrName>style.visibility</p:attrName>
@@ -20244,7 +20244,7 @@
                                           </p:stCondLst>
                                         </p:cTn>
                                         <p:tgtEl>
-                                          <p:spTgt spid="20631"/>
+                                          <p:spTgt spid="30031"/>
                                         </p:tgtEl>
                                         <p:attrNameLst>
                                           <p:attrName>style.visibility</p:attrName>
@@ -20271,7 +20271,7 @@
                                           </p:stCondLst>
                                         </p:cTn>
                                         <p:tgtEl>
-                                          <p:spTgt spid="20632"/>
+                                          <p:spTgt spid="30032"/>
                                         </p:tgtEl>
                                         <p:attrNameLst>
                                           <p:attrName>style.visibility</p:attrName>
@@ -20298,7 +20298,7 @@
                                           </p:stCondLst>
                                         </p:cTn>
                                         <p:tgtEl>
-                                          <p:spTgt spid="20633"/>
+                                          <p:spTgt spid="30033"/>
                                         </p:tgtEl>
                                         <p:attrNameLst>
                                           <p:attrName>style.visibility</p:attrName>
@@ -20325,7 +20325,7 @@
                                           </p:stCondLst>
                                         </p:cTn>
                                         <p:tgtEl>
-                                          <p:spTgt spid="20634"/>
+                                          <p:spTgt spid="30034"/>
                                         </p:tgtEl>
                                         <p:attrNameLst>
                                           <p:attrName>style.visibility</p:attrName>
@@ -20352,7 +20352,7 @@
                                           </p:stCondLst>
                                         </p:cTn>
                                         <p:tgtEl>
-                                          <p:spTgt spid="20635"/>
+                                          <p:spTgt spid="30035"/>
                                         </p:tgtEl>
                                         <p:attrNameLst>
                                           <p:attrName>style.visibility</p:attrName>
@@ -20379,7 +20379,7 @@
                                           </p:stCondLst>
                                         </p:cTn>
                                         <p:tgtEl>
-                                          <p:spTgt spid="20636"/>
+                                          <p:spTgt spid="30036"/>
                                         </p:tgtEl>
                                         <p:attrNameLst>
                                           <p:attrName>style.visibility</p:attrName>
@@ -20406,7 +20406,7 @@
                                           </p:stCondLst>
                                         </p:cTn>
                                         <p:tgtEl>
-                                          <p:spTgt spid="20637"/>
+                                          <p:spTgt spid="30037"/>
                                         </p:tgtEl>
                                         <p:attrNameLst>
                                           <p:attrName>style.visibility</p:attrName>
@@ -20433,7 +20433,7 @@
                                           </p:stCondLst>
                                         </p:cTn>
                                         <p:tgtEl>
-                                          <p:spTgt spid="20638"/>
+                                          <p:spTgt spid="30038"/>
                                         </p:tgtEl>
                                         <p:attrNameLst>
                                           <p:attrName>style.visibility</p:attrName>
@@ -20460,7 +20460,7 @@
                                           </p:stCondLst>
                                         </p:cTn>
                                         <p:tgtEl>
-                                          <p:spTgt spid="20639"/>
+                                          <p:spTgt spid="30039"/>
                                         </p:tgtEl>
                                         <p:attrNameLst>
                                           <p:attrName>style.visibility</p:attrName>
@@ -20487,7 +20487,7 @@
                                           </p:stCondLst>
                                         </p:cTn>
                                         <p:tgtEl>
-                                          <p:spTgt spid="20640"/>
+                                          <p:spTgt spid="30040"/>
                                         </p:tgtEl>
                                         <p:attrNameLst>
                                           <p:attrName>style.visibility</p:attrName>
@@ -20514,7 +20514,7 @@
                                           </p:stCondLst>
                                         </p:cTn>
                                         <p:tgtEl>
-                                          <p:spTgt spid="20641"/>
+                                          <p:spTgt spid="30041"/>
                                         </p:tgtEl>
                                         <p:attrNameLst>
                                           <p:attrName>style.visibility</p:attrName>
@@ -20541,7 +20541,7 @@
                                           </p:stCondLst>
                                         </p:cTn>
                                         <p:tgtEl>
-                                          <p:spTgt spid="20642"/>
+                                          <p:spTgt spid="30042"/>
                                         </p:tgtEl>
                                         <p:attrNameLst>
                                           <p:attrName>style.visibility</p:attrName>
@@ -20568,7 +20568,7 @@
                                           </p:stCondLst>
                                         </p:cTn>
                                         <p:tgtEl>
-                                          <p:spTgt spid="20643"/>
+                                          <p:spTgt spid="30043"/>
                                         </p:tgtEl>
                                         <p:attrNameLst>
                                           <p:attrName>style.visibility</p:attrName>
@@ -20595,7 +20595,7 @@
                                           </p:stCondLst>
                                         </p:cTn>
                                         <p:tgtEl>
-                                          <p:spTgt spid="20644"/>
+                                          <p:spTgt spid="30044"/>
                                         </p:tgtEl>
                                         <p:attrNameLst>
                                           <p:attrName>style.visibility</p:attrName>
@@ -20622,7 +20622,7 @@
                                           </p:stCondLst>
                                         </p:cTn>
                                         <p:tgtEl>
-                                          <p:spTgt spid="20645"/>
+                                          <p:spTgt spid="30045"/>
                                         </p:tgtEl>
                                         <p:attrNameLst>
                                           <p:attrName>style.visibility</p:attrName>
@@ -20649,7 +20649,7 @@
                                           </p:stCondLst>
                                         </p:cTn>
                                         <p:tgtEl>
-                                          <p:spTgt spid="20646"/>
+                                          <p:spTgt spid="30046"/>
                                         </p:tgtEl>
                                         <p:attrNameLst>
                                           <p:attrName>style.visibility</p:attrName>
@@ -20676,7 +20676,7 @@
                                           </p:stCondLst>
                                         </p:cTn>
                                         <p:tgtEl>
-                                          <p:spTgt spid="20647"/>
+                                          <p:spTgt spid="30047"/>
                                         </p:tgtEl>
                                         <p:attrNameLst>
                                           <p:attrName>style.visibility</p:attrName>
@@ -20703,7 +20703,7 @@
                                           </p:stCondLst>
                                         </p:cTn>
                                         <p:tgtEl>
-                                          <p:spTgt spid="20648"/>
+                                          <p:spTgt spid="30048"/>
                                         </p:tgtEl>
                                         <p:attrNameLst>
                                           <p:attrName>style.visibility</p:attrName>
@@ -20730,7 +20730,7 @@
                                           </p:stCondLst>
                                         </p:cTn>
                                         <p:tgtEl>
-                                          <p:spTgt spid="20649"/>
+                                          <p:spTgt spid="30049"/>
                                         </p:tgtEl>
                                         <p:attrNameLst>
                                           <p:attrName>style.visibility</p:attrName>
@@ -20757,7 +20757,7 @@
                                           </p:stCondLst>
                                         </p:cTn>
                                         <p:tgtEl>
-                                          <p:spTgt spid="20650"/>
+                                          <p:spTgt spid="30050"/>
                                         </p:tgtEl>
                                         <p:attrNameLst>
                                           <p:attrName>style.visibility</p:attrName>
@@ -20784,7 +20784,7 @@
                                           </p:stCondLst>
                                         </p:cTn>
                                         <p:tgtEl>
-                                          <p:spTgt spid="20651"/>
+                                          <p:spTgt spid="30051"/>
                                         </p:tgtEl>
                                         <p:attrNameLst>
                                           <p:attrName>style.visibility</p:attrName>
@@ -20811,7 +20811,7 @@
                                           </p:stCondLst>
                                         </p:cTn>
                                         <p:tgtEl>
-                                          <p:spTgt spid="20652"/>
+                                          <p:spTgt spid="30052"/>
                                         </p:tgtEl>
                                         <p:attrNameLst>
                                           <p:attrName>style.visibility</p:attrName>
@@ -20838,7 +20838,7 @@
                                           </p:stCondLst>
                                         </p:cTn>
                                         <p:tgtEl>
-                                          <p:spTgt spid="20653"/>
+                                          <p:spTgt spid="30053"/>
                                         </p:tgtEl>
                                         <p:attrNameLst>
                                           <p:attrName>style.visibility</p:attrName>
@@ -20865,7 +20865,7 @@
                                           </p:stCondLst>
                                         </p:cTn>
                                         <p:tgtEl>
-                                          <p:spTgt spid="20654"/>
+                                          <p:spTgt spid="30054"/>
                                         </p:tgtEl>
                                         <p:attrNameLst>
                                           <p:attrName>style.visibility</p:attrName>
@@ -20892,7 +20892,7 @@
                                           </p:stCondLst>
                                         </p:cTn>
                                         <p:tgtEl>
-                                          <p:spTgt spid="20655"/>
+                                          <p:spTgt spid="30055"/>
                                         </p:tgtEl>
                                         <p:attrNameLst>
                                           <p:attrName>style.visibility</p:attrName>
@@ -20919,7 +20919,7 @@
                                           </p:stCondLst>
                                         </p:cTn>
                                         <p:tgtEl>
-                                          <p:spTgt spid="20656"/>
+                                          <p:spTgt spid="30056"/>
                                         </p:tgtEl>
                                         <p:attrNameLst>
                                           <p:attrName>style.visibility</p:attrName>
@@ -20946,7 +20946,7 @@
                                           </p:stCondLst>
                                         </p:cTn>
                                         <p:tgtEl>
-                                          <p:spTgt spid="20657"/>
+                                          <p:spTgt spid="30057"/>
                                         </p:tgtEl>
                                         <p:attrNameLst>
                                           <p:attrName>style.visibility</p:attrName>
@@ -20973,7 +20973,7 @@
                                           </p:stCondLst>
                                         </p:cTn>
                                         <p:tgtEl>
-                                          <p:spTgt spid="20658"/>
+                                          <p:spTgt spid="30058"/>
                                         </p:tgtEl>
                                         <p:attrNameLst>
                                           <p:attrName>style.visibility</p:attrName>
@@ -21000,7 +21000,7 @@
                                           </p:stCondLst>
                                         </p:cTn>
                                         <p:tgtEl>
-                                          <p:spTgt spid="20659"/>
+                                          <p:spTgt spid="30059"/>
                                         </p:tgtEl>
                                         <p:attrNameLst>
                                           <p:attrName>style.visibility</p:attrName>
@@ -21027,7 +21027,7 @@
                                           </p:stCondLst>
                                         </p:cTn>
                                         <p:tgtEl>
-                                          <p:spTgt spid="20660"/>
+                                          <p:spTgt spid="30060"/>
                                         </p:tgtEl>
                                         <p:attrNameLst>
                                           <p:attrName>style.visibility</p:attrName>
@@ -21054,7 +21054,7 @@
                                           </p:stCondLst>
                                         </p:cTn>
                                         <p:tgtEl>
-                                          <p:spTgt spid="20661"/>
+                                          <p:spTgt spid="30061"/>
                                         </p:tgtEl>
                                         <p:attrNameLst>
                                           <p:attrName>style.visibility</p:attrName>
@@ -21081,7 +21081,7 @@
                                           </p:stCondLst>
                                         </p:cTn>
                                         <p:tgtEl>
-                                          <p:spTgt spid="20662"/>
+                                          <p:spTgt spid="30062"/>
                                         </p:tgtEl>
                                         <p:attrNameLst>
                                           <p:attrName>style.visibility</p:attrName>
@@ -21108,7 +21108,7 @@
                                           </p:stCondLst>
                                         </p:cTn>
                                         <p:tgtEl>
-                                          <p:spTgt spid="20663"/>
+                                          <p:spTgt spid="30063"/>
                                         </p:tgtEl>
                                         <p:attrNameLst>
                                           <p:attrName>style.visibility</p:attrName>
@@ -21135,7 +21135,7 @@
                                           </p:stCondLst>
                                         </p:cTn>
                                         <p:tgtEl>
-                                          <p:spTgt spid="20664"/>
+                                          <p:spTgt spid="30064"/>
                                         </p:tgtEl>
                                         <p:attrNameLst>
                                           <p:attrName>style.visibility</p:attrName>
@@ -21162,7 +21162,7 @@
                                           </p:stCondLst>
                                         </p:cTn>
                                         <p:tgtEl>
-                                          <p:spTgt spid="20665"/>
+                                          <p:spTgt spid="30065"/>
                                         </p:tgtEl>
                                         <p:attrNameLst>
                                           <p:attrName>style.visibility</p:attrName>
@@ -21189,7 +21189,7 @@
                                           </p:stCondLst>
                                         </p:cTn>
                                         <p:tgtEl>
-                                          <p:spTgt spid="20666"/>
+                                          <p:spTgt spid="30066"/>
                                         </p:tgtEl>
                                         <p:attrNameLst>
                                           <p:attrName>style.visibility</p:attrName>
@@ -21216,7 +21216,7 @@
                                           </p:stCondLst>
                                         </p:cTn>
                                         <p:tgtEl>
-                                          <p:spTgt spid="20667"/>
+                                          <p:spTgt spid="30067"/>
                                         </p:tgtEl>
                                         <p:attrNameLst>
                                           <p:attrName>style.visibility</p:attrName>
@@ -21243,7 +21243,7 @@
                                           </p:stCondLst>
                                         </p:cTn>
                                         <p:tgtEl>
-                                          <p:spTgt spid="20668"/>
+                                          <p:spTgt spid="30068"/>
                                         </p:tgtEl>
                                         <p:attrNameLst>
                                           <p:attrName>style.visibility</p:attrName>
@@ -21270,7 +21270,7 @@
                                           </p:stCondLst>
                                         </p:cTn>
                                         <p:tgtEl>
-                                          <p:spTgt spid="20669"/>
+                                          <p:spTgt spid="30069"/>
                                         </p:tgtEl>
                                         <p:attrNameLst>
                                           <p:attrName>style.visibility</p:attrName>
@@ -21297,7 +21297,7 @@
                                           </p:stCondLst>
                                         </p:cTn>
                                         <p:tgtEl>
-                                          <p:spTgt spid="20670"/>
+                                          <p:spTgt spid="30070"/>
                                         </p:tgtEl>
                                         <p:attrNameLst>
                                           <p:attrName>style.visibility</p:attrName>
@@ -21324,7 +21324,7 @@
                                           </p:stCondLst>
                                         </p:cTn>
                                         <p:tgtEl>
-                                          <p:spTgt spid="20671"/>
+                                          <p:spTgt spid="30071"/>
                                         </p:tgtEl>
                                         <p:attrNameLst>
                                           <p:attrName>style.visibility</p:attrName>
@@ -21351,7 +21351,7 @@
                                           </p:stCondLst>
                                         </p:cTn>
                                         <p:tgtEl>
-                                          <p:spTgt spid="20672"/>
+                                          <p:spTgt spid="30072"/>
                                         </p:tgtEl>
                                         <p:attrNameLst>
                                           <p:attrName>style.visibility</p:attrName>
@@ -21378,7 +21378,7 @@
                                           </p:stCondLst>
                                         </p:cTn>
                                         <p:tgtEl>
-                                          <p:spTgt spid="20673"/>
+                                          <p:spTgt spid="30073"/>
                                         </p:tgtEl>
                                         <p:attrNameLst>
                                           <p:attrName>style.visibility</p:attrName>
@@ -21405,7 +21405,7 @@
                                           </p:stCondLst>
                                         </p:cTn>
                                         <p:tgtEl>
-                                          <p:spTgt spid="20674"/>
+                                          <p:spTgt spid="30074"/>
                                         </p:tgtEl>
                                         <p:attrNameLst>
                                           <p:attrName>style.visibility</p:attrName>
@@ -21432,7 +21432,7 @@
                                           </p:stCondLst>
                                         </p:cTn>
                                         <p:tgtEl>
-                                          <p:spTgt spid="20675"/>
+                                          <p:spTgt spid="30075"/>
                                         </p:tgtEl>
                                         <p:attrNameLst>
                                           <p:attrName>style.visibility</p:attrName>
@@ -21459,7 +21459,7 @@
                                           </p:stCondLst>
                                         </p:cTn>
                                         <p:tgtEl>
-                                          <p:spTgt spid="20676"/>
+                                          <p:spTgt spid="30076"/>
                                         </p:tgtEl>
                                         <p:attrNameLst>
                                           <p:attrName>style.visibility</p:attrName>
@@ -21486,7 +21486,7 @@
                                           </p:stCondLst>
                                         </p:cTn>
                                         <p:tgtEl>
-                                          <p:spTgt spid="20677"/>
+                                          <p:spTgt spid="30077"/>
                                         </p:tgtEl>
                                         <p:attrNameLst>
                                           <p:attrName>style.visibility</p:attrName>
@@ -21513,7 +21513,7 @@
                                           </p:stCondLst>
                                         </p:cTn>
                                         <p:tgtEl>
-                                          <p:spTgt spid="20678"/>
+                                          <p:spTgt spid="30078"/>
                                         </p:tgtEl>
                                         <p:attrNameLst>
                                           <p:attrName>style.visibility</p:attrName>
@@ -21540,7 +21540,7 @@
                                           </p:stCondLst>
                                         </p:cTn>
                                         <p:tgtEl>
-                                          <p:spTgt spid="20679"/>
+                                          <p:spTgt spid="30079"/>
                                         </p:tgtEl>
                                         <p:attrNameLst>
                                           <p:attrName>style.visibility</p:attrName>
@@ -21567,7 +21567,7 @@
                                           </p:stCondLst>
                                         </p:cTn>
                                         <p:tgtEl>
-                                          <p:spTgt spid="20680"/>
+                                          <p:spTgt spid="30080"/>
                                         </p:tgtEl>
                                         <p:attrNameLst>
                                           <p:attrName>style.visibility</p:attrName>
@@ -21594,7 +21594,7 @@
                                           </p:stCondLst>
                                         </p:cTn>
                                         <p:tgtEl>
-                                          <p:spTgt spid="20681"/>
+                                          <p:spTgt spid="30081"/>
                                         </p:tgtEl>
                                         <p:attrNameLst>
                                           <p:attrName>style.visibility</p:attrName>
@@ -21621,7 +21621,7 @@
                                           </p:stCondLst>
                                         </p:cTn>
                                         <p:tgtEl>
-                                          <p:spTgt spid="20682"/>
+                                          <p:spTgt spid="30082"/>
                                         </p:tgtEl>
                                         <p:attrNameLst>
                                           <p:attrName>style.visibility</p:attrName>
@@ -21648,7 +21648,7 @@
                                           </p:stCondLst>
                                         </p:cTn>
                                         <p:tgtEl>
-                                          <p:spTgt spid="20683"/>
+                                          <p:spTgt spid="30083"/>
                                         </p:tgtEl>
                                         <p:attrNameLst>
                                           <p:attrName>style.visibility</p:attrName>
@@ -21675,7 +21675,7 @@
                                           </p:stCondLst>
                                         </p:cTn>
                                         <p:tgtEl>
-                                          <p:spTgt spid="20684"/>
+                                          <p:spTgt spid="30084"/>
                                         </p:tgtEl>
                                         <p:attrNameLst>
                                           <p:attrName>style.visibility</p:attrName>
@@ -21702,7 +21702,7 @@
                                           </p:stCondLst>
                                         </p:cTn>
                                         <p:tgtEl>
-                                          <p:spTgt spid="20685"/>
+                                          <p:spTgt spid="30085"/>
                                         </p:tgtEl>
                                         <p:attrNameLst>
                                           <p:attrName>style.visibility</p:attrName>
@@ -21729,7 +21729,7 @@
                                           </p:stCondLst>
                                         </p:cTn>
                                         <p:tgtEl>
-                                          <p:spTgt spid="20686"/>
+                                          <p:spTgt spid="30086"/>
                                         </p:tgtEl>
                                         <p:attrNameLst>
                                           <p:attrName>style.visibility</p:attrName>
@@ -21756,7 +21756,7 @@
                                           </p:stCondLst>
                                         </p:cTn>
                                         <p:tgtEl>
-                                          <p:spTgt spid="20687"/>
+                                          <p:spTgt spid="30087"/>
                                         </p:tgtEl>
                                         <p:attrNameLst>
                                           <p:attrName>style.visibility</p:attrName>
@@ -21783,7 +21783,7 @@
                                           </p:stCondLst>
                                         </p:cTn>
                                         <p:tgtEl>
-                                          <p:spTgt spid="20688"/>
+                                          <p:spTgt spid="30088"/>
                                         </p:tgtEl>
                                         <p:attrNameLst>
                                           <p:attrName>style.visibility</p:attrName>
@@ -21810,7 +21810,7 @@
                                           </p:stCondLst>
                                         </p:cTn>
                                         <p:tgtEl>
-                                          <p:spTgt spid="20689"/>
+                                          <p:spTgt spid="30089"/>
                                         </p:tgtEl>
                                         <p:attrNameLst>
                                           <p:attrName>style.visibility</p:attrName>
@@ -21837,7 +21837,7 @@
                                           </p:stCondLst>
                                         </p:cTn>
                                         <p:tgtEl>
-                                          <p:spTgt spid="20690"/>
+                                          <p:spTgt spid="30090"/>
                                         </p:tgtEl>
                                         <p:attrNameLst>
                                           <p:attrName>style.visibility</p:attrName>
@@ -21864,7 +21864,7 @@
                                           </p:stCondLst>
                                         </p:cTn>
                                         <p:tgtEl>
-                                          <p:spTgt spid="20691"/>
+                                          <p:spTgt spid="30091"/>
                                         </p:tgtEl>
                                         <p:attrNameLst>
                                           <p:attrName>style.visibility</p:attrName>
@@ -21891,7 +21891,7 @@
                                           </p:stCondLst>
                                         </p:cTn>
                                         <p:tgtEl>
-                                          <p:spTgt spid="20692"/>
+                                          <p:spTgt spid="30092"/>
                                         </p:tgtEl>
                                         <p:attrNameLst>
                                           <p:attrName>style.visibility</p:attrName>
@@ -21918,7 +21918,7 @@
                                           </p:stCondLst>
                                         </p:cTn>
                                         <p:tgtEl>
-                                          <p:spTgt spid="20693"/>
+                                          <p:spTgt spid="30093"/>
                                         </p:tgtEl>
                                         <p:attrNameLst>
                                           <p:attrName>style.visibility</p:attrName>
@@ -21945,7 +21945,7 @@
                                           </p:stCondLst>
                                         </p:cTn>
                                         <p:tgtEl>
-                                          <p:spTgt spid="20694"/>
+                                          <p:spTgt spid="30094"/>
                                         </p:tgtEl>
                                         <p:attrNameLst>
                                           <p:attrName>style.visibility</p:attrName>
@@ -21972,7 +21972,7 @@
                                           </p:stCondLst>
                                         </p:cTn>
                                         <p:tgtEl>
-                                          <p:spTgt spid="20695"/>
+                                          <p:spTgt spid="30095"/>
                                         </p:tgtEl>
                                         <p:attrNameLst>
                                           <p:attrName>style.visibility</p:attrName>
@@ -21999,7 +21999,7 @@
                                           </p:stCondLst>
                                         </p:cTn>
                                         <p:tgtEl>
-                                          <p:spTgt spid="20696"/>
+                                          <p:spTgt spid="30096"/>
                                         </p:tgtEl>
                                         <p:attrNameLst>
                                           <p:attrName>style.visibility</p:attrName>
@@ -22026,7 +22026,7 @@
                                           </p:stCondLst>
                                         </p:cTn>
                                         <p:tgtEl>
-                                          <p:spTgt spid="20697"/>
+                                          <p:spTgt spid="30097"/>
                                         </p:tgtEl>
                                         <p:attrNameLst>
                                           <p:attrName>style.visibility</p:attrName>
@@ -22053,7 +22053,7 @@
                                           </p:stCondLst>
                                         </p:cTn>
                                         <p:tgtEl>
-                                          <p:spTgt spid="20698"/>
+                                          <p:spTgt spid="30098"/>
                                         </p:tgtEl>
                                         <p:attrNameLst>
                                           <p:attrName>style.visibility</p:attrName>
@@ -22080,7 +22080,7 @@
                                           </p:stCondLst>
                                         </p:cTn>
                                         <p:tgtEl>
-                                          <p:spTgt spid="20699"/>
+                                          <p:spTgt spid="30099"/>
                                         </p:tgtEl>
                                         <p:attrNameLst>
                                           <p:attrName>style.visibility</p:attrName>
@@ -22107,7 +22107,7 @@
                                           </p:stCondLst>
                                         </p:cTn>
                                         <p:tgtEl>
-                                          <p:spTgt spid="20700"/>
+                                          <p:spTgt spid="30100"/>
                                         </p:tgtEl>
                                         <p:attrNameLst>
                                           <p:attrName>style.visibility</p:attrName>
@@ -22134,7 +22134,7 @@
                                           </p:stCondLst>
                                         </p:cTn>
                                         <p:tgtEl>
-                                          <p:spTgt spid="20701"/>
+                                          <p:spTgt spid="30101"/>
                                         </p:tgtEl>
                                         <p:attrNameLst>
                                           <p:attrName>style.visibility</p:attrName>
@@ -22161,7 +22161,7 @@
                                           </p:stCondLst>
                                         </p:cTn>
                                         <p:tgtEl>
-                                          <p:spTgt spid="20702"/>
+                                          <p:spTgt spid="30102"/>
                                         </p:tgtEl>
                                         <p:attrNameLst>
                                           <p:attrName>style.visibility</p:attrName>
@@ -22188,7 +22188,7 @@
                                           </p:stCondLst>
                                         </p:cTn>
                                         <p:tgtEl>
-                                          <p:spTgt spid="20703"/>
+                                          <p:spTgt spid="30103"/>
                                         </p:tgtEl>
                                         <p:attrNameLst>
                                           <p:attrName>style.visibility</p:attrName>
@@ -22215,7 +22215,7 @@
                                           </p:stCondLst>
                                         </p:cTn>
                                         <p:tgtEl>
-                                          <p:spTgt spid="20704"/>
+                                          <p:spTgt spid="30104"/>
                                         </p:tgtEl>
                                         <p:attrNameLst>
                                           <p:attrName>style.visibility</p:attrName>
@@ -22242,7 +22242,7 @@
                                           </p:stCondLst>
                                         </p:cTn>
                                         <p:tgtEl>
-                                          <p:spTgt spid="20705"/>
+                                          <p:spTgt spid="30105"/>
                                         </p:tgtEl>
                                         <p:attrNameLst>
                                           <p:attrName>style.visibility</p:attrName>
@@ -22269,7 +22269,7 @@
                                           </p:stCondLst>
                                         </p:cTn>
                                         <p:tgtEl>
-                                          <p:spTgt spid="20706"/>
+                                          <p:spTgt spid="30106"/>
                                         </p:tgtEl>
                                         <p:attrNameLst>
                                           <p:attrName>style.visibility</p:attrName>
@@ -22296,7 +22296,7 @@
                                           </p:stCondLst>
                                         </p:cTn>
                                         <p:tgtEl>
-                                          <p:spTgt spid="20707"/>
+                                          <p:spTgt spid="30107"/>
                                         </p:tgtEl>
                                         <p:attrNameLst>
                                           <p:attrName>style.visibility</p:attrName>
@@ -22323,7 +22323,7 @@
                                           </p:stCondLst>
                                         </p:cTn>
                                         <p:tgtEl>
-                                          <p:spTgt spid="20708"/>
+                                          <p:spTgt spid="30108"/>
                                         </p:tgtEl>
                                         <p:attrNameLst>
                                           <p:attrName>style.visibility</p:attrName>
@@ -22350,7 +22350,7 @@
                                           </p:stCondLst>
                                         </p:cTn>
                                         <p:tgtEl>
-                                          <p:spTgt spid="20709"/>
+                                          <p:spTgt spid="30109"/>
                                         </p:tgtEl>
                                         <p:attrNameLst>
                                           <p:attrName>style.visibility</p:attrName>
@@ -22377,7 +22377,7 @@
                                           </p:stCondLst>
                                         </p:cTn>
                                         <p:tgtEl>
-                                          <p:spTgt spid="20710"/>
+                                          <p:spTgt spid="30110"/>
                                         </p:tgtEl>
                                         <p:attrNameLst>
                                           <p:attrName>style.visibility</p:attrName>
@@ -22404,7 +22404,7 @@
                                           </p:stCondLst>
                                         </p:cTn>
                                         <p:tgtEl>
-                                          <p:spTgt spid="20711"/>
+                                          <p:spTgt spid="30111"/>
                                         </p:tgtEl>
                                         <p:attrNameLst>
                                           <p:attrName>style.visibility</p:attrName>
@@ -22431,7 +22431,7 @@
                                           </p:stCondLst>
                                         </p:cTn>
                                         <p:tgtEl>
-                                          <p:spTgt spid="20712"/>
+                                          <p:spTgt spid="30112"/>
                                         </p:tgtEl>
                                         <p:attrNameLst>
                                           <p:attrName>style.visibility</p:attrName>
@@ -22458,7 +22458,7 @@
                                           </p:stCondLst>
                                         </p:cTn>
                                         <p:tgtEl>
-                                          <p:spTgt spid="20713"/>
+                                          <p:spTgt spid="30113"/>
                                         </p:tgtEl>
                                         <p:attrNameLst>
                                           <p:attrName>style.visibility</p:attrName>
@@ -22485,7 +22485,7 @@
                                           </p:stCondLst>
                                         </p:cTn>
                                         <p:tgtEl>
-                                          <p:spTgt spid="20714"/>
+                                          <p:spTgt spid="30114"/>
                                         </p:tgtEl>
                                         <p:attrNameLst>
                                           <p:attrName>style.visibility</p:attrName>
@@ -22512,7 +22512,7 @@
                                           </p:stCondLst>
                                         </p:cTn>
                                         <p:tgtEl>
-                                          <p:spTgt spid="20715"/>
+                                          <p:spTgt spid="30115"/>
                                         </p:tgtEl>
                                         <p:attrNameLst>
                                           <p:attrName>style.visibility</p:attrName>
@@ -22539,7 +22539,7 @@
                                           </p:stCondLst>
                                         </p:cTn>
                                         <p:tgtEl>
-                                          <p:spTgt spid="20716"/>
+                                          <p:spTgt spid="30116"/>
                                         </p:tgtEl>
                                         <p:attrNameLst>
                                           <p:attrName>style.visibility</p:attrName>
@@ -22566,7 +22566,7 @@
                                           </p:stCondLst>
                                         </p:cTn>
                                         <p:tgtEl>
-                                          <p:spTgt spid="20717"/>
+                                          <p:spTgt spid="30117"/>
                                         </p:tgtEl>
                                         <p:attrNameLst>
                                           <p:attrName>style.visibility</p:attrName>
@@ -22593,7 +22593,7 @@
                                           </p:stCondLst>
                                         </p:cTn>
                                         <p:tgtEl>
-                                          <p:spTgt spid="20718"/>
+                                          <p:spTgt spid="30118"/>
                                         </p:tgtEl>
                                         <p:attrNameLst>
                                           <p:attrName>style.visibility</p:attrName>
@@ -22620,7 +22620,7 @@
                                           </p:stCondLst>
                                         </p:cTn>
                                         <p:tgtEl>
-                                          <p:spTgt spid="20719"/>
+                                          <p:spTgt spid="30119"/>
                                         </p:tgtEl>
                                         <p:attrNameLst>
                                           <p:attrName>style.visibility</p:attrName>
@@ -22647,7 +22647,7 @@
                                           </p:stCondLst>
                                         </p:cTn>
                                         <p:tgtEl>
-                                          <p:spTgt spid="20720"/>
+                                          <p:spTgt spid="30120"/>
                                         </p:tgtEl>
                                         <p:attrNameLst>
                                           <p:attrName>style.visibility</p:attrName>
@@ -22674,7 +22674,7 @@
                                           </p:stCondLst>
                                         </p:cTn>
                                         <p:tgtEl>
-                                          <p:spTgt spid="20721"/>
+                                          <p:spTgt spid="30121"/>
                                         </p:tgtEl>
                                         <p:attrNameLst>
                                           <p:attrName>style.visibility</p:attrName>
@@ -22701,7 +22701,7 @@
                                           </p:stCondLst>
                                         </p:cTn>
                                         <p:tgtEl>
-                                          <p:spTgt spid="20722"/>
+                                          <p:spTgt spid="30122"/>
                                         </p:tgtEl>
                                         <p:attrNameLst>
                                           <p:attrName>style.visibility</p:attrName>
@@ -22728,7 +22728,7 @@
                                           </p:stCondLst>
                                         </p:cTn>
                                         <p:tgtEl>
-                                          <p:spTgt spid="20723"/>
+                                          <p:spTgt spid="30123"/>
                                         </p:tgtEl>
                                         <p:attrNameLst>
                                           <p:attrName>style.visibility</p:attrName>
@@ -22755,7 +22755,7 @@
                                           </p:stCondLst>
                                         </p:cTn>
                                         <p:tgtEl>
-                                          <p:spTgt spid="20724"/>
+                                          <p:spTgt spid="30124"/>
                                         </p:tgtEl>
                                         <p:attrNameLst>
                                           <p:attrName>style.visibility</p:attrName>
@@ -22782,7 +22782,7 @@
                                           </p:stCondLst>
                                         </p:cTn>
                                         <p:tgtEl>
-                                          <p:spTgt spid="20725"/>
+                                          <p:spTgt spid="30125"/>
                                         </p:tgtEl>
                                         <p:attrNameLst>
                                           <p:attrName>style.visibility</p:attrName>
@@ -22809,7 +22809,7 @@
                                           </p:stCondLst>
                                         </p:cTn>
                                         <p:tgtEl>
-                                          <p:spTgt spid="20726"/>
+                                          <p:spTgt spid="30126"/>
                                         </p:tgtEl>
                                         <p:attrNameLst>
                                           <p:attrName>style.visibility</p:attrName>
@@ -22836,7 +22836,7 @@
                                           </p:stCondLst>
                                         </p:cTn>
                                         <p:tgtEl>
-                                          <p:spTgt spid="20727"/>
+                                          <p:spTgt spid="30127"/>
                                         </p:tgtEl>
                                         <p:attrNameLst>
                                           <p:attrName>style.visibility</p:attrName>
@@ -22863,7 +22863,7 @@
                                           </p:stCondLst>
                                         </p:cTn>
                                         <p:tgtEl>
-                                          <p:spTgt spid="20728"/>
+                                          <p:spTgt spid="30128"/>
                                         </p:tgtEl>
                                         <p:attrNameLst>
                                           <p:attrName>style.visibility</p:attrName>
@@ -22890,7 +22890,7 @@
                                           </p:stCondLst>
                                         </p:cTn>
                                         <p:tgtEl>
-                                          <p:spTgt spid="20729"/>
+                                          <p:spTgt spid="30129"/>
                                         </p:tgtEl>
                                         <p:attrNameLst>
                                           <p:attrName>style.visibility</p:attrName>
@@ -22917,7 +22917,7 @@
                                           </p:stCondLst>
                                         </p:cTn>
                                         <p:tgtEl>
-                                          <p:spTgt spid="20730"/>
+                                          <p:spTgt spid="30130"/>
                                         </p:tgtEl>
                                         <p:attrNameLst>
                                           <p:attrName>style.visibility</p:attrName>
@@ -22944,7 +22944,7 @@
                                           </p:stCondLst>
                                         </p:cTn>
                                         <p:tgtEl>
-                                          <p:spTgt spid="20731"/>
+                                          <p:spTgt spid="30131"/>
                                         </p:tgtEl>
                                         <p:attrNameLst>
                                           <p:attrName>style.visibility</p:attrName>
@@ -22971,7 +22971,7 @@
                                           </p:stCondLst>
                                         </p:cTn>
                                         <p:tgtEl>
-                                          <p:spTgt spid="20732"/>
+                                          <p:spTgt spid="30132"/>
                                         </p:tgtEl>
                                         <p:attrNameLst>
                                           <p:attrName>style.visibility</p:attrName>
@@ -22998,7 +22998,7 @@
                                           </p:stCondLst>
                                         </p:cTn>
                                         <p:tgtEl>
-                                          <p:spTgt spid="20733"/>
+                                          <p:spTgt spid="30133"/>
                                         </p:tgtEl>
                                         <p:attrNameLst>
                                           <p:attrName>style.visibility</p:attrName>
@@ -23025,7 +23025,7 @@
                                           </p:stCondLst>
                                         </p:cTn>
                                         <p:tgtEl>
-                                          <p:spTgt spid="20734"/>
+                                          <p:spTgt spid="30134"/>
                                         </p:tgtEl>
                                         <p:attrNameLst>
                                           <p:attrName>style.visibility</p:attrName>
@@ -23052,7 +23052,7 @@
                                           </p:stCondLst>
                                         </p:cTn>
                                         <p:tgtEl>
-                                          <p:spTgt spid="20735"/>
+                                          <p:spTgt spid="30135"/>
                                         </p:tgtEl>
                                         <p:attrNameLst>
                                           <p:attrName>style.visibility</p:attrName>
@@ -23079,7 +23079,7 @@
                                           </p:stCondLst>
                                         </p:cTn>
                                         <p:tgtEl>
-                                          <p:spTgt spid="20736"/>
+                                          <p:spTgt spid="30136"/>
                                         </p:tgtEl>
                                         <p:attrNameLst>
                                           <p:attrName>style.visibility</p:attrName>
@@ -23106,7 +23106,7 @@
                                           </p:stCondLst>
                                         </p:cTn>
                                         <p:tgtEl>
-                                          <p:spTgt spid="20737"/>
+                                          <p:spTgt spid="30137"/>
                                         </p:tgtEl>
                                         <p:attrNameLst>
                                           <p:attrName>style.visibility</p:attrName>
@@ -23133,7 +23133,7 @@
                                           </p:stCondLst>
                                         </p:cTn>
                                         <p:tgtEl>
-                                          <p:spTgt spid="20738"/>
+                                          <p:spTgt spid="30138"/>
                                         </p:tgtEl>
                                         <p:attrNameLst>
                                           <p:attrName>style.visibility</p:attrName>
@@ -23160,7 +23160,7 @@
                                           </p:stCondLst>
                                         </p:cTn>
                                         <p:tgtEl>
-                                          <p:spTgt spid="20739"/>
+                                          <p:spTgt spid="30139"/>
                                         </p:tgtEl>
                                         <p:attrNameLst>
                                           <p:attrName>style.visibility</p:attrName>
@@ -23187,7 +23187,7 @@
                                           </p:stCondLst>
                                         </p:cTn>
                                         <p:tgtEl>
-                                          <p:spTgt spid="20740"/>
+                                          <p:spTgt spid="30140"/>
                                         </p:tgtEl>
                                         <p:attrNameLst>
                                           <p:attrName>style.visibility</p:attrName>
@@ -23214,7 +23214,7 @@
                                           </p:stCondLst>
                                         </p:cTn>
                                         <p:tgtEl>
-                                          <p:spTgt spid="20741"/>
+                                          <p:spTgt spid="30141"/>
                                         </p:tgtEl>
                                         <p:attrNameLst>
                                           <p:attrName>style.visibility</p:attrName>
@@ -23241,7 +23241,7 @@
                                           </p:stCondLst>
                                         </p:cTn>
                                         <p:tgtEl>
-                                          <p:spTgt spid="20742"/>
+                                          <p:spTgt spid="30142"/>
                                         </p:tgtEl>
                                         <p:attrNameLst>
                                           <p:attrName>style.visibility</p:attrName>
@@ -23268,7 +23268,7 @@
                                           </p:stCondLst>
                                         </p:cTn>
                                         <p:tgtEl>
-                                          <p:spTgt spid="20743"/>
+                                          <p:spTgt spid="30143"/>
                                         </p:tgtEl>
                                         <p:attrNameLst>
                                           <p:attrName>style.visibility</p:attrName>
@@ -23295,7 +23295,7 @@
                                           </p:stCondLst>
                                         </p:cTn>
                                         <p:tgtEl>
-                                          <p:spTgt spid="20744"/>
+                                          <p:spTgt spid="30144"/>
                                         </p:tgtEl>
                                         <p:attrNameLst>
                                           <p:attrName>style.visibility</p:attrName>
@@ -23322,7 +23322,7 @@
                                           </p:stCondLst>
                                         </p:cTn>
                                         <p:tgtEl>
-                                          <p:spTgt spid="20745"/>
+                                          <p:spTgt spid="30145"/>
                                         </p:tgtEl>
                                         <p:attrNameLst>
                                           <p:attrName>style.visibility</p:attrName>
@@ -23349,7 +23349,7 @@
                                           </p:stCondLst>
                                         </p:cTn>
                                         <p:tgtEl>
-                                          <p:spTgt spid="20746"/>
+                                          <p:spTgt spid="30146"/>
                                         </p:tgtEl>
                                         <p:attrNameLst>
                                           <p:attrName>style.visibility</p:attrName>
@@ -23376,7 +23376,7 @@
                                           </p:stCondLst>
                                         </p:cTn>
                                         <p:tgtEl>
-                                          <p:spTgt spid="20747"/>
+                                          <p:spTgt spid="30147"/>
                                         </p:tgtEl>
                                         <p:attrNameLst>
                                           <p:attrName>style.visibility</p:attrName>
@@ -23403,7 +23403,7 @@
                                           </p:stCondLst>
                                         </p:cTn>
                                         <p:tgtEl>
-                                          <p:spTgt spid="20748"/>
+                                          <p:spTgt spid="30148"/>
                                         </p:tgtEl>
                                         <p:attrNameLst>
                                           <p:attrName>style.visibility</p:attrName>
@@ -23430,7 +23430,7 @@
                                           </p:stCondLst>
                                         </p:cTn>
                                         <p:tgtEl>
-                                          <p:spTgt spid="20749"/>
+                                          <p:spTgt spid="30149"/>
                                         </p:tgtEl>
                                         <p:attrNameLst>
                                           <p:attrName>style.visibility</p:attrName>
@@ -23457,7 +23457,7 @@
                                           </p:stCondLst>
                                         </p:cTn>
                                         <p:tgtEl>
-                                          <p:spTgt spid="20750"/>
+                                          <p:spTgt spid="30150"/>
                                         </p:tgtEl>
                                         <p:attrNameLst>
                                           <p:attrName>style.visibility</p:attrName>
@@ -23484,7 +23484,7 @@
                                           </p:stCondLst>
                                         </p:cTn>
                                         <p:tgtEl>
-                                          <p:spTgt spid="20751"/>
+                                          <p:spTgt spid="30151"/>
                                         </p:tgtEl>
                                         <p:attrNameLst>
                                           <p:attrName>style.visibility</p:attrName>
@@ -23511,7 +23511,7 @@
                                           </p:stCondLst>
                                         </p:cTn>
                                         <p:tgtEl>
-                                          <p:spTgt spid="20752"/>
+                                          <p:spTgt spid="30152"/>
                                         </p:tgtEl>
                                         <p:attrNameLst>
                                           <p:attrName>style.visibility</p:attrName>
@@ -23538,7 +23538,7 @@
                                           </p:stCondLst>
                                         </p:cTn>
                                         <p:tgtEl>
-                                          <p:spTgt spid="20753"/>
+                                          <p:spTgt spid="30153"/>
                                         </p:tgtEl>
                                         <p:attrNameLst>
                                           <p:attrName>style.visibility</p:attrName>
@@ -23565,7 +23565,7 @@
                                           </p:stCondLst>
                                         </p:cTn>
                                         <p:tgtEl>
-                                          <p:spTgt spid="20754"/>
+                                          <p:spTgt spid="30154"/>
                                         </p:tgtEl>
                                         <p:attrNameLst>
                                           <p:attrName>style.visibility</p:attrName>
@@ -23592,7 +23592,7 @@
                                           </p:stCondLst>
                                         </p:cTn>
                                         <p:tgtEl>
-                                          <p:spTgt spid="20755"/>
+                                          <p:spTgt spid="30155"/>
                                         </p:tgtEl>
                                         <p:attrNameLst>
                                           <p:attrName>style.visibility</p:attrName>
@@ -23619,7 +23619,7 @@
                                           </p:stCondLst>
                                         </p:cTn>
                                         <p:tgtEl>
-                                          <p:spTgt spid="20756"/>
+                                          <p:spTgt spid="30156"/>
                                         </p:tgtEl>
                                         <p:attrNameLst>
                                           <p:attrName>style.visibility</p:attrName>
@@ -23646,7 +23646,7 @@
                                           </p:stCondLst>
                                         </p:cTn>
                                         <p:tgtEl>
-                                          <p:spTgt spid="20757"/>
+                                          <p:spTgt spid="30157"/>
                                         </p:tgtEl>
                                         <p:attrNameLst>
                                           <p:attrName>style.visibility</p:attrName>
@@ -23673,7 +23673,7 @@
                                           </p:stCondLst>
                                         </p:cTn>
                                         <p:tgtEl>
-                                          <p:spTgt spid="20758"/>
+                                          <p:spTgt spid="30158"/>
                                         </p:tgtEl>
                                         <p:attrNameLst>
                                           <p:attrName>style.visibility</p:attrName>
@@ -23700,7 +23700,7 @@
                                           </p:stCondLst>
                                         </p:cTn>
                                         <p:tgtEl>
-                                          <p:spTgt spid="20759"/>
+                                          <p:spTgt spid="30159"/>
                                         </p:tgtEl>
                                         <p:attrNameLst>
                                           <p:attrName>style.visibility</p:attrName>
@@ -23727,7 +23727,7 @@
                                           </p:stCondLst>
                                         </p:cTn>
                                         <p:tgtEl>
-                                          <p:spTgt spid="20760"/>
+                                          <p:spTgt spid="30160"/>
                                         </p:tgtEl>
                                         <p:attrNameLst>
                                           <p:attrName>style.visibility</p:attrName>
@@ -23754,7 +23754,7 @@
                                           </p:stCondLst>
                                         </p:cTn>
                                         <p:tgtEl>
-                                          <p:spTgt spid="20761"/>
+                                          <p:spTgt spid="30161"/>
                                         </p:tgtEl>
                                         <p:attrNameLst>
                                           <p:attrName>style.visibility</p:attrName>
@@ -23781,7 +23781,7 @@
                                           </p:stCondLst>
                                         </p:cTn>
                                         <p:tgtEl>
-                                          <p:spTgt spid="20762"/>
+                                          <p:spTgt spid="30162"/>
                                         </p:tgtEl>
                                         <p:attrNameLst>
                                           <p:attrName>style.visibility</p:attrName>
@@ -23808,7 +23808,7 @@
                                           </p:stCondLst>
                                         </p:cTn>
                                         <p:tgtEl>
-                                          <p:spTgt spid="20763"/>
+                                          <p:spTgt spid="30163"/>
                                         </p:tgtEl>
                                         <p:attrNameLst>
                                           <p:attrName>style.visibility</p:attrName>
@@ -23835,7 +23835,7 @@
                                           </p:stCondLst>
                                         </p:cTn>
                                         <p:tgtEl>
-                                          <p:spTgt spid="20764"/>
+                                          <p:spTgt spid="30164"/>
                                         </p:tgtEl>
                                         <p:attrNameLst>
                                           <p:attrName>style.visibility</p:attrName>
@@ -23862,7 +23862,7 @@
                                           </p:stCondLst>
                                         </p:cTn>
                                         <p:tgtEl>
-                                          <p:spTgt spid="20765"/>
+                                          <p:spTgt spid="30165"/>
                                         </p:tgtEl>
                                         <p:attrNameLst>
                                           <p:attrName>style.visibility</p:attrName>
@@ -23889,7 +23889,7 @@
                                           </p:stCondLst>
                                         </p:cTn>
                                         <p:tgtEl>
-                                          <p:spTgt spid="20766"/>
+                                          <p:spTgt spid="30166"/>
                                         </p:tgtEl>
                                         <p:attrNameLst>
                                           <p:attrName>style.visibility</p:attrName>
@@ -23916,7 +23916,7 @@
                                           </p:stCondLst>
                                         </p:cTn>
                                         <p:tgtEl>
-                                          <p:spTgt spid="20767"/>
+                                          <p:spTgt spid="30167"/>
                                         </p:tgtEl>
                                         <p:attrNameLst>
                                           <p:attrName>style.visibility</p:attrName>
@@ -23943,7 +23943,7 @@
                                           </p:stCondLst>
                                         </p:cTn>
                                         <p:tgtEl>
-                                          <p:spTgt spid="20768"/>
+                                          <p:spTgt spid="30168"/>
                                         </p:tgtEl>
                                         <p:attrNameLst>
                                           <p:attrName>style.visibility</p:attrName>
@@ -23970,7 +23970,7 @@
                                           </p:stCondLst>
                                         </p:cTn>
                                         <p:tgtEl>
-                                          <p:spTgt spid="20769"/>
+                                          <p:spTgt spid="30169"/>
                                         </p:tgtEl>
                                         <p:attrNameLst>
                                           <p:attrName>style.visibility</p:attrName>
@@ -23997,7 +23997,7 @@
                                           </p:stCondLst>
                                         </p:cTn>
                                         <p:tgtEl>
-                                          <p:spTgt spid="20770"/>
+                                          <p:spTgt spid="30170"/>
                                         </p:tgtEl>
                                         <p:attrNameLst>
                                           <p:attrName>style.visibility</p:attrName>
@@ -24024,7 +24024,7 @@
                                           </p:stCondLst>
                                         </p:cTn>
                                         <p:tgtEl>
-                                          <p:spTgt spid="20771"/>
+                                          <p:spTgt spid="30171"/>
                                         </p:tgtEl>
                                         <p:attrNameLst>
                                           <p:attrName>style.visibility</p:attrName>

--- a/org.mwc.debrief.legacy/test_data/master_template/multi_tracks/multi_tracks_temp.pptx
+++ b/org.mwc.debrief.legacy/test_data/master_template/multi_tracks/multi_tracks_temp.pptx
@@ -11208,7 +11208,7 @@
         <p:spPr>
           <a:xfrm>
             <a:off x="3387681" y="5825137"/>
-            <a:ext cx="2581828" cy="461665"/>
+            <a:ext cx="2581828" cy="861665"/>
           </a:xfrm>
           <a:prstGeom prst="rect">
             <a:avLst/>
@@ -11341,7 +11341,7 @@
         <p:spPr>
           <a:xfrm>
             <a:off x="3387681" y="5825137"/>
-            <a:ext cx="2581828" cy="461665"/>
+            <a:ext cx="2581828" cy="861665"/>
           </a:xfrm>
           <a:prstGeom prst="rect">
             <a:avLst/>
@@ -11474,7 +11474,7 @@
         <p:spPr>
           <a:xfrm>
             <a:off x="3387681" y="5825137"/>
-            <a:ext cx="2581828" cy="461665"/>
+            <a:ext cx="2581828" cy="861665"/>
           </a:xfrm>
           <a:prstGeom prst="rect">
             <a:avLst/>
@@ -11607,7 +11607,7 @@
         <p:spPr>
           <a:xfrm>
             <a:off x="3387681" y="5825137"/>
-            <a:ext cx="2581828" cy="461665"/>
+            <a:ext cx="2581828" cy="861665"/>
           </a:xfrm>
           <a:prstGeom prst="rect">
             <a:avLst/>
@@ -11740,7 +11740,7 @@
         <p:spPr>
           <a:xfrm>
             <a:off x="3387681" y="5825137"/>
-            <a:ext cx="2581828" cy="461665"/>
+            <a:ext cx="2581828" cy="861665"/>
           </a:xfrm>
           <a:prstGeom prst="rect">
             <a:avLst/>
@@ -11873,7 +11873,7 @@
         <p:spPr>
           <a:xfrm>
             <a:off x="3387681" y="5825137"/>
-            <a:ext cx="2581828" cy="461665"/>
+            <a:ext cx="2581828" cy="861665"/>
           </a:xfrm>
           <a:prstGeom prst="rect">
             <a:avLst/>
@@ -12006,7 +12006,7 @@
         <p:spPr>
           <a:xfrm>
             <a:off x="3387681" y="5825137"/>
-            <a:ext cx="2581828" cy="461665"/>
+            <a:ext cx="2581828" cy="861665"/>
           </a:xfrm>
           <a:prstGeom prst="rect">
             <a:avLst/>
@@ -12139,7 +12139,7 @@
         <p:spPr>
           <a:xfrm>
             <a:off x="3387681" y="5825137"/>
-            <a:ext cx="2581828" cy="461665"/>
+            <a:ext cx="2581828" cy="861665"/>
           </a:xfrm>
           <a:prstGeom prst="rect">
             <a:avLst/>
@@ -12272,7 +12272,7 @@
         <p:spPr>
           <a:xfrm>
             <a:off x="3387681" y="5825137"/>
-            <a:ext cx="2581828" cy="461665"/>
+            <a:ext cx="2581828" cy="861665"/>
           </a:xfrm>
           <a:prstGeom prst="rect">
             <a:avLst/>
@@ -12405,7 +12405,7 @@
         <p:spPr>
           <a:xfrm>
             <a:off x="3387681" y="5825137"/>
-            <a:ext cx="2581828" cy="461665"/>
+            <a:ext cx="2581828" cy="861665"/>
           </a:xfrm>
           <a:prstGeom prst="rect">
             <a:avLst/>
@@ -12538,7 +12538,7 @@
         <p:spPr>
           <a:xfrm>
             <a:off x="3387681" y="5825137"/>
-            <a:ext cx="2581828" cy="461665"/>
+            <a:ext cx="2581828" cy="861665"/>
           </a:xfrm>
           <a:prstGeom prst="rect">
             <a:avLst/>
@@ -12671,7 +12671,7 @@
         <p:spPr>
           <a:xfrm>
             <a:off x="3387681" y="5825137"/>
-            <a:ext cx="2581828" cy="461665"/>
+            <a:ext cx="2581828" cy="861665"/>
           </a:xfrm>
           <a:prstGeom prst="rect">
             <a:avLst/>
@@ -12804,7 +12804,7 @@
         <p:spPr>
           <a:xfrm>
             <a:off x="3387681" y="5825137"/>
-            <a:ext cx="2581828" cy="461665"/>
+            <a:ext cx="2581828" cy="861665"/>
           </a:xfrm>
           <a:prstGeom prst="rect">
             <a:avLst/>
@@ -12937,7 +12937,7 @@
         <p:spPr>
           <a:xfrm>
             <a:off x="3387681" y="5825137"/>
-            <a:ext cx="2581828" cy="461665"/>
+            <a:ext cx="2581828" cy="861665"/>
           </a:xfrm>
           <a:prstGeom prst="rect">
             <a:avLst/>
@@ -13070,7 +13070,7 @@
         <p:spPr>
           <a:xfrm>
             <a:off x="3387681" y="5825137"/>
-            <a:ext cx="2581828" cy="461665"/>
+            <a:ext cx="2581828" cy="861665"/>
           </a:xfrm>
           <a:prstGeom prst="rect">
             <a:avLst/>
@@ -13203,7 +13203,7 @@
         <p:spPr>
           <a:xfrm>
             <a:off x="3387681" y="5825137"/>
-            <a:ext cx="2581828" cy="461665"/>
+            <a:ext cx="2581828" cy="861665"/>
           </a:xfrm>
           <a:prstGeom prst="rect">
             <a:avLst/>
@@ -13336,7 +13336,7 @@
         <p:spPr>
           <a:xfrm>
             <a:off x="3387681" y="5825137"/>
-            <a:ext cx="2581828" cy="461665"/>
+            <a:ext cx="2581828" cy="861665"/>
           </a:xfrm>
           <a:prstGeom prst="rect">
             <a:avLst/>
@@ -13469,7 +13469,7 @@
         <p:spPr>
           <a:xfrm>
             <a:off x="3387681" y="5825137"/>
-            <a:ext cx="2581828" cy="461665"/>
+            <a:ext cx="2581828" cy="861665"/>
           </a:xfrm>
           <a:prstGeom prst="rect">
             <a:avLst/>
@@ -13602,7 +13602,7 @@
         <p:spPr>
           <a:xfrm>
             <a:off x="3387681" y="5825137"/>
-            <a:ext cx="2581828" cy="461665"/>
+            <a:ext cx="2581828" cy="861665"/>
           </a:xfrm>
           <a:prstGeom prst="rect">
             <a:avLst/>
@@ -13735,7 +13735,7 @@
         <p:spPr>
           <a:xfrm>
             <a:off x="3387681" y="5825137"/>
-            <a:ext cx="2581828" cy="461665"/>
+            <a:ext cx="2581828" cy="861665"/>
           </a:xfrm>
           <a:prstGeom prst="rect">
             <a:avLst/>
@@ -13868,7 +13868,7 @@
         <p:spPr>
           <a:xfrm>
             <a:off x="3387681" y="5825137"/>
-            <a:ext cx="2581828" cy="461665"/>
+            <a:ext cx="2581828" cy="861665"/>
           </a:xfrm>
           <a:prstGeom prst="rect">
             <a:avLst/>
@@ -14001,7 +14001,7 @@
         <p:spPr>
           <a:xfrm>
             <a:off x="3387681" y="5825137"/>
-            <a:ext cx="2581828" cy="461665"/>
+            <a:ext cx="2581828" cy="861665"/>
           </a:xfrm>
           <a:prstGeom prst="rect">
             <a:avLst/>
@@ -14134,7 +14134,7 @@
         <p:spPr>
           <a:xfrm>
             <a:off x="3387681" y="5825137"/>
-            <a:ext cx="2581828" cy="461665"/>
+            <a:ext cx="2581828" cy="861665"/>
           </a:xfrm>
           <a:prstGeom prst="rect">
             <a:avLst/>
@@ -14267,7 +14267,7 @@
         <p:spPr>
           <a:xfrm>
             <a:off x="3387681" y="5825137"/>
-            <a:ext cx="2581828" cy="461665"/>
+            <a:ext cx="2581828" cy="861665"/>
           </a:xfrm>
           <a:prstGeom prst="rect">
             <a:avLst/>
@@ -14400,7 +14400,7 @@
         <p:spPr>
           <a:xfrm>
             <a:off x="3387681" y="5825137"/>
-            <a:ext cx="2581828" cy="461665"/>
+            <a:ext cx="2581828" cy="861665"/>
           </a:xfrm>
           <a:prstGeom prst="rect">
             <a:avLst/>
@@ -14533,7 +14533,7 @@
         <p:spPr>
           <a:xfrm>
             <a:off x="3387681" y="5825137"/>
-            <a:ext cx="2581828" cy="461665"/>
+            <a:ext cx="2581828" cy="861665"/>
           </a:xfrm>
           <a:prstGeom prst="rect">
             <a:avLst/>
@@ -14666,7 +14666,7 @@
         <p:spPr>
           <a:xfrm>
             <a:off x="3387681" y="5825137"/>
-            <a:ext cx="2581828" cy="461665"/>
+            <a:ext cx="2581828" cy="861665"/>
           </a:xfrm>
           <a:prstGeom prst="rect">
             <a:avLst/>
@@ -14799,7 +14799,7 @@
         <p:spPr>
           <a:xfrm>
             <a:off x="3387681" y="5825137"/>
-            <a:ext cx="2581828" cy="461665"/>
+            <a:ext cx="2581828" cy="861665"/>
           </a:xfrm>
           <a:prstGeom prst="rect">
             <a:avLst/>
@@ -14932,7 +14932,7 @@
         <p:spPr>
           <a:xfrm>
             <a:off x="3387681" y="5825137"/>
-            <a:ext cx="2581828" cy="461665"/>
+            <a:ext cx="2581828" cy="861665"/>
           </a:xfrm>
           <a:prstGeom prst="rect">
             <a:avLst/>
@@ -15065,7 +15065,7 @@
         <p:spPr>
           <a:xfrm>
             <a:off x="3387681" y="5825137"/>
-            <a:ext cx="2581828" cy="461665"/>
+            <a:ext cx="2581828" cy="861665"/>
           </a:xfrm>
           <a:prstGeom prst="rect">
             <a:avLst/>
@@ -15198,7 +15198,7 @@
         <p:spPr>
           <a:xfrm>
             <a:off x="3387681" y="5825137"/>
-            <a:ext cx="2581828" cy="461665"/>
+            <a:ext cx="2581828" cy="861665"/>
           </a:xfrm>
           <a:prstGeom prst="rect">
             <a:avLst/>
@@ -15331,7 +15331,7 @@
         <p:spPr>
           <a:xfrm>
             <a:off x="3387681" y="5825137"/>
-            <a:ext cx="2581828" cy="461665"/>
+            <a:ext cx="2581828" cy="861665"/>
           </a:xfrm>
           <a:prstGeom prst="rect">
             <a:avLst/>
@@ -15464,7 +15464,7 @@
         <p:spPr>
           <a:xfrm>
             <a:off x="3387681" y="5825137"/>
-            <a:ext cx="2581828" cy="461665"/>
+            <a:ext cx="2581828" cy="861665"/>
           </a:xfrm>
           <a:prstGeom prst="rect">
             <a:avLst/>
@@ -15597,7 +15597,7 @@
         <p:spPr>
           <a:xfrm>
             <a:off x="3387681" y="5825137"/>
-            <a:ext cx="2581828" cy="461665"/>
+            <a:ext cx="2581828" cy="861665"/>
           </a:xfrm>
           <a:prstGeom prst="rect">
             <a:avLst/>
@@ -15730,7 +15730,7 @@
         <p:spPr>
           <a:xfrm>
             <a:off x="3387681" y="5825137"/>
-            <a:ext cx="2581828" cy="461665"/>
+            <a:ext cx="2581828" cy="861665"/>
           </a:xfrm>
           <a:prstGeom prst="rect">
             <a:avLst/>
@@ -15863,7 +15863,7 @@
         <p:spPr>
           <a:xfrm>
             <a:off x="3387681" y="5825137"/>
-            <a:ext cx="2581828" cy="461665"/>
+            <a:ext cx="2581828" cy="861665"/>
           </a:xfrm>
           <a:prstGeom prst="rect">
             <a:avLst/>
@@ -15996,7 +15996,7 @@
         <p:spPr>
           <a:xfrm>
             <a:off x="3387681" y="5825137"/>
-            <a:ext cx="2581828" cy="461665"/>
+            <a:ext cx="2581828" cy="861665"/>
           </a:xfrm>
           <a:prstGeom prst="rect">
             <a:avLst/>
@@ -16129,7 +16129,7 @@
         <p:spPr>
           <a:xfrm>
             <a:off x="3387681" y="5825137"/>
-            <a:ext cx="2581828" cy="461665"/>
+            <a:ext cx="2581828" cy="861665"/>
           </a:xfrm>
           <a:prstGeom prst="rect">
             <a:avLst/>
@@ -16262,7 +16262,7 @@
         <p:spPr>
           <a:xfrm>
             <a:off x="3387681" y="5825137"/>
-            <a:ext cx="2581828" cy="461665"/>
+            <a:ext cx="2581828" cy="861665"/>
           </a:xfrm>
           <a:prstGeom prst="rect">
             <a:avLst/>
@@ -16395,7 +16395,7 @@
         <p:spPr>
           <a:xfrm>
             <a:off x="3387681" y="5825137"/>
-            <a:ext cx="2581828" cy="461665"/>
+            <a:ext cx="2581828" cy="861665"/>
           </a:xfrm>
           <a:prstGeom prst="rect">
             <a:avLst/>
@@ -16528,7 +16528,7 @@
         <p:spPr>
           <a:xfrm>
             <a:off x="3387681" y="5825137"/>
-            <a:ext cx="2581828" cy="461665"/>
+            <a:ext cx="2581828" cy="861665"/>
           </a:xfrm>
           <a:prstGeom prst="rect">
             <a:avLst/>
@@ -16661,7 +16661,7 @@
         <p:spPr>
           <a:xfrm>
             <a:off x="3387681" y="5825137"/>
-            <a:ext cx="2581828" cy="461665"/>
+            <a:ext cx="2581828" cy="861665"/>
           </a:xfrm>
           <a:prstGeom prst="rect">
             <a:avLst/>
@@ -16794,7 +16794,7 @@
         <p:spPr>
           <a:xfrm>
             <a:off x="3387681" y="5825137"/>
-            <a:ext cx="2581828" cy="461665"/>
+            <a:ext cx="2581828" cy="861665"/>
           </a:xfrm>
           <a:prstGeom prst="rect">
             <a:avLst/>
